--- a/samples/sample1.pptx
+++ b/samples/sample1.pptx
@@ -1,14 +1,15 @@
 
 <file path=ppt/presentation.xml><?xml version="1.0" encoding="utf-8"?>
-<p:presentation xmlns:a="http://schemas.openxmlformats.org/drawingml/2006/main" xmlns:p="http://schemas.openxmlformats.org/presentationml/2006/main" xmlns:r="http://schemas.openxmlformats.org/officeDocument/2006/relationships" xmlns:p14="http://schemas.microsoft.com/office/powerpoint/2010/main" xmlns:p15="http://schemas.microsoft.com/office/powerpoint/2012/main" xmlns:mc="http://schemas.openxmlformats.org/markup-compatibility/2006">
+<p:presentation xmlns:a="http://schemas.openxmlformats.org/drawingml/2006/main" xmlns:p="http://schemas.openxmlformats.org/presentationml/2006/main" xmlns:r="http://schemas.openxmlformats.org/officeDocument/2006/relationships">
   <p:sldMasterIdLst>
     <p:sldMasterId id="2147483648" r:id="rId2"/>
+    <p:sldMasterId id="2147483661" r:id="rId3"/>
   </p:sldMasterIdLst>
   <p:sldIdLst>
-    <p:sldId id="256" r:id="rId3"/>
-    <p:sldId id="257" r:id="rId4"/>
-    <p:sldId id="258" r:id="rId5"/>
-    <p:sldId id="259" r:id="rId6"/>
+    <p:sldId id="256" r:id="rId4"/>
+    <p:sldId id="257" r:id="rId5"/>
+    <p:sldId id="258" r:id="rId6"/>
+    <p:sldId id="259" r:id="rId7"/>
   </p:sldIdLst>
   <p:sldSz cx="10080625" cy="7559675"/>
   <p:notesSz cx="7559675" cy="10691812"/>
@@ -16,7 +17,7 @@
 </file>
 
 <file path=ppt/slideLayouts/slideLayout1.xml><?xml version="1.0" encoding="utf-8"?>
-<p:sldLayout xmlns:a="http://schemas.openxmlformats.org/drawingml/2006/main" xmlns:p="http://schemas.openxmlformats.org/presentationml/2006/main" xmlns:r="http://schemas.openxmlformats.org/officeDocument/2006/relationships" xmlns:p14="http://schemas.microsoft.com/office/powerpoint/2010/main" xmlns:p15="http://schemas.microsoft.com/office/powerpoint/2012/main" xmlns:mc="http://schemas.openxmlformats.org/markup-compatibility/2006" type="blank" preserve="1">
+<p:sldLayout xmlns:a="http://schemas.openxmlformats.org/drawingml/2006/main" xmlns:p="http://schemas.openxmlformats.org/presentationml/2006/main" xmlns:r="http://schemas.openxmlformats.org/officeDocument/2006/relationships" type="blank" preserve="1">
   <p:cSld name="Blank Slide">
     <p:spTree>
       <p:nvGrpSpPr>
@@ -38,7 +39,7 @@
 </file>
 
 <file path=ppt/slideLayouts/slideLayout10.xml><?xml version="1.0" encoding="utf-8"?>
-<p:sldLayout xmlns:a="http://schemas.openxmlformats.org/drawingml/2006/main" xmlns:p="http://schemas.openxmlformats.org/presentationml/2006/main" xmlns:r="http://schemas.openxmlformats.org/officeDocument/2006/relationships" xmlns:p14="http://schemas.microsoft.com/office/powerpoint/2010/main" xmlns:p15="http://schemas.microsoft.com/office/powerpoint/2012/main" xmlns:mc="http://schemas.openxmlformats.org/markup-compatibility/2006" type="objOverTx" preserve="1">
+<p:sldLayout xmlns:a="http://schemas.openxmlformats.org/drawingml/2006/main" xmlns:p="http://schemas.openxmlformats.org/presentationml/2006/main" xmlns:r="http://schemas.openxmlformats.org/officeDocument/2006/relationships" type="objOverTx" preserve="1">
   <p:cSld name="Title, Content over Content">
     <p:spTree>
       <p:nvGrpSpPr>
@@ -56,7 +57,7 @@
       </p:grpSpPr>
       <p:sp>
         <p:nvSpPr>
-          <p:cNvPr id="26" name="PlaceHolder 1"/>
+          <p:cNvPr id="23" name="PlaceHolder 1"/>
           <p:cNvSpPr>
             <a:spLocks noGrp="1"/>
           </p:cNvSpPr>
@@ -67,7 +68,7 @@
         <p:spPr>
           <a:xfrm>
             <a:off x="504000" y="301320"/>
-            <a:ext cx="9071640" cy="1262160"/>
+            <a:ext cx="9071280" cy="1261800"/>
           </a:xfrm>
           <a:prstGeom prst="rect">
             <a:avLst/>
@@ -93,7 +94,7 @@
       </p:sp>
       <p:sp>
         <p:nvSpPr>
-          <p:cNvPr id="27" name="PlaceHolder 2"/>
+          <p:cNvPr id="24" name="PlaceHolder 2"/>
           <p:cNvSpPr>
             <a:spLocks noGrp="1"/>
           </p:cNvSpPr>
@@ -104,7 +105,7 @@
         <p:spPr>
           <a:xfrm>
             <a:off x="504000" y="1769040"/>
-            <a:ext cx="9071640" cy="2091240"/>
+            <a:ext cx="9071280" cy="2090880"/>
           </a:xfrm>
           <a:prstGeom prst="rect">
             <a:avLst/>
@@ -129,7 +130,7 @@
       </p:sp>
       <p:sp>
         <p:nvSpPr>
-          <p:cNvPr id="28" name="PlaceHolder 3"/>
+          <p:cNvPr id="25" name="PlaceHolder 3"/>
           <p:cNvSpPr>
             <a:spLocks noGrp="1"/>
           </p:cNvSpPr>
@@ -139,8 +140,8 @@
         </p:nvSpPr>
         <p:spPr>
           <a:xfrm>
-            <a:off x="504000" y="4059360"/>
-            <a:ext cx="9071640" cy="2091240"/>
+            <a:off x="504000" y="4059000"/>
+            <a:ext cx="9071280" cy="2090880"/>
           </a:xfrm>
           <a:prstGeom prst="rect">
             <a:avLst/>
@@ -169,7 +170,7 @@
 </file>
 
 <file path=ppt/slideLayouts/slideLayout11.xml><?xml version="1.0" encoding="utf-8"?>
-<p:sldLayout xmlns:a="http://schemas.openxmlformats.org/drawingml/2006/main" xmlns:p="http://schemas.openxmlformats.org/presentationml/2006/main" xmlns:r="http://schemas.openxmlformats.org/officeDocument/2006/relationships" xmlns:p14="http://schemas.microsoft.com/office/powerpoint/2010/main" xmlns:p15="http://schemas.microsoft.com/office/powerpoint/2012/main" xmlns:mc="http://schemas.openxmlformats.org/markup-compatibility/2006" type="fourObj" preserve="1">
+<p:sldLayout xmlns:a="http://schemas.openxmlformats.org/drawingml/2006/main" xmlns:p="http://schemas.openxmlformats.org/presentationml/2006/main" xmlns:r="http://schemas.openxmlformats.org/officeDocument/2006/relationships" type="fourObj" preserve="1">
   <p:cSld name="Title, 4 Content">
     <p:spTree>
       <p:nvGrpSpPr>
@@ -187,7 +188,7 @@
       </p:grpSpPr>
       <p:sp>
         <p:nvSpPr>
-          <p:cNvPr id="29" name="PlaceHolder 1"/>
+          <p:cNvPr id="26" name="PlaceHolder 1"/>
           <p:cNvSpPr>
             <a:spLocks noGrp="1"/>
           </p:cNvSpPr>
@@ -198,7 +199,7 @@
         <p:spPr>
           <a:xfrm>
             <a:off x="504000" y="301320"/>
-            <a:ext cx="9071640" cy="1262160"/>
+            <a:ext cx="9071280" cy="1261800"/>
           </a:xfrm>
           <a:prstGeom prst="rect">
             <a:avLst/>
@@ -224,7 +225,7 @@
       </p:sp>
       <p:sp>
         <p:nvSpPr>
-          <p:cNvPr id="30" name="PlaceHolder 2"/>
+          <p:cNvPr id="27" name="PlaceHolder 2"/>
           <p:cNvSpPr>
             <a:spLocks noGrp="1"/>
           </p:cNvSpPr>
@@ -235,7 +236,7 @@
         <p:spPr>
           <a:xfrm>
             <a:off x="504000" y="1769040"/>
-            <a:ext cx="4426920" cy="2091240"/>
+            <a:ext cx="4426560" cy="2090880"/>
           </a:xfrm>
           <a:prstGeom prst="rect">
             <a:avLst/>
@@ -260,7 +261,7 @@
       </p:sp>
       <p:sp>
         <p:nvSpPr>
-          <p:cNvPr id="31" name="PlaceHolder 3"/>
+          <p:cNvPr id="28" name="PlaceHolder 3"/>
           <p:cNvSpPr>
             <a:spLocks noGrp="1"/>
           </p:cNvSpPr>
@@ -270,8 +271,8 @@
         </p:nvSpPr>
         <p:spPr>
           <a:xfrm>
-            <a:off x="5152680" y="1769040"/>
-            <a:ext cx="4426920" cy="2091240"/>
+            <a:off x="5152320" y="1769040"/>
+            <a:ext cx="4426560" cy="2090880"/>
           </a:xfrm>
           <a:prstGeom prst="rect">
             <a:avLst/>
@@ -296,7 +297,7 @@
       </p:sp>
       <p:sp>
         <p:nvSpPr>
-          <p:cNvPr id="32" name="PlaceHolder 4"/>
+          <p:cNvPr id="29" name="PlaceHolder 4"/>
           <p:cNvSpPr>
             <a:spLocks noGrp="1"/>
           </p:cNvSpPr>
@@ -306,8 +307,8 @@
         </p:nvSpPr>
         <p:spPr>
           <a:xfrm>
-            <a:off x="5152680" y="4059360"/>
-            <a:ext cx="4426920" cy="2091240"/>
+            <a:off x="5152320" y="4059000"/>
+            <a:ext cx="4426560" cy="2090880"/>
           </a:xfrm>
           <a:prstGeom prst="rect">
             <a:avLst/>
@@ -332,7 +333,7 @@
       </p:sp>
       <p:sp>
         <p:nvSpPr>
-          <p:cNvPr id="33" name="PlaceHolder 5"/>
+          <p:cNvPr id="30" name="PlaceHolder 5"/>
           <p:cNvSpPr>
             <a:spLocks noGrp="1"/>
           </p:cNvSpPr>
@@ -342,8 +343,8 @@
         </p:nvSpPr>
         <p:spPr>
           <a:xfrm>
-            <a:off x="504000" y="4059360"/>
-            <a:ext cx="4426920" cy="2091240"/>
+            <a:off x="504000" y="4059000"/>
+            <a:ext cx="4426560" cy="2090880"/>
           </a:xfrm>
           <a:prstGeom prst="rect">
             <a:avLst/>
@@ -372,7 +373,7 @@
 </file>
 
 <file path=ppt/slideLayouts/slideLayout12.xml><?xml version="1.0" encoding="utf-8"?>
-<p:sldLayout xmlns:a="http://schemas.openxmlformats.org/drawingml/2006/main" xmlns:p="http://schemas.openxmlformats.org/presentationml/2006/main" xmlns:r="http://schemas.openxmlformats.org/officeDocument/2006/relationships" xmlns:p14="http://schemas.microsoft.com/office/powerpoint/2010/main" xmlns:p15="http://schemas.microsoft.com/office/powerpoint/2012/main" xmlns:mc="http://schemas.openxmlformats.org/markup-compatibility/2006" type="blank" preserve="1">
+<p:sldLayout xmlns:a="http://schemas.openxmlformats.org/drawingml/2006/main" xmlns:p="http://schemas.openxmlformats.org/presentationml/2006/main" xmlns:r="http://schemas.openxmlformats.org/officeDocument/2006/relationships" type="blank" preserve="1">
   <p:cSld name="Title, 6 Content">
     <p:spTree>
       <p:nvGrpSpPr>
@@ -390,7 +391,7 @@
       </p:grpSpPr>
       <p:sp>
         <p:nvSpPr>
-          <p:cNvPr id="34" name="PlaceHolder 1"/>
+          <p:cNvPr id="31" name="PlaceHolder 1"/>
           <p:cNvSpPr>
             <a:spLocks noGrp="1"/>
           </p:cNvSpPr>
@@ -401,7 +402,7 @@
         <p:spPr>
           <a:xfrm>
             <a:off x="504000" y="301320"/>
-            <a:ext cx="9071640" cy="1262160"/>
+            <a:ext cx="9071280" cy="1261800"/>
           </a:xfrm>
           <a:prstGeom prst="rect">
             <a:avLst/>
@@ -427,7 +428,7 @@
       </p:sp>
       <p:sp>
         <p:nvSpPr>
-          <p:cNvPr id="35" name="PlaceHolder 2"/>
+          <p:cNvPr id="32" name="PlaceHolder 2"/>
           <p:cNvSpPr>
             <a:spLocks noGrp="1"/>
           </p:cNvSpPr>
@@ -438,7 +439,7 @@
         <p:spPr>
           <a:xfrm>
             <a:off x="504000" y="1769040"/>
-            <a:ext cx="9071640" cy="4384440"/>
+            <a:ext cx="9071280" cy="4384080"/>
           </a:xfrm>
           <a:prstGeom prst="rect">
             <a:avLst/>
@@ -463,7 +464,7 @@
       </p:sp>
       <p:sp>
         <p:nvSpPr>
-          <p:cNvPr id="36" name="PlaceHolder 3"/>
+          <p:cNvPr id="33" name="PlaceHolder 3"/>
           <p:cNvSpPr>
             <a:spLocks noGrp="1"/>
           </p:cNvSpPr>
@@ -474,7 +475,7 @@
         <p:spPr>
           <a:xfrm>
             <a:off x="504000" y="1769040"/>
-            <a:ext cx="9071640" cy="4384440"/>
+            <a:ext cx="9071280" cy="4384080"/>
           </a:xfrm>
           <a:prstGeom prst="rect">
             <a:avLst/>
@@ -499,7 +500,7 @@
       </p:sp>
       <p:pic>
         <p:nvPicPr>
-          <p:cNvPr id="37" name="" descr=""/>
+          <p:cNvPr id="34" name="" descr=""/>
           <p:cNvPicPr/>
           <p:nvPr/>
         </p:nvPicPr>
@@ -509,8 +510,8 @@
         </p:blipFill>
         <p:spPr>
           <a:xfrm>
-            <a:off x="2291400" y="1768680"/>
-            <a:ext cx="5496120" cy="4384440"/>
+            <a:off x="2292120" y="1769040"/>
+            <a:ext cx="5494680" cy="4384080"/>
           </a:xfrm>
           <a:prstGeom prst="rect">
             <a:avLst/>
@@ -522,7 +523,7 @@
       </p:pic>
       <p:pic>
         <p:nvPicPr>
-          <p:cNvPr id="38" name="" descr=""/>
+          <p:cNvPr id="35" name="" descr=""/>
           <p:cNvPicPr/>
           <p:nvPr/>
         </p:nvPicPr>
@@ -532,8 +533,8 @@
         </p:blipFill>
         <p:spPr>
           <a:xfrm>
-            <a:off x="2291400" y="1768680"/>
-            <a:ext cx="5496120" cy="4384440"/>
+            <a:off x="2292120" y="1769040"/>
+            <a:ext cx="5494680" cy="4384080"/>
           </a:xfrm>
           <a:prstGeom prst="rect">
             <a:avLst/>
@@ -548,8 +549,30 @@
 </p:sldLayout>
 </file>
 
-<file path=ppt/slideLayouts/slideLayout2.xml><?xml version="1.0" encoding="utf-8"?>
-<p:sldLayout xmlns:a="http://schemas.openxmlformats.org/drawingml/2006/main" xmlns:p="http://schemas.openxmlformats.org/presentationml/2006/main" xmlns:r="http://schemas.openxmlformats.org/officeDocument/2006/relationships" xmlns:p14="http://schemas.microsoft.com/office/powerpoint/2010/main" xmlns:p15="http://schemas.microsoft.com/office/powerpoint/2012/main" xmlns:mc="http://schemas.openxmlformats.org/markup-compatibility/2006" type="tx" preserve="1">
+<file path=ppt/slideLayouts/slideLayout13.xml><?xml version="1.0" encoding="utf-8"?>
+<p:sldLayout xmlns:a="http://schemas.openxmlformats.org/drawingml/2006/main" xmlns:p="http://schemas.openxmlformats.org/presentationml/2006/main" xmlns:r="http://schemas.openxmlformats.org/officeDocument/2006/relationships" type="blank" preserve="1">
+  <p:cSld name="Blank Slide">
+    <p:spTree>
+      <p:nvGrpSpPr>
+        <p:cNvPr id="1" name=""/>
+        <p:cNvGrpSpPr/>
+        <p:nvPr/>
+      </p:nvGrpSpPr>
+      <p:grpSpPr>
+        <a:xfrm>
+          <a:off x="0" y="0"/>
+          <a:ext cx="0" cy="0"/>
+          <a:chOff x="0" y="0"/>
+          <a:chExt cx="0" cy="0"/>
+        </a:xfrm>
+      </p:grpSpPr>
+    </p:spTree>
+  </p:cSld>
+</p:sldLayout>
+</file>
+
+<file path=ppt/slideLayouts/slideLayout14.xml><?xml version="1.0" encoding="utf-8"?>
+<p:sldLayout xmlns:a="http://schemas.openxmlformats.org/drawingml/2006/main" xmlns:p="http://schemas.openxmlformats.org/presentationml/2006/main" xmlns:r="http://schemas.openxmlformats.org/officeDocument/2006/relationships" type="tx" preserve="1">
   <p:cSld name="Title Slide">
     <p:spTree>
       <p:nvGrpSpPr>
@@ -567,7 +590,7 @@
       </p:grpSpPr>
       <p:sp>
         <p:nvSpPr>
-          <p:cNvPr id="5" name="PlaceHolder 1"/>
+          <p:cNvPr id="38" name="PlaceHolder 1"/>
           <p:cNvSpPr>
             <a:spLocks noGrp="1"/>
           </p:cNvSpPr>
@@ -578,7 +601,7 @@
         <p:spPr>
           <a:xfrm>
             <a:off x="504000" y="301320"/>
-            <a:ext cx="9071640" cy="1262160"/>
+            <a:ext cx="9071280" cy="1261800"/>
           </a:xfrm>
           <a:prstGeom prst="rect">
             <a:avLst/>
@@ -604,7 +627,7 @@
       </p:sp>
       <p:sp>
         <p:nvSpPr>
-          <p:cNvPr id="6" name="PlaceHolder 2"/>
+          <p:cNvPr id="39" name="PlaceHolder 2"/>
           <p:cNvSpPr>
             <a:spLocks noGrp="1"/>
           </p:cNvSpPr>
@@ -615,7 +638,7 @@
         <p:spPr>
           <a:xfrm>
             <a:off x="504000" y="1769040"/>
-            <a:ext cx="9071640" cy="4384440"/>
+            <a:ext cx="9071280" cy="4384080"/>
           </a:xfrm>
           <a:prstGeom prst="rect">
             <a:avLst/>
@@ -644,8 +667,8 @@
 </p:sldLayout>
 </file>
 
-<file path=ppt/slideLayouts/slideLayout3.xml><?xml version="1.0" encoding="utf-8"?>
-<p:sldLayout xmlns:a="http://schemas.openxmlformats.org/drawingml/2006/main" xmlns:p="http://schemas.openxmlformats.org/presentationml/2006/main" xmlns:r="http://schemas.openxmlformats.org/officeDocument/2006/relationships" xmlns:p14="http://schemas.microsoft.com/office/powerpoint/2010/main" xmlns:p15="http://schemas.microsoft.com/office/powerpoint/2012/main" xmlns:mc="http://schemas.openxmlformats.org/markup-compatibility/2006" type="obj" preserve="1">
+<file path=ppt/slideLayouts/slideLayout15.xml><?xml version="1.0" encoding="utf-8"?>
+<p:sldLayout xmlns:a="http://schemas.openxmlformats.org/drawingml/2006/main" xmlns:p="http://schemas.openxmlformats.org/presentationml/2006/main" xmlns:r="http://schemas.openxmlformats.org/officeDocument/2006/relationships" type="obj" preserve="1">
   <p:cSld name="Title, Content">
     <p:spTree>
       <p:nvGrpSpPr>
@@ -663,7 +686,7 @@
       </p:grpSpPr>
       <p:sp>
         <p:nvSpPr>
-          <p:cNvPr id="7" name="PlaceHolder 1"/>
+          <p:cNvPr id="40" name="PlaceHolder 1"/>
           <p:cNvSpPr>
             <a:spLocks noGrp="1"/>
           </p:cNvSpPr>
@@ -674,7 +697,7 @@
         <p:spPr>
           <a:xfrm>
             <a:off x="504000" y="301320"/>
-            <a:ext cx="9071640" cy="1262160"/>
+            <a:ext cx="9071280" cy="1261800"/>
           </a:xfrm>
           <a:prstGeom prst="rect">
             <a:avLst/>
@@ -700,7 +723,7 @@
       </p:sp>
       <p:sp>
         <p:nvSpPr>
-          <p:cNvPr id="8" name="PlaceHolder 2"/>
+          <p:cNvPr id="41" name="PlaceHolder 2"/>
           <p:cNvSpPr>
             <a:spLocks noGrp="1"/>
           </p:cNvSpPr>
@@ -711,7 +734,7 @@
         <p:spPr>
           <a:xfrm>
             <a:off x="504000" y="1769040"/>
-            <a:ext cx="9071640" cy="4384440"/>
+            <a:ext cx="9071280" cy="4384080"/>
           </a:xfrm>
           <a:prstGeom prst="rect">
             <a:avLst/>
@@ -739,8 +762,8 @@
 </p:sldLayout>
 </file>
 
-<file path=ppt/slideLayouts/slideLayout4.xml><?xml version="1.0" encoding="utf-8"?>
-<p:sldLayout xmlns:a="http://schemas.openxmlformats.org/drawingml/2006/main" xmlns:p="http://schemas.openxmlformats.org/presentationml/2006/main" xmlns:r="http://schemas.openxmlformats.org/officeDocument/2006/relationships" xmlns:p14="http://schemas.microsoft.com/office/powerpoint/2010/main" xmlns:p15="http://schemas.microsoft.com/office/powerpoint/2012/main" xmlns:mc="http://schemas.openxmlformats.org/markup-compatibility/2006" type="twoObj" preserve="1">
+<file path=ppt/slideLayouts/slideLayout16.xml><?xml version="1.0" encoding="utf-8"?>
+<p:sldLayout xmlns:a="http://schemas.openxmlformats.org/drawingml/2006/main" xmlns:p="http://schemas.openxmlformats.org/presentationml/2006/main" xmlns:r="http://schemas.openxmlformats.org/officeDocument/2006/relationships" type="twoObj" preserve="1">
   <p:cSld name="Title, 2 Content">
     <p:spTree>
       <p:nvGrpSpPr>
@@ -758,7 +781,7 @@
       </p:grpSpPr>
       <p:sp>
         <p:nvSpPr>
-          <p:cNvPr id="9" name="PlaceHolder 1"/>
+          <p:cNvPr id="42" name="PlaceHolder 1"/>
           <p:cNvSpPr>
             <a:spLocks noGrp="1"/>
           </p:cNvSpPr>
@@ -769,7 +792,7 @@
         <p:spPr>
           <a:xfrm>
             <a:off x="504000" y="301320"/>
-            <a:ext cx="9071640" cy="1262160"/>
+            <a:ext cx="9071280" cy="1261800"/>
           </a:xfrm>
           <a:prstGeom prst="rect">
             <a:avLst/>
@@ -795,7 +818,7 @@
       </p:sp>
       <p:sp>
         <p:nvSpPr>
-          <p:cNvPr id="10" name="PlaceHolder 2"/>
+          <p:cNvPr id="43" name="PlaceHolder 2"/>
           <p:cNvSpPr>
             <a:spLocks noGrp="1"/>
           </p:cNvSpPr>
@@ -806,7 +829,7 @@
         <p:spPr>
           <a:xfrm>
             <a:off x="504000" y="1769040"/>
-            <a:ext cx="4426920" cy="4384440"/>
+            <a:ext cx="4426560" cy="4384080"/>
           </a:xfrm>
           <a:prstGeom prst="rect">
             <a:avLst/>
@@ -831,7 +854,7 @@
       </p:sp>
       <p:sp>
         <p:nvSpPr>
-          <p:cNvPr id="11" name="PlaceHolder 3"/>
+          <p:cNvPr id="44" name="PlaceHolder 3"/>
           <p:cNvSpPr>
             <a:spLocks noGrp="1"/>
           </p:cNvSpPr>
@@ -841,8 +864,8 @@
         </p:nvSpPr>
         <p:spPr>
           <a:xfrm>
-            <a:off x="5152680" y="1769040"/>
-            <a:ext cx="4426920" cy="4384440"/>
+            <a:off x="5152320" y="1769040"/>
+            <a:ext cx="4426560" cy="4384080"/>
           </a:xfrm>
           <a:prstGeom prst="rect">
             <a:avLst/>
@@ -870,8 +893,8 @@
 </p:sldLayout>
 </file>
 
-<file path=ppt/slideLayouts/slideLayout5.xml><?xml version="1.0" encoding="utf-8"?>
-<p:sldLayout xmlns:a="http://schemas.openxmlformats.org/drawingml/2006/main" xmlns:p="http://schemas.openxmlformats.org/presentationml/2006/main" xmlns:r="http://schemas.openxmlformats.org/officeDocument/2006/relationships" xmlns:p14="http://schemas.microsoft.com/office/powerpoint/2010/main" xmlns:p15="http://schemas.microsoft.com/office/powerpoint/2012/main" xmlns:mc="http://schemas.openxmlformats.org/markup-compatibility/2006" type="titleOnly" preserve="1">
+<file path=ppt/slideLayouts/slideLayout17.xml><?xml version="1.0" encoding="utf-8"?>
+<p:sldLayout xmlns:a="http://schemas.openxmlformats.org/drawingml/2006/main" xmlns:p="http://schemas.openxmlformats.org/presentationml/2006/main" xmlns:r="http://schemas.openxmlformats.org/officeDocument/2006/relationships" type="titleOnly" preserve="1">
   <p:cSld name="Title Only">
     <p:spTree>
       <p:nvGrpSpPr>
@@ -889,7 +912,7 @@
       </p:grpSpPr>
       <p:sp>
         <p:nvSpPr>
-          <p:cNvPr id="12" name="PlaceHolder 1"/>
+          <p:cNvPr id="45" name="PlaceHolder 1"/>
           <p:cNvSpPr>
             <a:spLocks noGrp="1"/>
           </p:cNvSpPr>
@@ -900,7 +923,7 @@
         <p:spPr>
           <a:xfrm>
             <a:off x="504000" y="301320"/>
-            <a:ext cx="9071640" cy="1262160"/>
+            <a:ext cx="9071280" cy="1261800"/>
           </a:xfrm>
           <a:prstGeom prst="rect">
             <a:avLst/>
@@ -929,8 +952,8 @@
 </p:sldLayout>
 </file>
 
-<file path=ppt/slideLayouts/slideLayout6.xml><?xml version="1.0" encoding="utf-8"?>
-<p:sldLayout xmlns:a="http://schemas.openxmlformats.org/drawingml/2006/main" xmlns:p="http://schemas.openxmlformats.org/presentationml/2006/main" xmlns:r="http://schemas.openxmlformats.org/officeDocument/2006/relationships" xmlns:p14="http://schemas.microsoft.com/office/powerpoint/2010/main" xmlns:p15="http://schemas.microsoft.com/office/powerpoint/2012/main" xmlns:mc="http://schemas.openxmlformats.org/markup-compatibility/2006" type="objOnly" preserve="1">
+<file path=ppt/slideLayouts/slideLayout18.xml><?xml version="1.0" encoding="utf-8"?>
+<p:sldLayout xmlns:a="http://schemas.openxmlformats.org/drawingml/2006/main" xmlns:p="http://schemas.openxmlformats.org/presentationml/2006/main" xmlns:r="http://schemas.openxmlformats.org/officeDocument/2006/relationships" type="objOnly" preserve="1">
   <p:cSld name="Centered Text">
     <p:spTree>
       <p:nvGrpSpPr>
@@ -948,7 +971,7 @@
       </p:grpSpPr>
       <p:sp>
         <p:nvSpPr>
-          <p:cNvPr id="13" name="PlaceHolder 1"/>
+          <p:cNvPr id="46" name="PlaceHolder 1"/>
           <p:cNvSpPr>
             <a:spLocks noGrp="1"/>
           </p:cNvSpPr>
@@ -959,7 +982,7 @@
         <p:spPr>
           <a:xfrm>
             <a:off x="504000" y="301320"/>
-            <a:ext cx="9071640" cy="5851800"/>
+            <a:ext cx="9071280" cy="5850360"/>
           </a:xfrm>
           <a:prstGeom prst="rect">
             <a:avLst/>
@@ -988,8 +1011,8 @@
 </p:sldLayout>
 </file>
 
-<file path=ppt/slideLayouts/slideLayout7.xml><?xml version="1.0" encoding="utf-8"?>
-<p:sldLayout xmlns:a="http://schemas.openxmlformats.org/drawingml/2006/main" xmlns:p="http://schemas.openxmlformats.org/presentationml/2006/main" xmlns:r="http://schemas.openxmlformats.org/officeDocument/2006/relationships" xmlns:p14="http://schemas.microsoft.com/office/powerpoint/2010/main" xmlns:p15="http://schemas.microsoft.com/office/powerpoint/2012/main" xmlns:mc="http://schemas.openxmlformats.org/markup-compatibility/2006" type="twoObjAndObj" preserve="1">
+<file path=ppt/slideLayouts/slideLayout19.xml><?xml version="1.0" encoding="utf-8"?>
+<p:sldLayout xmlns:a="http://schemas.openxmlformats.org/drawingml/2006/main" xmlns:p="http://schemas.openxmlformats.org/presentationml/2006/main" xmlns:r="http://schemas.openxmlformats.org/officeDocument/2006/relationships" type="twoObjAndObj" preserve="1">
   <p:cSld name="Title, 2 Content and Content">
     <p:spTree>
       <p:nvGrpSpPr>
@@ -1007,7 +1030,7 @@
       </p:grpSpPr>
       <p:sp>
         <p:nvSpPr>
-          <p:cNvPr id="14" name="PlaceHolder 1"/>
+          <p:cNvPr id="47" name="PlaceHolder 1"/>
           <p:cNvSpPr>
             <a:spLocks noGrp="1"/>
           </p:cNvSpPr>
@@ -1018,7 +1041,7 @@
         <p:spPr>
           <a:xfrm>
             <a:off x="504000" y="301320"/>
-            <a:ext cx="9071640" cy="1262160"/>
+            <a:ext cx="9071280" cy="1261800"/>
           </a:xfrm>
           <a:prstGeom prst="rect">
             <a:avLst/>
@@ -1044,7 +1067,7 @@
       </p:sp>
       <p:sp>
         <p:nvSpPr>
-          <p:cNvPr id="15" name="PlaceHolder 2"/>
+          <p:cNvPr id="48" name="PlaceHolder 2"/>
           <p:cNvSpPr>
             <a:spLocks noGrp="1"/>
           </p:cNvSpPr>
@@ -1055,7 +1078,7 @@
         <p:spPr>
           <a:xfrm>
             <a:off x="504000" y="1769040"/>
-            <a:ext cx="4426920" cy="2091240"/>
+            <a:ext cx="4426560" cy="2090880"/>
           </a:xfrm>
           <a:prstGeom prst="rect">
             <a:avLst/>
@@ -1080,7 +1103,7 @@
       </p:sp>
       <p:sp>
         <p:nvSpPr>
-          <p:cNvPr id="16" name="PlaceHolder 3"/>
+          <p:cNvPr id="49" name="PlaceHolder 3"/>
           <p:cNvSpPr>
             <a:spLocks noGrp="1"/>
           </p:cNvSpPr>
@@ -1090,8 +1113,8 @@
         </p:nvSpPr>
         <p:spPr>
           <a:xfrm>
-            <a:off x="504000" y="4059360"/>
-            <a:ext cx="4426920" cy="2091240"/>
+            <a:off x="504000" y="4059000"/>
+            <a:ext cx="4426560" cy="2090880"/>
           </a:xfrm>
           <a:prstGeom prst="rect">
             <a:avLst/>
@@ -1116,7 +1139,7 @@
       </p:sp>
       <p:sp>
         <p:nvSpPr>
-          <p:cNvPr id="17" name="PlaceHolder 4"/>
+          <p:cNvPr id="50" name="PlaceHolder 4"/>
           <p:cNvSpPr>
             <a:spLocks noGrp="1"/>
           </p:cNvSpPr>
@@ -1126,8 +1149,8 @@
         </p:nvSpPr>
         <p:spPr>
           <a:xfrm>
-            <a:off x="5152680" y="1769040"/>
-            <a:ext cx="4426920" cy="4384440"/>
+            <a:off x="5152320" y="1769040"/>
+            <a:ext cx="4426560" cy="4384080"/>
           </a:xfrm>
           <a:prstGeom prst="rect">
             <a:avLst/>
@@ -1155,8 +1178,104 @@
 </p:sldLayout>
 </file>
 
-<file path=ppt/slideLayouts/slideLayout8.xml><?xml version="1.0" encoding="utf-8"?>
-<p:sldLayout xmlns:a="http://schemas.openxmlformats.org/drawingml/2006/main" xmlns:p="http://schemas.openxmlformats.org/presentationml/2006/main" xmlns:r="http://schemas.openxmlformats.org/officeDocument/2006/relationships" xmlns:p14="http://schemas.microsoft.com/office/powerpoint/2010/main" xmlns:p15="http://schemas.microsoft.com/office/powerpoint/2012/main" xmlns:mc="http://schemas.openxmlformats.org/markup-compatibility/2006" type="objAndTwoObj" preserve="1">
+<file path=ppt/slideLayouts/slideLayout2.xml><?xml version="1.0" encoding="utf-8"?>
+<p:sldLayout xmlns:a="http://schemas.openxmlformats.org/drawingml/2006/main" xmlns:p="http://schemas.openxmlformats.org/presentationml/2006/main" xmlns:r="http://schemas.openxmlformats.org/officeDocument/2006/relationships" type="tx" preserve="1">
+  <p:cSld name="Title Slide">
+    <p:spTree>
+      <p:nvGrpSpPr>
+        <p:cNvPr id="1" name=""/>
+        <p:cNvGrpSpPr/>
+        <p:nvPr/>
+      </p:nvGrpSpPr>
+      <p:grpSpPr>
+        <a:xfrm>
+          <a:off x="0" y="0"/>
+          <a:ext cx="0" cy="0"/>
+          <a:chOff x="0" y="0"/>
+          <a:chExt cx="0" cy="0"/>
+        </a:xfrm>
+      </p:grpSpPr>
+      <p:sp>
+        <p:nvSpPr>
+          <p:cNvPr id="2" name="PlaceHolder 1"/>
+          <p:cNvSpPr>
+            <a:spLocks noGrp="1"/>
+          </p:cNvSpPr>
+          <p:nvPr>
+            <p:ph type="title"/>
+          </p:nvPr>
+        </p:nvSpPr>
+        <p:spPr>
+          <a:xfrm>
+            <a:off x="504000" y="301320"/>
+            <a:ext cx="9071280" cy="1261800"/>
+          </a:xfrm>
+          <a:prstGeom prst="rect">
+            <a:avLst/>
+          </a:prstGeom>
+        </p:spPr>
+        <p:txBody>
+          <a:bodyPr lIns="0" rIns="0" tIns="0" bIns="0" anchor="ctr"/>
+          <a:p>
+            <a:pPr algn="ctr"/>
+            <a:endParaRPr b="0" lang="es-ES" sz="4400" spc="-1" strike="noStrike">
+              <a:solidFill>
+                <a:srgbClr val="000000"/>
+              </a:solidFill>
+              <a:uFill>
+                <a:solidFill>
+                  <a:srgbClr val="ffffff"/>
+                </a:solidFill>
+              </a:uFill>
+              <a:latin typeface="Arial"/>
+            </a:endParaRPr>
+          </a:p>
+        </p:txBody>
+      </p:sp>
+      <p:sp>
+        <p:nvSpPr>
+          <p:cNvPr id="3" name="PlaceHolder 2"/>
+          <p:cNvSpPr>
+            <a:spLocks noGrp="1"/>
+          </p:cNvSpPr>
+          <p:nvPr>
+            <p:ph type="subTitle"/>
+          </p:nvPr>
+        </p:nvSpPr>
+        <p:spPr>
+          <a:xfrm>
+            <a:off x="504000" y="1769040"/>
+            <a:ext cx="9071280" cy="4384080"/>
+          </a:xfrm>
+          <a:prstGeom prst="rect">
+            <a:avLst/>
+          </a:prstGeom>
+        </p:spPr>
+        <p:txBody>
+          <a:bodyPr lIns="0" rIns="0" tIns="0" bIns="0" anchor="ctr"/>
+          <a:p>
+            <a:pPr algn="ctr"/>
+            <a:endParaRPr b="0" lang="es-ES" sz="3200" spc="-1" strike="noStrike">
+              <a:solidFill>
+                <a:srgbClr val="000000"/>
+              </a:solidFill>
+              <a:uFill>
+                <a:solidFill>
+                  <a:srgbClr val="ffffff"/>
+                </a:solidFill>
+              </a:uFill>
+              <a:latin typeface="Arial"/>
+            </a:endParaRPr>
+          </a:p>
+        </p:txBody>
+      </p:sp>
+    </p:spTree>
+  </p:cSld>
+</p:sldLayout>
+</file>
+
+<file path=ppt/slideLayouts/slideLayout20.xml><?xml version="1.0" encoding="utf-8"?>
+<p:sldLayout xmlns:a="http://schemas.openxmlformats.org/drawingml/2006/main" xmlns:p="http://schemas.openxmlformats.org/presentationml/2006/main" xmlns:r="http://schemas.openxmlformats.org/officeDocument/2006/relationships" type="objAndTwoObj" preserve="1">
   <p:cSld name="Title Content and 2 Content">
     <p:spTree>
       <p:nvGrpSpPr>
@@ -1174,7 +1293,7 @@
       </p:grpSpPr>
       <p:sp>
         <p:nvSpPr>
-          <p:cNvPr id="18" name="PlaceHolder 1"/>
+          <p:cNvPr id="51" name="PlaceHolder 1"/>
           <p:cNvSpPr>
             <a:spLocks noGrp="1"/>
           </p:cNvSpPr>
@@ -1185,7 +1304,7 @@
         <p:spPr>
           <a:xfrm>
             <a:off x="504000" y="301320"/>
-            <a:ext cx="9071640" cy="1262160"/>
+            <a:ext cx="9071280" cy="1261800"/>
           </a:xfrm>
           <a:prstGeom prst="rect">
             <a:avLst/>
@@ -1211,7 +1330,7 @@
       </p:sp>
       <p:sp>
         <p:nvSpPr>
-          <p:cNvPr id="19" name="PlaceHolder 2"/>
+          <p:cNvPr id="52" name="PlaceHolder 2"/>
           <p:cNvSpPr>
             <a:spLocks noGrp="1"/>
           </p:cNvSpPr>
@@ -1222,7 +1341,7 @@
         <p:spPr>
           <a:xfrm>
             <a:off x="504000" y="1769040"/>
-            <a:ext cx="4426920" cy="4384440"/>
+            <a:ext cx="4426560" cy="4384080"/>
           </a:xfrm>
           <a:prstGeom prst="rect">
             <a:avLst/>
@@ -1247,7 +1366,7 @@
       </p:sp>
       <p:sp>
         <p:nvSpPr>
-          <p:cNvPr id="20" name="PlaceHolder 3"/>
+          <p:cNvPr id="53" name="PlaceHolder 3"/>
           <p:cNvSpPr>
             <a:spLocks noGrp="1"/>
           </p:cNvSpPr>
@@ -1257,8 +1376,8 @@
         </p:nvSpPr>
         <p:spPr>
           <a:xfrm>
-            <a:off x="5152680" y="1769040"/>
-            <a:ext cx="4426920" cy="2091240"/>
+            <a:off x="5152320" y="1769040"/>
+            <a:ext cx="4426560" cy="2090880"/>
           </a:xfrm>
           <a:prstGeom prst="rect">
             <a:avLst/>
@@ -1283,7 +1402,7 @@
       </p:sp>
       <p:sp>
         <p:nvSpPr>
-          <p:cNvPr id="21" name="PlaceHolder 4"/>
+          <p:cNvPr id="54" name="PlaceHolder 4"/>
           <p:cNvSpPr>
             <a:spLocks noGrp="1"/>
           </p:cNvSpPr>
@@ -1293,8 +1412,8 @@
         </p:nvSpPr>
         <p:spPr>
           <a:xfrm>
-            <a:off x="5152680" y="4059360"/>
-            <a:ext cx="4426920" cy="2091240"/>
+            <a:off x="5152320" y="4059000"/>
+            <a:ext cx="4426560" cy="2090880"/>
           </a:xfrm>
           <a:prstGeom prst="rect">
             <a:avLst/>
@@ -1322,8 +1441,8 @@
 </p:sldLayout>
 </file>
 
-<file path=ppt/slideLayouts/slideLayout9.xml><?xml version="1.0" encoding="utf-8"?>
-<p:sldLayout xmlns:a="http://schemas.openxmlformats.org/drawingml/2006/main" xmlns:p="http://schemas.openxmlformats.org/presentationml/2006/main" xmlns:r="http://schemas.openxmlformats.org/officeDocument/2006/relationships" xmlns:p14="http://schemas.microsoft.com/office/powerpoint/2010/main" xmlns:p15="http://schemas.microsoft.com/office/powerpoint/2012/main" xmlns:mc="http://schemas.openxmlformats.org/markup-compatibility/2006" type="twoObjOverTx" preserve="1">
+<file path=ppt/slideLayouts/slideLayout21.xml><?xml version="1.0" encoding="utf-8"?>
+<p:sldLayout xmlns:a="http://schemas.openxmlformats.org/drawingml/2006/main" xmlns:p="http://schemas.openxmlformats.org/presentationml/2006/main" xmlns:r="http://schemas.openxmlformats.org/officeDocument/2006/relationships" type="twoObjOverTx" preserve="1">
   <p:cSld name="Title, 2 Content over Content">
     <p:spTree>
       <p:nvGrpSpPr>
@@ -1341,7 +1460,7 @@
       </p:grpSpPr>
       <p:sp>
         <p:nvSpPr>
-          <p:cNvPr id="22" name="PlaceHolder 1"/>
+          <p:cNvPr id="55" name="PlaceHolder 1"/>
           <p:cNvSpPr>
             <a:spLocks noGrp="1"/>
           </p:cNvSpPr>
@@ -1352,7 +1471,7 @@
         <p:spPr>
           <a:xfrm>
             <a:off x="504000" y="301320"/>
-            <a:ext cx="9071640" cy="1262160"/>
+            <a:ext cx="9071280" cy="1261800"/>
           </a:xfrm>
           <a:prstGeom prst="rect">
             <a:avLst/>
@@ -1378,7 +1497,7 @@
       </p:sp>
       <p:sp>
         <p:nvSpPr>
-          <p:cNvPr id="23" name="PlaceHolder 2"/>
+          <p:cNvPr id="56" name="PlaceHolder 2"/>
           <p:cNvSpPr>
             <a:spLocks noGrp="1"/>
           </p:cNvSpPr>
@@ -1389,7 +1508,7 @@
         <p:spPr>
           <a:xfrm>
             <a:off x="504000" y="1769040"/>
-            <a:ext cx="4426920" cy="2091240"/>
+            <a:ext cx="4426560" cy="2090880"/>
           </a:xfrm>
           <a:prstGeom prst="rect">
             <a:avLst/>
@@ -1414,7 +1533,7 @@
       </p:sp>
       <p:sp>
         <p:nvSpPr>
-          <p:cNvPr id="24" name="PlaceHolder 3"/>
+          <p:cNvPr id="57" name="PlaceHolder 3"/>
           <p:cNvSpPr>
             <a:spLocks noGrp="1"/>
           </p:cNvSpPr>
@@ -1424,8 +1543,8 @@
         </p:nvSpPr>
         <p:spPr>
           <a:xfrm>
-            <a:off x="5152680" y="1769040"/>
-            <a:ext cx="4426920" cy="2091240"/>
+            <a:off x="5152320" y="1769040"/>
+            <a:ext cx="4426560" cy="2090880"/>
           </a:xfrm>
           <a:prstGeom prst="rect">
             <a:avLst/>
@@ -1450,7 +1569,7 @@
       </p:sp>
       <p:sp>
         <p:nvSpPr>
-          <p:cNvPr id="25" name="PlaceHolder 4"/>
+          <p:cNvPr id="58" name="PlaceHolder 4"/>
           <p:cNvSpPr>
             <a:spLocks noGrp="1"/>
           </p:cNvSpPr>
@@ -1460,8 +1579,1364 @@
         </p:nvSpPr>
         <p:spPr>
           <a:xfrm>
-            <a:off x="504000" y="4059360"/>
-            <a:ext cx="9071640" cy="2091240"/>
+            <a:off x="504000" y="4059000"/>
+            <a:ext cx="9071280" cy="2090880"/>
+          </a:xfrm>
+          <a:prstGeom prst="rect">
+            <a:avLst/>
+          </a:prstGeom>
+        </p:spPr>
+        <p:txBody>
+          <a:bodyPr lIns="0" rIns="0" tIns="0" bIns="0"/>
+          <a:p>
+            <a:endParaRPr b="0" lang="es-ES" sz="3200" spc="-1" strike="noStrike">
+              <a:solidFill>
+                <a:srgbClr val="000000"/>
+              </a:solidFill>
+              <a:uFill>
+                <a:solidFill>
+                  <a:srgbClr val="ffffff"/>
+                </a:solidFill>
+              </a:uFill>
+              <a:latin typeface="Arial"/>
+            </a:endParaRPr>
+          </a:p>
+        </p:txBody>
+      </p:sp>
+    </p:spTree>
+  </p:cSld>
+</p:sldLayout>
+</file>
+
+<file path=ppt/slideLayouts/slideLayout22.xml><?xml version="1.0" encoding="utf-8"?>
+<p:sldLayout xmlns:a="http://schemas.openxmlformats.org/drawingml/2006/main" xmlns:p="http://schemas.openxmlformats.org/presentationml/2006/main" xmlns:r="http://schemas.openxmlformats.org/officeDocument/2006/relationships" type="objOverTx" preserve="1">
+  <p:cSld name="Title, Content over Content">
+    <p:spTree>
+      <p:nvGrpSpPr>
+        <p:cNvPr id="1" name=""/>
+        <p:cNvGrpSpPr/>
+        <p:nvPr/>
+      </p:nvGrpSpPr>
+      <p:grpSpPr>
+        <a:xfrm>
+          <a:off x="0" y="0"/>
+          <a:ext cx="0" cy="0"/>
+          <a:chOff x="0" y="0"/>
+          <a:chExt cx="0" cy="0"/>
+        </a:xfrm>
+      </p:grpSpPr>
+      <p:sp>
+        <p:nvSpPr>
+          <p:cNvPr id="59" name="PlaceHolder 1"/>
+          <p:cNvSpPr>
+            <a:spLocks noGrp="1"/>
+          </p:cNvSpPr>
+          <p:nvPr>
+            <p:ph type="title"/>
+          </p:nvPr>
+        </p:nvSpPr>
+        <p:spPr>
+          <a:xfrm>
+            <a:off x="504000" y="301320"/>
+            <a:ext cx="9071280" cy="1261800"/>
+          </a:xfrm>
+          <a:prstGeom prst="rect">
+            <a:avLst/>
+          </a:prstGeom>
+        </p:spPr>
+        <p:txBody>
+          <a:bodyPr lIns="0" rIns="0" tIns="0" bIns="0" anchor="ctr"/>
+          <a:p>
+            <a:pPr algn="ctr"/>
+            <a:endParaRPr b="0" lang="es-ES" sz="4400" spc="-1" strike="noStrike">
+              <a:solidFill>
+                <a:srgbClr val="000000"/>
+              </a:solidFill>
+              <a:uFill>
+                <a:solidFill>
+                  <a:srgbClr val="ffffff"/>
+                </a:solidFill>
+              </a:uFill>
+              <a:latin typeface="Arial"/>
+            </a:endParaRPr>
+          </a:p>
+        </p:txBody>
+      </p:sp>
+      <p:sp>
+        <p:nvSpPr>
+          <p:cNvPr id="60" name="PlaceHolder 2"/>
+          <p:cNvSpPr>
+            <a:spLocks noGrp="1"/>
+          </p:cNvSpPr>
+          <p:nvPr>
+            <p:ph type="body"/>
+          </p:nvPr>
+        </p:nvSpPr>
+        <p:spPr>
+          <a:xfrm>
+            <a:off x="504000" y="1769040"/>
+            <a:ext cx="9071280" cy="2090880"/>
+          </a:xfrm>
+          <a:prstGeom prst="rect">
+            <a:avLst/>
+          </a:prstGeom>
+        </p:spPr>
+        <p:txBody>
+          <a:bodyPr lIns="0" rIns="0" tIns="0" bIns="0"/>
+          <a:p>
+            <a:endParaRPr b="0" lang="es-ES" sz="3200" spc="-1" strike="noStrike">
+              <a:solidFill>
+                <a:srgbClr val="000000"/>
+              </a:solidFill>
+              <a:uFill>
+                <a:solidFill>
+                  <a:srgbClr val="ffffff"/>
+                </a:solidFill>
+              </a:uFill>
+              <a:latin typeface="Arial"/>
+            </a:endParaRPr>
+          </a:p>
+        </p:txBody>
+      </p:sp>
+      <p:sp>
+        <p:nvSpPr>
+          <p:cNvPr id="61" name="PlaceHolder 3"/>
+          <p:cNvSpPr>
+            <a:spLocks noGrp="1"/>
+          </p:cNvSpPr>
+          <p:nvPr>
+            <p:ph type="body"/>
+          </p:nvPr>
+        </p:nvSpPr>
+        <p:spPr>
+          <a:xfrm>
+            <a:off x="504000" y="4059000"/>
+            <a:ext cx="9071280" cy="2090880"/>
+          </a:xfrm>
+          <a:prstGeom prst="rect">
+            <a:avLst/>
+          </a:prstGeom>
+        </p:spPr>
+        <p:txBody>
+          <a:bodyPr lIns="0" rIns="0" tIns="0" bIns="0"/>
+          <a:p>
+            <a:endParaRPr b="0" lang="es-ES" sz="3200" spc="-1" strike="noStrike">
+              <a:solidFill>
+                <a:srgbClr val="000000"/>
+              </a:solidFill>
+              <a:uFill>
+                <a:solidFill>
+                  <a:srgbClr val="ffffff"/>
+                </a:solidFill>
+              </a:uFill>
+              <a:latin typeface="Arial"/>
+            </a:endParaRPr>
+          </a:p>
+        </p:txBody>
+      </p:sp>
+    </p:spTree>
+  </p:cSld>
+</p:sldLayout>
+</file>
+
+<file path=ppt/slideLayouts/slideLayout23.xml><?xml version="1.0" encoding="utf-8"?>
+<p:sldLayout xmlns:a="http://schemas.openxmlformats.org/drawingml/2006/main" xmlns:p="http://schemas.openxmlformats.org/presentationml/2006/main" xmlns:r="http://schemas.openxmlformats.org/officeDocument/2006/relationships" type="fourObj" preserve="1">
+  <p:cSld name="Title, 4 Content">
+    <p:spTree>
+      <p:nvGrpSpPr>
+        <p:cNvPr id="1" name=""/>
+        <p:cNvGrpSpPr/>
+        <p:nvPr/>
+      </p:nvGrpSpPr>
+      <p:grpSpPr>
+        <a:xfrm>
+          <a:off x="0" y="0"/>
+          <a:ext cx="0" cy="0"/>
+          <a:chOff x="0" y="0"/>
+          <a:chExt cx="0" cy="0"/>
+        </a:xfrm>
+      </p:grpSpPr>
+      <p:sp>
+        <p:nvSpPr>
+          <p:cNvPr id="62" name="PlaceHolder 1"/>
+          <p:cNvSpPr>
+            <a:spLocks noGrp="1"/>
+          </p:cNvSpPr>
+          <p:nvPr>
+            <p:ph type="title"/>
+          </p:nvPr>
+        </p:nvSpPr>
+        <p:spPr>
+          <a:xfrm>
+            <a:off x="504000" y="301320"/>
+            <a:ext cx="9071280" cy="1261800"/>
+          </a:xfrm>
+          <a:prstGeom prst="rect">
+            <a:avLst/>
+          </a:prstGeom>
+        </p:spPr>
+        <p:txBody>
+          <a:bodyPr lIns="0" rIns="0" tIns="0" bIns="0" anchor="ctr"/>
+          <a:p>
+            <a:pPr algn="ctr"/>
+            <a:endParaRPr b="0" lang="es-ES" sz="4400" spc="-1" strike="noStrike">
+              <a:solidFill>
+                <a:srgbClr val="000000"/>
+              </a:solidFill>
+              <a:uFill>
+                <a:solidFill>
+                  <a:srgbClr val="ffffff"/>
+                </a:solidFill>
+              </a:uFill>
+              <a:latin typeface="Arial"/>
+            </a:endParaRPr>
+          </a:p>
+        </p:txBody>
+      </p:sp>
+      <p:sp>
+        <p:nvSpPr>
+          <p:cNvPr id="63" name="PlaceHolder 2"/>
+          <p:cNvSpPr>
+            <a:spLocks noGrp="1"/>
+          </p:cNvSpPr>
+          <p:nvPr>
+            <p:ph type="body"/>
+          </p:nvPr>
+        </p:nvSpPr>
+        <p:spPr>
+          <a:xfrm>
+            <a:off x="504000" y="1769040"/>
+            <a:ext cx="4426560" cy="2090880"/>
+          </a:xfrm>
+          <a:prstGeom prst="rect">
+            <a:avLst/>
+          </a:prstGeom>
+        </p:spPr>
+        <p:txBody>
+          <a:bodyPr lIns="0" rIns="0" tIns="0" bIns="0"/>
+          <a:p>
+            <a:endParaRPr b="0" lang="es-ES" sz="3200" spc="-1" strike="noStrike">
+              <a:solidFill>
+                <a:srgbClr val="000000"/>
+              </a:solidFill>
+              <a:uFill>
+                <a:solidFill>
+                  <a:srgbClr val="ffffff"/>
+                </a:solidFill>
+              </a:uFill>
+              <a:latin typeface="Arial"/>
+            </a:endParaRPr>
+          </a:p>
+        </p:txBody>
+      </p:sp>
+      <p:sp>
+        <p:nvSpPr>
+          <p:cNvPr id="64" name="PlaceHolder 3"/>
+          <p:cNvSpPr>
+            <a:spLocks noGrp="1"/>
+          </p:cNvSpPr>
+          <p:nvPr>
+            <p:ph type="body"/>
+          </p:nvPr>
+        </p:nvSpPr>
+        <p:spPr>
+          <a:xfrm>
+            <a:off x="5152320" y="1769040"/>
+            <a:ext cx="4426560" cy="2090880"/>
+          </a:xfrm>
+          <a:prstGeom prst="rect">
+            <a:avLst/>
+          </a:prstGeom>
+        </p:spPr>
+        <p:txBody>
+          <a:bodyPr lIns="0" rIns="0" tIns="0" bIns="0"/>
+          <a:p>
+            <a:endParaRPr b="0" lang="es-ES" sz="3200" spc="-1" strike="noStrike">
+              <a:solidFill>
+                <a:srgbClr val="000000"/>
+              </a:solidFill>
+              <a:uFill>
+                <a:solidFill>
+                  <a:srgbClr val="ffffff"/>
+                </a:solidFill>
+              </a:uFill>
+              <a:latin typeface="Arial"/>
+            </a:endParaRPr>
+          </a:p>
+        </p:txBody>
+      </p:sp>
+      <p:sp>
+        <p:nvSpPr>
+          <p:cNvPr id="65" name="PlaceHolder 4"/>
+          <p:cNvSpPr>
+            <a:spLocks noGrp="1"/>
+          </p:cNvSpPr>
+          <p:nvPr>
+            <p:ph type="body"/>
+          </p:nvPr>
+        </p:nvSpPr>
+        <p:spPr>
+          <a:xfrm>
+            <a:off x="5152320" y="4059000"/>
+            <a:ext cx="4426560" cy="2090880"/>
+          </a:xfrm>
+          <a:prstGeom prst="rect">
+            <a:avLst/>
+          </a:prstGeom>
+        </p:spPr>
+        <p:txBody>
+          <a:bodyPr lIns="0" rIns="0" tIns="0" bIns="0"/>
+          <a:p>
+            <a:endParaRPr b="0" lang="es-ES" sz="3200" spc="-1" strike="noStrike">
+              <a:solidFill>
+                <a:srgbClr val="000000"/>
+              </a:solidFill>
+              <a:uFill>
+                <a:solidFill>
+                  <a:srgbClr val="ffffff"/>
+                </a:solidFill>
+              </a:uFill>
+              <a:latin typeface="Arial"/>
+            </a:endParaRPr>
+          </a:p>
+        </p:txBody>
+      </p:sp>
+      <p:sp>
+        <p:nvSpPr>
+          <p:cNvPr id="66" name="PlaceHolder 5"/>
+          <p:cNvSpPr>
+            <a:spLocks noGrp="1"/>
+          </p:cNvSpPr>
+          <p:nvPr>
+            <p:ph type="body"/>
+          </p:nvPr>
+        </p:nvSpPr>
+        <p:spPr>
+          <a:xfrm>
+            <a:off x="504000" y="4059000"/>
+            <a:ext cx="4426560" cy="2090880"/>
+          </a:xfrm>
+          <a:prstGeom prst="rect">
+            <a:avLst/>
+          </a:prstGeom>
+        </p:spPr>
+        <p:txBody>
+          <a:bodyPr lIns="0" rIns="0" tIns="0" bIns="0"/>
+          <a:p>
+            <a:endParaRPr b="0" lang="es-ES" sz="3200" spc="-1" strike="noStrike">
+              <a:solidFill>
+                <a:srgbClr val="000000"/>
+              </a:solidFill>
+              <a:uFill>
+                <a:solidFill>
+                  <a:srgbClr val="ffffff"/>
+                </a:solidFill>
+              </a:uFill>
+              <a:latin typeface="Arial"/>
+            </a:endParaRPr>
+          </a:p>
+        </p:txBody>
+      </p:sp>
+    </p:spTree>
+  </p:cSld>
+</p:sldLayout>
+</file>
+
+<file path=ppt/slideLayouts/slideLayout24.xml><?xml version="1.0" encoding="utf-8"?>
+<p:sldLayout xmlns:a="http://schemas.openxmlformats.org/drawingml/2006/main" xmlns:p="http://schemas.openxmlformats.org/presentationml/2006/main" xmlns:r="http://schemas.openxmlformats.org/officeDocument/2006/relationships" type="blank" preserve="1">
+  <p:cSld name="Title, 6 Content">
+    <p:spTree>
+      <p:nvGrpSpPr>
+        <p:cNvPr id="1" name=""/>
+        <p:cNvGrpSpPr/>
+        <p:nvPr/>
+      </p:nvGrpSpPr>
+      <p:grpSpPr>
+        <a:xfrm>
+          <a:off x="0" y="0"/>
+          <a:ext cx="0" cy="0"/>
+          <a:chOff x="0" y="0"/>
+          <a:chExt cx="0" cy="0"/>
+        </a:xfrm>
+      </p:grpSpPr>
+      <p:sp>
+        <p:nvSpPr>
+          <p:cNvPr id="67" name="PlaceHolder 1"/>
+          <p:cNvSpPr>
+            <a:spLocks noGrp="1"/>
+          </p:cNvSpPr>
+          <p:nvPr>
+            <p:ph type="title"/>
+          </p:nvPr>
+        </p:nvSpPr>
+        <p:spPr>
+          <a:xfrm>
+            <a:off x="504000" y="301320"/>
+            <a:ext cx="9071280" cy="1261800"/>
+          </a:xfrm>
+          <a:prstGeom prst="rect">
+            <a:avLst/>
+          </a:prstGeom>
+        </p:spPr>
+        <p:txBody>
+          <a:bodyPr lIns="0" rIns="0" tIns="0" bIns="0" anchor="ctr"/>
+          <a:p>
+            <a:pPr algn="ctr"/>
+            <a:endParaRPr b="0" lang="es-ES" sz="4400" spc="-1" strike="noStrike">
+              <a:solidFill>
+                <a:srgbClr val="000000"/>
+              </a:solidFill>
+              <a:uFill>
+                <a:solidFill>
+                  <a:srgbClr val="ffffff"/>
+                </a:solidFill>
+              </a:uFill>
+              <a:latin typeface="Arial"/>
+            </a:endParaRPr>
+          </a:p>
+        </p:txBody>
+      </p:sp>
+      <p:sp>
+        <p:nvSpPr>
+          <p:cNvPr id="68" name="PlaceHolder 2"/>
+          <p:cNvSpPr>
+            <a:spLocks noGrp="1"/>
+          </p:cNvSpPr>
+          <p:nvPr>
+            <p:ph type="body"/>
+          </p:nvPr>
+        </p:nvSpPr>
+        <p:spPr>
+          <a:xfrm>
+            <a:off x="504000" y="1769040"/>
+            <a:ext cx="9071280" cy="4384080"/>
+          </a:xfrm>
+          <a:prstGeom prst="rect">
+            <a:avLst/>
+          </a:prstGeom>
+        </p:spPr>
+        <p:txBody>
+          <a:bodyPr lIns="0" rIns="0" tIns="0" bIns="0"/>
+          <a:p>
+            <a:endParaRPr b="0" lang="es-ES" sz="3200" spc="-1" strike="noStrike">
+              <a:solidFill>
+                <a:srgbClr val="000000"/>
+              </a:solidFill>
+              <a:uFill>
+                <a:solidFill>
+                  <a:srgbClr val="ffffff"/>
+                </a:solidFill>
+              </a:uFill>
+              <a:latin typeface="Arial"/>
+            </a:endParaRPr>
+          </a:p>
+        </p:txBody>
+      </p:sp>
+      <p:sp>
+        <p:nvSpPr>
+          <p:cNvPr id="69" name="PlaceHolder 3"/>
+          <p:cNvSpPr>
+            <a:spLocks noGrp="1"/>
+          </p:cNvSpPr>
+          <p:nvPr>
+            <p:ph type="body"/>
+          </p:nvPr>
+        </p:nvSpPr>
+        <p:spPr>
+          <a:xfrm>
+            <a:off x="504000" y="1769040"/>
+            <a:ext cx="9071280" cy="4384080"/>
+          </a:xfrm>
+          <a:prstGeom prst="rect">
+            <a:avLst/>
+          </a:prstGeom>
+        </p:spPr>
+        <p:txBody>
+          <a:bodyPr lIns="0" rIns="0" tIns="0" bIns="0"/>
+          <a:p>
+            <a:endParaRPr b="0" lang="es-ES" sz="3200" spc="-1" strike="noStrike">
+              <a:solidFill>
+                <a:srgbClr val="000000"/>
+              </a:solidFill>
+              <a:uFill>
+                <a:solidFill>
+                  <a:srgbClr val="ffffff"/>
+                </a:solidFill>
+              </a:uFill>
+              <a:latin typeface="Arial"/>
+            </a:endParaRPr>
+          </a:p>
+        </p:txBody>
+      </p:sp>
+      <p:pic>
+        <p:nvPicPr>
+          <p:cNvPr id="70" name="" descr=""/>
+          <p:cNvPicPr/>
+          <p:nvPr/>
+        </p:nvPicPr>
+        <p:blipFill>
+          <a:blip r:embed="rId2"/>
+          <a:stretch/>
+        </p:blipFill>
+        <p:spPr>
+          <a:xfrm>
+            <a:off x="2292120" y="1769040"/>
+            <a:ext cx="5494680" cy="4384080"/>
+          </a:xfrm>
+          <a:prstGeom prst="rect">
+            <a:avLst/>
+          </a:prstGeom>
+          <a:ln>
+            <a:noFill/>
+          </a:ln>
+        </p:spPr>
+      </p:pic>
+      <p:pic>
+        <p:nvPicPr>
+          <p:cNvPr id="71" name="" descr=""/>
+          <p:cNvPicPr/>
+          <p:nvPr/>
+        </p:nvPicPr>
+        <p:blipFill>
+          <a:blip r:embed="rId3"/>
+          <a:stretch/>
+        </p:blipFill>
+        <p:spPr>
+          <a:xfrm>
+            <a:off x="2292120" y="1769040"/>
+            <a:ext cx="5494680" cy="4384080"/>
+          </a:xfrm>
+          <a:prstGeom prst="rect">
+            <a:avLst/>
+          </a:prstGeom>
+          <a:ln>
+            <a:noFill/>
+          </a:ln>
+        </p:spPr>
+      </p:pic>
+    </p:spTree>
+  </p:cSld>
+</p:sldLayout>
+</file>
+
+<file path=ppt/slideLayouts/slideLayout3.xml><?xml version="1.0" encoding="utf-8"?>
+<p:sldLayout xmlns:a="http://schemas.openxmlformats.org/drawingml/2006/main" xmlns:p="http://schemas.openxmlformats.org/presentationml/2006/main" xmlns:r="http://schemas.openxmlformats.org/officeDocument/2006/relationships" type="obj" preserve="1">
+  <p:cSld name="Title, Content">
+    <p:spTree>
+      <p:nvGrpSpPr>
+        <p:cNvPr id="1" name=""/>
+        <p:cNvGrpSpPr/>
+        <p:nvPr/>
+      </p:nvGrpSpPr>
+      <p:grpSpPr>
+        <a:xfrm>
+          <a:off x="0" y="0"/>
+          <a:ext cx="0" cy="0"/>
+          <a:chOff x="0" y="0"/>
+          <a:chExt cx="0" cy="0"/>
+        </a:xfrm>
+      </p:grpSpPr>
+      <p:sp>
+        <p:nvSpPr>
+          <p:cNvPr id="4" name="PlaceHolder 1"/>
+          <p:cNvSpPr>
+            <a:spLocks noGrp="1"/>
+          </p:cNvSpPr>
+          <p:nvPr>
+            <p:ph type="title"/>
+          </p:nvPr>
+        </p:nvSpPr>
+        <p:spPr>
+          <a:xfrm>
+            <a:off x="504000" y="301320"/>
+            <a:ext cx="9071280" cy="1261800"/>
+          </a:xfrm>
+          <a:prstGeom prst="rect">
+            <a:avLst/>
+          </a:prstGeom>
+        </p:spPr>
+        <p:txBody>
+          <a:bodyPr lIns="0" rIns="0" tIns="0" bIns="0" anchor="ctr"/>
+          <a:p>
+            <a:pPr algn="ctr"/>
+            <a:endParaRPr b="0" lang="es-ES" sz="4400" spc="-1" strike="noStrike">
+              <a:solidFill>
+                <a:srgbClr val="000000"/>
+              </a:solidFill>
+              <a:uFill>
+                <a:solidFill>
+                  <a:srgbClr val="ffffff"/>
+                </a:solidFill>
+              </a:uFill>
+              <a:latin typeface="Arial"/>
+            </a:endParaRPr>
+          </a:p>
+        </p:txBody>
+      </p:sp>
+      <p:sp>
+        <p:nvSpPr>
+          <p:cNvPr id="5" name="PlaceHolder 2"/>
+          <p:cNvSpPr>
+            <a:spLocks noGrp="1"/>
+          </p:cNvSpPr>
+          <p:nvPr>
+            <p:ph type="body"/>
+          </p:nvPr>
+        </p:nvSpPr>
+        <p:spPr>
+          <a:xfrm>
+            <a:off x="504000" y="1769040"/>
+            <a:ext cx="9071280" cy="4384080"/>
+          </a:xfrm>
+          <a:prstGeom prst="rect">
+            <a:avLst/>
+          </a:prstGeom>
+        </p:spPr>
+        <p:txBody>
+          <a:bodyPr lIns="0" rIns="0" tIns="0" bIns="0"/>
+          <a:p>
+            <a:endParaRPr b="0" lang="es-ES" sz="3200" spc="-1" strike="noStrike">
+              <a:solidFill>
+                <a:srgbClr val="000000"/>
+              </a:solidFill>
+              <a:uFill>
+                <a:solidFill>
+                  <a:srgbClr val="ffffff"/>
+                </a:solidFill>
+              </a:uFill>
+              <a:latin typeface="Arial"/>
+            </a:endParaRPr>
+          </a:p>
+        </p:txBody>
+      </p:sp>
+    </p:spTree>
+  </p:cSld>
+</p:sldLayout>
+</file>
+
+<file path=ppt/slideLayouts/slideLayout4.xml><?xml version="1.0" encoding="utf-8"?>
+<p:sldLayout xmlns:a="http://schemas.openxmlformats.org/drawingml/2006/main" xmlns:p="http://schemas.openxmlformats.org/presentationml/2006/main" xmlns:r="http://schemas.openxmlformats.org/officeDocument/2006/relationships" type="twoObj" preserve="1">
+  <p:cSld name="Title, 2 Content">
+    <p:spTree>
+      <p:nvGrpSpPr>
+        <p:cNvPr id="1" name=""/>
+        <p:cNvGrpSpPr/>
+        <p:nvPr/>
+      </p:nvGrpSpPr>
+      <p:grpSpPr>
+        <a:xfrm>
+          <a:off x="0" y="0"/>
+          <a:ext cx="0" cy="0"/>
+          <a:chOff x="0" y="0"/>
+          <a:chExt cx="0" cy="0"/>
+        </a:xfrm>
+      </p:grpSpPr>
+      <p:sp>
+        <p:nvSpPr>
+          <p:cNvPr id="6" name="PlaceHolder 1"/>
+          <p:cNvSpPr>
+            <a:spLocks noGrp="1"/>
+          </p:cNvSpPr>
+          <p:nvPr>
+            <p:ph type="title"/>
+          </p:nvPr>
+        </p:nvSpPr>
+        <p:spPr>
+          <a:xfrm>
+            <a:off x="504000" y="301320"/>
+            <a:ext cx="9071280" cy="1261800"/>
+          </a:xfrm>
+          <a:prstGeom prst="rect">
+            <a:avLst/>
+          </a:prstGeom>
+        </p:spPr>
+        <p:txBody>
+          <a:bodyPr lIns="0" rIns="0" tIns="0" bIns="0" anchor="ctr"/>
+          <a:p>
+            <a:pPr algn="ctr"/>
+            <a:endParaRPr b="0" lang="es-ES" sz="4400" spc="-1" strike="noStrike">
+              <a:solidFill>
+                <a:srgbClr val="000000"/>
+              </a:solidFill>
+              <a:uFill>
+                <a:solidFill>
+                  <a:srgbClr val="ffffff"/>
+                </a:solidFill>
+              </a:uFill>
+              <a:latin typeface="Arial"/>
+            </a:endParaRPr>
+          </a:p>
+        </p:txBody>
+      </p:sp>
+      <p:sp>
+        <p:nvSpPr>
+          <p:cNvPr id="7" name="PlaceHolder 2"/>
+          <p:cNvSpPr>
+            <a:spLocks noGrp="1"/>
+          </p:cNvSpPr>
+          <p:nvPr>
+            <p:ph type="body"/>
+          </p:nvPr>
+        </p:nvSpPr>
+        <p:spPr>
+          <a:xfrm>
+            <a:off x="504000" y="1769040"/>
+            <a:ext cx="4426560" cy="4384080"/>
+          </a:xfrm>
+          <a:prstGeom prst="rect">
+            <a:avLst/>
+          </a:prstGeom>
+        </p:spPr>
+        <p:txBody>
+          <a:bodyPr lIns="0" rIns="0" tIns="0" bIns="0"/>
+          <a:p>
+            <a:endParaRPr b="0" lang="es-ES" sz="3200" spc="-1" strike="noStrike">
+              <a:solidFill>
+                <a:srgbClr val="000000"/>
+              </a:solidFill>
+              <a:uFill>
+                <a:solidFill>
+                  <a:srgbClr val="ffffff"/>
+                </a:solidFill>
+              </a:uFill>
+              <a:latin typeface="Arial"/>
+            </a:endParaRPr>
+          </a:p>
+        </p:txBody>
+      </p:sp>
+      <p:sp>
+        <p:nvSpPr>
+          <p:cNvPr id="8" name="PlaceHolder 3"/>
+          <p:cNvSpPr>
+            <a:spLocks noGrp="1"/>
+          </p:cNvSpPr>
+          <p:nvPr>
+            <p:ph type="body"/>
+          </p:nvPr>
+        </p:nvSpPr>
+        <p:spPr>
+          <a:xfrm>
+            <a:off x="5152320" y="1769040"/>
+            <a:ext cx="4426560" cy="4384080"/>
+          </a:xfrm>
+          <a:prstGeom prst="rect">
+            <a:avLst/>
+          </a:prstGeom>
+        </p:spPr>
+        <p:txBody>
+          <a:bodyPr lIns="0" rIns="0" tIns="0" bIns="0"/>
+          <a:p>
+            <a:endParaRPr b="0" lang="es-ES" sz="3200" spc="-1" strike="noStrike">
+              <a:solidFill>
+                <a:srgbClr val="000000"/>
+              </a:solidFill>
+              <a:uFill>
+                <a:solidFill>
+                  <a:srgbClr val="ffffff"/>
+                </a:solidFill>
+              </a:uFill>
+              <a:latin typeface="Arial"/>
+            </a:endParaRPr>
+          </a:p>
+        </p:txBody>
+      </p:sp>
+    </p:spTree>
+  </p:cSld>
+</p:sldLayout>
+</file>
+
+<file path=ppt/slideLayouts/slideLayout5.xml><?xml version="1.0" encoding="utf-8"?>
+<p:sldLayout xmlns:a="http://schemas.openxmlformats.org/drawingml/2006/main" xmlns:p="http://schemas.openxmlformats.org/presentationml/2006/main" xmlns:r="http://schemas.openxmlformats.org/officeDocument/2006/relationships" type="titleOnly" preserve="1">
+  <p:cSld name="Title Only">
+    <p:spTree>
+      <p:nvGrpSpPr>
+        <p:cNvPr id="1" name=""/>
+        <p:cNvGrpSpPr/>
+        <p:nvPr/>
+      </p:nvGrpSpPr>
+      <p:grpSpPr>
+        <a:xfrm>
+          <a:off x="0" y="0"/>
+          <a:ext cx="0" cy="0"/>
+          <a:chOff x="0" y="0"/>
+          <a:chExt cx="0" cy="0"/>
+        </a:xfrm>
+      </p:grpSpPr>
+      <p:sp>
+        <p:nvSpPr>
+          <p:cNvPr id="9" name="PlaceHolder 1"/>
+          <p:cNvSpPr>
+            <a:spLocks noGrp="1"/>
+          </p:cNvSpPr>
+          <p:nvPr>
+            <p:ph type="title"/>
+          </p:nvPr>
+        </p:nvSpPr>
+        <p:spPr>
+          <a:xfrm>
+            <a:off x="504000" y="301320"/>
+            <a:ext cx="9071280" cy="1261800"/>
+          </a:xfrm>
+          <a:prstGeom prst="rect">
+            <a:avLst/>
+          </a:prstGeom>
+        </p:spPr>
+        <p:txBody>
+          <a:bodyPr lIns="0" rIns="0" tIns="0" bIns="0" anchor="ctr"/>
+          <a:p>
+            <a:pPr algn="ctr"/>
+            <a:endParaRPr b="0" lang="es-ES" sz="4400" spc="-1" strike="noStrike">
+              <a:solidFill>
+                <a:srgbClr val="000000"/>
+              </a:solidFill>
+              <a:uFill>
+                <a:solidFill>
+                  <a:srgbClr val="ffffff"/>
+                </a:solidFill>
+              </a:uFill>
+              <a:latin typeface="Arial"/>
+            </a:endParaRPr>
+          </a:p>
+        </p:txBody>
+      </p:sp>
+    </p:spTree>
+  </p:cSld>
+</p:sldLayout>
+</file>
+
+<file path=ppt/slideLayouts/slideLayout6.xml><?xml version="1.0" encoding="utf-8"?>
+<p:sldLayout xmlns:a="http://schemas.openxmlformats.org/drawingml/2006/main" xmlns:p="http://schemas.openxmlformats.org/presentationml/2006/main" xmlns:r="http://schemas.openxmlformats.org/officeDocument/2006/relationships" type="objOnly" preserve="1">
+  <p:cSld name="Centered Text">
+    <p:spTree>
+      <p:nvGrpSpPr>
+        <p:cNvPr id="1" name=""/>
+        <p:cNvGrpSpPr/>
+        <p:nvPr/>
+      </p:nvGrpSpPr>
+      <p:grpSpPr>
+        <a:xfrm>
+          <a:off x="0" y="0"/>
+          <a:ext cx="0" cy="0"/>
+          <a:chOff x="0" y="0"/>
+          <a:chExt cx="0" cy="0"/>
+        </a:xfrm>
+      </p:grpSpPr>
+      <p:sp>
+        <p:nvSpPr>
+          <p:cNvPr id="10" name="PlaceHolder 1"/>
+          <p:cNvSpPr>
+            <a:spLocks noGrp="1"/>
+          </p:cNvSpPr>
+          <p:nvPr>
+            <p:ph type="subTitle"/>
+          </p:nvPr>
+        </p:nvSpPr>
+        <p:spPr>
+          <a:xfrm>
+            <a:off x="504000" y="301320"/>
+            <a:ext cx="9071280" cy="5850360"/>
+          </a:xfrm>
+          <a:prstGeom prst="rect">
+            <a:avLst/>
+          </a:prstGeom>
+        </p:spPr>
+        <p:txBody>
+          <a:bodyPr lIns="0" rIns="0" tIns="0" bIns="0" anchor="ctr"/>
+          <a:p>
+            <a:pPr algn="ctr"/>
+            <a:endParaRPr b="0" lang="es-ES" sz="3200" spc="-1" strike="noStrike">
+              <a:solidFill>
+                <a:srgbClr val="000000"/>
+              </a:solidFill>
+              <a:uFill>
+                <a:solidFill>
+                  <a:srgbClr val="ffffff"/>
+                </a:solidFill>
+              </a:uFill>
+              <a:latin typeface="Arial"/>
+            </a:endParaRPr>
+          </a:p>
+        </p:txBody>
+      </p:sp>
+    </p:spTree>
+  </p:cSld>
+</p:sldLayout>
+</file>
+
+<file path=ppt/slideLayouts/slideLayout7.xml><?xml version="1.0" encoding="utf-8"?>
+<p:sldLayout xmlns:a="http://schemas.openxmlformats.org/drawingml/2006/main" xmlns:p="http://schemas.openxmlformats.org/presentationml/2006/main" xmlns:r="http://schemas.openxmlformats.org/officeDocument/2006/relationships" type="twoObjAndObj" preserve="1">
+  <p:cSld name="Title, 2 Content and Content">
+    <p:spTree>
+      <p:nvGrpSpPr>
+        <p:cNvPr id="1" name=""/>
+        <p:cNvGrpSpPr/>
+        <p:nvPr/>
+      </p:nvGrpSpPr>
+      <p:grpSpPr>
+        <a:xfrm>
+          <a:off x="0" y="0"/>
+          <a:ext cx="0" cy="0"/>
+          <a:chOff x="0" y="0"/>
+          <a:chExt cx="0" cy="0"/>
+        </a:xfrm>
+      </p:grpSpPr>
+      <p:sp>
+        <p:nvSpPr>
+          <p:cNvPr id="11" name="PlaceHolder 1"/>
+          <p:cNvSpPr>
+            <a:spLocks noGrp="1"/>
+          </p:cNvSpPr>
+          <p:nvPr>
+            <p:ph type="title"/>
+          </p:nvPr>
+        </p:nvSpPr>
+        <p:spPr>
+          <a:xfrm>
+            <a:off x="504000" y="301320"/>
+            <a:ext cx="9071280" cy="1261800"/>
+          </a:xfrm>
+          <a:prstGeom prst="rect">
+            <a:avLst/>
+          </a:prstGeom>
+        </p:spPr>
+        <p:txBody>
+          <a:bodyPr lIns="0" rIns="0" tIns="0" bIns="0" anchor="ctr"/>
+          <a:p>
+            <a:pPr algn="ctr"/>
+            <a:endParaRPr b="0" lang="es-ES" sz="4400" spc="-1" strike="noStrike">
+              <a:solidFill>
+                <a:srgbClr val="000000"/>
+              </a:solidFill>
+              <a:uFill>
+                <a:solidFill>
+                  <a:srgbClr val="ffffff"/>
+                </a:solidFill>
+              </a:uFill>
+              <a:latin typeface="Arial"/>
+            </a:endParaRPr>
+          </a:p>
+        </p:txBody>
+      </p:sp>
+      <p:sp>
+        <p:nvSpPr>
+          <p:cNvPr id="12" name="PlaceHolder 2"/>
+          <p:cNvSpPr>
+            <a:spLocks noGrp="1"/>
+          </p:cNvSpPr>
+          <p:nvPr>
+            <p:ph type="body"/>
+          </p:nvPr>
+        </p:nvSpPr>
+        <p:spPr>
+          <a:xfrm>
+            <a:off x="504000" y="1769040"/>
+            <a:ext cx="4426560" cy="2090880"/>
+          </a:xfrm>
+          <a:prstGeom prst="rect">
+            <a:avLst/>
+          </a:prstGeom>
+        </p:spPr>
+        <p:txBody>
+          <a:bodyPr lIns="0" rIns="0" tIns="0" bIns="0"/>
+          <a:p>
+            <a:endParaRPr b="0" lang="es-ES" sz="3200" spc="-1" strike="noStrike">
+              <a:solidFill>
+                <a:srgbClr val="000000"/>
+              </a:solidFill>
+              <a:uFill>
+                <a:solidFill>
+                  <a:srgbClr val="ffffff"/>
+                </a:solidFill>
+              </a:uFill>
+              <a:latin typeface="Arial"/>
+            </a:endParaRPr>
+          </a:p>
+        </p:txBody>
+      </p:sp>
+      <p:sp>
+        <p:nvSpPr>
+          <p:cNvPr id="13" name="PlaceHolder 3"/>
+          <p:cNvSpPr>
+            <a:spLocks noGrp="1"/>
+          </p:cNvSpPr>
+          <p:nvPr>
+            <p:ph type="body"/>
+          </p:nvPr>
+        </p:nvSpPr>
+        <p:spPr>
+          <a:xfrm>
+            <a:off x="504000" y="4059000"/>
+            <a:ext cx="4426560" cy="2090880"/>
+          </a:xfrm>
+          <a:prstGeom prst="rect">
+            <a:avLst/>
+          </a:prstGeom>
+        </p:spPr>
+        <p:txBody>
+          <a:bodyPr lIns="0" rIns="0" tIns="0" bIns="0"/>
+          <a:p>
+            <a:endParaRPr b="0" lang="es-ES" sz="3200" spc="-1" strike="noStrike">
+              <a:solidFill>
+                <a:srgbClr val="000000"/>
+              </a:solidFill>
+              <a:uFill>
+                <a:solidFill>
+                  <a:srgbClr val="ffffff"/>
+                </a:solidFill>
+              </a:uFill>
+              <a:latin typeface="Arial"/>
+            </a:endParaRPr>
+          </a:p>
+        </p:txBody>
+      </p:sp>
+      <p:sp>
+        <p:nvSpPr>
+          <p:cNvPr id="14" name="PlaceHolder 4"/>
+          <p:cNvSpPr>
+            <a:spLocks noGrp="1"/>
+          </p:cNvSpPr>
+          <p:nvPr>
+            <p:ph type="body"/>
+          </p:nvPr>
+        </p:nvSpPr>
+        <p:spPr>
+          <a:xfrm>
+            <a:off x="5152320" y="1769040"/>
+            <a:ext cx="4426560" cy="4384080"/>
+          </a:xfrm>
+          <a:prstGeom prst="rect">
+            <a:avLst/>
+          </a:prstGeom>
+        </p:spPr>
+        <p:txBody>
+          <a:bodyPr lIns="0" rIns="0" tIns="0" bIns="0"/>
+          <a:p>
+            <a:endParaRPr b="0" lang="es-ES" sz="3200" spc="-1" strike="noStrike">
+              <a:solidFill>
+                <a:srgbClr val="000000"/>
+              </a:solidFill>
+              <a:uFill>
+                <a:solidFill>
+                  <a:srgbClr val="ffffff"/>
+                </a:solidFill>
+              </a:uFill>
+              <a:latin typeface="Arial"/>
+            </a:endParaRPr>
+          </a:p>
+        </p:txBody>
+      </p:sp>
+    </p:spTree>
+  </p:cSld>
+</p:sldLayout>
+</file>
+
+<file path=ppt/slideLayouts/slideLayout8.xml><?xml version="1.0" encoding="utf-8"?>
+<p:sldLayout xmlns:a="http://schemas.openxmlformats.org/drawingml/2006/main" xmlns:p="http://schemas.openxmlformats.org/presentationml/2006/main" xmlns:r="http://schemas.openxmlformats.org/officeDocument/2006/relationships" type="objAndTwoObj" preserve="1">
+  <p:cSld name="Title Content and 2 Content">
+    <p:spTree>
+      <p:nvGrpSpPr>
+        <p:cNvPr id="1" name=""/>
+        <p:cNvGrpSpPr/>
+        <p:nvPr/>
+      </p:nvGrpSpPr>
+      <p:grpSpPr>
+        <a:xfrm>
+          <a:off x="0" y="0"/>
+          <a:ext cx="0" cy="0"/>
+          <a:chOff x="0" y="0"/>
+          <a:chExt cx="0" cy="0"/>
+        </a:xfrm>
+      </p:grpSpPr>
+      <p:sp>
+        <p:nvSpPr>
+          <p:cNvPr id="15" name="PlaceHolder 1"/>
+          <p:cNvSpPr>
+            <a:spLocks noGrp="1"/>
+          </p:cNvSpPr>
+          <p:nvPr>
+            <p:ph type="title"/>
+          </p:nvPr>
+        </p:nvSpPr>
+        <p:spPr>
+          <a:xfrm>
+            <a:off x="504000" y="301320"/>
+            <a:ext cx="9071280" cy="1261800"/>
+          </a:xfrm>
+          <a:prstGeom prst="rect">
+            <a:avLst/>
+          </a:prstGeom>
+        </p:spPr>
+        <p:txBody>
+          <a:bodyPr lIns="0" rIns="0" tIns="0" bIns="0" anchor="ctr"/>
+          <a:p>
+            <a:pPr algn="ctr"/>
+            <a:endParaRPr b="0" lang="es-ES" sz="4400" spc="-1" strike="noStrike">
+              <a:solidFill>
+                <a:srgbClr val="000000"/>
+              </a:solidFill>
+              <a:uFill>
+                <a:solidFill>
+                  <a:srgbClr val="ffffff"/>
+                </a:solidFill>
+              </a:uFill>
+              <a:latin typeface="Arial"/>
+            </a:endParaRPr>
+          </a:p>
+        </p:txBody>
+      </p:sp>
+      <p:sp>
+        <p:nvSpPr>
+          <p:cNvPr id="16" name="PlaceHolder 2"/>
+          <p:cNvSpPr>
+            <a:spLocks noGrp="1"/>
+          </p:cNvSpPr>
+          <p:nvPr>
+            <p:ph type="body"/>
+          </p:nvPr>
+        </p:nvSpPr>
+        <p:spPr>
+          <a:xfrm>
+            <a:off x="504000" y="1769040"/>
+            <a:ext cx="4426560" cy="4384080"/>
+          </a:xfrm>
+          <a:prstGeom prst="rect">
+            <a:avLst/>
+          </a:prstGeom>
+        </p:spPr>
+        <p:txBody>
+          <a:bodyPr lIns="0" rIns="0" tIns="0" bIns="0"/>
+          <a:p>
+            <a:endParaRPr b="0" lang="es-ES" sz="3200" spc="-1" strike="noStrike">
+              <a:solidFill>
+                <a:srgbClr val="000000"/>
+              </a:solidFill>
+              <a:uFill>
+                <a:solidFill>
+                  <a:srgbClr val="ffffff"/>
+                </a:solidFill>
+              </a:uFill>
+              <a:latin typeface="Arial"/>
+            </a:endParaRPr>
+          </a:p>
+        </p:txBody>
+      </p:sp>
+      <p:sp>
+        <p:nvSpPr>
+          <p:cNvPr id="17" name="PlaceHolder 3"/>
+          <p:cNvSpPr>
+            <a:spLocks noGrp="1"/>
+          </p:cNvSpPr>
+          <p:nvPr>
+            <p:ph type="body"/>
+          </p:nvPr>
+        </p:nvSpPr>
+        <p:spPr>
+          <a:xfrm>
+            <a:off x="5152320" y="1769040"/>
+            <a:ext cx="4426560" cy="2090880"/>
+          </a:xfrm>
+          <a:prstGeom prst="rect">
+            <a:avLst/>
+          </a:prstGeom>
+        </p:spPr>
+        <p:txBody>
+          <a:bodyPr lIns="0" rIns="0" tIns="0" bIns="0"/>
+          <a:p>
+            <a:endParaRPr b="0" lang="es-ES" sz="3200" spc="-1" strike="noStrike">
+              <a:solidFill>
+                <a:srgbClr val="000000"/>
+              </a:solidFill>
+              <a:uFill>
+                <a:solidFill>
+                  <a:srgbClr val="ffffff"/>
+                </a:solidFill>
+              </a:uFill>
+              <a:latin typeface="Arial"/>
+            </a:endParaRPr>
+          </a:p>
+        </p:txBody>
+      </p:sp>
+      <p:sp>
+        <p:nvSpPr>
+          <p:cNvPr id="18" name="PlaceHolder 4"/>
+          <p:cNvSpPr>
+            <a:spLocks noGrp="1"/>
+          </p:cNvSpPr>
+          <p:nvPr>
+            <p:ph type="body"/>
+          </p:nvPr>
+        </p:nvSpPr>
+        <p:spPr>
+          <a:xfrm>
+            <a:off x="5152320" y="4059000"/>
+            <a:ext cx="4426560" cy="2090880"/>
+          </a:xfrm>
+          <a:prstGeom prst="rect">
+            <a:avLst/>
+          </a:prstGeom>
+        </p:spPr>
+        <p:txBody>
+          <a:bodyPr lIns="0" rIns="0" tIns="0" bIns="0"/>
+          <a:p>
+            <a:endParaRPr b="0" lang="es-ES" sz="3200" spc="-1" strike="noStrike">
+              <a:solidFill>
+                <a:srgbClr val="000000"/>
+              </a:solidFill>
+              <a:uFill>
+                <a:solidFill>
+                  <a:srgbClr val="ffffff"/>
+                </a:solidFill>
+              </a:uFill>
+              <a:latin typeface="Arial"/>
+            </a:endParaRPr>
+          </a:p>
+        </p:txBody>
+      </p:sp>
+    </p:spTree>
+  </p:cSld>
+</p:sldLayout>
+</file>
+
+<file path=ppt/slideLayouts/slideLayout9.xml><?xml version="1.0" encoding="utf-8"?>
+<p:sldLayout xmlns:a="http://schemas.openxmlformats.org/drawingml/2006/main" xmlns:p="http://schemas.openxmlformats.org/presentationml/2006/main" xmlns:r="http://schemas.openxmlformats.org/officeDocument/2006/relationships" type="twoObjOverTx" preserve="1">
+  <p:cSld name="Title, 2 Content over Content">
+    <p:spTree>
+      <p:nvGrpSpPr>
+        <p:cNvPr id="1" name=""/>
+        <p:cNvGrpSpPr/>
+        <p:nvPr/>
+      </p:nvGrpSpPr>
+      <p:grpSpPr>
+        <a:xfrm>
+          <a:off x="0" y="0"/>
+          <a:ext cx="0" cy="0"/>
+          <a:chOff x="0" y="0"/>
+          <a:chExt cx="0" cy="0"/>
+        </a:xfrm>
+      </p:grpSpPr>
+      <p:sp>
+        <p:nvSpPr>
+          <p:cNvPr id="19" name="PlaceHolder 1"/>
+          <p:cNvSpPr>
+            <a:spLocks noGrp="1"/>
+          </p:cNvSpPr>
+          <p:nvPr>
+            <p:ph type="title"/>
+          </p:nvPr>
+        </p:nvSpPr>
+        <p:spPr>
+          <a:xfrm>
+            <a:off x="504000" y="301320"/>
+            <a:ext cx="9071280" cy="1261800"/>
+          </a:xfrm>
+          <a:prstGeom prst="rect">
+            <a:avLst/>
+          </a:prstGeom>
+        </p:spPr>
+        <p:txBody>
+          <a:bodyPr lIns="0" rIns="0" tIns="0" bIns="0" anchor="ctr"/>
+          <a:p>
+            <a:pPr algn="ctr"/>
+            <a:endParaRPr b="0" lang="es-ES" sz="4400" spc="-1" strike="noStrike">
+              <a:solidFill>
+                <a:srgbClr val="000000"/>
+              </a:solidFill>
+              <a:uFill>
+                <a:solidFill>
+                  <a:srgbClr val="ffffff"/>
+                </a:solidFill>
+              </a:uFill>
+              <a:latin typeface="Arial"/>
+            </a:endParaRPr>
+          </a:p>
+        </p:txBody>
+      </p:sp>
+      <p:sp>
+        <p:nvSpPr>
+          <p:cNvPr id="20" name="PlaceHolder 2"/>
+          <p:cNvSpPr>
+            <a:spLocks noGrp="1"/>
+          </p:cNvSpPr>
+          <p:nvPr>
+            <p:ph type="body"/>
+          </p:nvPr>
+        </p:nvSpPr>
+        <p:spPr>
+          <a:xfrm>
+            <a:off x="504000" y="1769040"/>
+            <a:ext cx="4426560" cy="2090880"/>
+          </a:xfrm>
+          <a:prstGeom prst="rect">
+            <a:avLst/>
+          </a:prstGeom>
+        </p:spPr>
+        <p:txBody>
+          <a:bodyPr lIns="0" rIns="0" tIns="0" bIns="0"/>
+          <a:p>
+            <a:endParaRPr b="0" lang="es-ES" sz="3200" spc="-1" strike="noStrike">
+              <a:solidFill>
+                <a:srgbClr val="000000"/>
+              </a:solidFill>
+              <a:uFill>
+                <a:solidFill>
+                  <a:srgbClr val="ffffff"/>
+                </a:solidFill>
+              </a:uFill>
+              <a:latin typeface="Arial"/>
+            </a:endParaRPr>
+          </a:p>
+        </p:txBody>
+      </p:sp>
+      <p:sp>
+        <p:nvSpPr>
+          <p:cNvPr id="21" name="PlaceHolder 3"/>
+          <p:cNvSpPr>
+            <a:spLocks noGrp="1"/>
+          </p:cNvSpPr>
+          <p:nvPr>
+            <p:ph type="body"/>
+          </p:nvPr>
+        </p:nvSpPr>
+        <p:spPr>
+          <a:xfrm>
+            <a:off x="5152320" y="1769040"/>
+            <a:ext cx="4426560" cy="2090880"/>
+          </a:xfrm>
+          <a:prstGeom prst="rect">
+            <a:avLst/>
+          </a:prstGeom>
+        </p:spPr>
+        <p:txBody>
+          <a:bodyPr lIns="0" rIns="0" tIns="0" bIns="0"/>
+          <a:p>
+            <a:endParaRPr b="0" lang="es-ES" sz="3200" spc="-1" strike="noStrike">
+              <a:solidFill>
+                <a:srgbClr val="000000"/>
+              </a:solidFill>
+              <a:uFill>
+                <a:solidFill>
+                  <a:srgbClr val="ffffff"/>
+                </a:solidFill>
+              </a:uFill>
+              <a:latin typeface="Arial"/>
+            </a:endParaRPr>
+          </a:p>
+        </p:txBody>
+      </p:sp>
+      <p:sp>
+        <p:nvSpPr>
+          <p:cNvPr id="22" name="PlaceHolder 4"/>
+          <p:cNvSpPr>
+            <a:spLocks noGrp="1"/>
+          </p:cNvSpPr>
+          <p:nvPr>
+            <p:ph type="body"/>
+          </p:nvPr>
+        </p:nvSpPr>
+        <p:spPr>
+          <a:xfrm>
+            <a:off x="504000" y="4059000"/>
+            <a:ext cx="9071280" cy="2090880"/>
           </a:xfrm>
           <a:prstGeom prst="rect">
             <a:avLst/>
@@ -1490,7 +2965,7 @@
 </file>
 
 <file path=ppt/slideMasters/slideMaster1.xml><?xml version="1.0" encoding="utf-8"?>
-<p:sldMaster xmlns:a="http://schemas.openxmlformats.org/drawingml/2006/main" xmlns:p="http://schemas.openxmlformats.org/presentationml/2006/main" xmlns:r="http://schemas.openxmlformats.org/officeDocument/2006/relationships" xmlns:p14="http://schemas.microsoft.com/office/powerpoint/2010/main" xmlns:p15="http://schemas.microsoft.com/office/powerpoint/2012/main" xmlns:mc="http://schemas.openxmlformats.org/markup-compatibility/2006">
+<p:sldMaster xmlns:a="http://schemas.openxmlformats.org/drawingml/2006/main" xmlns:p="http://schemas.openxmlformats.org/presentationml/2006/main" xmlns:r="http://schemas.openxmlformats.org/officeDocument/2006/relationships">
   <p:cSld>
     <p:spTree>
       <p:nvGrpSpPr>
@@ -1519,7 +2994,7 @@
         <p:spPr>
           <a:xfrm>
             <a:off x="504000" y="301320"/>
-            <a:ext cx="9071640" cy="1262160"/>
+            <a:ext cx="9071280" cy="1261800"/>
           </a:xfrm>
           <a:prstGeom prst="rect">
             <a:avLst/>
@@ -1529,20 +3004,6 @@
           <a:bodyPr lIns="0" rIns="0" tIns="0" bIns="0" anchor="ctr"/>
           <a:p>
             <a:pPr algn="ctr"/>
-            <a:r>
-              <a:rPr b="0" lang="es-ES" sz="4400" spc="-1" strike="noStrike">
-                <a:solidFill>
-                  <a:srgbClr val="000000"/>
-                </a:solidFill>
-                <a:uFill>
-                  <a:solidFill>
-                    <a:srgbClr val="ffffff"/>
-                  </a:solidFill>
-                </a:uFill>
-                <a:latin typeface="Arial"/>
-              </a:rPr>
-              <a:t>Pulse para editar el formato del texto de título</a:t>
-            </a:r>
             <a:endParaRPr b="0" lang="es-ES" sz="4400" spc="-1" strike="noStrike">
               <a:solidFill>
                 <a:srgbClr val="000000"/>
@@ -1569,8 +3030,8 @@
         </p:nvSpPr>
         <p:spPr>
           <a:xfrm>
-            <a:off x="504000" y="1769040"/>
-            <a:ext cx="9071640" cy="4384440"/>
+            <a:off x="504000" y="1768680"/>
+            <a:ext cx="9072000" cy="4384080"/>
           </a:xfrm>
           <a:prstGeom prst="rect">
             <a:avLst/>
@@ -1821,158 +3282,6 @@
                 </a:solidFill>
               </a:uFill>
               <a:latin typeface="Arial"/>
-            </a:endParaRPr>
-          </a:p>
-        </p:txBody>
-      </p:sp>
-      <p:sp>
-        <p:nvSpPr>
-          <p:cNvPr id="2" name="PlaceHolder 3"/>
-          <p:cNvSpPr>
-            <a:spLocks noGrp="1"/>
-          </p:cNvSpPr>
-          <p:nvPr>
-            <p:ph type="dt"/>
-          </p:nvPr>
-        </p:nvSpPr>
-        <p:spPr>
-          <a:xfrm>
-            <a:off x="504000" y="6887160"/>
-            <a:ext cx="2348280" cy="521280"/>
-          </a:xfrm>
-          <a:prstGeom prst="rect">
-            <a:avLst/>
-          </a:prstGeom>
-        </p:spPr>
-        <p:txBody>
-          <a:bodyPr lIns="0" rIns="0" tIns="0" bIns="0"/>
-          <a:p>
-            <a:r>
-              <a:rPr b="0" lang="es-ES" sz="1400" spc="-1" strike="noStrike">
-                <a:solidFill>
-                  <a:srgbClr val="000000"/>
-                </a:solidFill>
-                <a:uFill>
-                  <a:solidFill>
-                    <a:srgbClr val="ffffff"/>
-                  </a:solidFill>
-                </a:uFill>
-                <a:latin typeface="Times New Roman"/>
-              </a:rPr>
-              <a:t>&lt;fecha/hora&gt;</a:t>
-            </a:r>
-            <a:endParaRPr b="0" lang="es-ES" sz="1400" spc="-1" strike="noStrike">
-              <a:solidFill>
-                <a:srgbClr val="000000"/>
-              </a:solidFill>
-              <a:uFill>
-                <a:solidFill>
-                  <a:srgbClr val="ffffff"/>
-                </a:solidFill>
-              </a:uFill>
-              <a:latin typeface="Times New Roman"/>
-            </a:endParaRPr>
-          </a:p>
-        </p:txBody>
-      </p:sp>
-      <p:sp>
-        <p:nvSpPr>
-          <p:cNvPr id="3" name="PlaceHolder 4"/>
-          <p:cNvSpPr>
-            <a:spLocks noGrp="1"/>
-          </p:cNvSpPr>
-          <p:nvPr>
-            <p:ph type="ftr"/>
-          </p:nvPr>
-        </p:nvSpPr>
-        <p:spPr>
-          <a:xfrm>
-            <a:off x="3447360" y="6887160"/>
-            <a:ext cx="3195000" cy="521280"/>
-          </a:xfrm>
-          <a:prstGeom prst="rect">
-            <a:avLst/>
-          </a:prstGeom>
-        </p:spPr>
-        <p:txBody>
-          <a:bodyPr lIns="0" rIns="0" tIns="0" bIns="0"/>
-          <a:p>
-            <a:pPr algn="ctr"/>
-            <a:r>
-              <a:rPr b="0" lang="es-ES" sz="1400" spc="-1" strike="noStrike">
-                <a:solidFill>
-                  <a:srgbClr val="000000"/>
-                </a:solidFill>
-                <a:uFill>
-                  <a:solidFill>
-                    <a:srgbClr val="ffffff"/>
-                  </a:solidFill>
-                </a:uFill>
-                <a:latin typeface="Times New Roman"/>
-              </a:rPr>
-              <a:t>&lt;pie de página&gt;</a:t>
-            </a:r>
-            <a:endParaRPr b="0" lang="es-ES" sz="1400" spc="-1" strike="noStrike">
-              <a:solidFill>
-                <a:srgbClr val="000000"/>
-              </a:solidFill>
-              <a:uFill>
-                <a:solidFill>
-                  <a:srgbClr val="ffffff"/>
-                </a:solidFill>
-              </a:uFill>
-              <a:latin typeface="Times New Roman"/>
-            </a:endParaRPr>
-          </a:p>
-        </p:txBody>
-      </p:sp>
-      <p:sp>
-        <p:nvSpPr>
-          <p:cNvPr id="4" name="PlaceHolder 5"/>
-          <p:cNvSpPr>
-            <a:spLocks noGrp="1"/>
-          </p:cNvSpPr>
-          <p:nvPr>
-            <p:ph type="sldNum"/>
-          </p:nvPr>
-        </p:nvSpPr>
-        <p:spPr>
-          <a:xfrm>
-            <a:off x="7227360" y="6887160"/>
-            <a:ext cx="2348280" cy="521280"/>
-          </a:xfrm>
-          <a:prstGeom prst="rect">
-            <a:avLst/>
-          </a:prstGeom>
-        </p:spPr>
-        <p:txBody>
-          <a:bodyPr lIns="0" rIns="0" tIns="0" bIns="0"/>
-          <a:p>
-            <a:pPr algn="r"/>
-            <a:fld id="{95244AAB-3167-4CFF-82F2-A4827F2FD6C2}" type="slidenum">
-              <a:rPr b="0" lang="es-ES" sz="1400" spc="-1" strike="noStrike">
-                <a:solidFill>
-                  <a:srgbClr val="000000"/>
-                </a:solidFill>
-                <a:uFill>
-                  <a:solidFill>
-                    <a:srgbClr val="ffffff"/>
-                  </a:solidFill>
-                </a:uFill>
-                <a:latin typeface="Times New Roman"/>
-              </a:rPr>
-              <a:t>&lt;número&gt;</a:t>
-            </a:fld>
-            <a:endParaRPr b="0" lang="es-ES" sz="1400" spc="-1" strike="noStrike">
-              <a:solidFill>
-                <a:srgbClr val="000000"/>
-              </a:solidFill>
-              <a:uFill>
-                <a:solidFill>
-                  <a:srgbClr val="ffffff"/>
-                </a:solidFill>
-              </a:uFill>
-              <a:latin typeface="Times New Roman"/>
             </a:endParaRPr>
           </a:p>
         </p:txBody>
@@ -1997,8 +3306,8 @@
 </p:sldMaster>
 </file>
 
-<file path=ppt/slides/slide1.xml><?xml version="1.0" encoding="utf-8"?>
-<p:sld xmlns:a="http://schemas.openxmlformats.org/drawingml/2006/main" xmlns:p="http://schemas.openxmlformats.org/presentationml/2006/main" xmlns:r="http://schemas.openxmlformats.org/officeDocument/2006/relationships" xmlns:p14="http://schemas.microsoft.com/office/powerpoint/2010/main" xmlns:p15="http://schemas.microsoft.com/office/powerpoint/2012/main" xmlns:mc="http://schemas.openxmlformats.org/markup-compatibility/2006">
+<file path=ppt/slideMasters/slideMaster2.xml><?xml version="1.0" encoding="utf-8"?>
+<p:sldMaster xmlns:a="http://schemas.openxmlformats.org/drawingml/2006/main" xmlns:p="http://schemas.openxmlformats.org/presentationml/2006/main" xmlns:r="http://schemas.openxmlformats.org/officeDocument/2006/relationships">
   <p:cSld>
     <p:spTree>
       <p:nvGrpSpPr>
@@ -2016,14 +3325,356 @@
       </p:grpSpPr>
       <p:sp>
         <p:nvSpPr>
-          <p:cNvPr id="39" name="TextShape 1"/>
-          <p:cNvSpPr txBox="1"/>
+          <p:cNvPr id="36" name="PlaceHolder 1"/>
+          <p:cNvSpPr>
+            <a:spLocks noGrp="1"/>
+          </p:cNvSpPr>
+          <p:nvPr>
+            <p:ph type="title"/>
+          </p:nvPr>
+        </p:nvSpPr>
+        <p:spPr>
+          <a:xfrm>
+            <a:off x="504000" y="301320"/>
+            <a:ext cx="9071280" cy="1261800"/>
+          </a:xfrm>
+          <a:prstGeom prst="rect">
+            <a:avLst/>
+          </a:prstGeom>
+        </p:spPr>
+        <p:txBody>
+          <a:bodyPr lIns="0" rIns="0" tIns="0" bIns="0" anchor="ctr"/>
+          <a:p>
+            <a:pPr algn="ctr"/>
+            <a:endParaRPr b="0" lang="es-ES" sz="4400" spc="-1" strike="noStrike">
+              <a:solidFill>
+                <a:srgbClr val="000000"/>
+              </a:solidFill>
+              <a:uFill>
+                <a:solidFill>
+                  <a:srgbClr val="ffffff"/>
+                </a:solidFill>
+              </a:uFill>
+              <a:latin typeface="Arial"/>
+            </a:endParaRPr>
+          </a:p>
+        </p:txBody>
+      </p:sp>
+      <p:sp>
+        <p:nvSpPr>
+          <p:cNvPr id="37" name="PlaceHolder 2"/>
+          <p:cNvSpPr>
+            <a:spLocks noGrp="1"/>
+          </p:cNvSpPr>
+          <p:nvPr>
+            <p:ph type="body"/>
+          </p:nvPr>
+        </p:nvSpPr>
+        <p:spPr>
+          <a:xfrm>
+            <a:off x="504000" y="1769040"/>
+            <a:ext cx="9071280" cy="4384080"/>
+          </a:xfrm>
+          <a:prstGeom prst="rect">
+            <a:avLst/>
+          </a:prstGeom>
+        </p:spPr>
+        <p:txBody>
+          <a:bodyPr lIns="0" rIns="0" tIns="0" bIns="0"/>
+          <a:p>
+            <a:pPr marL="432000" indent="-324000">
+              <a:buClr>
+                <a:srgbClr val="000000"/>
+              </a:buClr>
+              <a:buSzPct val="45000"/>
+              <a:buFont typeface="Wingdings" charset="2"/>
+              <a:buChar char=""/>
+            </a:pPr>
+            <a:r>
+              <a:rPr b="0" lang="es-ES" sz="1800" spc="-1" strike="noStrike">
+                <a:solidFill>
+                  <a:srgbClr val="000000"/>
+                </a:solidFill>
+                <a:uFill>
+                  <a:solidFill>
+                    <a:srgbClr val="ffffff"/>
+                  </a:solidFill>
+                </a:uFill>
+                <a:latin typeface="Arial"/>
+              </a:rPr>
+              <a:t>Pulse para editar el formato de esquema del texto</a:t>
+            </a:r>
+            <a:endParaRPr b="0" lang="es-ES" sz="1800" spc="-1" strike="noStrike">
+              <a:solidFill>
+                <a:srgbClr val="000000"/>
+              </a:solidFill>
+              <a:uFill>
+                <a:solidFill>
+                  <a:srgbClr val="ffffff"/>
+                </a:solidFill>
+              </a:uFill>
+              <a:latin typeface="Arial"/>
+            </a:endParaRPr>
+          </a:p>
+          <a:p>
+            <a:pPr lvl="1" marL="864000" indent="-324000">
+              <a:buClr>
+                <a:srgbClr val="000000"/>
+              </a:buClr>
+              <a:buSzPct val="75000"/>
+              <a:buFont typeface="Symbol" charset="2"/>
+              <a:buChar char=""/>
+            </a:pPr>
+            <a:r>
+              <a:rPr b="0" lang="es-ES" sz="1800" spc="-1" strike="noStrike">
+                <a:solidFill>
+                  <a:srgbClr val="000000"/>
+                </a:solidFill>
+                <a:uFill>
+                  <a:solidFill>
+                    <a:srgbClr val="ffffff"/>
+                  </a:solidFill>
+                </a:uFill>
+                <a:latin typeface="Arial"/>
+              </a:rPr>
+              <a:t>Segundo nivel del esquema</a:t>
+            </a:r>
+            <a:endParaRPr b="0" lang="es-ES" sz="1800" spc="-1" strike="noStrike">
+              <a:solidFill>
+                <a:srgbClr val="000000"/>
+              </a:solidFill>
+              <a:uFill>
+                <a:solidFill>
+                  <a:srgbClr val="ffffff"/>
+                </a:solidFill>
+              </a:uFill>
+              <a:latin typeface="Arial"/>
+            </a:endParaRPr>
+          </a:p>
+          <a:p>
+            <a:pPr lvl="2" marL="1296000" indent="-288000">
+              <a:buClr>
+                <a:srgbClr val="000000"/>
+              </a:buClr>
+              <a:buSzPct val="45000"/>
+              <a:buFont typeface="Wingdings" charset="2"/>
+              <a:buChar char=""/>
+            </a:pPr>
+            <a:r>
+              <a:rPr b="0" lang="es-ES" sz="1800" spc="-1" strike="noStrike">
+                <a:solidFill>
+                  <a:srgbClr val="000000"/>
+                </a:solidFill>
+                <a:uFill>
+                  <a:solidFill>
+                    <a:srgbClr val="ffffff"/>
+                  </a:solidFill>
+                </a:uFill>
+                <a:latin typeface="Arial"/>
+              </a:rPr>
+              <a:t>Tercer nivel del esquema</a:t>
+            </a:r>
+            <a:endParaRPr b="0" lang="es-ES" sz="1800" spc="-1" strike="noStrike">
+              <a:solidFill>
+                <a:srgbClr val="000000"/>
+              </a:solidFill>
+              <a:uFill>
+                <a:solidFill>
+                  <a:srgbClr val="ffffff"/>
+                </a:solidFill>
+              </a:uFill>
+              <a:latin typeface="Arial"/>
+            </a:endParaRPr>
+          </a:p>
+          <a:p>
+            <a:pPr lvl="3" marL="1728000" indent="-216000">
+              <a:buClr>
+                <a:srgbClr val="000000"/>
+              </a:buClr>
+              <a:buSzPct val="75000"/>
+              <a:buFont typeface="Symbol" charset="2"/>
+              <a:buChar char=""/>
+            </a:pPr>
+            <a:r>
+              <a:rPr b="0" lang="es-ES" sz="1800" spc="-1" strike="noStrike">
+                <a:solidFill>
+                  <a:srgbClr val="000000"/>
+                </a:solidFill>
+                <a:uFill>
+                  <a:solidFill>
+                    <a:srgbClr val="ffffff"/>
+                  </a:solidFill>
+                </a:uFill>
+                <a:latin typeface="Arial"/>
+              </a:rPr>
+              <a:t>Cuarto nivel del esquema</a:t>
+            </a:r>
+            <a:endParaRPr b="0" lang="es-ES" sz="1800" spc="-1" strike="noStrike">
+              <a:solidFill>
+                <a:srgbClr val="000000"/>
+              </a:solidFill>
+              <a:uFill>
+                <a:solidFill>
+                  <a:srgbClr val="ffffff"/>
+                </a:solidFill>
+              </a:uFill>
+              <a:latin typeface="Arial"/>
+            </a:endParaRPr>
+          </a:p>
+          <a:p>
+            <a:pPr lvl="4" marL="2160000" indent="-216000">
+              <a:buClr>
+                <a:srgbClr val="000000"/>
+              </a:buClr>
+              <a:buSzPct val="45000"/>
+              <a:buFont typeface="Wingdings" charset="2"/>
+              <a:buChar char=""/>
+            </a:pPr>
+            <a:r>
+              <a:rPr b="0" lang="es-ES" sz="1800" spc="-1" strike="noStrike">
+                <a:solidFill>
+                  <a:srgbClr val="000000"/>
+                </a:solidFill>
+                <a:uFill>
+                  <a:solidFill>
+                    <a:srgbClr val="ffffff"/>
+                  </a:solidFill>
+                </a:uFill>
+                <a:latin typeface="Arial"/>
+              </a:rPr>
+              <a:t>Quinto nivel del esquema</a:t>
+            </a:r>
+            <a:endParaRPr b="0" lang="es-ES" sz="1800" spc="-1" strike="noStrike">
+              <a:solidFill>
+                <a:srgbClr val="000000"/>
+              </a:solidFill>
+              <a:uFill>
+                <a:solidFill>
+                  <a:srgbClr val="ffffff"/>
+                </a:solidFill>
+              </a:uFill>
+              <a:latin typeface="Arial"/>
+            </a:endParaRPr>
+          </a:p>
+          <a:p>
+            <a:pPr lvl="5" marL="2592000" indent="-216000">
+              <a:buClr>
+                <a:srgbClr val="000000"/>
+              </a:buClr>
+              <a:buSzPct val="45000"/>
+              <a:buFont typeface="Wingdings" charset="2"/>
+              <a:buChar char=""/>
+            </a:pPr>
+            <a:r>
+              <a:rPr b="0" lang="es-ES" sz="1800" spc="-1" strike="noStrike">
+                <a:solidFill>
+                  <a:srgbClr val="000000"/>
+                </a:solidFill>
+                <a:uFill>
+                  <a:solidFill>
+                    <a:srgbClr val="ffffff"/>
+                  </a:solidFill>
+                </a:uFill>
+                <a:latin typeface="Arial"/>
+              </a:rPr>
+              <a:t>Sexto nivel del esquema</a:t>
+            </a:r>
+            <a:endParaRPr b="0" lang="es-ES" sz="1800" spc="-1" strike="noStrike">
+              <a:solidFill>
+                <a:srgbClr val="000000"/>
+              </a:solidFill>
+              <a:uFill>
+                <a:solidFill>
+                  <a:srgbClr val="ffffff"/>
+                </a:solidFill>
+              </a:uFill>
+              <a:latin typeface="Arial"/>
+            </a:endParaRPr>
+          </a:p>
+          <a:p>
+            <a:pPr lvl="6" marL="3024000" indent="-216000">
+              <a:buClr>
+                <a:srgbClr val="000000"/>
+              </a:buClr>
+              <a:buSzPct val="45000"/>
+              <a:buFont typeface="Wingdings" charset="2"/>
+              <a:buChar char=""/>
+            </a:pPr>
+            <a:r>
+              <a:rPr b="0" lang="es-ES" sz="1800" spc="-1" strike="noStrike">
+                <a:solidFill>
+                  <a:srgbClr val="000000"/>
+                </a:solidFill>
+                <a:uFill>
+                  <a:solidFill>
+                    <a:srgbClr val="ffffff"/>
+                  </a:solidFill>
+                </a:uFill>
+                <a:latin typeface="Arial"/>
+              </a:rPr>
+              <a:t>Séptimo nivel del esquema</a:t>
+            </a:r>
+            <a:endParaRPr b="0" lang="es-ES" sz="1800" spc="-1" strike="noStrike">
+              <a:solidFill>
+                <a:srgbClr val="000000"/>
+              </a:solidFill>
+              <a:uFill>
+                <a:solidFill>
+                  <a:srgbClr val="ffffff"/>
+                </a:solidFill>
+              </a:uFill>
+              <a:latin typeface="Arial"/>
+            </a:endParaRPr>
+          </a:p>
+        </p:txBody>
+      </p:sp>
+    </p:spTree>
+  </p:cSld>
+  <p:clrMap bg1="lt1" bg2="lt2" tx1="dk1" tx2="dk2" accent1="accent1" accent2="accent2" accent3="accent3" accent4="accent4" accent5="accent5" accent6="accent6" hlink="hlink" folHlink="folHlink"/>
+  <p:sldLayoutIdLst>
+    <p:sldLayoutId id="2147483662" r:id="rId2"/>
+    <p:sldLayoutId id="2147483663" r:id="rId3"/>
+    <p:sldLayoutId id="2147483664" r:id="rId4"/>
+    <p:sldLayoutId id="2147483665" r:id="rId5"/>
+    <p:sldLayoutId id="2147483666" r:id="rId6"/>
+    <p:sldLayoutId id="2147483667" r:id="rId7"/>
+    <p:sldLayoutId id="2147483668" r:id="rId8"/>
+    <p:sldLayoutId id="2147483669" r:id="rId9"/>
+    <p:sldLayoutId id="2147483670" r:id="rId10"/>
+    <p:sldLayoutId id="2147483671" r:id="rId11"/>
+    <p:sldLayoutId id="2147483672" r:id="rId12"/>
+    <p:sldLayoutId id="2147483673" r:id="rId13"/>
+  </p:sldLayoutIdLst>
+</p:sldMaster>
+</file>
+
+<file path=ppt/slides/slide1.xml><?xml version="1.0" encoding="utf-8"?>
+<p:sld xmlns:a="http://schemas.openxmlformats.org/drawingml/2006/main" xmlns:p="http://schemas.openxmlformats.org/presentationml/2006/main" xmlns:r="http://schemas.openxmlformats.org/officeDocument/2006/relationships">
+  <p:cSld>
+    <p:spTree>
+      <p:nvGrpSpPr>
+        <p:cNvPr id="1" name=""/>
+        <p:cNvGrpSpPr/>
+        <p:nvPr/>
+      </p:nvGrpSpPr>
+      <p:grpSpPr>
+        <a:xfrm>
+          <a:off x="0" y="0"/>
+          <a:ext cx="0" cy="0"/>
+          <a:chOff x="0" y="0"/>
+          <a:chExt cx="0" cy="0"/>
+        </a:xfrm>
+      </p:grpSpPr>
+      <p:sp>
+        <p:nvSpPr>
+          <p:cNvPr id="72" name="CustomShape 1"/>
+          <p:cNvSpPr/>
           <p:nvPr/>
         </p:nvSpPr>
         <p:spPr>
           <a:xfrm>
             <a:off x="504000" y="301320"/>
-            <a:ext cx="9071640" cy="1262160"/>
+            <a:ext cx="9071280" cy="1261800"/>
           </a:xfrm>
           <a:prstGeom prst="rect">
             <a:avLst/>
@@ -2033,10 +3684,19 @@
             <a:noFill/>
           </a:ln>
         </p:spPr>
+        <p:style>
+          <a:lnRef idx="0"/>
+          <a:fillRef idx="0"/>
+          <a:effectRef idx="0"/>
+          <a:fontRef idx="minor"/>
+        </p:style>
         <p:txBody>
           <a:bodyPr lIns="0" rIns="0" tIns="0" bIns="0" anchor="ctr"/>
           <a:p>
-            <a:pPr marL="274320" indent="-274320" algn="ctr">
+            <a:pPr marL="274320" indent="-273960" algn="ctr">
+              <a:lnSpc>
+                <a:spcPct val="100000"/>
+              </a:lnSpc>
               <a:buClr>
                 <a:srgbClr val="000000"/>
               </a:buClr>
@@ -2057,47 +3717,32 @@
                 <a:latin typeface="Thorndale;Times New Roman"/>
                 <a:ea typeface="Thorndale;Times New Roman"/>
               </a:rPr>
-              <a:t>Zenonis </a:t>
+              <a:t>Zenonis est, inquam, hoc Stoici</a:t>
             </a:r>
-            <a:r>
-              <a:rPr b="1" lang="es-ES" sz="2400" spc="-1" strike="noStrike">
-                <a:solidFill>
-                  <a:srgbClr val="000000"/>
-                </a:solidFill>
-                <a:uFill>
-                  <a:solidFill>
-                    <a:srgbClr val="ffffff"/>
-                  </a:solidFill>
-                </a:uFill>
-                <a:latin typeface="Thorndale;Times New Roman"/>
-                <a:ea typeface="Thorndale;Times New Roman"/>
-              </a:rPr>
-              <a:t>est, inquam, hoc Stoici</a:t>
-            </a:r>
-            <a:endParaRPr b="0" lang="es-ES" sz="4400" spc="-1" strike="noStrike">
-              <a:solidFill>
-                <a:srgbClr val="000000"/>
-              </a:solidFill>
-              <a:uFill>
-                <a:solidFill>
-                  <a:srgbClr val="ffffff"/>
-                </a:solidFill>
-              </a:uFill>
-              <a:latin typeface="Arial"/>
-            </a:endParaRPr>
-          </a:p>
-        </p:txBody>
-      </p:sp>
-      <p:sp>
-        <p:nvSpPr>
-          <p:cNvPr id="40" name="TextShape 2"/>
-          <p:cNvSpPr txBox="1"/>
+            <a:endParaRPr b="0" lang="es-ES" sz="1800" spc="-1" strike="noStrike">
+              <a:solidFill>
+                <a:srgbClr val="000000"/>
+              </a:solidFill>
+              <a:uFill>
+                <a:solidFill>
+                  <a:srgbClr val="ffffff"/>
+                </a:solidFill>
+              </a:uFill>
+              <a:latin typeface="Arial"/>
+            </a:endParaRPr>
+          </a:p>
+        </p:txBody>
+      </p:sp>
+      <p:sp>
+        <p:nvSpPr>
+          <p:cNvPr id="73" name="CustomShape 2"/>
+          <p:cNvSpPr/>
           <p:nvPr/>
         </p:nvSpPr>
         <p:spPr>
           <a:xfrm>
             <a:off x="504000" y="1769040"/>
-            <a:ext cx="9071640" cy="4384440"/>
+            <a:ext cx="9071280" cy="4384080"/>
           </a:xfrm>
           <a:prstGeom prst="rect">
             <a:avLst/>
@@ -2107,6 +3752,12 @@
             <a:noFill/>
           </a:ln>
         </p:spPr>
+        <p:style>
+          <a:lnRef idx="0"/>
+          <a:fillRef idx="0"/>
+          <a:effectRef idx="0"/>
+          <a:fontRef idx="minor"/>
+        </p:style>
         <p:txBody>
           <a:bodyPr lIns="0" rIns="0" tIns="0" bIns="0" anchor="ctr"/>
           <a:p>
@@ -2155,7 +3806,7 @@
               </a:rPr>
               <a:t> Perspicuum est enim, nisi aequitas, fides, iustitia proficiscantur a natura, et si omnia haec ad utilitatem referantur, virum bonum non posse reperiri; Qua in vita tantum abest ut voluptates consectentur, etiam curas, sollicitudines, vigilias perferunt optimaque parte hominis, quae in nobis divina ducenda est, ingenii et mentis acie fruuntur nec voluptatem requirentes nec fugientes laborem. Is enim percontando atque interrogando elicere solebat eorum opiniones, quibuscum disserebat, ut ad ea, quae ii respondissent, si quid videretur, diceret. Gerendus est mos, modo recte sentiat. Zeno autem, quod suam, quod propriam speciem habeat, cur appetendum sit, id solum bonum appellat, beatam autem vitam eam solam, quae cum virtute degatur.</a:t>
             </a:r>
-            <a:endParaRPr b="0" lang="es-ES" sz="3200" spc="-1" strike="noStrike">
+            <a:endParaRPr b="0" lang="es-ES" sz="1800" spc="-1" strike="noStrike">
               <a:solidFill>
                 <a:srgbClr val="000000"/>
               </a:solidFill>
@@ -2202,7 +3853,7 @@
 </file>
 
 <file path=ppt/slides/slide2.xml><?xml version="1.0" encoding="utf-8"?>
-<p:sld xmlns:a="http://schemas.openxmlformats.org/drawingml/2006/main" xmlns:p="http://schemas.openxmlformats.org/presentationml/2006/main" xmlns:r="http://schemas.openxmlformats.org/officeDocument/2006/relationships" xmlns:p14="http://schemas.microsoft.com/office/powerpoint/2010/main" xmlns:p15="http://schemas.microsoft.com/office/powerpoint/2012/main" xmlns:mc="http://schemas.openxmlformats.org/markup-compatibility/2006">
+<p:sld xmlns:a="http://schemas.openxmlformats.org/drawingml/2006/main" xmlns:p="http://schemas.openxmlformats.org/presentationml/2006/main" xmlns:r="http://schemas.openxmlformats.org/officeDocument/2006/relationships">
   <p:cSld>
     <p:spTree>
       <p:nvGrpSpPr>
@@ -2220,14 +3871,14 @@
       </p:grpSpPr>
       <p:sp>
         <p:nvSpPr>
-          <p:cNvPr id="41" name="TextShape 1"/>
-          <p:cNvSpPr txBox="1"/>
+          <p:cNvPr id="74" name="CustomShape 1"/>
+          <p:cNvSpPr/>
           <p:nvPr/>
         </p:nvSpPr>
         <p:spPr>
           <a:xfrm>
             <a:off x="504000" y="301320"/>
-            <a:ext cx="9071640" cy="1262160"/>
+            <a:ext cx="9071280" cy="1261800"/>
           </a:xfrm>
           <a:prstGeom prst="rect">
             <a:avLst/>
@@ -2237,10 +3888,19 @@
             <a:noFill/>
           </a:ln>
         </p:spPr>
+        <p:style>
+          <a:lnRef idx="0"/>
+          <a:fillRef idx="0"/>
+          <a:effectRef idx="0"/>
+          <a:fontRef idx="minor"/>
+        </p:style>
         <p:txBody>
           <a:bodyPr lIns="0" rIns="0" tIns="0" bIns="0" anchor="ctr"/>
           <a:p>
-            <a:pPr marL="274320" indent="-274320" algn="ctr">
+            <a:pPr marL="274320" indent="-273960" algn="ctr">
+              <a:lnSpc>
+                <a:spcPct val="100000"/>
+              </a:lnSpc>
               <a:buClr>
                 <a:srgbClr val="000000"/>
               </a:buClr>
@@ -2263,30 +3923,30 @@
               </a:rPr>
               <a:t>Qui-vere falsone, quaerere mittimus-dicitur oculis se privasse</a:t>
             </a:r>
-            <a:endParaRPr b="0" lang="es-ES" sz="4400" spc="-1" strike="noStrike">
-              <a:solidFill>
-                <a:srgbClr val="000000"/>
-              </a:solidFill>
-              <a:uFill>
-                <a:solidFill>
-                  <a:srgbClr val="ffffff"/>
-                </a:solidFill>
-              </a:uFill>
-              <a:latin typeface="Arial"/>
-            </a:endParaRPr>
-          </a:p>
-        </p:txBody>
-      </p:sp>
-      <p:sp>
-        <p:nvSpPr>
-          <p:cNvPr id="42" name="TextShape 2"/>
-          <p:cNvSpPr txBox="1"/>
+            <a:endParaRPr b="0" lang="es-ES" sz="1800" spc="-1" strike="noStrike">
+              <a:solidFill>
+                <a:srgbClr val="000000"/>
+              </a:solidFill>
+              <a:uFill>
+                <a:solidFill>
+                  <a:srgbClr val="ffffff"/>
+                </a:solidFill>
+              </a:uFill>
+              <a:latin typeface="Arial"/>
+            </a:endParaRPr>
+          </a:p>
+        </p:txBody>
+      </p:sp>
+      <p:sp>
+        <p:nvSpPr>
+          <p:cNvPr id="75" name="CustomShape 2"/>
+          <p:cNvSpPr/>
           <p:nvPr/>
         </p:nvSpPr>
         <p:spPr>
           <a:xfrm>
             <a:off x="504000" y="1769040"/>
-            <a:ext cx="9071640" cy="4384440"/>
+            <a:ext cx="9071280" cy="4384080"/>
           </a:xfrm>
           <a:prstGeom prst="rect">
             <a:avLst/>
@@ -2296,6 +3956,12 @@
             <a:noFill/>
           </a:ln>
         </p:spPr>
+        <p:style>
+          <a:lnRef idx="0"/>
+          <a:fillRef idx="0"/>
+          <a:effectRef idx="0"/>
+          <a:fontRef idx="minor"/>
+        </p:style>
         <p:txBody>
           <a:bodyPr lIns="0" rIns="0" tIns="0" bIns="0"/>
           <a:p>
@@ -2315,9 +3981,9 @@
               <a:t>Quasi enim emendum eis sit, quod addant ad virtutem, primum vilissimas res addunt, dein singulas potius, quam omnia, quae prima natura approbavisset, ea cum honestate coniungerent. Hi autem ponunt illi quidem prima naturae, sed ea seiungunt a finibus et a summa bonorum; </a:t>
             </a:r>
             <a:r>
-              <a:rPr b="0" lang="es-ES" sz="1600" spc="-1" strike="noStrike">
-                <a:solidFill>
-                  <a:srgbClr val="000000"/>
+              <a:rPr b="0" lang="es-ES" sz="1600" spc="-1" strike="noStrike" u="sng">
+                <a:solidFill>
+                  <a:srgbClr val="0000ff"/>
                 </a:solidFill>
                 <a:uFill>
                   <a:solidFill>
@@ -2375,7 +4041,7 @@
               </a:rPr>
               <a:t> Nunc idem, nisi molestum est, quoniam tibi non omnino displicet definire et id facis, cum vis, velim definias quid sit voluptas, de quo omnis haec quaestio est. Teneamus enim illud necesse est, cum consequens aliquod falsum sit, illud, cuius id consequens sit, non posse esse verum. Nec vero potest quisquam de bonis et malis vere iudicare nisi omni cognita ratione naturae et vitae etiam deorum, et utrum conveniat necne natura hominis cum universa.</a:t>
             </a:r>
-            <a:endParaRPr b="0" lang="es-ES" sz="3200" spc="-1" strike="noStrike">
+            <a:endParaRPr b="0" lang="es-ES" sz="1800" spc="-1" strike="noStrike">
               <a:solidFill>
                 <a:srgbClr val="000000"/>
               </a:solidFill>
@@ -2422,7 +4088,7 @@
 </file>
 
 <file path=ppt/slides/slide3.xml><?xml version="1.0" encoding="utf-8"?>
-<p:sld xmlns:a="http://schemas.openxmlformats.org/drawingml/2006/main" xmlns:p="http://schemas.openxmlformats.org/presentationml/2006/main" xmlns:r="http://schemas.openxmlformats.org/officeDocument/2006/relationships" xmlns:p14="http://schemas.microsoft.com/office/powerpoint/2010/main" xmlns:p15="http://schemas.microsoft.com/office/powerpoint/2012/main" xmlns:mc="http://schemas.openxmlformats.org/markup-compatibility/2006">
+<p:sld xmlns:a="http://schemas.openxmlformats.org/drawingml/2006/main" xmlns:p="http://schemas.openxmlformats.org/presentationml/2006/main" xmlns:r="http://schemas.openxmlformats.org/officeDocument/2006/relationships">
   <p:cSld>
     <p:spTree>
       <p:nvGrpSpPr>
@@ -2440,14 +4106,14 @@
       </p:grpSpPr>
       <p:sp>
         <p:nvSpPr>
-          <p:cNvPr id="43" name="TextShape 1"/>
-          <p:cNvSpPr txBox="1"/>
+          <p:cNvPr id="76" name="CustomShape 1"/>
+          <p:cNvSpPr/>
           <p:nvPr/>
         </p:nvSpPr>
         <p:spPr>
           <a:xfrm>
             <a:off x="504000" y="301320"/>
-            <a:ext cx="9071640" cy="1262160"/>
+            <a:ext cx="9071280" cy="1261800"/>
           </a:xfrm>
           <a:prstGeom prst="rect">
             <a:avLst/>
@@ -2457,10 +4123,19 @@
             <a:noFill/>
           </a:ln>
         </p:spPr>
+        <p:style>
+          <a:lnRef idx="0"/>
+          <a:fillRef idx="0"/>
+          <a:effectRef idx="0"/>
+          <a:fontRef idx="minor"/>
+        </p:style>
         <p:txBody>
           <a:bodyPr lIns="0" rIns="0" tIns="0" bIns="0" anchor="ctr"/>
           <a:p>
-            <a:pPr marL="274320" indent="-274320" algn="ctr">
+            <a:pPr marL="274320" indent="-273960" algn="ctr">
+              <a:lnSpc>
+                <a:spcPct val="100000"/>
+              </a:lnSpc>
               <a:buClr>
                 <a:srgbClr val="000000"/>
               </a:buClr>
@@ -2483,30 +4158,30 @@
               </a:rPr>
               <a:t>Ex eorum enim scriptis et institutis cum omnis doctrina liberalis</a:t>
             </a:r>
-            <a:endParaRPr b="0" lang="es-ES" sz="4400" spc="-1" strike="noStrike">
-              <a:solidFill>
-                <a:srgbClr val="000000"/>
-              </a:solidFill>
-              <a:uFill>
-                <a:solidFill>
-                  <a:srgbClr val="ffffff"/>
-                </a:solidFill>
-              </a:uFill>
-              <a:latin typeface="Arial"/>
-            </a:endParaRPr>
-          </a:p>
-        </p:txBody>
-      </p:sp>
-      <p:sp>
-        <p:nvSpPr>
-          <p:cNvPr id="44" name="TextShape 2"/>
-          <p:cNvSpPr txBox="1"/>
+            <a:endParaRPr b="0" lang="es-ES" sz="1800" spc="-1" strike="noStrike">
+              <a:solidFill>
+                <a:srgbClr val="000000"/>
+              </a:solidFill>
+              <a:uFill>
+                <a:solidFill>
+                  <a:srgbClr val="ffffff"/>
+                </a:solidFill>
+              </a:uFill>
+              <a:latin typeface="Arial"/>
+            </a:endParaRPr>
+          </a:p>
+        </p:txBody>
+      </p:sp>
+      <p:sp>
+        <p:nvSpPr>
+          <p:cNvPr id="77" name="CustomShape 2"/>
+          <p:cNvSpPr/>
           <p:nvPr/>
         </p:nvSpPr>
         <p:spPr>
           <a:xfrm>
             <a:off x="504000" y="1769040"/>
-            <a:ext cx="9071640" cy="4384440"/>
+            <a:ext cx="9071280" cy="4384080"/>
           </a:xfrm>
           <a:prstGeom prst="rect">
             <a:avLst/>
@@ -2516,11 +4191,17 @@
             <a:noFill/>
           </a:ln>
         </p:spPr>
+        <p:style>
+          <a:lnRef idx="0"/>
+          <a:fillRef idx="0"/>
+          <a:effectRef idx="0"/>
+          <a:fontRef idx="minor"/>
+        </p:style>
         <p:txBody>
           <a:bodyPr lIns="0" rIns="0" tIns="0" bIns="0"/>
           <a:p>
             <a:r>
-              <a:rPr b="0" lang="es-ES" sz="3200" spc="-1" strike="noStrike">
+              <a:rPr b="0" lang="es-ES" sz="1800" spc="-1" strike="noStrike">
                 <a:solidFill>
                   <a:srgbClr val="000000"/>
                 </a:solidFill>
@@ -2534,7 +4215,7 @@
               <a:t>Atque his tribus generibus honestorum notatis quartum sequitur et in eadem pulchritudine et aptum ex illis tribus, in quo inest ordo et moderatio. </a:t>
             </a:r>
             <a:r>
-              <a:rPr b="0" lang="es-ES" sz="3200" spc="-1" strike="noStrike">
+              <a:rPr b="0" lang="es-ES" sz="1800" spc="-1" strike="noStrike">
                 <a:solidFill>
                   <a:srgbClr val="000000"/>
                 </a:solidFill>
@@ -2549,7 +4230,7 @@
               <a:t>Proclivi currit oratio.</a:t>
             </a:r>
             <a:r>
-              <a:rPr b="0" lang="es-ES" sz="3200" spc="-1" strike="noStrike">
+              <a:rPr b="0" lang="es-ES" sz="1800" spc="-1" strike="noStrike">
                 <a:solidFill>
                   <a:srgbClr val="000000"/>
                 </a:solidFill>
@@ -2559,10 +4240,11 @@
                   </a:solidFill>
                 </a:uFill>
                 <a:latin typeface="Arial"/>
+                <a:ea typeface="Liberation Mono;Courier New"/>
               </a:rPr>
               <a:t> His similes sunt omnes, qui virtuti student levantur vitiis, levantur erroribus, nisi forte censes Ti. Si ad corpus pertinentibus, rationes tuas te video compensare cum istis doloribus, non memoriam corpore perceptarum voluptatum; Quod autem satis est, eo quicquid accessit, nimium est; </a:t>
             </a:r>
-            <a:endParaRPr b="0" lang="es-ES" sz="3200" spc="-1" strike="noStrike">
+            <a:endParaRPr b="0" lang="es-ES" sz="1800" spc="-1" strike="noStrike">
               <a:solidFill>
                 <a:srgbClr val="000000"/>
               </a:solidFill>
@@ -2576,7 +4258,7 @@
           </a:p>
           <a:p>
             <a:r>
-              <a:rPr b="0" lang="es-ES" sz="3200" spc="-1" strike="noStrike">
+              <a:rPr b="0" lang="es-ES" sz="1800" spc="-1" strike="noStrike">
                 <a:solidFill>
                   <a:srgbClr val="000000"/>
                 </a:solidFill>
@@ -2586,10 +4268,11 @@
                   </a:solidFill>
                 </a:uFill>
                 <a:latin typeface="Arial"/>
+                <a:ea typeface="Liberation Mono;Courier New"/>
               </a:rPr>
               <a:t>Quis enim redargueret? </a:t>
             </a:r>
-            <a:endParaRPr b="0" lang="es-ES" sz="3200" spc="-1" strike="noStrike">
+            <a:endParaRPr b="0" lang="es-ES" sz="1800" spc="-1" strike="noStrike">
               <a:solidFill>
                 <a:srgbClr val="000000"/>
               </a:solidFill>
@@ -2603,7 +4286,7 @@
           </a:p>
           <a:p>
             <a:r>
-              <a:rPr b="0" lang="es-ES" sz="3200" spc="-1" strike="noStrike">
+              <a:rPr b="0" lang="es-ES" sz="1800" spc="-1" strike="noStrike">
                 <a:solidFill>
                   <a:srgbClr val="000000"/>
                 </a:solidFill>
@@ -2613,10 +4296,11 @@
                   </a:solidFill>
                 </a:uFill>
                 <a:latin typeface="Arial"/>
+                <a:ea typeface="Liberation Mono;Courier New"/>
               </a:rPr>
               <a:t>Qui enim existimabit posse se miserum esse beatus non erit. </a:t>
             </a:r>
-            <a:endParaRPr b="0" lang="es-ES" sz="3200" spc="-1" strike="noStrike">
+            <a:endParaRPr b="0" lang="es-ES" sz="1800" spc="-1" strike="noStrike">
               <a:solidFill>
                 <a:srgbClr val="000000"/>
               </a:solidFill>
@@ -2630,7 +4314,7 @@
           </a:p>
           <a:p>
             <a:r>
-              <a:rPr b="0" lang="es-ES" sz="3200" spc="-1" strike="noStrike">
+              <a:rPr b="0" lang="es-ES" sz="1800" spc="-1" strike="noStrike">
                 <a:solidFill>
                   <a:srgbClr val="000000"/>
                 </a:solidFill>
@@ -2640,10 +4324,11 @@
                   </a:solidFill>
                 </a:uFill>
                 <a:latin typeface="Arial"/>
+                <a:ea typeface="Liberation Mono;Courier New"/>
               </a:rPr>
               <a:t>Quis istum dolorem timet? </a:t>
             </a:r>
-            <a:endParaRPr b="0" lang="es-ES" sz="3200" spc="-1" strike="noStrike">
+            <a:endParaRPr b="0" lang="es-ES" sz="1800" spc="-1" strike="noStrike">
               <a:solidFill>
                 <a:srgbClr val="000000"/>
               </a:solidFill>
@@ -2657,7 +4342,7 @@
           </a:p>
           <a:p>
             <a:r>
-              <a:rPr b="0" lang="es-ES" sz="3200" spc="-1" strike="noStrike">
+              <a:rPr b="0" lang="es-ES" sz="1800" spc="-1" strike="noStrike">
                 <a:solidFill>
                   <a:srgbClr val="000000"/>
                 </a:solidFill>
@@ -2667,10 +4352,11 @@
                   </a:solidFill>
                 </a:uFill>
                 <a:latin typeface="Arial"/>
+                <a:ea typeface="Liberation Mono;Courier New"/>
               </a:rPr>
               <a:t>Sed quia studebat laudi et dignitati, multum in virtute processerat. </a:t>
             </a:r>
-            <a:endParaRPr b="0" lang="es-ES" sz="3200" spc="-1" strike="noStrike">
+            <a:endParaRPr b="0" lang="es-ES" sz="1800" spc="-1" strike="noStrike">
               <a:solidFill>
                 <a:srgbClr val="000000"/>
               </a:solidFill>
@@ -2684,7 +4370,7 @@
           </a:p>
           <a:p>
             <a:r>
-              <a:rPr b="0" lang="es-ES" sz="3200" spc="-1" strike="noStrike">
+              <a:rPr b="0" lang="es-ES" sz="1800" spc="-1" strike="noStrike">
                 <a:solidFill>
                   <a:srgbClr val="000000"/>
                 </a:solidFill>
@@ -2694,10 +4380,11 @@
                   </a:solidFill>
                 </a:uFill>
                 <a:latin typeface="Arial"/>
+                <a:ea typeface="Liberation Mono;Courier New"/>
               </a:rPr>
               <a:t>Etiam beatissimum? </a:t>
             </a:r>
-            <a:endParaRPr b="0" lang="es-ES" sz="3200" spc="-1" strike="noStrike">
+            <a:endParaRPr b="0" lang="es-ES" sz="1800" spc="-1" strike="noStrike">
               <a:solidFill>
                 <a:srgbClr val="000000"/>
               </a:solidFill>
@@ -2711,7 +4398,7 @@
           </a:p>
           <a:p>
             <a:r>
-              <a:rPr b="0" lang="es-ES" sz="3200" spc="-1" strike="noStrike">
+              <a:rPr b="0" lang="es-ES" sz="1800" spc="-1" strike="noStrike">
                 <a:solidFill>
                   <a:srgbClr val="000000"/>
                 </a:solidFill>
@@ -2721,10 +4408,11 @@
                   </a:solidFill>
                 </a:uFill>
                 <a:latin typeface="Arial"/>
+                <a:ea typeface="Liberation Mono;Courier New"/>
               </a:rPr>
               <a:t>Poterat autem inpune; </a:t>
             </a:r>
-            <a:endParaRPr b="0" lang="es-ES" sz="3200" spc="-1" strike="noStrike">
+            <a:endParaRPr b="0" lang="es-ES" sz="1800" spc="-1" strike="noStrike">
               <a:solidFill>
                 <a:srgbClr val="000000"/>
               </a:solidFill>
@@ -2738,7 +4426,7 @@
           </a:p>
           <a:p>
             <a:r>
-              <a:rPr b="0" lang="es-ES" sz="3200" spc="-1" strike="noStrike">
+              <a:rPr b="0" lang="es-ES" sz="1800" spc="-1" strike="noStrike">
                 <a:solidFill>
                   <a:srgbClr val="000000"/>
                 </a:solidFill>
@@ -2748,10 +4436,11 @@
                   </a:solidFill>
                 </a:uFill>
                 <a:latin typeface="Arial"/>
+                <a:ea typeface="Liberation Mono;Courier New"/>
               </a:rPr>
               <a:t>Istic sum, inquit. </a:t>
             </a:r>
-            <a:endParaRPr b="0" lang="es-ES" sz="3200" spc="-1" strike="noStrike">
+            <a:endParaRPr b="0" lang="es-ES" sz="1800" spc="-1" strike="noStrike">
               <a:solidFill>
                 <a:srgbClr val="000000"/>
               </a:solidFill>
@@ -2765,7 +4454,7 @@
           </a:p>
           <a:p>
             <a:r>
-              <a:rPr b="0" lang="es-ES" sz="3200" spc="-1" strike="noStrike">
+              <a:rPr b="0" lang="es-ES" sz="1800" spc="-1" strike="noStrike">
                 <a:solidFill>
                   <a:srgbClr val="000000"/>
                 </a:solidFill>
@@ -2775,10 +4464,11 @@
                   </a:solidFill>
                 </a:uFill>
                 <a:latin typeface="Arial"/>
+                <a:ea typeface="Liberation Mono;Courier New"/>
               </a:rPr>
               <a:t>Quo modo autem philosophus loquitur? </a:t>
             </a:r>
-            <a:endParaRPr b="0" lang="es-ES" sz="3200" spc="-1" strike="noStrike">
+            <a:endParaRPr b="0" lang="es-ES" sz="1800" spc="-1" strike="noStrike">
               <a:solidFill>
                 <a:srgbClr val="000000"/>
               </a:solidFill>
@@ -2792,7 +4482,7 @@
           </a:p>
           <a:p>
             <a:r>
-              <a:rPr b="0" lang="es-ES" sz="3200" spc="-1" strike="noStrike">
+              <a:rPr b="0" lang="es-ES" sz="1800" spc="-1" strike="noStrike">
                 <a:solidFill>
                   <a:srgbClr val="000000"/>
                 </a:solidFill>
@@ -2802,10 +4492,11 @@
                   </a:solidFill>
                 </a:uFill>
                 <a:latin typeface="Arial"/>
+                <a:ea typeface="Liberation Mono;Courier New"/>
               </a:rPr>
               <a:t>Quid vero? </a:t>
             </a:r>
-            <a:endParaRPr b="0" lang="es-ES" sz="3200" spc="-1" strike="noStrike">
+            <a:endParaRPr b="0" lang="es-ES" sz="1800" spc="-1" strike="noStrike">
               <a:solidFill>
                 <a:srgbClr val="000000"/>
               </a:solidFill>
@@ -2819,7 +4510,7 @@
           </a:p>
           <a:p>
             <a:r>
-              <a:rPr b="0" lang="es-ES" sz="3200" spc="-1" strike="noStrike">
+              <a:rPr b="0" lang="es-ES" sz="1800" spc="-1" strike="noStrike">
                 <a:solidFill>
                   <a:srgbClr val="000000"/>
                 </a:solidFill>
@@ -2829,10 +4520,11 @@
                   </a:solidFill>
                 </a:uFill>
                 <a:latin typeface="Arial"/>
+                <a:ea typeface="Liberation Mono;Courier New"/>
               </a:rPr>
               <a:t>Cur igitur, inquam, res tam dissimiles eodem nomine appellas? </a:t>
             </a:r>
-            <a:endParaRPr b="0" lang="es-ES" sz="3200" spc="-1" strike="noStrike">
+            <a:endParaRPr b="0" lang="es-ES" sz="1800" spc="-1" strike="noStrike">
               <a:solidFill>
                 <a:srgbClr val="000000"/>
               </a:solidFill>
@@ -2879,7 +4571,7 @@
 </file>
 
 <file path=ppt/slides/slide4.xml><?xml version="1.0" encoding="utf-8"?>
-<p:sld xmlns:a="http://schemas.openxmlformats.org/drawingml/2006/main" xmlns:p="http://schemas.openxmlformats.org/presentationml/2006/main" xmlns:r="http://schemas.openxmlformats.org/officeDocument/2006/relationships" xmlns:p14="http://schemas.microsoft.com/office/powerpoint/2010/main" xmlns:p15="http://schemas.microsoft.com/office/powerpoint/2012/main" xmlns:mc="http://schemas.openxmlformats.org/markup-compatibility/2006">
+<p:sld xmlns:a="http://schemas.openxmlformats.org/drawingml/2006/main" xmlns:p="http://schemas.openxmlformats.org/presentationml/2006/main" xmlns:r="http://schemas.openxmlformats.org/officeDocument/2006/relationships">
   <p:cSld>
     <p:spTree>
       <p:nvGrpSpPr>
@@ -2897,14 +4589,14 @@
       </p:grpSpPr>
       <p:sp>
         <p:nvSpPr>
-          <p:cNvPr id="45" name="TextShape 1"/>
-          <p:cNvSpPr txBox="1"/>
+          <p:cNvPr id="78" name="CustomShape 1"/>
+          <p:cNvSpPr/>
           <p:nvPr/>
         </p:nvSpPr>
         <p:spPr>
           <a:xfrm>
             <a:off x="504000" y="301320"/>
-            <a:ext cx="9071640" cy="1262160"/>
+            <a:ext cx="9071280" cy="1261800"/>
           </a:xfrm>
           <a:prstGeom prst="rect">
             <a:avLst/>
@@ -2914,10 +4606,19 @@
             <a:noFill/>
           </a:ln>
         </p:spPr>
+        <p:style>
+          <a:lnRef idx="0"/>
+          <a:fillRef idx="0"/>
+          <a:effectRef idx="0"/>
+          <a:fontRef idx="minor"/>
+        </p:style>
         <p:txBody>
           <a:bodyPr lIns="0" rIns="0" tIns="0" bIns="0" anchor="ctr"/>
           <a:p>
-            <a:pPr lvl="1" marL="432000" indent="-216000" algn="ctr">
+            <a:pPr lvl="1" marL="432000" indent="-215640" algn="ctr">
+              <a:lnSpc>
+                <a:spcPct val="100000"/>
+              </a:lnSpc>
               <a:buClr>
                 <a:srgbClr val="000000"/>
               </a:buClr>
@@ -2940,30 +4641,30 @@
               </a:rPr>
               <a:t>Sed ad rem redeamus</a:t>
             </a:r>
-            <a:endParaRPr b="0" lang="es-ES" sz="2400" spc="-1" strike="noStrike">
-              <a:solidFill>
-                <a:srgbClr val="000000"/>
-              </a:solidFill>
-              <a:uFill>
-                <a:solidFill>
-                  <a:srgbClr val="ffffff"/>
-                </a:solidFill>
-              </a:uFill>
-              <a:latin typeface="Arial"/>
-            </a:endParaRPr>
-          </a:p>
-        </p:txBody>
-      </p:sp>
-      <p:sp>
-        <p:nvSpPr>
-          <p:cNvPr id="46" name="TextShape 2"/>
-          <p:cNvSpPr txBox="1"/>
+            <a:endParaRPr b="0" lang="es-ES" sz="1800" spc="-1" strike="noStrike">
+              <a:solidFill>
+                <a:srgbClr val="000000"/>
+              </a:solidFill>
+              <a:uFill>
+                <a:solidFill>
+                  <a:srgbClr val="ffffff"/>
+                </a:solidFill>
+              </a:uFill>
+              <a:latin typeface="Arial"/>
+            </a:endParaRPr>
+          </a:p>
+        </p:txBody>
+      </p:sp>
+      <p:sp>
+        <p:nvSpPr>
+          <p:cNvPr id="79" name="CustomShape 2"/>
+          <p:cNvSpPr/>
           <p:nvPr/>
         </p:nvSpPr>
         <p:spPr>
           <a:xfrm>
             <a:off x="504000" y="1769040"/>
-            <a:ext cx="9071640" cy="4384440"/>
+            <a:ext cx="9071280" cy="4384080"/>
           </a:xfrm>
           <a:prstGeom prst="rect">
             <a:avLst/>
@@ -2973,6 +4674,12 @@
             <a:noFill/>
           </a:ln>
         </p:spPr>
+        <p:style>
+          <a:lnRef idx="0"/>
+          <a:fillRef idx="0"/>
+          <a:effectRef idx="0"/>
+          <a:fontRef idx="minor"/>
+        </p:style>
         <p:txBody>
           <a:bodyPr lIns="0" rIns="0" tIns="0" bIns="0"/>
           <a:p>
@@ -3081,7 +4788,7 @@
               </a:rPr>
               <a:t> Ne id quidem, nisi multa annorum intercesserint milia, ut omnium siderum eodem, unde profecta sint, fiat ad unum tempus reversio. Sapientia enim et animi magnitudinem complectitur et iustitiam, et ut omnia, quae homini accidant, infra se esse iudicet, quod idem ceteris artibus non contingit. Atque haec contra Aristippum, qui eam voluptatem non modo summam, sed solam etiam ducit, quam omnes unam appellamus voluptatem. Hic dolor populi Romani duce et auctore Bruto causa civitati libertatis fuit, ob eiusque mulieris memoriam primo anno et vir et pater eius consul est factus. Illud autem ipsum qui optineri potest, quod dicitis, omnis animi et voluptates et dolores ad corporis voluptates ac dolores pertinere? </a:t>
             </a:r>
-            <a:endParaRPr b="0" lang="es-ES" sz="3200" spc="-1" strike="noStrike">
+            <a:endParaRPr b="0" lang="es-ES" sz="1800" spc="-1" strike="noStrike">
               <a:solidFill>
                 <a:srgbClr val="000000"/>
               </a:solidFill>
@@ -3348,4 +5055,227 @@
     </a:fmtScheme>
   </a:themeElements>
 </a:theme>
+</file>
+
+<file path=ppt/theme/theme2.xml><?xml version="1.0" encoding="utf-8"?>
+<a:theme xmlns:a="http://schemas.openxmlformats.org/drawingml/2006/main" name="Office Theme">
+  <a:themeElements>
+    <a:clrScheme name="Office">
+      <a:dk1>
+        <a:sysClr val="windowText" lastClr="000000"/>
+      </a:dk1>
+      <a:lt1>
+        <a:sysClr val="window" lastClr="FFFFFF"/>
+      </a:lt1>
+      <a:dk2>
+        <a:srgbClr val="1F497D"/>
+      </a:dk2>
+      <a:lt2>
+        <a:srgbClr val="EEECE1"/>
+      </a:lt2>
+      <a:accent1>
+        <a:srgbClr val="4F81BD"/>
+      </a:accent1>
+      <a:accent2>
+        <a:srgbClr val="C0504D"/>
+      </a:accent2>
+      <a:accent3>
+        <a:srgbClr val="9BBB59"/>
+      </a:accent3>
+      <a:accent4>
+        <a:srgbClr val="8064A2"/>
+      </a:accent4>
+      <a:accent5>
+        <a:srgbClr val="4BACC6"/>
+      </a:accent5>
+      <a:accent6>
+        <a:srgbClr val="F79646"/>
+      </a:accent6>
+      <a:hlink>
+        <a:srgbClr val="0000FF"/>
+      </a:hlink>
+      <a:folHlink>
+        <a:srgbClr val="800080"/>
+      </a:folHlink>
+    </a:clrScheme>
+    <a:fontScheme name="Office">
+      <a:majorFont>
+        <a:latin typeface="Arial"/>
+        <a:ea typeface="DejaVu Sans"/>
+        <a:cs typeface="DejaVu Sans"/>
+      </a:majorFont>
+      <a:minorFont>
+        <a:latin typeface="Arial"/>
+        <a:ea typeface="DejaVu Sans"/>
+        <a:cs typeface="DejaVu Sans"/>
+      </a:minorFont>
+    </a:fontScheme>
+    <a:fmtScheme name="Office">
+      <a:fillStyleLst>
+        <a:solidFill>
+          <a:schemeClr val="phClr"/>
+        </a:solidFill>
+        <a:gradFill rotWithShape="1">
+          <a:gsLst>
+            <a:gs pos="0">
+              <a:schemeClr val="phClr">
+                <a:tint val="50000"/>
+                <a:satMod val="300000"/>
+              </a:schemeClr>
+            </a:gs>
+            <a:gs pos="35000">
+              <a:schemeClr val="phClr">
+                <a:tint val="37000"/>
+                <a:satMod val="300000"/>
+              </a:schemeClr>
+            </a:gs>
+            <a:gs pos="100000">
+              <a:schemeClr val="phClr">
+                <a:tint val="15000"/>
+                <a:satMod val="350000"/>
+              </a:schemeClr>
+            </a:gs>
+          </a:gsLst>
+          <a:lin ang="16200000" scaled="1"/>
+        </a:gradFill>
+        <a:gradFill rotWithShape="1">
+          <a:gsLst>
+            <a:gs pos="0">
+              <a:schemeClr val="phClr">
+                <a:shade val="51000"/>
+                <a:satMod val="130000"/>
+              </a:schemeClr>
+            </a:gs>
+            <a:gs pos="80000">
+              <a:schemeClr val="phClr">
+                <a:shade val="93000"/>
+                <a:satMod val="130000"/>
+              </a:schemeClr>
+            </a:gs>
+            <a:gs pos="100000">
+              <a:schemeClr val="phClr">
+                <a:shade val="94000"/>
+                <a:satMod val="135000"/>
+              </a:schemeClr>
+            </a:gs>
+          </a:gsLst>
+          <a:lin ang="16200000" scaled="0"/>
+        </a:gradFill>
+      </a:fillStyleLst>
+      <a:lnStyleLst>
+        <a:ln w="9525" cap="flat" cmpd="sng" algn="ctr">
+          <a:solidFill>
+            <a:schemeClr val="phClr">
+              <a:shade val="95000"/>
+              <a:satMod val="105000"/>
+            </a:schemeClr>
+          </a:solidFill>
+          <a:prstDash val="solid"/>
+        </a:ln>
+        <a:ln w="25400" cap="flat" cmpd="sng" algn="ctr">
+          <a:solidFill>
+            <a:schemeClr val="phClr"/>
+          </a:solidFill>
+          <a:prstDash val="solid"/>
+        </a:ln>
+        <a:ln w="38100" cap="flat" cmpd="sng" algn="ctr">
+          <a:solidFill>
+            <a:schemeClr val="phClr"/>
+          </a:solidFill>
+          <a:prstDash val="solid"/>
+        </a:ln>
+      </a:lnStyleLst>
+      <a:effectStyleLst>
+        <a:effectStyle>
+          <a:effectLst>
+            <a:outerShdw blurRad="40000" dist="20000" dir="5400000" rotWithShape="0">
+              <a:srgbClr val="000000">
+                <a:alpha val="38000"/>
+              </a:srgbClr>
+            </a:outerShdw>
+          </a:effectLst>
+        </a:effectStyle>
+        <a:effectStyle>
+          <a:effectLst>
+            <a:outerShdw blurRad="40000" dist="23000" dir="5400000" rotWithShape="0">
+              <a:srgbClr val="000000">
+                <a:alpha val="35000"/>
+              </a:srgbClr>
+            </a:outerShdw>
+          </a:effectLst>
+        </a:effectStyle>
+        <a:effectStyle>
+          <a:effectLst>
+            <a:outerShdw blurRad="40000" dist="23000" dir="5400000" rotWithShape="0">
+              <a:srgbClr val="000000">
+                <a:alpha val="35000"/>
+              </a:srgbClr>
+            </a:outerShdw>
+          </a:effectLst>
+          <a:scene3d>
+            <a:camera prst="orthographicFront">
+              <a:rot lat="0" lon="0" rev="0"/>
+            </a:camera>
+            <a:lightRig rig="threePt" dir="t">
+              <a:rot lat="0" lon="0" rev="1200000"/>
+            </a:lightRig>
+          </a:scene3d>
+          <a:sp3d>
+            <a:bevelT w="63500" h="25400"/>
+          </a:sp3d>
+        </a:effectStyle>
+      </a:effectStyleLst>
+      <a:bgFillStyleLst>
+        <a:solidFill>
+          <a:schemeClr val="phClr"/>
+        </a:solidFill>
+        <a:gradFill rotWithShape="1">
+          <a:gsLst>
+            <a:gs pos="0">
+              <a:schemeClr val="phClr">
+                <a:tint val="40000"/>
+                <a:satMod val="350000"/>
+              </a:schemeClr>
+            </a:gs>
+            <a:gs pos="40000">
+              <a:schemeClr val="phClr">
+                <a:tint val="45000"/>
+                <a:shade val="99000"/>
+                <a:satMod val="350000"/>
+              </a:schemeClr>
+            </a:gs>
+            <a:gs pos="100000">
+              <a:schemeClr val="phClr">
+                <a:shade val="20000"/>
+                <a:satMod val="255000"/>
+              </a:schemeClr>
+            </a:gs>
+          </a:gsLst>
+          <a:path path="circle">
+            <a:fillToRect l="50000" t="-80000" r="50000" b="180000"/>
+          </a:path>
+        </a:gradFill>
+        <a:gradFill rotWithShape="1">
+          <a:gsLst>
+            <a:gs pos="0">
+              <a:schemeClr val="phClr">
+                <a:tint val="80000"/>
+                <a:satMod val="300000"/>
+              </a:schemeClr>
+            </a:gs>
+            <a:gs pos="100000">
+              <a:schemeClr val="phClr">
+                <a:shade val="30000"/>
+                <a:satMod val="200000"/>
+              </a:schemeClr>
+            </a:gs>
+          </a:gsLst>
+          <a:path path="circle">
+            <a:fillToRect l="50000" t="50000" r="50000" b="50000"/>
+          </a:path>
+        </a:gradFill>
+      </a:bgFillStyleLst>
+    </a:fmtScheme>
+  </a:themeElements>
+</a:theme>
 </file>
--- a/samples/sample1.pptx
+++ b/samples/sample1.pptx
@@ -1,23 +1,118 @@
 
 <file path=ppt/presentation.xml><?xml version="1.0" encoding="utf-8"?>
-<p:presentation xmlns:a="http://schemas.openxmlformats.org/drawingml/2006/main" xmlns:p="http://schemas.openxmlformats.org/presentationml/2006/main" xmlns:r="http://schemas.openxmlformats.org/officeDocument/2006/relationships">
+<p:presentation xmlns:a="http://schemas.openxmlformats.org/drawingml/2006/main" xmlns:r="http://schemas.openxmlformats.org/officeDocument/2006/relationships" xmlns:p="http://schemas.openxmlformats.org/presentationml/2006/main">
   <p:sldMasterIdLst>
-    <p:sldMasterId id="2147483648" r:id="rId2"/>
-    <p:sldMasterId id="2147483661" r:id="rId3"/>
+    <p:sldMasterId id="2147483648" r:id="rId1"/>
+    <p:sldMasterId id="2147483661" r:id="rId2"/>
   </p:sldMasterIdLst>
   <p:sldIdLst>
-    <p:sldId id="256" r:id="rId4"/>
-    <p:sldId id="257" r:id="rId5"/>
-    <p:sldId id="258" r:id="rId6"/>
-    <p:sldId id="259" r:id="rId7"/>
+    <p:sldId id="256" r:id="rId3"/>
+    <p:sldId id="257" r:id="rId4"/>
+    <p:sldId id="258" r:id="rId5"/>
+    <p:sldId id="259" r:id="rId6"/>
   </p:sldIdLst>
   <p:sldSz cx="10080625" cy="7559675"/>
-  <p:notesSz cx="7559675" cy="10691812"/>
+  <p:notesSz cx="7559675" cy="10691813"/>
+  <p:defaultTextStyle>
+    <a:defPPr>
+      <a:defRPr lang="es-ES"/>
+    </a:defPPr>
+    <a:lvl1pPr marL="0" algn="l" defTabSz="914400" rtl="0" eaLnBrk="1" latinLnBrk="0" hangingPunct="1">
+      <a:defRPr sz="1800" kern="1200">
+        <a:solidFill>
+          <a:schemeClr val="tx1"/>
+        </a:solidFill>
+        <a:latin typeface="+mn-lt"/>
+        <a:ea typeface="+mn-ea"/>
+        <a:cs typeface="+mn-cs"/>
+      </a:defRPr>
+    </a:lvl1pPr>
+    <a:lvl2pPr marL="457200" algn="l" defTabSz="914400" rtl="0" eaLnBrk="1" latinLnBrk="0" hangingPunct="1">
+      <a:defRPr sz="1800" kern="1200">
+        <a:solidFill>
+          <a:schemeClr val="tx1"/>
+        </a:solidFill>
+        <a:latin typeface="+mn-lt"/>
+        <a:ea typeface="+mn-ea"/>
+        <a:cs typeface="+mn-cs"/>
+      </a:defRPr>
+    </a:lvl2pPr>
+    <a:lvl3pPr marL="914400" algn="l" defTabSz="914400" rtl="0" eaLnBrk="1" latinLnBrk="0" hangingPunct="1">
+      <a:defRPr sz="1800" kern="1200">
+        <a:solidFill>
+          <a:schemeClr val="tx1"/>
+        </a:solidFill>
+        <a:latin typeface="+mn-lt"/>
+        <a:ea typeface="+mn-ea"/>
+        <a:cs typeface="+mn-cs"/>
+      </a:defRPr>
+    </a:lvl3pPr>
+    <a:lvl4pPr marL="1371600" algn="l" defTabSz="914400" rtl="0" eaLnBrk="1" latinLnBrk="0" hangingPunct="1">
+      <a:defRPr sz="1800" kern="1200">
+        <a:solidFill>
+          <a:schemeClr val="tx1"/>
+        </a:solidFill>
+        <a:latin typeface="+mn-lt"/>
+        <a:ea typeface="+mn-ea"/>
+        <a:cs typeface="+mn-cs"/>
+      </a:defRPr>
+    </a:lvl4pPr>
+    <a:lvl5pPr marL="1828800" algn="l" defTabSz="914400" rtl="0" eaLnBrk="1" latinLnBrk="0" hangingPunct="1">
+      <a:defRPr sz="1800" kern="1200">
+        <a:solidFill>
+          <a:schemeClr val="tx1"/>
+        </a:solidFill>
+        <a:latin typeface="+mn-lt"/>
+        <a:ea typeface="+mn-ea"/>
+        <a:cs typeface="+mn-cs"/>
+      </a:defRPr>
+    </a:lvl5pPr>
+    <a:lvl6pPr marL="2286000" algn="l" defTabSz="914400" rtl="0" eaLnBrk="1" latinLnBrk="0" hangingPunct="1">
+      <a:defRPr sz="1800" kern="1200">
+        <a:solidFill>
+          <a:schemeClr val="tx1"/>
+        </a:solidFill>
+        <a:latin typeface="+mn-lt"/>
+        <a:ea typeface="+mn-ea"/>
+        <a:cs typeface="+mn-cs"/>
+      </a:defRPr>
+    </a:lvl6pPr>
+    <a:lvl7pPr marL="2743200" algn="l" defTabSz="914400" rtl="0" eaLnBrk="1" latinLnBrk="0" hangingPunct="1">
+      <a:defRPr sz="1800" kern="1200">
+        <a:solidFill>
+          <a:schemeClr val="tx1"/>
+        </a:solidFill>
+        <a:latin typeface="+mn-lt"/>
+        <a:ea typeface="+mn-ea"/>
+        <a:cs typeface="+mn-cs"/>
+      </a:defRPr>
+    </a:lvl7pPr>
+    <a:lvl8pPr marL="3200400" algn="l" defTabSz="914400" rtl="0" eaLnBrk="1" latinLnBrk="0" hangingPunct="1">
+      <a:defRPr sz="1800" kern="1200">
+        <a:solidFill>
+          <a:schemeClr val="tx1"/>
+        </a:solidFill>
+        <a:latin typeface="+mn-lt"/>
+        <a:ea typeface="+mn-ea"/>
+        <a:cs typeface="+mn-cs"/>
+      </a:defRPr>
+    </a:lvl8pPr>
+    <a:lvl9pPr marL="3657600" algn="l" defTabSz="914400" rtl="0" eaLnBrk="1" latinLnBrk="0" hangingPunct="1">
+      <a:defRPr sz="1800" kern="1200">
+        <a:solidFill>
+          <a:schemeClr val="tx1"/>
+        </a:solidFill>
+        <a:latin typeface="+mn-lt"/>
+        <a:ea typeface="+mn-ea"/>
+        <a:cs typeface="+mn-cs"/>
+      </a:defRPr>
+    </a:lvl9pPr>
+  </p:defaultTextStyle>
 </p:presentation>
 </file>
 
 <file path=ppt/slideLayouts/slideLayout1.xml><?xml version="1.0" encoding="utf-8"?>
-<p:sldLayout xmlns:a="http://schemas.openxmlformats.org/drawingml/2006/main" xmlns:p="http://schemas.openxmlformats.org/presentationml/2006/main" xmlns:r="http://schemas.openxmlformats.org/officeDocument/2006/relationships" type="blank" preserve="1">
+<p:sldLayout xmlns:a="http://schemas.openxmlformats.org/drawingml/2006/main" xmlns:r="http://schemas.openxmlformats.org/officeDocument/2006/relationships" xmlns:p="http://schemas.openxmlformats.org/presentationml/2006/main" type="blank" preserve="1">
   <p:cSld name="Blank Slide">
     <p:spTree>
       <p:nvGrpSpPr>
@@ -35,11 +130,14 @@
       </p:grpSpPr>
     </p:spTree>
   </p:cSld>
+  <p:clrMapOvr>
+    <a:masterClrMapping/>
+  </p:clrMapOvr>
 </p:sldLayout>
 </file>
 
 <file path=ppt/slideLayouts/slideLayout10.xml><?xml version="1.0" encoding="utf-8"?>
-<p:sldLayout xmlns:a="http://schemas.openxmlformats.org/drawingml/2006/main" xmlns:p="http://schemas.openxmlformats.org/presentationml/2006/main" xmlns:r="http://schemas.openxmlformats.org/officeDocument/2006/relationships" type="objOverTx" preserve="1">
+<p:sldLayout xmlns:a="http://schemas.openxmlformats.org/drawingml/2006/main" xmlns:r="http://schemas.openxmlformats.org/officeDocument/2006/relationships" xmlns:p="http://schemas.openxmlformats.org/presentationml/2006/main" type="objOverTx" preserve="1">
   <p:cSld name="Title, Content over Content">
     <p:spTree>
       <p:nvGrpSpPr>
@@ -75,16 +173,17 @@
           </a:prstGeom>
         </p:spPr>
         <p:txBody>
-          <a:bodyPr lIns="0" rIns="0" tIns="0" bIns="0" anchor="ctr"/>
+          <a:bodyPr lIns="0" tIns="0" rIns="0" bIns="0" anchor="ctr"/>
+          <a:lstStyle/>
           <a:p>
             <a:pPr algn="ctr"/>
-            <a:endParaRPr b="0" lang="es-ES" sz="4400" spc="-1" strike="noStrike">
-              <a:solidFill>
-                <a:srgbClr val="000000"/>
-              </a:solidFill>
-              <a:uFill>
-                <a:solidFill>
-                  <a:srgbClr val="ffffff"/>
+            <a:endParaRPr lang="es-ES" sz="4400" b="0" strike="noStrike" spc="-1">
+              <a:solidFill>
+                <a:srgbClr val="000000"/>
+              </a:solidFill>
+              <a:uFill>
+                <a:solidFill>
+                  <a:srgbClr val="FFFFFF"/>
                 </a:solidFill>
               </a:uFill>
               <a:latin typeface="Arial"/>
@@ -112,15 +211,16 @@
           </a:prstGeom>
         </p:spPr>
         <p:txBody>
-          <a:bodyPr lIns="0" rIns="0" tIns="0" bIns="0"/>
-          <a:p>
-            <a:endParaRPr b="0" lang="es-ES" sz="3200" spc="-1" strike="noStrike">
-              <a:solidFill>
-                <a:srgbClr val="000000"/>
-              </a:solidFill>
-              <a:uFill>
-                <a:solidFill>
-                  <a:srgbClr val="ffffff"/>
+          <a:bodyPr lIns="0" tIns="0" rIns="0" bIns="0"/>
+          <a:lstStyle/>
+          <a:p>
+            <a:endParaRPr lang="es-ES" sz="3200" b="0" strike="noStrike" spc="-1">
+              <a:solidFill>
+                <a:srgbClr val="000000"/>
+              </a:solidFill>
+              <a:uFill>
+                <a:solidFill>
+                  <a:srgbClr val="FFFFFF"/>
                 </a:solidFill>
               </a:uFill>
               <a:latin typeface="Arial"/>
@@ -148,15 +248,16 @@
           </a:prstGeom>
         </p:spPr>
         <p:txBody>
-          <a:bodyPr lIns="0" rIns="0" tIns="0" bIns="0"/>
-          <a:p>
-            <a:endParaRPr b="0" lang="es-ES" sz="3200" spc="-1" strike="noStrike">
-              <a:solidFill>
-                <a:srgbClr val="000000"/>
-              </a:solidFill>
-              <a:uFill>
-                <a:solidFill>
-                  <a:srgbClr val="ffffff"/>
+          <a:bodyPr lIns="0" tIns="0" rIns="0" bIns="0"/>
+          <a:lstStyle/>
+          <a:p>
+            <a:endParaRPr lang="es-ES" sz="3200" b="0" strike="noStrike" spc="-1">
+              <a:solidFill>
+                <a:srgbClr val="000000"/>
+              </a:solidFill>
+              <a:uFill>
+                <a:solidFill>
+                  <a:srgbClr val="FFFFFF"/>
                 </a:solidFill>
               </a:uFill>
               <a:latin typeface="Arial"/>
@@ -166,11 +267,14 @@
       </p:sp>
     </p:spTree>
   </p:cSld>
+  <p:clrMapOvr>
+    <a:masterClrMapping/>
+  </p:clrMapOvr>
 </p:sldLayout>
 </file>
 
 <file path=ppt/slideLayouts/slideLayout11.xml><?xml version="1.0" encoding="utf-8"?>
-<p:sldLayout xmlns:a="http://schemas.openxmlformats.org/drawingml/2006/main" xmlns:p="http://schemas.openxmlformats.org/presentationml/2006/main" xmlns:r="http://schemas.openxmlformats.org/officeDocument/2006/relationships" type="fourObj" preserve="1">
+<p:sldLayout xmlns:a="http://schemas.openxmlformats.org/drawingml/2006/main" xmlns:r="http://schemas.openxmlformats.org/officeDocument/2006/relationships" xmlns:p="http://schemas.openxmlformats.org/presentationml/2006/main" type="fourObj" preserve="1">
   <p:cSld name="Title, 4 Content">
     <p:spTree>
       <p:nvGrpSpPr>
@@ -206,16 +310,17 @@
           </a:prstGeom>
         </p:spPr>
         <p:txBody>
-          <a:bodyPr lIns="0" rIns="0" tIns="0" bIns="0" anchor="ctr"/>
+          <a:bodyPr lIns="0" tIns="0" rIns="0" bIns="0" anchor="ctr"/>
+          <a:lstStyle/>
           <a:p>
             <a:pPr algn="ctr"/>
-            <a:endParaRPr b="0" lang="es-ES" sz="4400" spc="-1" strike="noStrike">
-              <a:solidFill>
-                <a:srgbClr val="000000"/>
-              </a:solidFill>
-              <a:uFill>
-                <a:solidFill>
-                  <a:srgbClr val="ffffff"/>
+            <a:endParaRPr lang="es-ES" sz="4400" b="0" strike="noStrike" spc="-1">
+              <a:solidFill>
+                <a:srgbClr val="000000"/>
+              </a:solidFill>
+              <a:uFill>
+                <a:solidFill>
+                  <a:srgbClr val="FFFFFF"/>
                 </a:solidFill>
               </a:uFill>
               <a:latin typeface="Arial"/>
@@ -243,15 +348,16 @@
           </a:prstGeom>
         </p:spPr>
         <p:txBody>
-          <a:bodyPr lIns="0" rIns="0" tIns="0" bIns="0"/>
-          <a:p>
-            <a:endParaRPr b="0" lang="es-ES" sz="3200" spc="-1" strike="noStrike">
-              <a:solidFill>
-                <a:srgbClr val="000000"/>
-              </a:solidFill>
-              <a:uFill>
-                <a:solidFill>
-                  <a:srgbClr val="ffffff"/>
+          <a:bodyPr lIns="0" tIns="0" rIns="0" bIns="0"/>
+          <a:lstStyle/>
+          <a:p>
+            <a:endParaRPr lang="es-ES" sz="3200" b="0" strike="noStrike" spc="-1">
+              <a:solidFill>
+                <a:srgbClr val="000000"/>
+              </a:solidFill>
+              <a:uFill>
+                <a:solidFill>
+                  <a:srgbClr val="FFFFFF"/>
                 </a:solidFill>
               </a:uFill>
               <a:latin typeface="Arial"/>
@@ -279,15 +385,16 @@
           </a:prstGeom>
         </p:spPr>
         <p:txBody>
-          <a:bodyPr lIns="0" rIns="0" tIns="0" bIns="0"/>
-          <a:p>
-            <a:endParaRPr b="0" lang="es-ES" sz="3200" spc="-1" strike="noStrike">
-              <a:solidFill>
-                <a:srgbClr val="000000"/>
-              </a:solidFill>
-              <a:uFill>
-                <a:solidFill>
-                  <a:srgbClr val="ffffff"/>
+          <a:bodyPr lIns="0" tIns="0" rIns="0" bIns="0"/>
+          <a:lstStyle/>
+          <a:p>
+            <a:endParaRPr lang="es-ES" sz="3200" b="0" strike="noStrike" spc="-1">
+              <a:solidFill>
+                <a:srgbClr val="000000"/>
+              </a:solidFill>
+              <a:uFill>
+                <a:solidFill>
+                  <a:srgbClr val="FFFFFF"/>
                 </a:solidFill>
               </a:uFill>
               <a:latin typeface="Arial"/>
@@ -315,15 +422,16 @@
           </a:prstGeom>
         </p:spPr>
         <p:txBody>
-          <a:bodyPr lIns="0" rIns="0" tIns="0" bIns="0"/>
-          <a:p>
-            <a:endParaRPr b="0" lang="es-ES" sz="3200" spc="-1" strike="noStrike">
-              <a:solidFill>
-                <a:srgbClr val="000000"/>
-              </a:solidFill>
-              <a:uFill>
-                <a:solidFill>
-                  <a:srgbClr val="ffffff"/>
+          <a:bodyPr lIns="0" tIns="0" rIns="0" bIns="0"/>
+          <a:lstStyle/>
+          <a:p>
+            <a:endParaRPr lang="es-ES" sz="3200" b="0" strike="noStrike" spc="-1">
+              <a:solidFill>
+                <a:srgbClr val="000000"/>
+              </a:solidFill>
+              <a:uFill>
+                <a:solidFill>
+                  <a:srgbClr val="FFFFFF"/>
                 </a:solidFill>
               </a:uFill>
               <a:latin typeface="Arial"/>
@@ -351,15 +459,16 @@
           </a:prstGeom>
         </p:spPr>
         <p:txBody>
-          <a:bodyPr lIns="0" rIns="0" tIns="0" bIns="0"/>
-          <a:p>
-            <a:endParaRPr b="0" lang="es-ES" sz="3200" spc="-1" strike="noStrike">
-              <a:solidFill>
-                <a:srgbClr val="000000"/>
-              </a:solidFill>
-              <a:uFill>
-                <a:solidFill>
-                  <a:srgbClr val="ffffff"/>
+          <a:bodyPr lIns="0" tIns="0" rIns="0" bIns="0"/>
+          <a:lstStyle/>
+          <a:p>
+            <a:endParaRPr lang="es-ES" sz="3200" b="0" strike="noStrike" spc="-1">
+              <a:solidFill>
+                <a:srgbClr val="000000"/>
+              </a:solidFill>
+              <a:uFill>
+                <a:solidFill>
+                  <a:srgbClr val="FFFFFF"/>
                 </a:solidFill>
               </a:uFill>
               <a:latin typeface="Arial"/>
@@ -369,11 +478,14 @@
       </p:sp>
     </p:spTree>
   </p:cSld>
+  <p:clrMapOvr>
+    <a:masterClrMapping/>
+  </p:clrMapOvr>
 </p:sldLayout>
 </file>
 
 <file path=ppt/slideLayouts/slideLayout12.xml><?xml version="1.0" encoding="utf-8"?>
-<p:sldLayout xmlns:a="http://schemas.openxmlformats.org/drawingml/2006/main" xmlns:p="http://schemas.openxmlformats.org/presentationml/2006/main" xmlns:r="http://schemas.openxmlformats.org/officeDocument/2006/relationships" type="blank" preserve="1">
+<p:sldLayout xmlns:a="http://schemas.openxmlformats.org/drawingml/2006/main" xmlns:r="http://schemas.openxmlformats.org/officeDocument/2006/relationships" xmlns:p="http://schemas.openxmlformats.org/presentationml/2006/main" type="blank" preserve="1">
   <p:cSld name="Title, 6 Content">
     <p:spTree>
       <p:nvGrpSpPr>
@@ -409,16 +521,17 @@
           </a:prstGeom>
         </p:spPr>
         <p:txBody>
-          <a:bodyPr lIns="0" rIns="0" tIns="0" bIns="0" anchor="ctr"/>
+          <a:bodyPr lIns="0" tIns="0" rIns="0" bIns="0" anchor="ctr"/>
+          <a:lstStyle/>
           <a:p>
             <a:pPr algn="ctr"/>
-            <a:endParaRPr b="0" lang="es-ES" sz="4400" spc="-1" strike="noStrike">
-              <a:solidFill>
-                <a:srgbClr val="000000"/>
-              </a:solidFill>
-              <a:uFill>
-                <a:solidFill>
-                  <a:srgbClr val="ffffff"/>
+            <a:endParaRPr lang="es-ES" sz="4400" b="0" strike="noStrike" spc="-1">
+              <a:solidFill>
+                <a:srgbClr val="000000"/>
+              </a:solidFill>
+              <a:uFill>
+                <a:solidFill>
+                  <a:srgbClr val="FFFFFF"/>
                 </a:solidFill>
               </a:uFill>
               <a:latin typeface="Arial"/>
@@ -446,15 +559,16 @@
           </a:prstGeom>
         </p:spPr>
         <p:txBody>
-          <a:bodyPr lIns="0" rIns="0" tIns="0" bIns="0"/>
-          <a:p>
-            <a:endParaRPr b="0" lang="es-ES" sz="3200" spc="-1" strike="noStrike">
-              <a:solidFill>
-                <a:srgbClr val="000000"/>
-              </a:solidFill>
-              <a:uFill>
-                <a:solidFill>
-                  <a:srgbClr val="ffffff"/>
+          <a:bodyPr lIns="0" tIns="0" rIns="0" bIns="0"/>
+          <a:lstStyle/>
+          <a:p>
+            <a:endParaRPr lang="es-ES" sz="3200" b="0" strike="noStrike" spc="-1">
+              <a:solidFill>
+                <a:srgbClr val="000000"/>
+              </a:solidFill>
+              <a:uFill>
+                <a:solidFill>
+                  <a:srgbClr val="FFFFFF"/>
                 </a:solidFill>
               </a:uFill>
               <a:latin typeface="Arial"/>
@@ -482,15 +596,16 @@
           </a:prstGeom>
         </p:spPr>
         <p:txBody>
-          <a:bodyPr lIns="0" rIns="0" tIns="0" bIns="0"/>
-          <a:p>
-            <a:endParaRPr b="0" lang="es-ES" sz="3200" spc="-1" strike="noStrike">
-              <a:solidFill>
-                <a:srgbClr val="000000"/>
-              </a:solidFill>
-              <a:uFill>
-                <a:solidFill>
-                  <a:srgbClr val="ffffff"/>
+          <a:bodyPr lIns="0" tIns="0" rIns="0" bIns="0"/>
+          <a:lstStyle/>
+          <a:p>
+            <a:endParaRPr lang="es-ES" sz="3200" b="0" strike="noStrike" spc="-1">
+              <a:solidFill>
+                <a:srgbClr val="000000"/>
+              </a:solidFill>
+              <a:uFill>
+                <a:solidFill>
+                  <a:srgbClr val="FFFFFF"/>
                 </a:solidFill>
               </a:uFill>
               <a:latin typeface="Arial"/>
@@ -500,7 +615,7 @@
       </p:sp>
       <p:pic>
         <p:nvPicPr>
-          <p:cNvPr id="34" name="" descr=""/>
+          <p:cNvPr id="34" name="Imagen 33"/>
           <p:cNvPicPr/>
           <p:nvPr/>
         </p:nvPicPr>
@@ -523,12 +638,12 @@
       </p:pic>
       <p:pic>
         <p:nvPicPr>
-          <p:cNvPr id="35" name="" descr=""/>
+          <p:cNvPr id="35" name="Imagen 34"/>
           <p:cNvPicPr/>
           <p:nvPr/>
         </p:nvPicPr>
         <p:blipFill>
-          <a:blip r:embed="rId3"/>
+          <a:blip r:embed="rId2"/>
           <a:stretch/>
         </p:blipFill>
         <p:spPr>
@@ -546,11 +661,14 @@
       </p:pic>
     </p:spTree>
   </p:cSld>
+  <p:clrMapOvr>
+    <a:masterClrMapping/>
+  </p:clrMapOvr>
 </p:sldLayout>
 </file>
 
 <file path=ppt/slideLayouts/slideLayout13.xml><?xml version="1.0" encoding="utf-8"?>
-<p:sldLayout xmlns:a="http://schemas.openxmlformats.org/drawingml/2006/main" xmlns:p="http://schemas.openxmlformats.org/presentationml/2006/main" xmlns:r="http://schemas.openxmlformats.org/officeDocument/2006/relationships" type="blank" preserve="1">
+<p:sldLayout xmlns:a="http://schemas.openxmlformats.org/drawingml/2006/main" xmlns:r="http://schemas.openxmlformats.org/officeDocument/2006/relationships" xmlns:p="http://schemas.openxmlformats.org/presentationml/2006/main" type="blank" preserve="1">
   <p:cSld name="Blank Slide">
     <p:spTree>
       <p:nvGrpSpPr>
@@ -568,11 +686,14 @@
       </p:grpSpPr>
     </p:spTree>
   </p:cSld>
+  <p:clrMapOvr>
+    <a:masterClrMapping/>
+  </p:clrMapOvr>
 </p:sldLayout>
 </file>
 
 <file path=ppt/slideLayouts/slideLayout14.xml><?xml version="1.0" encoding="utf-8"?>
-<p:sldLayout xmlns:a="http://schemas.openxmlformats.org/drawingml/2006/main" xmlns:p="http://schemas.openxmlformats.org/presentationml/2006/main" xmlns:r="http://schemas.openxmlformats.org/officeDocument/2006/relationships" type="tx" preserve="1">
+<p:sldLayout xmlns:a="http://schemas.openxmlformats.org/drawingml/2006/main" xmlns:r="http://schemas.openxmlformats.org/officeDocument/2006/relationships" xmlns:p="http://schemas.openxmlformats.org/presentationml/2006/main" type="tx" preserve="1">
   <p:cSld name="Title Slide">
     <p:spTree>
       <p:nvGrpSpPr>
@@ -608,16 +729,17 @@
           </a:prstGeom>
         </p:spPr>
         <p:txBody>
-          <a:bodyPr lIns="0" rIns="0" tIns="0" bIns="0" anchor="ctr"/>
+          <a:bodyPr lIns="0" tIns="0" rIns="0" bIns="0" anchor="ctr"/>
+          <a:lstStyle/>
           <a:p>
             <a:pPr algn="ctr"/>
-            <a:endParaRPr b="0" lang="es-ES" sz="4400" spc="-1" strike="noStrike">
-              <a:solidFill>
-                <a:srgbClr val="000000"/>
-              </a:solidFill>
-              <a:uFill>
-                <a:solidFill>
-                  <a:srgbClr val="ffffff"/>
+            <a:endParaRPr lang="es-ES" sz="4400" b="0" strike="noStrike" spc="-1">
+              <a:solidFill>
+                <a:srgbClr val="000000"/>
+              </a:solidFill>
+              <a:uFill>
+                <a:solidFill>
+                  <a:srgbClr val="FFFFFF"/>
                 </a:solidFill>
               </a:uFill>
               <a:latin typeface="Arial"/>
@@ -645,16 +767,17 @@
           </a:prstGeom>
         </p:spPr>
         <p:txBody>
-          <a:bodyPr lIns="0" rIns="0" tIns="0" bIns="0" anchor="ctr"/>
+          <a:bodyPr lIns="0" tIns="0" rIns="0" bIns="0" anchor="ctr"/>
+          <a:lstStyle/>
           <a:p>
             <a:pPr algn="ctr"/>
-            <a:endParaRPr b="0" lang="es-ES" sz="3200" spc="-1" strike="noStrike">
-              <a:solidFill>
-                <a:srgbClr val="000000"/>
-              </a:solidFill>
-              <a:uFill>
-                <a:solidFill>
-                  <a:srgbClr val="ffffff"/>
+            <a:endParaRPr lang="es-ES" sz="3200" b="0" strike="noStrike" spc="-1">
+              <a:solidFill>
+                <a:srgbClr val="000000"/>
+              </a:solidFill>
+              <a:uFill>
+                <a:solidFill>
+                  <a:srgbClr val="FFFFFF"/>
                 </a:solidFill>
               </a:uFill>
               <a:latin typeface="Arial"/>
@@ -664,11 +787,14 @@
       </p:sp>
     </p:spTree>
   </p:cSld>
+  <p:clrMapOvr>
+    <a:masterClrMapping/>
+  </p:clrMapOvr>
 </p:sldLayout>
 </file>
 
 <file path=ppt/slideLayouts/slideLayout15.xml><?xml version="1.0" encoding="utf-8"?>
-<p:sldLayout xmlns:a="http://schemas.openxmlformats.org/drawingml/2006/main" xmlns:p="http://schemas.openxmlformats.org/presentationml/2006/main" xmlns:r="http://schemas.openxmlformats.org/officeDocument/2006/relationships" type="obj" preserve="1">
+<p:sldLayout xmlns:a="http://schemas.openxmlformats.org/drawingml/2006/main" xmlns:r="http://schemas.openxmlformats.org/officeDocument/2006/relationships" xmlns:p="http://schemas.openxmlformats.org/presentationml/2006/main" type="obj" preserve="1">
   <p:cSld name="Title, Content">
     <p:spTree>
       <p:nvGrpSpPr>
@@ -704,16 +830,17 @@
           </a:prstGeom>
         </p:spPr>
         <p:txBody>
-          <a:bodyPr lIns="0" rIns="0" tIns="0" bIns="0" anchor="ctr"/>
+          <a:bodyPr lIns="0" tIns="0" rIns="0" bIns="0" anchor="ctr"/>
+          <a:lstStyle/>
           <a:p>
             <a:pPr algn="ctr"/>
-            <a:endParaRPr b="0" lang="es-ES" sz="4400" spc="-1" strike="noStrike">
-              <a:solidFill>
-                <a:srgbClr val="000000"/>
-              </a:solidFill>
-              <a:uFill>
-                <a:solidFill>
-                  <a:srgbClr val="ffffff"/>
+            <a:endParaRPr lang="es-ES" sz="4400" b="0" strike="noStrike" spc="-1">
+              <a:solidFill>
+                <a:srgbClr val="000000"/>
+              </a:solidFill>
+              <a:uFill>
+                <a:solidFill>
+                  <a:srgbClr val="FFFFFF"/>
                 </a:solidFill>
               </a:uFill>
               <a:latin typeface="Arial"/>
@@ -741,15 +868,16 @@
           </a:prstGeom>
         </p:spPr>
         <p:txBody>
-          <a:bodyPr lIns="0" rIns="0" tIns="0" bIns="0"/>
-          <a:p>
-            <a:endParaRPr b="0" lang="es-ES" sz="3200" spc="-1" strike="noStrike">
-              <a:solidFill>
-                <a:srgbClr val="000000"/>
-              </a:solidFill>
-              <a:uFill>
-                <a:solidFill>
-                  <a:srgbClr val="ffffff"/>
+          <a:bodyPr lIns="0" tIns="0" rIns="0" bIns="0"/>
+          <a:lstStyle/>
+          <a:p>
+            <a:endParaRPr lang="es-ES" sz="3200" b="0" strike="noStrike" spc="-1">
+              <a:solidFill>
+                <a:srgbClr val="000000"/>
+              </a:solidFill>
+              <a:uFill>
+                <a:solidFill>
+                  <a:srgbClr val="FFFFFF"/>
                 </a:solidFill>
               </a:uFill>
               <a:latin typeface="Arial"/>
@@ -759,11 +887,14 @@
       </p:sp>
     </p:spTree>
   </p:cSld>
+  <p:clrMapOvr>
+    <a:masterClrMapping/>
+  </p:clrMapOvr>
 </p:sldLayout>
 </file>
 
 <file path=ppt/slideLayouts/slideLayout16.xml><?xml version="1.0" encoding="utf-8"?>
-<p:sldLayout xmlns:a="http://schemas.openxmlformats.org/drawingml/2006/main" xmlns:p="http://schemas.openxmlformats.org/presentationml/2006/main" xmlns:r="http://schemas.openxmlformats.org/officeDocument/2006/relationships" type="twoObj" preserve="1">
+<p:sldLayout xmlns:a="http://schemas.openxmlformats.org/drawingml/2006/main" xmlns:r="http://schemas.openxmlformats.org/officeDocument/2006/relationships" xmlns:p="http://schemas.openxmlformats.org/presentationml/2006/main" type="twoObj" preserve="1">
   <p:cSld name="Title, 2 Content">
     <p:spTree>
       <p:nvGrpSpPr>
@@ -799,16 +930,17 @@
           </a:prstGeom>
         </p:spPr>
         <p:txBody>
-          <a:bodyPr lIns="0" rIns="0" tIns="0" bIns="0" anchor="ctr"/>
+          <a:bodyPr lIns="0" tIns="0" rIns="0" bIns="0" anchor="ctr"/>
+          <a:lstStyle/>
           <a:p>
             <a:pPr algn="ctr"/>
-            <a:endParaRPr b="0" lang="es-ES" sz="4400" spc="-1" strike="noStrike">
-              <a:solidFill>
-                <a:srgbClr val="000000"/>
-              </a:solidFill>
-              <a:uFill>
-                <a:solidFill>
-                  <a:srgbClr val="ffffff"/>
+            <a:endParaRPr lang="es-ES" sz="4400" b="0" strike="noStrike" spc="-1">
+              <a:solidFill>
+                <a:srgbClr val="000000"/>
+              </a:solidFill>
+              <a:uFill>
+                <a:solidFill>
+                  <a:srgbClr val="FFFFFF"/>
                 </a:solidFill>
               </a:uFill>
               <a:latin typeface="Arial"/>
@@ -836,15 +968,16 @@
           </a:prstGeom>
         </p:spPr>
         <p:txBody>
-          <a:bodyPr lIns="0" rIns="0" tIns="0" bIns="0"/>
-          <a:p>
-            <a:endParaRPr b="0" lang="es-ES" sz="3200" spc="-1" strike="noStrike">
-              <a:solidFill>
-                <a:srgbClr val="000000"/>
-              </a:solidFill>
-              <a:uFill>
-                <a:solidFill>
-                  <a:srgbClr val="ffffff"/>
+          <a:bodyPr lIns="0" tIns="0" rIns="0" bIns="0"/>
+          <a:lstStyle/>
+          <a:p>
+            <a:endParaRPr lang="es-ES" sz="3200" b="0" strike="noStrike" spc="-1">
+              <a:solidFill>
+                <a:srgbClr val="000000"/>
+              </a:solidFill>
+              <a:uFill>
+                <a:solidFill>
+                  <a:srgbClr val="FFFFFF"/>
                 </a:solidFill>
               </a:uFill>
               <a:latin typeface="Arial"/>
@@ -872,15 +1005,16 @@
           </a:prstGeom>
         </p:spPr>
         <p:txBody>
-          <a:bodyPr lIns="0" rIns="0" tIns="0" bIns="0"/>
-          <a:p>
-            <a:endParaRPr b="0" lang="es-ES" sz="3200" spc="-1" strike="noStrike">
-              <a:solidFill>
-                <a:srgbClr val="000000"/>
-              </a:solidFill>
-              <a:uFill>
-                <a:solidFill>
-                  <a:srgbClr val="ffffff"/>
+          <a:bodyPr lIns="0" tIns="0" rIns="0" bIns="0"/>
+          <a:lstStyle/>
+          <a:p>
+            <a:endParaRPr lang="es-ES" sz="3200" b="0" strike="noStrike" spc="-1">
+              <a:solidFill>
+                <a:srgbClr val="000000"/>
+              </a:solidFill>
+              <a:uFill>
+                <a:solidFill>
+                  <a:srgbClr val="FFFFFF"/>
                 </a:solidFill>
               </a:uFill>
               <a:latin typeface="Arial"/>
@@ -890,11 +1024,14 @@
       </p:sp>
     </p:spTree>
   </p:cSld>
+  <p:clrMapOvr>
+    <a:masterClrMapping/>
+  </p:clrMapOvr>
 </p:sldLayout>
 </file>
 
 <file path=ppt/slideLayouts/slideLayout17.xml><?xml version="1.0" encoding="utf-8"?>
-<p:sldLayout xmlns:a="http://schemas.openxmlformats.org/drawingml/2006/main" xmlns:p="http://schemas.openxmlformats.org/presentationml/2006/main" xmlns:r="http://schemas.openxmlformats.org/officeDocument/2006/relationships" type="titleOnly" preserve="1">
+<p:sldLayout xmlns:a="http://schemas.openxmlformats.org/drawingml/2006/main" xmlns:r="http://schemas.openxmlformats.org/officeDocument/2006/relationships" xmlns:p="http://schemas.openxmlformats.org/presentationml/2006/main" type="titleOnly" preserve="1">
   <p:cSld name="Title Only">
     <p:spTree>
       <p:nvGrpSpPr>
@@ -930,16 +1067,17 @@
           </a:prstGeom>
         </p:spPr>
         <p:txBody>
-          <a:bodyPr lIns="0" rIns="0" tIns="0" bIns="0" anchor="ctr"/>
+          <a:bodyPr lIns="0" tIns="0" rIns="0" bIns="0" anchor="ctr"/>
+          <a:lstStyle/>
           <a:p>
             <a:pPr algn="ctr"/>
-            <a:endParaRPr b="0" lang="es-ES" sz="4400" spc="-1" strike="noStrike">
-              <a:solidFill>
-                <a:srgbClr val="000000"/>
-              </a:solidFill>
-              <a:uFill>
-                <a:solidFill>
-                  <a:srgbClr val="ffffff"/>
+            <a:endParaRPr lang="es-ES" sz="4400" b="0" strike="noStrike" spc="-1">
+              <a:solidFill>
+                <a:srgbClr val="000000"/>
+              </a:solidFill>
+              <a:uFill>
+                <a:solidFill>
+                  <a:srgbClr val="FFFFFF"/>
                 </a:solidFill>
               </a:uFill>
               <a:latin typeface="Arial"/>
@@ -949,11 +1087,14 @@
       </p:sp>
     </p:spTree>
   </p:cSld>
+  <p:clrMapOvr>
+    <a:masterClrMapping/>
+  </p:clrMapOvr>
 </p:sldLayout>
 </file>
 
 <file path=ppt/slideLayouts/slideLayout18.xml><?xml version="1.0" encoding="utf-8"?>
-<p:sldLayout xmlns:a="http://schemas.openxmlformats.org/drawingml/2006/main" xmlns:p="http://schemas.openxmlformats.org/presentationml/2006/main" xmlns:r="http://schemas.openxmlformats.org/officeDocument/2006/relationships" type="objOnly" preserve="1">
+<p:sldLayout xmlns:a="http://schemas.openxmlformats.org/drawingml/2006/main" xmlns:r="http://schemas.openxmlformats.org/officeDocument/2006/relationships" xmlns:p="http://schemas.openxmlformats.org/presentationml/2006/main" type="objOnly" preserve="1">
   <p:cSld name="Centered Text">
     <p:spTree>
       <p:nvGrpSpPr>
@@ -989,16 +1130,17 @@
           </a:prstGeom>
         </p:spPr>
         <p:txBody>
-          <a:bodyPr lIns="0" rIns="0" tIns="0" bIns="0" anchor="ctr"/>
+          <a:bodyPr lIns="0" tIns="0" rIns="0" bIns="0" anchor="ctr"/>
+          <a:lstStyle/>
           <a:p>
             <a:pPr algn="ctr"/>
-            <a:endParaRPr b="0" lang="es-ES" sz="3200" spc="-1" strike="noStrike">
-              <a:solidFill>
-                <a:srgbClr val="000000"/>
-              </a:solidFill>
-              <a:uFill>
-                <a:solidFill>
-                  <a:srgbClr val="ffffff"/>
+            <a:endParaRPr lang="es-ES" sz="3200" b="0" strike="noStrike" spc="-1">
+              <a:solidFill>
+                <a:srgbClr val="000000"/>
+              </a:solidFill>
+              <a:uFill>
+                <a:solidFill>
+                  <a:srgbClr val="FFFFFF"/>
                 </a:solidFill>
               </a:uFill>
               <a:latin typeface="Arial"/>
@@ -1008,11 +1150,14 @@
       </p:sp>
     </p:spTree>
   </p:cSld>
+  <p:clrMapOvr>
+    <a:masterClrMapping/>
+  </p:clrMapOvr>
 </p:sldLayout>
 </file>
 
 <file path=ppt/slideLayouts/slideLayout19.xml><?xml version="1.0" encoding="utf-8"?>
-<p:sldLayout xmlns:a="http://schemas.openxmlformats.org/drawingml/2006/main" xmlns:p="http://schemas.openxmlformats.org/presentationml/2006/main" xmlns:r="http://schemas.openxmlformats.org/officeDocument/2006/relationships" type="twoObjAndObj" preserve="1">
+<p:sldLayout xmlns:a="http://schemas.openxmlformats.org/drawingml/2006/main" xmlns:r="http://schemas.openxmlformats.org/officeDocument/2006/relationships" xmlns:p="http://schemas.openxmlformats.org/presentationml/2006/main" type="twoObjAndObj" preserve="1">
   <p:cSld name="Title, 2 Content and Content">
     <p:spTree>
       <p:nvGrpSpPr>
@@ -1048,16 +1193,17 @@
           </a:prstGeom>
         </p:spPr>
         <p:txBody>
-          <a:bodyPr lIns="0" rIns="0" tIns="0" bIns="0" anchor="ctr"/>
+          <a:bodyPr lIns="0" tIns="0" rIns="0" bIns="0" anchor="ctr"/>
+          <a:lstStyle/>
           <a:p>
             <a:pPr algn="ctr"/>
-            <a:endParaRPr b="0" lang="es-ES" sz="4400" spc="-1" strike="noStrike">
-              <a:solidFill>
-                <a:srgbClr val="000000"/>
-              </a:solidFill>
-              <a:uFill>
-                <a:solidFill>
-                  <a:srgbClr val="ffffff"/>
+            <a:endParaRPr lang="es-ES" sz="4400" b="0" strike="noStrike" spc="-1">
+              <a:solidFill>
+                <a:srgbClr val="000000"/>
+              </a:solidFill>
+              <a:uFill>
+                <a:solidFill>
+                  <a:srgbClr val="FFFFFF"/>
                 </a:solidFill>
               </a:uFill>
               <a:latin typeface="Arial"/>
@@ -1085,15 +1231,16 @@
           </a:prstGeom>
         </p:spPr>
         <p:txBody>
-          <a:bodyPr lIns="0" rIns="0" tIns="0" bIns="0"/>
-          <a:p>
-            <a:endParaRPr b="0" lang="es-ES" sz="3200" spc="-1" strike="noStrike">
-              <a:solidFill>
-                <a:srgbClr val="000000"/>
-              </a:solidFill>
-              <a:uFill>
-                <a:solidFill>
-                  <a:srgbClr val="ffffff"/>
+          <a:bodyPr lIns="0" tIns="0" rIns="0" bIns="0"/>
+          <a:lstStyle/>
+          <a:p>
+            <a:endParaRPr lang="es-ES" sz="3200" b="0" strike="noStrike" spc="-1">
+              <a:solidFill>
+                <a:srgbClr val="000000"/>
+              </a:solidFill>
+              <a:uFill>
+                <a:solidFill>
+                  <a:srgbClr val="FFFFFF"/>
                 </a:solidFill>
               </a:uFill>
               <a:latin typeface="Arial"/>
@@ -1121,15 +1268,16 @@
           </a:prstGeom>
         </p:spPr>
         <p:txBody>
-          <a:bodyPr lIns="0" rIns="0" tIns="0" bIns="0"/>
-          <a:p>
-            <a:endParaRPr b="0" lang="es-ES" sz="3200" spc="-1" strike="noStrike">
-              <a:solidFill>
-                <a:srgbClr val="000000"/>
-              </a:solidFill>
-              <a:uFill>
-                <a:solidFill>
-                  <a:srgbClr val="ffffff"/>
+          <a:bodyPr lIns="0" tIns="0" rIns="0" bIns="0"/>
+          <a:lstStyle/>
+          <a:p>
+            <a:endParaRPr lang="es-ES" sz="3200" b="0" strike="noStrike" spc="-1">
+              <a:solidFill>
+                <a:srgbClr val="000000"/>
+              </a:solidFill>
+              <a:uFill>
+                <a:solidFill>
+                  <a:srgbClr val="FFFFFF"/>
                 </a:solidFill>
               </a:uFill>
               <a:latin typeface="Arial"/>
@@ -1157,15 +1305,16 @@
           </a:prstGeom>
         </p:spPr>
         <p:txBody>
-          <a:bodyPr lIns="0" rIns="0" tIns="0" bIns="0"/>
-          <a:p>
-            <a:endParaRPr b="0" lang="es-ES" sz="3200" spc="-1" strike="noStrike">
-              <a:solidFill>
-                <a:srgbClr val="000000"/>
-              </a:solidFill>
-              <a:uFill>
-                <a:solidFill>
-                  <a:srgbClr val="ffffff"/>
+          <a:bodyPr lIns="0" tIns="0" rIns="0" bIns="0"/>
+          <a:lstStyle/>
+          <a:p>
+            <a:endParaRPr lang="es-ES" sz="3200" b="0" strike="noStrike" spc="-1">
+              <a:solidFill>
+                <a:srgbClr val="000000"/>
+              </a:solidFill>
+              <a:uFill>
+                <a:solidFill>
+                  <a:srgbClr val="FFFFFF"/>
                 </a:solidFill>
               </a:uFill>
               <a:latin typeface="Arial"/>
@@ -1175,11 +1324,14 @@
       </p:sp>
     </p:spTree>
   </p:cSld>
+  <p:clrMapOvr>
+    <a:masterClrMapping/>
+  </p:clrMapOvr>
 </p:sldLayout>
 </file>
 
 <file path=ppt/slideLayouts/slideLayout2.xml><?xml version="1.0" encoding="utf-8"?>
-<p:sldLayout xmlns:a="http://schemas.openxmlformats.org/drawingml/2006/main" xmlns:p="http://schemas.openxmlformats.org/presentationml/2006/main" xmlns:r="http://schemas.openxmlformats.org/officeDocument/2006/relationships" type="tx" preserve="1">
+<p:sldLayout xmlns:a="http://schemas.openxmlformats.org/drawingml/2006/main" xmlns:r="http://schemas.openxmlformats.org/officeDocument/2006/relationships" xmlns:p="http://schemas.openxmlformats.org/presentationml/2006/main" type="tx" preserve="1">
   <p:cSld name="Title Slide">
     <p:spTree>
       <p:nvGrpSpPr>
@@ -1215,16 +1367,17 @@
           </a:prstGeom>
         </p:spPr>
         <p:txBody>
-          <a:bodyPr lIns="0" rIns="0" tIns="0" bIns="0" anchor="ctr"/>
+          <a:bodyPr lIns="0" tIns="0" rIns="0" bIns="0" anchor="ctr"/>
+          <a:lstStyle/>
           <a:p>
             <a:pPr algn="ctr"/>
-            <a:endParaRPr b="0" lang="es-ES" sz="4400" spc="-1" strike="noStrike">
-              <a:solidFill>
-                <a:srgbClr val="000000"/>
-              </a:solidFill>
-              <a:uFill>
-                <a:solidFill>
-                  <a:srgbClr val="ffffff"/>
+            <a:endParaRPr lang="es-ES" sz="4400" b="0" strike="noStrike" spc="-1">
+              <a:solidFill>
+                <a:srgbClr val="000000"/>
+              </a:solidFill>
+              <a:uFill>
+                <a:solidFill>
+                  <a:srgbClr val="FFFFFF"/>
                 </a:solidFill>
               </a:uFill>
               <a:latin typeface="Arial"/>
@@ -1252,16 +1405,17 @@
           </a:prstGeom>
         </p:spPr>
         <p:txBody>
-          <a:bodyPr lIns="0" rIns="0" tIns="0" bIns="0" anchor="ctr"/>
+          <a:bodyPr lIns="0" tIns="0" rIns="0" bIns="0" anchor="ctr"/>
+          <a:lstStyle/>
           <a:p>
             <a:pPr algn="ctr"/>
-            <a:endParaRPr b="0" lang="es-ES" sz="3200" spc="-1" strike="noStrike">
-              <a:solidFill>
-                <a:srgbClr val="000000"/>
-              </a:solidFill>
-              <a:uFill>
-                <a:solidFill>
-                  <a:srgbClr val="ffffff"/>
+            <a:endParaRPr lang="es-ES" sz="3200" b="0" strike="noStrike" spc="-1">
+              <a:solidFill>
+                <a:srgbClr val="000000"/>
+              </a:solidFill>
+              <a:uFill>
+                <a:solidFill>
+                  <a:srgbClr val="FFFFFF"/>
                 </a:solidFill>
               </a:uFill>
               <a:latin typeface="Arial"/>
@@ -1271,11 +1425,14 @@
       </p:sp>
     </p:spTree>
   </p:cSld>
+  <p:clrMapOvr>
+    <a:masterClrMapping/>
+  </p:clrMapOvr>
 </p:sldLayout>
 </file>
 
 <file path=ppt/slideLayouts/slideLayout20.xml><?xml version="1.0" encoding="utf-8"?>
-<p:sldLayout xmlns:a="http://schemas.openxmlformats.org/drawingml/2006/main" xmlns:p="http://schemas.openxmlformats.org/presentationml/2006/main" xmlns:r="http://schemas.openxmlformats.org/officeDocument/2006/relationships" type="objAndTwoObj" preserve="1">
+<p:sldLayout xmlns:a="http://schemas.openxmlformats.org/drawingml/2006/main" xmlns:r="http://schemas.openxmlformats.org/officeDocument/2006/relationships" xmlns:p="http://schemas.openxmlformats.org/presentationml/2006/main" type="objAndTwoObj" preserve="1">
   <p:cSld name="Title Content and 2 Content">
     <p:spTree>
       <p:nvGrpSpPr>
@@ -1311,16 +1468,17 @@
           </a:prstGeom>
         </p:spPr>
         <p:txBody>
-          <a:bodyPr lIns="0" rIns="0" tIns="0" bIns="0" anchor="ctr"/>
+          <a:bodyPr lIns="0" tIns="0" rIns="0" bIns="0" anchor="ctr"/>
+          <a:lstStyle/>
           <a:p>
             <a:pPr algn="ctr"/>
-            <a:endParaRPr b="0" lang="es-ES" sz="4400" spc="-1" strike="noStrike">
-              <a:solidFill>
-                <a:srgbClr val="000000"/>
-              </a:solidFill>
-              <a:uFill>
-                <a:solidFill>
-                  <a:srgbClr val="ffffff"/>
+            <a:endParaRPr lang="es-ES" sz="4400" b="0" strike="noStrike" spc="-1">
+              <a:solidFill>
+                <a:srgbClr val="000000"/>
+              </a:solidFill>
+              <a:uFill>
+                <a:solidFill>
+                  <a:srgbClr val="FFFFFF"/>
                 </a:solidFill>
               </a:uFill>
               <a:latin typeface="Arial"/>
@@ -1348,15 +1506,16 @@
           </a:prstGeom>
         </p:spPr>
         <p:txBody>
-          <a:bodyPr lIns="0" rIns="0" tIns="0" bIns="0"/>
-          <a:p>
-            <a:endParaRPr b="0" lang="es-ES" sz="3200" spc="-1" strike="noStrike">
-              <a:solidFill>
-                <a:srgbClr val="000000"/>
-              </a:solidFill>
-              <a:uFill>
-                <a:solidFill>
-                  <a:srgbClr val="ffffff"/>
+          <a:bodyPr lIns="0" tIns="0" rIns="0" bIns="0"/>
+          <a:lstStyle/>
+          <a:p>
+            <a:endParaRPr lang="es-ES" sz="3200" b="0" strike="noStrike" spc="-1">
+              <a:solidFill>
+                <a:srgbClr val="000000"/>
+              </a:solidFill>
+              <a:uFill>
+                <a:solidFill>
+                  <a:srgbClr val="FFFFFF"/>
                 </a:solidFill>
               </a:uFill>
               <a:latin typeface="Arial"/>
@@ -1384,15 +1543,16 @@
           </a:prstGeom>
         </p:spPr>
         <p:txBody>
-          <a:bodyPr lIns="0" rIns="0" tIns="0" bIns="0"/>
-          <a:p>
-            <a:endParaRPr b="0" lang="es-ES" sz="3200" spc="-1" strike="noStrike">
-              <a:solidFill>
-                <a:srgbClr val="000000"/>
-              </a:solidFill>
-              <a:uFill>
-                <a:solidFill>
-                  <a:srgbClr val="ffffff"/>
+          <a:bodyPr lIns="0" tIns="0" rIns="0" bIns="0"/>
+          <a:lstStyle/>
+          <a:p>
+            <a:endParaRPr lang="es-ES" sz="3200" b="0" strike="noStrike" spc="-1">
+              <a:solidFill>
+                <a:srgbClr val="000000"/>
+              </a:solidFill>
+              <a:uFill>
+                <a:solidFill>
+                  <a:srgbClr val="FFFFFF"/>
                 </a:solidFill>
               </a:uFill>
               <a:latin typeface="Arial"/>
@@ -1420,15 +1580,16 @@
           </a:prstGeom>
         </p:spPr>
         <p:txBody>
-          <a:bodyPr lIns="0" rIns="0" tIns="0" bIns="0"/>
-          <a:p>
-            <a:endParaRPr b="0" lang="es-ES" sz="3200" spc="-1" strike="noStrike">
-              <a:solidFill>
-                <a:srgbClr val="000000"/>
-              </a:solidFill>
-              <a:uFill>
-                <a:solidFill>
-                  <a:srgbClr val="ffffff"/>
+          <a:bodyPr lIns="0" tIns="0" rIns="0" bIns="0"/>
+          <a:lstStyle/>
+          <a:p>
+            <a:endParaRPr lang="es-ES" sz="3200" b="0" strike="noStrike" spc="-1">
+              <a:solidFill>
+                <a:srgbClr val="000000"/>
+              </a:solidFill>
+              <a:uFill>
+                <a:solidFill>
+                  <a:srgbClr val="FFFFFF"/>
                 </a:solidFill>
               </a:uFill>
               <a:latin typeface="Arial"/>
@@ -1438,11 +1599,14 @@
       </p:sp>
     </p:spTree>
   </p:cSld>
+  <p:clrMapOvr>
+    <a:masterClrMapping/>
+  </p:clrMapOvr>
 </p:sldLayout>
 </file>
 
 <file path=ppt/slideLayouts/slideLayout21.xml><?xml version="1.0" encoding="utf-8"?>
-<p:sldLayout xmlns:a="http://schemas.openxmlformats.org/drawingml/2006/main" xmlns:p="http://schemas.openxmlformats.org/presentationml/2006/main" xmlns:r="http://schemas.openxmlformats.org/officeDocument/2006/relationships" type="twoObjOverTx" preserve="1">
+<p:sldLayout xmlns:a="http://schemas.openxmlformats.org/drawingml/2006/main" xmlns:r="http://schemas.openxmlformats.org/officeDocument/2006/relationships" xmlns:p="http://schemas.openxmlformats.org/presentationml/2006/main" type="twoObjOverTx" preserve="1">
   <p:cSld name="Title, 2 Content over Content">
     <p:spTree>
       <p:nvGrpSpPr>
@@ -1478,16 +1642,17 @@
           </a:prstGeom>
         </p:spPr>
         <p:txBody>
-          <a:bodyPr lIns="0" rIns="0" tIns="0" bIns="0" anchor="ctr"/>
+          <a:bodyPr lIns="0" tIns="0" rIns="0" bIns="0" anchor="ctr"/>
+          <a:lstStyle/>
           <a:p>
             <a:pPr algn="ctr"/>
-            <a:endParaRPr b="0" lang="es-ES" sz="4400" spc="-1" strike="noStrike">
-              <a:solidFill>
-                <a:srgbClr val="000000"/>
-              </a:solidFill>
-              <a:uFill>
-                <a:solidFill>
-                  <a:srgbClr val="ffffff"/>
+            <a:endParaRPr lang="es-ES" sz="4400" b="0" strike="noStrike" spc="-1">
+              <a:solidFill>
+                <a:srgbClr val="000000"/>
+              </a:solidFill>
+              <a:uFill>
+                <a:solidFill>
+                  <a:srgbClr val="FFFFFF"/>
                 </a:solidFill>
               </a:uFill>
               <a:latin typeface="Arial"/>
@@ -1515,15 +1680,16 @@
           </a:prstGeom>
         </p:spPr>
         <p:txBody>
-          <a:bodyPr lIns="0" rIns="0" tIns="0" bIns="0"/>
-          <a:p>
-            <a:endParaRPr b="0" lang="es-ES" sz="3200" spc="-1" strike="noStrike">
-              <a:solidFill>
-                <a:srgbClr val="000000"/>
-              </a:solidFill>
-              <a:uFill>
-                <a:solidFill>
-                  <a:srgbClr val="ffffff"/>
+          <a:bodyPr lIns="0" tIns="0" rIns="0" bIns="0"/>
+          <a:lstStyle/>
+          <a:p>
+            <a:endParaRPr lang="es-ES" sz="3200" b="0" strike="noStrike" spc="-1">
+              <a:solidFill>
+                <a:srgbClr val="000000"/>
+              </a:solidFill>
+              <a:uFill>
+                <a:solidFill>
+                  <a:srgbClr val="FFFFFF"/>
                 </a:solidFill>
               </a:uFill>
               <a:latin typeface="Arial"/>
@@ -1551,15 +1717,16 @@
           </a:prstGeom>
         </p:spPr>
         <p:txBody>
-          <a:bodyPr lIns="0" rIns="0" tIns="0" bIns="0"/>
-          <a:p>
-            <a:endParaRPr b="0" lang="es-ES" sz="3200" spc="-1" strike="noStrike">
-              <a:solidFill>
-                <a:srgbClr val="000000"/>
-              </a:solidFill>
-              <a:uFill>
-                <a:solidFill>
-                  <a:srgbClr val="ffffff"/>
+          <a:bodyPr lIns="0" tIns="0" rIns="0" bIns="0"/>
+          <a:lstStyle/>
+          <a:p>
+            <a:endParaRPr lang="es-ES" sz="3200" b="0" strike="noStrike" spc="-1">
+              <a:solidFill>
+                <a:srgbClr val="000000"/>
+              </a:solidFill>
+              <a:uFill>
+                <a:solidFill>
+                  <a:srgbClr val="FFFFFF"/>
                 </a:solidFill>
               </a:uFill>
               <a:latin typeface="Arial"/>
@@ -1587,15 +1754,16 @@
           </a:prstGeom>
         </p:spPr>
         <p:txBody>
-          <a:bodyPr lIns="0" rIns="0" tIns="0" bIns="0"/>
-          <a:p>
-            <a:endParaRPr b="0" lang="es-ES" sz="3200" spc="-1" strike="noStrike">
-              <a:solidFill>
-                <a:srgbClr val="000000"/>
-              </a:solidFill>
-              <a:uFill>
-                <a:solidFill>
-                  <a:srgbClr val="ffffff"/>
+          <a:bodyPr lIns="0" tIns="0" rIns="0" bIns="0"/>
+          <a:lstStyle/>
+          <a:p>
+            <a:endParaRPr lang="es-ES" sz="3200" b="0" strike="noStrike" spc="-1">
+              <a:solidFill>
+                <a:srgbClr val="000000"/>
+              </a:solidFill>
+              <a:uFill>
+                <a:solidFill>
+                  <a:srgbClr val="FFFFFF"/>
                 </a:solidFill>
               </a:uFill>
               <a:latin typeface="Arial"/>
@@ -1605,11 +1773,14 @@
       </p:sp>
     </p:spTree>
   </p:cSld>
+  <p:clrMapOvr>
+    <a:masterClrMapping/>
+  </p:clrMapOvr>
 </p:sldLayout>
 </file>
 
 <file path=ppt/slideLayouts/slideLayout22.xml><?xml version="1.0" encoding="utf-8"?>
-<p:sldLayout xmlns:a="http://schemas.openxmlformats.org/drawingml/2006/main" xmlns:p="http://schemas.openxmlformats.org/presentationml/2006/main" xmlns:r="http://schemas.openxmlformats.org/officeDocument/2006/relationships" type="objOverTx" preserve="1">
+<p:sldLayout xmlns:a="http://schemas.openxmlformats.org/drawingml/2006/main" xmlns:r="http://schemas.openxmlformats.org/officeDocument/2006/relationships" xmlns:p="http://schemas.openxmlformats.org/presentationml/2006/main" type="objOverTx" preserve="1">
   <p:cSld name="Title, Content over Content">
     <p:spTree>
       <p:nvGrpSpPr>
@@ -1645,16 +1816,17 @@
           </a:prstGeom>
         </p:spPr>
         <p:txBody>
-          <a:bodyPr lIns="0" rIns="0" tIns="0" bIns="0" anchor="ctr"/>
+          <a:bodyPr lIns="0" tIns="0" rIns="0" bIns="0" anchor="ctr"/>
+          <a:lstStyle/>
           <a:p>
             <a:pPr algn="ctr"/>
-            <a:endParaRPr b="0" lang="es-ES" sz="4400" spc="-1" strike="noStrike">
-              <a:solidFill>
-                <a:srgbClr val="000000"/>
-              </a:solidFill>
-              <a:uFill>
-                <a:solidFill>
-                  <a:srgbClr val="ffffff"/>
+            <a:endParaRPr lang="es-ES" sz="4400" b="0" strike="noStrike" spc="-1">
+              <a:solidFill>
+                <a:srgbClr val="000000"/>
+              </a:solidFill>
+              <a:uFill>
+                <a:solidFill>
+                  <a:srgbClr val="FFFFFF"/>
                 </a:solidFill>
               </a:uFill>
               <a:latin typeface="Arial"/>
@@ -1682,15 +1854,16 @@
           </a:prstGeom>
         </p:spPr>
         <p:txBody>
-          <a:bodyPr lIns="0" rIns="0" tIns="0" bIns="0"/>
-          <a:p>
-            <a:endParaRPr b="0" lang="es-ES" sz="3200" spc="-1" strike="noStrike">
-              <a:solidFill>
-                <a:srgbClr val="000000"/>
-              </a:solidFill>
-              <a:uFill>
-                <a:solidFill>
-                  <a:srgbClr val="ffffff"/>
+          <a:bodyPr lIns="0" tIns="0" rIns="0" bIns="0"/>
+          <a:lstStyle/>
+          <a:p>
+            <a:endParaRPr lang="es-ES" sz="3200" b="0" strike="noStrike" spc="-1">
+              <a:solidFill>
+                <a:srgbClr val="000000"/>
+              </a:solidFill>
+              <a:uFill>
+                <a:solidFill>
+                  <a:srgbClr val="FFFFFF"/>
                 </a:solidFill>
               </a:uFill>
               <a:latin typeface="Arial"/>
@@ -1718,15 +1891,16 @@
           </a:prstGeom>
         </p:spPr>
         <p:txBody>
-          <a:bodyPr lIns="0" rIns="0" tIns="0" bIns="0"/>
-          <a:p>
-            <a:endParaRPr b="0" lang="es-ES" sz="3200" spc="-1" strike="noStrike">
-              <a:solidFill>
-                <a:srgbClr val="000000"/>
-              </a:solidFill>
-              <a:uFill>
-                <a:solidFill>
-                  <a:srgbClr val="ffffff"/>
+          <a:bodyPr lIns="0" tIns="0" rIns="0" bIns="0"/>
+          <a:lstStyle/>
+          <a:p>
+            <a:endParaRPr lang="es-ES" sz="3200" b="0" strike="noStrike" spc="-1">
+              <a:solidFill>
+                <a:srgbClr val="000000"/>
+              </a:solidFill>
+              <a:uFill>
+                <a:solidFill>
+                  <a:srgbClr val="FFFFFF"/>
                 </a:solidFill>
               </a:uFill>
               <a:latin typeface="Arial"/>
@@ -1736,11 +1910,14 @@
       </p:sp>
     </p:spTree>
   </p:cSld>
+  <p:clrMapOvr>
+    <a:masterClrMapping/>
+  </p:clrMapOvr>
 </p:sldLayout>
 </file>
 
 <file path=ppt/slideLayouts/slideLayout23.xml><?xml version="1.0" encoding="utf-8"?>
-<p:sldLayout xmlns:a="http://schemas.openxmlformats.org/drawingml/2006/main" xmlns:p="http://schemas.openxmlformats.org/presentationml/2006/main" xmlns:r="http://schemas.openxmlformats.org/officeDocument/2006/relationships" type="fourObj" preserve="1">
+<p:sldLayout xmlns:a="http://schemas.openxmlformats.org/drawingml/2006/main" xmlns:r="http://schemas.openxmlformats.org/officeDocument/2006/relationships" xmlns:p="http://schemas.openxmlformats.org/presentationml/2006/main" type="fourObj" preserve="1">
   <p:cSld name="Title, 4 Content">
     <p:spTree>
       <p:nvGrpSpPr>
@@ -1776,16 +1953,17 @@
           </a:prstGeom>
         </p:spPr>
         <p:txBody>
-          <a:bodyPr lIns="0" rIns="0" tIns="0" bIns="0" anchor="ctr"/>
+          <a:bodyPr lIns="0" tIns="0" rIns="0" bIns="0" anchor="ctr"/>
+          <a:lstStyle/>
           <a:p>
             <a:pPr algn="ctr"/>
-            <a:endParaRPr b="0" lang="es-ES" sz="4400" spc="-1" strike="noStrike">
-              <a:solidFill>
-                <a:srgbClr val="000000"/>
-              </a:solidFill>
-              <a:uFill>
-                <a:solidFill>
-                  <a:srgbClr val="ffffff"/>
+            <a:endParaRPr lang="es-ES" sz="4400" b="0" strike="noStrike" spc="-1">
+              <a:solidFill>
+                <a:srgbClr val="000000"/>
+              </a:solidFill>
+              <a:uFill>
+                <a:solidFill>
+                  <a:srgbClr val="FFFFFF"/>
                 </a:solidFill>
               </a:uFill>
               <a:latin typeface="Arial"/>
@@ -1813,15 +1991,16 @@
           </a:prstGeom>
         </p:spPr>
         <p:txBody>
-          <a:bodyPr lIns="0" rIns="0" tIns="0" bIns="0"/>
-          <a:p>
-            <a:endParaRPr b="0" lang="es-ES" sz="3200" spc="-1" strike="noStrike">
-              <a:solidFill>
-                <a:srgbClr val="000000"/>
-              </a:solidFill>
-              <a:uFill>
-                <a:solidFill>
-                  <a:srgbClr val="ffffff"/>
+          <a:bodyPr lIns="0" tIns="0" rIns="0" bIns="0"/>
+          <a:lstStyle/>
+          <a:p>
+            <a:endParaRPr lang="es-ES" sz="3200" b="0" strike="noStrike" spc="-1">
+              <a:solidFill>
+                <a:srgbClr val="000000"/>
+              </a:solidFill>
+              <a:uFill>
+                <a:solidFill>
+                  <a:srgbClr val="FFFFFF"/>
                 </a:solidFill>
               </a:uFill>
               <a:latin typeface="Arial"/>
@@ -1849,15 +2028,16 @@
           </a:prstGeom>
         </p:spPr>
         <p:txBody>
-          <a:bodyPr lIns="0" rIns="0" tIns="0" bIns="0"/>
-          <a:p>
-            <a:endParaRPr b="0" lang="es-ES" sz="3200" spc="-1" strike="noStrike">
-              <a:solidFill>
-                <a:srgbClr val="000000"/>
-              </a:solidFill>
-              <a:uFill>
-                <a:solidFill>
-                  <a:srgbClr val="ffffff"/>
+          <a:bodyPr lIns="0" tIns="0" rIns="0" bIns="0"/>
+          <a:lstStyle/>
+          <a:p>
+            <a:endParaRPr lang="es-ES" sz="3200" b="0" strike="noStrike" spc="-1">
+              <a:solidFill>
+                <a:srgbClr val="000000"/>
+              </a:solidFill>
+              <a:uFill>
+                <a:solidFill>
+                  <a:srgbClr val="FFFFFF"/>
                 </a:solidFill>
               </a:uFill>
               <a:latin typeface="Arial"/>
@@ -1885,15 +2065,16 @@
           </a:prstGeom>
         </p:spPr>
         <p:txBody>
-          <a:bodyPr lIns="0" rIns="0" tIns="0" bIns="0"/>
-          <a:p>
-            <a:endParaRPr b="0" lang="es-ES" sz="3200" spc="-1" strike="noStrike">
-              <a:solidFill>
-                <a:srgbClr val="000000"/>
-              </a:solidFill>
-              <a:uFill>
-                <a:solidFill>
-                  <a:srgbClr val="ffffff"/>
+          <a:bodyPr lIns="0" tIns="0" rIns="0" bIns="0"/>
+          <a:lstStyle/>
+          <a:p>
+            <a:endParaRPr lang="es-ES" sz="3200" b="0" strike="noStrike" spc="-1">
+              <a:solidFill>
+                <a:srgbClr val="000000"/>
+              </a:solidFill>
+              <a:uFill>
+                <a:solidFill>
+                  <a:srgbClr val="FFFFFF"/>
                 </a:solidFill>
               </a:uFill>
               <a:latin typeface="Arial"/>
@@ -1921,15 +2102,16 @@
           </a:prstGeom>
         </p:spPr>
         <p:txBody>
-          <a:bodyPr lIns="0" rIns="0" tIns="0" bIns="0"/>
-          <a:p>
-            <a:endParaRPr b="0" lang="es-ES" sz="3200" spc="-1" strike="noStrike">
-              <a:solidFill>
-                <a:srgbClr val="000000"/>
-              </a:solidFill>
-              <a:uFill>
-                <a:solidFill>
-                  <a:srgbClr val="ffffff"/>
+          <a:bodyPr lIns="0" tIns="0" rIns="0" bIns="0"/>
+          <a:lstStyle/>
+          <a:p>
+            <a:endParaRPr lang="es-ES" sz="3200" b="0" strike="noStrike" spc="-1">
+              <a:solidFill>
+                <a:srgbClr val="000000"/>
+              </a:solidFill>
+              <a:uFill>
+                <a:solidFill>
+                  <a:srgbClr val="FFFFFF"/>
                 </a:solidFill>
               </a:uFill>
               <a:latin typeface="Arial"/>
@@ -1939,11 +2121,14 @@
       </p:sp>
     </p:spTree>
   </p:cSld>
+  <p:clrMapOvr>
+    <a:masterClrMapping/>
+  </p:clrMapOvr>
 </p:sldLayout>
 </file>
 
 <file path=ppt/slideLayouts/slideLayout24.xml><?xml version="1.0" encoding="utf-8"?>
-<p:sldLayout xmlns:a="http://schemas.openxmlformats.org/drawingml/2006/main" xmlns:p="http://schemas.openxmlformats.org/presentationml/2006/main" xmlns:r="http://schemas.openxmlformats.org/officeDocument/2006/relationships" type="blank" preserve="1">
+<p:sldLayout xmlns:a="http://schemas.openxmlformats.org/drawingml/2006/main" xmlns:r="http://schemas.openxmlformats.org/officeDocument/2006/relationships" xmlns:p="http://schemas.openxmlformats.org/presentationml/2006/main" type="blank" preserve="1">
   <p:cSld name="Title, 6 Content">
     <p:spTree>
       <p:nvGrpSpPr>
@@ -1979,16 +2164,17 @@
           </a:prstGeom>
         </p:spPr>
         <p:txBody>
-          <a:bodyPr lIns="0" rIns="0" tIns="0" bIns="0" anchor="ctr"/>
+          <a:bodyPr lIns="0" tIns="0" rIns="0" bIns="0" anchor="ctr"/>
+          <a:lstStyle/>
           <a:p>
             <a:pPr algn="ctr"/>
-            <a:endParaRPr b="0" lang="es-ES" sz="4400" spc="-1" strike="noStrike">
-              <a:solidFill>
-                <a:srgbClr val="000000"/>
-              </a:solidFill>
-              <a:uFill>
-                <a:solidFill>
-                  <a:srgbClr val="ffffff"/>
+            <a:endParaRPr lang="es-ES" sz="4400" b="0" strike="noStrike" spc="-1">
+              <a:solidFill>
+                <a:srgbClr val="000000"/>
+              </a:solidFill>
+              <a:uFill>
+                <a:solidFill>
+                  <a:srgbClr val="FFFFFF"/>
                 </a:solidFill>
               </a:uFill>
               <a:latin typeface="Arial"/>
@@ -2016,15 +2202,16 @@
           </a:prstGeom>
         </p:spPr>
         <p:txBody>
-          <a:bodyPr lIns="0" rIns="0" tIns="0" bIns="0"/>
-          <a:p>
-            <a:endParaRPr b="0" lang="es-ES" sz="3200" spc="-1" strike="noStrike">
-              <a:solidFill>
-                <a:srgbClr val="000000"/>
-              </a:solidFill>
-              <a:uFill>
-                <a:solidFill>
-                  <a:srgbClr val="ffffff"/>
+          <a:bodyPr lIns="0" tIns="0" rIns="0" bIns="0"/>
+          <a:lstStyle/>
+          <a:p>
+            <a:endParaRPr lang="es-ES" sz="3200" b="0" strike="noStrike" spc="-1">
+              <a:solidFill>
+                <a:srgbClr val="000000"/>
+              </a:solidFill>
+              <a:uFill>
+                <a:solidFill>
+                  <a:srgbClr val="FFFFFF"/>
                 </a:solidFill>
               </a:uFill>
               <a:latin typeface="Arial"/>
@@ -2052,15 +2239,16 @@
           </a:prstGeom>
         </p:spPr>
         <p:txBody>
-          <a:bodyPr lIns="0" rIns="0" tIns="0" bIns="0"/>
-          <a:p>
-            <a:endParaRPr b="0" lang="es-ES" sz="3200" spc="-1" strike="noStrike">
-              <a:solidFill>
-                <a:srgbClr val="000000"/>
-              </a:solidFill>
-              <a:uFill>
-                <a:solidFill>
-                  <a:srgbClr val="ffffff"/>
+          <a:bodyPr lIns="0" tIns="0" rIns="0" bIns="0"/>
+          <a:lstStyle/>
+          <a:p>
+            <a:endParaRPr lang="es-ES" sz="3200" b="0" strike="noStrike" spc="-1">
+              <a:solidFill>
+                <a:srgbClr val="000000"/>
+              </a:solidFill>
+              <a:uFill>
+                <a:solidFill>
+                  <a:srgbClr val="FFFFFF"/>
                 </a:solidFill>
               </a:uFill>
               <a:latin typeface="Arial"/>
@@ -2070,7 +2258,7 @@
       </p:sp>
       <p:pic>
         <p:nvPicPr>
-          <p:cNvPr id="70" name="" descr=""/>
+          <p:cNvPr id="70" name="Imagen 69"/>
           <p:cNvPicPr/>
           <p:nvPr/>
         </p:nvPicPr>
@@ -2093,12 +2281,12 @@
       </p:pic>
       <p:pic>
         <p:nvPicPr>
-          <p:cNvPr id="71" name="" descr=""/>
+          <p:cNvPr id="71" name="Imagen 70"/>
           <p:cNvPicPr/>
           <p:nvPr/>
         </p:nvPicPr>
         <p:blipFill>
-          <a:blip r:embed="rId3"/>
+          <a:blip r:embed="rId2"/>
           <a:stretch/>
         </p:blipFill>
         <p:spPr>
@@ -2116,11 +2304,14 @@
       </p:pic>
     </p:spTree>
   </p:cSld>
+  <p:clrMapOvr>
+    <a:masterClrMapping/>
+  </p:clrMapOvr>
 </p:sldLayout>
 </file>
 
 <file path=ppt/slideLayouts/slideLayout3.xml><?xml version="1.0" encoding="utf-8"?>
-<p:sldLayout xmlns:a="http://schemas.openxmlformats.org/drawingml/2006/main" xmlns:p="http://schemas.openxmlformats.org/presentationml/2006/main" xmlns:r="http://schemas.openxmlformats.org/officeDocument/2006/relationships" type="obj" preserve="1">
+<p:sldLayout xmlns:a="http://schemas.openxmlformats.org/drawingml/2006/main" xmlns:r="http://schemas.openxmlformats.org/officeDocument/2006/relationships" xmlns:p="http://schemas.openxmlformats.org/presentationml/2006/main" type="obj" preserve="1">
   <p:cSld name="Title, Content">
     <p:spTree>
       <p:nvGrpSpPr>
@@ -2156,16 +2347,17 @@
           </a:prstGeom>
         </p:spPr>
         <p:txBody>
-          <a:bodyPr lIns="0" rIns="0" tIns="0" bIns="0" anchor="ctr"/>
+          <a:bodyPr lIns="0" tIns="0" rIns="0" bIns="0" anchor="ctr"/>
+          <a:lstStyle/>
           <a:p>
             <a:pPr algn="ctr"/>
-            <a:endParaRPr b="0" lang="es-ES" sz="4400" spc="-1" strike="noStrike">
-              <a:solidFill>
-                <a:srgbClr val="000000"/>
-              </a:solidFill>
-              <a:uFill>
-                <a:solidFill>
-                  <a:srgbClr val="ffffff"/>
+            <a:endParaRPr lang="es-ES" sz="4400" b="0" strike="noStrike" spc="-1">
+              <a:solidFill>
+                <a:srgbClr val="000000"/>
+              </a:solidFill>
+              <a:uFill>
+                <a:solidFill>
+                  <a:srgbClr val="FFFFFF"/>
                 </a:solidFill>
               </a:uFill>
               <a:latin typeface="Arial"/>
@@ -2193,15 +2385,16 @@
           </a:prstGeom>
         </p:spPr>
         <p:txBody>
-          <a:bodyPr lIns="0" rIns="0" tIns="0" bIns="0"/>
-          <a:p>
-            <a:endParaRPr b="0" lang="es-ES" sz="3200" spc="-1" strike="noStrike">
-              <a:solidFill>
-                <a:srgbClr val="000000"/>
-              </a:solidFill>
-              <a:uFill>
-                <a:solidFill>
-                  <a:srgbClr val="ffffff"/>
+          <a:bodyPr lIns="0" tIns="0" rIns="0" bIns="0"/>
+          <a:lstStyle/>
+          <a:p>
+            <a:endParaRPr lang="es-ES" sz="3200" b="0" strike="noStrike" spc="-1">
+              <a:solidFill>
+                <a:srgbClr val="000000"/>
+              </a:solidFill>
+              <a:uFill>
+                <a:solidFill>
+                  <a:srgbClr val="FFFFFF"/>
                 </a:solidFill>
               </a:uFill>
               <a:latin typeface="Arial"/>
@@ -2211,11 +2404,14 @@
       </p:sp>
     </p:spTree>
   </p:cSld>
+  <p:clrMapOvr>
+    <a:masterClrMapping/>
+  </p:clrMapOvr>
 </p:sldLayout>
 </file>
 
 <file path=ppt/slideLayouts/slideLayout4.xml><?xml version="1.0" encoding="utf-8"?>
-<p:sldLayout xmlns:a="http://schemas.openxmlformats.org/drawingml/2006/main" xmlns:p="http://schemas.openxmlformats.org/presentationml/2006/main" xmlns:r="http://schemas.openxmlformats.org/officeDocument/2006/relationships" type="twoObj" preserve="1">
+<p:sldLayout xmlns:a="http://schemas.openxmlformats.org/drawingml/2006/main" xmlns:r="http://schemas.openxmlformats.org/officeDocument/2006/relationships" xmlns:p="http://schemas.openxmlformats.org/presentationml/2006/main" type="twoObj" preserve="1">
   <p:cSld name="Title, 2 Content">
     <p:spTree>
       <p:nvGrpSpPr>
@@ -2251,16 +2447,17 @@
           </a:prstGeom>
         </p:spPr>
         <p:txBody>
-          <a:bodyPr lIns="0" rIns="0" tIns="0" bIns="0" anchor="ctr"/>
+          <a:bodyPr lIns="0" tIns="0" rIns="0" bIns="0" anchor="ctr"/>
+          <a:lstStyle/>
           <a:p>
             <a:pPr algn="ctr"/>
-            <a:endParaRPr b="0" lang="es-ES" sz="4400" spc="-1" strike="noStrike">
-              <a:solidFill>
-                <a:srgbClr val="000000"/>
-              </a:solidFill>
-              <a:uFill>
-                <a:solidFill>
-                  <a:srgbClr val="ffffff"/>
+            <a:endParaRPr lang="es-ES" sz="4400" b="0" strike="noStrike" spc="-1">
+              <a:solidFill>
+                <a:srgbClr val="000000"/>
+              </a:solidFill>
+              <a:uFill>
+                <a:solidFill>
+                  <a:srgbClr val="FFFFFF"/>
                 </a:solidFill>
               </a:uFill>
               <a:latin typeface="Arial"/>
@@ -2288,15 +2485,16 @@
           </a:prstGeom>
         </p:spPr>
         <p:txBody>
-          <a:bodyPr lIns="0" rIns="0" tIns="0" bIns="0"/>
-          <a:p>
-            <a:endParaRPr b="0" lang="es-ES" sz="3200" spc="-1" strike="noStrike">
-              <a:solidFill>
-                <a:srgbClr val="000000"/>
-              </a:solidFill>
-              <a:uFill>
-                <a:solidFill>
-                  <a:srgbClr val="ffffff"/>
+          <a:bodyPr lIns="0" tIns="0" rIns="0" bIns="0"/>
+          <a:lstStyle/>
+          <a:p>
+            <a:endParaRPr lang="es-ES" sz="3200" b="0" strike="noStrike" spc="-1">
+              <a:solidFill>
+                <a:srgbClr val="000000"/>
+              </a:solidFill>
+              <a:uFill>
+                <a:solidFill>
+                  <a:srgbClr val="FFFFFF"/>
                 </a:solidFill>
               </a:uFill>
               <a:latin typeface="Arial"/>
@@ -2324,15 +2522,16 @@
           </a:prstGeom>
         </p:spPr>
         <p:txBody>
-          <a:bodyPr lIns="0" rIns="0" tIns="0" bIns="0"/>
-          <a:p>
-            <a:endParaRPr b="0" lang="es-ES" sz="3200" spc="-1" strike="noStrike">
-              <a:solidFill>
-                <a:srgbClr val="000000"/>
-              </a:solidFill>
-              <a:uFill>
-                <a:solidFill>
-                  <a:srgbClr val="ffffff"/>
+          <a:bodyPr lIns="0" tIns="0" rIns="0" bIns="0"/>
+          <a:lstStyle/>
+          <a:p>
+            <a:endParaRPr lang="es-ES" sz="3200" b="0" strike="noStrike" spc="-1">
+              <a:solidFill>
+                <a:srgbClr val="000000"/>
+              </a:solidFill>
+              <a:uFill>
+                <a:solidFill>
+                  <a:srgbClr val="FFFFFF"/>
                 </a:solidFill>
               </a:uFill>
               <a:latin typeface="Arial"/>
@@ -2342,11 +2541,14 @@
       </p:sp>
     </p:spTree>
   </p:cSld>
+  <p:clrMapOvr>
+    <a:masterClrMapping/>
+  </p:clrMapOvr>
 </p:sldLayout>
 </file>
 
 <file path=ppt/slideLayouts/slideLayout5.xml><?xml version="1.0" encoding="utf-8"?>
-<p:sldLayout xmlns:a="http://schemas.openxmlformats.org/drawingml/2006/main" xmlns:p="http://schemas.openxmlformats.org/presentationml/2006/main" xmlns:r="http://schemas.openxmlformats.org/officeDocument/2006/relationships" type="titleOnly" preserve="1">
+<p:sldLayout xmlns:a="http://schemas.openxmlformats.org/drawingml/2006/main" xmlns:r="http://schemas.openxmlformats.org/officeDocument/2006/relationships" xmlns:p="http://schemas.openxmlformats.org/presentationml/2006/main" type="titleOnly" preserve="1">
   <p:cSld name="Title Only">
     <p:spTree>
       <p:nvGrpSpPr>
@@ -2382,16 +2584,17 @@
           </a:prstGeom>
         </p:spPr>
         <p:txBody>
-          <a:bodyPr lIns="0" rIns="0" tIns="0" bIns="0" anchor="ctr"/>
+          <a:bodyPr lIns="0" tIns="0" rIns="0" bIns="0" anchor="ctr"/>
+          <a:lstStyle/>
           <a:p>
             <a:pPr algn="ctr"/>
-            <a:endParaRPr b="0" lang="es-ES" sz="4400" spc="-1" strike="noStrike">
-              <a:solidFill>
-                <a:srgbClr val="000000"/>
-              </a:solidFill>
-              <a:uFill>
-                <a:solidFill>
-                  <a:srgbClr val="ffffff"/>
+            <a:endParaRPr lang="es-ES" sz="4400" b="0" strike="noStrike" spc="-1">
+              <a:solidFill>
+                <a:srgbClr val="000000"/>
+              </a:solidFill>
+              <a:uFill>
+                <a:solidFill>
+                  <a:srgbClr val="FFFFFF"/>
                 </a:solidFill>
               </a:uFill>
               <a:latin typeface="Arial"/>
@@ -2401,11 +2604,14 @@
       </p:sp>
     </p:spTree>
   </p:cSld>
+  <p:clrMapOvr>
+    <a:masterClrMapping/>
+  </p:clrMapOvr>
 </p:sldLayout>
 </file>
 
 <file path=ppt/slideLayouts/slideLayout6.xml><?xml version="1.0" encoding="utf-8"?>
-<p:sldLayout xmlns:a="http://schemas.openxmlformats.org/drawingml/2006/main" xmlns:p="http://schemas.openxmlformats.org/presentationml/2006/main" xmlns:r="http://schemas.openxmlformats.org/officeDocument/2006/relationships" type="objOnly" preserve="1">
+<p:sldLayout xmlns:a="http://schemas.openxmlformats.org/drawingml/2006/main" xmlns:r="http://schemas.openxmlformats.org/officeDocument/2006/relationships" xmlns:p="http://schemas.openxmlformats.org/presentationml/2006/main" type="objOnly" preserve="1">
   <p:cSld name="Centered Text">
     <p:spTree>
       <p:nvGrpSpPr>
@@ -2441,16 +2647,17 @@
           </a:prstGeom>
         </p:spPr>
         <p:txBody>
-          <a:bodyPr lIns="0" rIns="0" tIns="0" bIns="0" anchor="ctr"/>
+          <a:bodyPr lIns="0" tIns="0" rIns="0" bIns="0" anchor="ctr"/>
+          <a:lstStyle/>
           <a:p>
             <a:pPr algn="ctr"/>
-            <a:endParaRPr b="0" lang="es-ES" sz="3200" spc="-1" strike="noStrike">
-              <a:solidFill>
-                <a:srgbClr val="000000"/>
-              </a:solidFill>
-              <a:uFill>
-                <a:solidFill>
-                  <a:srgbClr val="ffffff"/>
+            <a:endParaRPr lang="es-ES" sz="3200" b="0" strike="noStrike" spc="-1">
+              <a:solidFill>
+                <a:srgbClr val="000000"/>
+              </a:solidFill>
+              <a:uFill>
+                <a:solidFill>
+                  <a:srgbClr val="FFFFFF"/>
                 </a:solidFill>
               </a:uFill>
               <a:latin typeface="Arial"/>
@@ -2460,11 +2667,14 @@
       </p:sp>
     </p:spTree>
   </p:cSld>
+  <p:clrMapOvr>
+    <a:masterClrMapping/>
+  </p:clrMapOvr>
 </p:sldLayout>
 </file>
 
 <file path=ppt/slideLayouts/slideLayout7.xml><?xml version="1.0" encoding="utf-8"?>
-<p:sldLayout xmlns:a="http://schemas.openxmlformats.org/drawingml/2006/main" xmlns:p="http://schemas.openxmlformats.org/presentationml/2006/main" xmlns:r="http://schemas.openxmlformats.org/officeDocument/2006/relationships" type="twoObjAndObj" preserve="1">
+<p:sldLayout xmlns:a="http://schemas.openxmlformats.org/drawingml/2006/main" xmlns:r="http://schemas.openxmlformats.org/officeDocument/2006/relationships" xmlns:p="http://schemas.openxmlformats.org/presentationml/2006/main" type="twoObjAndObj" preserve="1">
   <p:cSld name="Title, 2 Content and Content">
     <p:spTree>
       <p:nvGrpSpPr>
@@ -2500,16 +2710,17 @@
           </a:prstGeom>
         </p:spPr>
         <p:txBody>
-          <a:bodyPr lIns="0" rIns="0" tIns="0" bIns="0" anchor="ctr"/>
+          <a:bodyPr lIns="0" tIns="0" rIns="0" bIns="0" anchor="ctr"/>
+          <a:lstStyle/>
           <a:p>
             <a:pPr algn="ctr"/>
-            <a:endParaRPr b="0" lang="es-ES" sz="4400" spc="-1" strike="noStrike">
-              <a:solidFill>
-                <a:srgbClr val="000000"/>
-              </a:solidFill>
-              <a:uFill>
-                <a:solidFill>
-                  <a:srgbClr val="ffffff"/>
+            <a:endParaRPr lang="es-ES" sz="4400" b="0" strike="noStrike" spc="-1">
+              <a:solidFill>
+                <a:srgbClr val="000000"/>
+              </a:solidFill>
+              <a:uFill>
+                <a:solidFill>
+                  <a:srgbClr val="FFFFFF"/>
                 </a:solidFill>
               </a:uFill>
               <a:latin typeface="Arial"/>
@@ -2537,15 +2748,16 @@
           </a:prstGeom>
         </p:spPr>
         <p:txBody>
-          <a:bodyPr lIns="0" rIns="0" tIns="0" bIns="0"/>
-          <a:p>
-            <a:endParaRPr b="0" lang="es-ES" sz="3200" spc="-1" strike="noStrike">
-              <a:solidFill>
-                <a:srgbClr val="000000"/>
-              </a:solidFill>
-              <a:uFill>
-                <a:solidFill>
-                  <a:srgbClr val="ffffff"/>
+          <a:bodyPr lIns="0" tIns="0" rIns="0" bIns="0"/>
+          <a:lstStyle/>
+          <a:p>
+            <a:endParaRPr lang="es-ES" sz="3200" b="0" strike="noStrike" spc="-1">
+              <a:solidFill>
+                <a:srgbClr val="000000"/>
+              </a:solidFill>
+              <a:uFill>
+                <a:solidFill>
+                  <a:srgbClr val="FFFFFF"/>
                 </a:solidFill>
               </a:uFill>
               <a:latin typeface="Arial"/>
@@ -2573,15 +2785,16 @@
           </a:prstGeom>
         </p:spPr>
         <p:txBody>
-          <a:bodyPr lIns="0" rIns="0" tIns="0" bIns="0"/>
-          <a:p>
-            <a:endParaRPr b="0" lang="es-ES" sz="3200" spc="-1" strike="noStrike">
-              <a:solidFill>
-                <a:srgbClr val="000000"/>
-              </a:solidFill>
-              <a:uFill>
-                <a:solidFill>
-                  <a:srgbClr val="ffffff"/>
+          <a:bodyPr lIns="0" tIns="0" rIns="0" bIns="0"/>
+          <a:lstStyle/>
+          <a:p>
+            <a:endParaRPr lang="es-ES" sz="3200" b="0" strike="noStrike" spc="-1">
+              <a:solidFill>
+                <a:srgbClr val="000000"/>
+              </a:solidFill>
+              <a:uFill>
+                <a:solidFill>
+                  <a:srgbClr val="FFFFFF"/>
                 </a:solidFill>
               </a:uFill>
               <a:latin typeface="Arial"/>
@@ -2609,15 +2822,16 @@
           </a:prstGeom>
         </p:spPr>
         <p:txBody>
-          <a:bodyPr lIns="0" rIns="0" tIns="0" bIns="0"/>
-          <a:p>
-            <a:endParaRPr b="0" lang="es-ES" sz="3200" spc="-1" strike="noStrike">
-              <a:solidFill>
-                <a:srgbClr val="000000"/>
-              </a:solidFill>
-              <a:uFill>
-                <a:solidFill>
-                  <a:srgbClr val="ffffff"/>
+          <a:bodyPr lIns="0" tIns="0" rIns="0" bIns="0"/>
+          <a:lstStyle/>
+          <a:p>
+            <a:endParaRPr lang="es-ES" sz="3200" b="0" strike="noStrike" spc="-1">
+              <a:solidFill>
+                <a:srgbClr val="000000"/>
+              </a:solidFill>
+              <a:uFill>
+                <a:solidFill>
+                  <a:srgbClr val="FFFFFF"/>
                 </a:solidFill>
               </a:uFill>
               <a:latin typeface="Arial"/>
@@ -2627,11 +2841,14 @@
       </p:sp>
     </p:spTree>
   </p:cSld>
+  <p:clrMapOvr>
+    <a:masterClrMapping/>
+  </p:clrMapOvr>
 </p:sldLayout>
 </file>
 
 <file path=ppt/slideLayouts/slideLayout8.xml><?xml version="1.0" encoding="utf-8"?>
-<p:sldLayout xmlns:a="http://schemas.openxmlformats.org/drawingml/2006/main" xmlns:p="http://schemas.openxmlformats.org/presentationml/2006/main" xmlns:r="http://schemas.openxmlformats.org/officeDocument/2006/relationships" type="objAndTwoObj" preserve="1">
+<p:sldLayout xmlns:a="http://schemas.openxmlformats.org/drawingml/2006/main" xmlns:r="http://schemas.openxmlformats.org/officeDocument/2006/relationships" xmlns:p="http://schemas.openxmlformats.org/presentationml/2006/main" type="objAndTwoObj" preserve="1">
   <p:cSld name="Title Content and 2 Content">
     <p:spTree>
       <p:nvGrpSpPr>
@@ -2667,16 +2884,17 @@
           </a:prstGeom>
         </p:spPr>
         <p:txBody>
-          <a:bodyPr lIns="0" rIns="0" tIns="0" bIns="0" anchor="ctr"/>
+          <a:bodyPr lIns="0" tIns="0" rIns="0" bIns="0" anchor="ctr"/>
+          <a:lstStyle/>
           <a:p>
             <a:pPr algn="ctr"/>
-            <a:endParaRPr b="0" lang="es-ES" sz="4400" spc="-1" strike="noStrike">
-              <a:solidFill>
-                <a:srgbClr val="000000"/>
-              </a:solidFill>
-              <a:uFill>
-                <a:solidFill>
-                  <a:srgbClr val="ffffff"/>
+            <a:endParaRPr lang="es-ES" sz="4400" b="0" strike="noStrike" spc="-1">
+              <a:solidFill>
+                <a:srgbClr val="000000"/>
+              </a:solidFill>
+              <a:uFill>
+                <a:solidFill>
+                  <a:srgbClr val="FFFFFF"/>
                 </a:solidFill>
               </a:uFill>
               <a:latin typeface="Arial"/>
@@ -2704,15 +2922,16 @@
           </a:prstGeom>
         </p:spPr>
         <p:txBody>
-          <a:bodyPr lIns="0" rIns="0" tIns="0" bIns="0"/>
-          <a:p>
-            <a:endParaRPr b="0" lang="es-ES" sz="3200" spc="-1" strike="noStrike">
-              <a:solidFill>
-                <a:srgbClr val="000000"/>
-              </a:solidFill>
-              <a:uFill>
-                <a:solidFill>
-                  <a:srgbClr val="ffffff"/>
+          <a:bodyPr lIns="0" tIns="0" rIns="0" bIns="0"/>
+          <a:lstStyle/>
+          <a:p>
+            <a:endParaRPr lang="es-ES" sz="3200" b="0" strike="noStrike" spc="-1">
+              <a:solidFill>
+                <a:srgbClr val="000000"/>
+              </a:solidFill>
+              <a:uFill>
+                <a:solidFill>
+                  <a:srgbClr val="FFFFFF"/>
                 </a:solidFill>
               </a:uFill>
               <a:latin typeface="Arial"/>
@@ -2740,15 +2959,16 @@
           </a:prstGeom>
         </p:spPr>
         <p:txBody>
-          <a:bodyPr lIns="0" rIns="0" tIns="0" bIns="0"/>
-          <a:p>
-            <a:endParaRPr b="0" lang="es-ES" sz="3200" spc="-1" strike="noStrike">
-              <a:solidFill>
-                <a:srgbClr val="000000"/>
-              </a:solidFill>
-              <a:uFill>
-                <a:solidFill>
-                  <a:srgbClr val="ffffff"/>
+          <a:bodyPr lIns="0" tIns="0" rIns="0" bIns="0"/>
+          <a:lstStyle/>
+          <a:p>
+            <a:endParaRPr lang="es-ES" sz="3200" b="0" strike="noStrike" spc="-1">
+              <a:solidFill>
+                <a:srgbClr val="000000"/>
+              </a:solidFill>
+              <a:uFill>
+                <a:solidFill>
+                  <a:srgbClr val="FFFFFF"/>
                 </a:solidFill>
               </a:uFill>
               <a:latin typeface="Arial"/>
@@ -2776,15 +2996,16 @@
           </a:prstGeom>
         </p:spPr>
         <p:txBody>
-          <a:bodyPr lIns="0" rIns="0" tIns="0" bIns="0"/>
-          <a:p>
-            <a:endParaRPr b="0" lang="es-ES" sz="3200" spc="-1" strike="noStrike">
-              <a:solidFill>
-                <a:srgbClr val="000000"/>
-              </a:solidFill>
-              <a:uFill>
-                <a:solidFill>
-                  <a:srgbClr val="ffffff"/>
+          <a:bodyPr lIns="0" tIns="0" rIns="0" bIns="0"/>
+          <a:lstStyle/>
+          <a:p>
+            <a:endParaRPr lang="es-ES" sz="3200" b="0" strike="noStrike" spc="-1">
+              <a:solidFill>
+                <a:srgbClr val="000000"/>
+              </a:solidFill>
+              <a:uFill>
+                <a:solidFill>
+                  <a:srgbClr val="FFFFFF"/>
                 </a:solidFill>
               </a:uFill>
               <a:latin typeface="Arial"/>
@@ -2794,11 +3015,14 @@
       </p:sp>
     </p:spTree>
   </p:cSld>
+  <p:clrMapOvr>
+    <a:masterClrMapping/>
+  </p:clrMapOvr>
 </p:sldLayout>
 </file>
 
 <file path=ppt/slideLayouts/slideLayout9.xml><?xml version="1.0" encoding="utf-8"?>
-<p:sldLayout xmlns:a="http://schemas.openxmlformats.org/drawingml/2006/main" xmlns:p="http://schemas.openxmlformats.org/presentationml/2006/main" xmlns:r="http://schemas.openxmlformats.org/officeDocument/2006/relationships" type="twoObjOverTx" preserve="1">
+<p:sldLayout xmlns:a="http://schemas.openxmlformats.org/drawingml/2006/main" xmlns:r="http://schemas.openxmlformats.org/officeDocument/2006/relationships" xmlns:p="http://schemas.openxmlformats.org/presentationml/2006/main" type="twoObjOverTx" preserve="1">
   <p:cSld name="Title, 2 Content over Content">
     <p:spTree>
       <p:nvGrpSpPr>
@@ -2834,16 +3058,17 @@
           </a:prstGeom>
         </p:spPr>
         <p:txBody>
-          <a:bodyPr lIns="0" rIns="0" tIns="0" bIns="0" anchor="ctr"/>
+          <a:bodyPr lIns="0" tIns="0" rIns="0" bIns="0" anchor="ctr"/>
+          <a:lstStyle/>
           <a:p>
             <a:pPr algn="ctr"/>
-            <a:endParaRPr b="0" lang="es-ES" sz="4400" spc="-1" strike="noStrike">
-              <a:solidFill>
-                <a:srgbClr val="000000"/>
-              </a:solidFill>
-              <a:uFill>
-                <a:solidFill>
-                  <a:srgbClr val="ffffff"/>
+            <a:endParaRPr lang="es-ES" sz="4400" b="0" strike="noStrike" spc="-1">
+              <a:solidFill>
+                <a:srgbClr val="000000"/>
+              </a:solidFill>
+              <a:uFill>
+                <a:solidFill>
+                  <a:srgbClr val="FFFFFF"/>
                 </a:solidFill>
               </a:uFill>
               <a:latin typeface="Arial"/>
@@ -2871,15 +3096,16 @@
           </a:prstGeom>
         </p:spPr>
         <p:txBody>
-          <a:bodyPr lIns="0" rIns="0" tIns="0" bIns="0"/>
-          <a:p>
-            <a:endParaRPr b="0" lang="es-ES" sz="3200" spc="-1" strike="noStrike">
-              <a:solidFill>
-                <a:srgbClr val="000000"/>
-              </a:solidFill>
-              <a:uFill>
-                <a:solidFill>
-                  <a:srgbClr val="ffffff"/>
+          <a:bodyPr lIns="0" tIns="0" rIns="0" bIns="0"/>
+          <a:lstStyle/>
+          <a:p>
+            <a:endParaRPr lang="es-ES" sz="3200" b="0" strike="noStrike" spc="-1">
+              <a:solidFill>
+                <a:srgbClr val="000000"/>
+              </a:solidFill>
+              <a:uFill>
+                <a:solidFill>
+                  <a:srgbClr val="FFFFFF"/>
                 </a:solidFill>
               </a:uFill>
               <a:latin typeface="Arial"/>
@@ -2907,15 +3133,16 @@
           </a:prstGeom>
         </p:spPr>
         <p:txBody>
-          <a:bodyPr lIns="0" rIns="0" tIns="0" bIns="0"/>
-          <a:p>
-            <a:endParaRPr b="0" lang="es-ES" sz="3200" spc="-1" strike="noStrike">
-              <a:solidFill>
-                <a:srgbClr val="000000"/>
-              </a:solidFill>
-              <a:uFill>
-                <a:solidFill>
-                  <a:srgbClr val="ffffff"/>
+          <a:bodyPr lIns="0" tIns="0" rIns="0" bIns="0"/>
+          <a:lstStyle/>
+          <a:p>
+            <a:endParaRPr lang="es-ES" sz="3200" b="0" strike="noStrike" spc="-1">
+              <a:solidFill>
+                <a:srgbClr val="000000"/>
+              </a:solidFill>
+              <a:uFill>
+                <a:solidFill>
+                  <a:srgbClr val="FFFFFF"/>
                 </a:solidFill>
               </a:uFill>
               <a:latin typeface="Arial"/>
@@ -2943,15 +3170,16 @@
           </a:prstGeom>
         </p:spPr>
         <p:txBody>
-          <a:bodyPr lIns="0" rIns="0" tIns="0" bIns="0"/>
-          <a:p>
-            <a:endParaRPr b="0" lang="es-ES" sz="3200" spc="-1" strike="noStrike">
-              <a:solidFill>
-                <a:srgbClr val="000000"/>
-              </a:solidFill>
-              <a:uFill>
-                <a:solidFill>
-                  <a:srgbClr val="ffffff"/>
+          <a:bodyPr lIns="0" tIns="0" rIns="0" bIns="0"/>
+          <a:lstStyle/>
+          <a:p>
+            <a:endParaRPr lang="es-ES" sz="3200" b="0" strike="noStrike" spc="-1">
+              <a:solidFill>
+                <a:srgbClr val="000000"/>
+              </a:solidFill>
+              <a:uFill>
+                <a:solidFill>
+                  <a:srgbClr val="FFFFFF"/>
                 </a:solidFill>
               </a:uFill>
               <a:latin typeface="Arial"/>
@@ -2961,11 +3189,1118 @@
       </p:sp>
     </p:spTree>
   </p:cSld>
+  <p:clrMapOvr>
+    <a:masterClrMapping/>
+  </p:clrMapOvr>
 </p:sldLayout>
 </file>
 
 <file path=ppt/slideMasters/slideMaster1.xml><?xml version="1.0" encoding="utf-8"?>
-<p:sldMaster xmlns:a="http://schemas.openxmlformats.org/drawingml/2006/main" xmlns:p="http://schemas.openxmlformats.org/presentationml/2006/main" xmlns:r="http://schemas.openxmlformats.org/officeDocument/2006/relationships">
+<p:sldMaster xmlns:a="http://schemas.openxmlformats.org/drawingml/2006/main" xmlns:r="http://schemas.openxmlformats.org/officeDocument/2006/relationships" xmlns:p="http://schemas.openxmlformats.org/presentationml/2006/main">
+  <p:cSld>
+    <p:bg>
+      <p:bgRef idx="1001">
+        <a:schemeClr val="bg1"/>
+      </p:bgRef>
+    </p:bg>
+    <p:spTree>
+      <p:nvGrpSpPr>
+        <p:cNvPr id="1" name=""/>
+        <p:cNvGrpSpPr/>
+        <p:nvPr/>
+      </p:nvGrpSpPr>
+      <p:grpSpPr>
+        <a:xfrm>
+          <a:off x="0" y="0"/>
+          <a:ext cx="0" cy="0"/>
+          <a:chOff x="0" y="0"/>
+          <a:chExt cx="0" cy="0"/>
+        </a:xfrm>
+      </p:grpSpPr>
+      <p:sp>
+        <p:nvSpPr>
+          <p:cNvPr id="2" name="PlaceHolder 1"/>
+          <p:cNvSpPr>
+            <a:spLocks noGrp="1"/>
+          </p:cNvSpPr>
+          <p:nvPr>
+            <p:ph type="title"/>
+          </p:nvPr>
+        </p:nvSpPr>
+        <p:spPr>
+          <a:xfrm>
+            <a:off x="504000" y="301320"/>
+            <a:ext cx="9071280" cy="1261800"/>
+          </a:xfrm>
+          <a:prstGeom prst="rect">
+            <a:avLst/>
+          </a:prstGeom>
+        </p:spPr>
+        <p:txBody>
+          <a:bodyPr lIns="0" tIns="0" rIns="0" bIns="0" anchor="ctr"/>
+          <a:lstStyle/>
+          <a:p>
+            <a:pPr algn="ctr"/>
+            <a:endParaRPr lang="es-ES" sz="4400" b="0" strike="noStrike" spc="-1">
+              <a:solidFill>
+                <a:srgbClr val="000000"/>
+              </a:solidFill>
+              <a:uFill>
+                <a:solidFill>
+                  <a:srgbClr val="FFFFFF"/>
+                </a:solidFill>
+              </a:uFill>
+              <a:latin typeface="Arial"/>
+            </a:endParaRPr>
+          </a:p>
+        </p:txBody>
+      </p:sp>
+      <p:sp>
+        <p:nvSpPr>
+          <p:cNvPr id="3" name="PlaceHolder 2"/>
+          <p:cNvSpPr>
+            <a:spLocks noGrp="1"/>
+          </p:cNvSpPr>
+          <p:nvPr>
+            <p:ph type="body"/>
+          </p:nvPr>
+        </p:nvSpPr>
+        <p:spPr>
+          <a:xfrm>
+            <a:off x="504000" y="1768680"/>
+            <a:ext cx="9072000" cy="4384080"/>
+          </a:xfrm>
+          <a:prstGeom prst="rect">
+            <a:avLst/>
+          </a:prstGeom>
+        </p:spPr>
+        <p:txBody>
+          <a:bodyPr lIns="0" tIns="0" rIns="0" bIns="0"/>
+          <a:lstStyle/>
+          <a:p>
+            <a:pPr marL="432000" indent="-324000">
+              <a:buClr>
+                <a:srgbClr val="000000"/>
+              </a:buClr>
+              <a:buSzPct val="45000"/>
+              <a:buFont typeface="Wingdings" charset="2"/>
+              <a:buChar char=""/>
+            </a:pPr>
+            <a:r>
+              <a:rPr lang="es-ES" sz="3200" b="0" strike="noStrike" spc="-1">
+                <a:solidFill>
+                  <a:srgbClr val="000000"/>
+                </a:solidFill>
+                <a:uFill>
+                  <a:solidFill>
+                    <a:srgbClr val="FFFFFF"/>
+                  </a:solidFill>
+                </a:uFill>
+                <a:latin typeface="Arial"/>
+              </a:rPr>
+              <a:t>Pulse para editar el formato de esquema del texto</a:t>
+            </a:r>
+          </a:p>
+          <a:p>
+            <a:pPr marL="864000" lvl="1" indent="-324000">
+              <a:buClr>
+                <a:srgbClr val="000000"/>
+              </a:buClr>
+              <a:buSzPct val="75000"/>
+              <a:buFont typeface="Symbol" charset="2"/>
+              <a:buChar char=""/>
+            </a:pPr>
+            <a:r>
+              <a:rPr lang="es-ES" sz="2800" b="0" strike="noStrike" spc="-1">
+                <a:solidFill>
+                  <a:srgbClr val="000000"/>
+                </a:solidFill>
+                <a:uFill>
+                  <a:solidFill>
+                    <a:srgbClr val="FFFFFF"/>
+                  </a:solidFill>
+                </a:uFill>
+                <a:latin typeface="Arial"/>
+              </a:rPr>
+              <a:t>Segundo nivel del esquema</a:t>
+            </a:r>
+          </a:p>
+          <a:p>
+            <a:pPr marL="1296000" lvl="2" indent="-288000">
+              <a:buClr>
+                <a:srgbClr val="000000"/>
+              </a:buClr>
+              <a:buSzPct val="45000"/>
+              <a:buFont typeface="Wingdings" charset="2"/>
+              <a:buChar char=""/>
+            </a:pPr>
+            <a:r>
+              <a:rPr lang="es-ES" sz="2400" b="0" strike="noStrike" spc="-1">
+                <a:solidFill>
+                  <a:srgbClr val="000000"/>
+                </a:solidFill>
+                <a:uFill>
+                  <a:solidFill>
+                    <a:srgbClr val="FFFFFF"/>
+                  </a:solidFill>
+                </a:uFill>
+                <a:latin typeface="Arial"/>
+              </a:rPr>
+              <a:t>Tercer nivel del esquema</a:t>
+            </a:r>
+          </a:p>
+          <a:p>
+            <a:pPr marL="1728000" lvl="3" indent="-216000">
+              <a:buClr>
+                <a:srgbClr val="000000"/>
+              </a:buClr>
+              <a:buSzPct val="75000"/>
+              <a:buFont typeface="Symbol" charset="2"/>
+              <a:buChar char=""/>
+            </a:pPr>
+            <a:r>
+              <a:rPr lang="es-ES" sz="2000" b="0" strike="noStrike" spc="-1">
+                <a:solidFill>
+                  <a:srgbClr val="000000"/>
+                </a:solidFill>
+                <a:uFill>
+                  <a:solidFill>
+                    <a:srgbClr val="FFFFFF"/>
+                  </a:solidFill>
+                </a:uFill>
+                <a:latin typeface="Arial"/>
+              </a:rPr>
+              <a:t>Cuarto nivel del esquema</a:t>
+            </a:r>
+          </a:p>
+          <a:p>
+            <a:pPr marL="2160000" lvl="4" indent="-216000">
+              <a:buClr>
+                <a:srgbClr val="000000"/>
+              </a:buClr>
+              <a:buSzPct val="45000"/>
+              <a:buFont typeface="Wingdings" charset="2"/>
+              <a:buChar char=""/>
+            </a:pPr>
+            <a:r>
+              <a:rPr lang="es-ES" sz="2000" b="0" strike="noStrike" spc="-1">
+                <a:solidFill>
+                  <a:srgbClr val="000000"/>
+                </a:solidFill>
+                <a:uFill>
+                  <a:solidFill>
+                    <a:srgbClr val="FFFFFF"/>
+                  </a:solidFill>
+                </a:uFill>
+                <a:latin typeface="Arial"/>
+              </a:rPr>
+              <a:t>Quinto nivel del esquema</a:t>
+            </a:r>
+          </a:p>
+          <a:p>
+            <a:pPr marL="2592000" lvl="5" indent="-216000">
+              <a:buClr>
+                <a:srgbClr val="000000"/>
+              </a:buClr>
+              <a:buSzPct val="45000"/>
+              <a:buFont typeface="Wingdings" charset="2"/>
+              <a:buChar char=""/>
+            </a:pPr>
+            <a:r>
+              <a:rPr lang="es-ES" sz="2000" b="0" strike="noStrike" spc="-1">
+                <a:solidFill>
+                  <a:srgbClr val="000000"/>
+                </a:solidFill>
+                <a:uFill>
+                  <a:solidFill>
+                    <a:srgbClr val="FFFFFF"/>
+                  </a:solidFill>
+                </a:uFill>
+                <a:latin typeface="Arial"/>
+              </a:rPr>
+              <a:t>Sexto nivel del esquema</a:t>
+            </a:r>
+          </a:p>
+          <a:p>
+            <a:pPr marL="3024000" lvl="6" indent="-216000">
+              <a:buClr>
+                <a:srgbClr val="000000"/>
+              </a:buClr>
+              <a:buSzPct val="45000"/>
+              <a:buFont typeface="Wingdings" charset="2"/>
+              <a:buChar char=""/>
+            </a:pPr>
+            <a:r>
+              <a:rPr lang="es-ES" sz="2000" b="0" strike="noStrike" spc="-1">
+                <a:solidFill>
+                  <a:srgbClr val="000000"/>
+                </a:solidFill>
+                <a:uFill>
+                  <a:solidFill>
+                    <a:srgbClr val="FFFFFF"/>
+                  </a:solidFill>
+                </a:uFill>
+                <a:latin typeface="Arial"/>
+              </a:rPr>
+              <a:t>Séptimo nivel del esquema</a:t>
+            </a:r>
+          </a:p>
+        </p:txBody>
+      </p:sp>
+    </p:spTree>
+  </p:cSld>
+  <p:clrMap bg1="lt1" tx1="dk1" bg2="lt2" tx2="dk2" accent1="accent1" accent2="accent2" accent3="accent3" accent4="accent4" accent5="accent5" accent6="accent6" hlink="hlink" folHlink="folHlink"/>
+  <p:sldLayoutIdLst>
+    <p:sldLayoutId id="2147483649" r:id="rId1"/>
+    <p:sldLayoutId id="2147483650" r:id="rId2"/>
+    <p:sldLayoutId id="2147483651" r:id="rId3"/>
+    <p:sldLayoutId id="2147483652" r:id="rId4"/>
+    <p:sldLayoutId id="2147483653" r:id="rId5"/>
+    <p:sldLayoutId id="2147483654" r:id="rId6"/>
+    <p:sldLayoutId id="2147483655" r:id="rId7"/>
+    <p:sldLayoutId id="2147483656" r:id="rId8"/>
+    <p:sldLayoutId id="2147483657" r:id="rId9"/>
+    <p:sldLayoutId id="2147483658" r:id="rId10"/>
+    <p:sldLayoutId id="2147483659" r:id="rId11"/>
+    <p:sldLayoutId id="2147483660" r:id="rId12"/>
+  </p:sldLayoutIdLst>
+  <p:txStyles>
+    <p:titleStyle>
+      <a:lvl1pPr algn="l" defTabSz="914400" rtl="0" eaLnBrk="1" latinLnBrk="0" hangingPunct="1">
+        <a:lnSpc>
+          <a:spcPct val="90000"/>
+        </a:lnSpc>
+        <a:spcBef>
+          <a:spcPct val="0"/>
+        </a:spcBef>
+        <a:buNone/>
+        <a:defRPr sz="4400" kern="1200">
+          <a:solidFill>
+            <a:schemeClr val="tx1"/>
+          </a:solidFill>
+          <a:latin typeface="+mj-lt"/>
+          <a:ea typeface="+mj-ea"/>
+          <a:cs typeface="+mj-cs"/>
+        </a:defRPr>
+      </a:lvl1pPr>
+    </p:titleStyle>
+    <p:bodyStyle>
+      <a:lvl1pPr marL="228600" indent="-228600" algn="l" defTabSz="914400" rtl="0" eaLnBrk="1" latinLnBrk="0" hangingPunct="1">
+        <a:lnSpc>
+          <a:spcPct val="90000"/>
+        </a:lnSpc>
+        <a:spcBef>
+          <a:spcPts val="1000"/>
+        </a:spcBef>
+        <a:buFont typeface="Arial" panose="020B0604020202020204" pitchFamily="34" charset="0"/>
+        <a:buChar char="•"/>
+        <a:defRPr sz="2800" kern="1200">
+          <a:solidFill>
+            <a:schemeClr val="tx1"/>
+          </a:solidFill>
+          <a:latin typeface="+mn-lt"/>
+          <a:ea typeface="+mn-ea"/>
+          <a:cs typeface="+mn-cs"/>
+        </a:defRPr>
+      </a:lvl1pPr>
+      <a:lvl2pPr marL="685800" indent="-228600" algn="l" defTabSz="914400" rtl="0" eaLnBrk="1" latinLnBrk="0" hangingPunct="1">
+        <a:lnSpc>
+          <a:spcPct val="90000"/>
+        </a:lnSpc>
+        <a:spcBef>
+          <a:spcPts val="500"/>
+        </a:spcBef>
+        <a:buFont typeface="Arial" panose="020B0604020202020204" pitchFamily="34" charset="0"/>
+        <a:buChar char="•"/>
+        <a:defRPr sz="2400" kern="1200">
+          <a:solidFill>
+            <a:schemeClr val="tx1"/>
+          </a:solidFill>
+          <a:latin typeface="+mn-lt"/>
+          <a:ea typeface="+mn-ea"/>
+          <a:cs typeface="+mn-cs"/>
+        </a:defRPr>
+      </a:lvl2pPr>
+      <a:lvl3pPr marL="1143000" indent="-228600" algn="l" defTabSz="914400" rtl="0" eaLnBrk="1" latinLnBrk="0" hangingPunct="1">
+        <a:lnSpc>
+          <a:spcPct val="90000"/>
+        </a:lnSpc>
+        <a:spcBef>
+          <a:spcPts val="500"/>
+        </a:spcBef>
+        <a:buFont typeface="Arial" panose="020B0604020202020204" pitchFamily="34" charset="0"/>
+        <a:buChar char="•"/>
+        <a:defRPr sz="2000" kern="1200">
+          <a:solidFill>
+            <a:schemeClr val="tx1"/>
+          </a:solidFill>
+          <a:latin typeface="+mn-lt"/>
+          <a:ea typeface="+mn-ea"/>
+          <a:cs typeface="+mn-cs"/>
+        </a:defRPr>
+      </a:lvl3pPr>
+      <a:lvl4pPr marL="1600200" indent="-228600" algn="l" defTabSz="914400" rtl="0" eaLnBrk="1" latinLnBrk="0" hangingPunct="1">
+        <a:lnSpc>
+          <a:spcPct val="90000"/>
+        </a:lnSpc>
+        <a:spcBef>
+          <a:spcPts val="500"/>
+        </a:spcBef>
+        <a:buFont typeface="Arial" panose="020B0604020202020204" pitchFamily="34" charset="0"/>
+        <a:buChar char="•"/>
+        <a:defRPr sz="1800" kern="1200">
+          <a:solidFill>
+            <a:schemeClr val="tx1"/>
+          </a:solidFill>
+          <a:latin typeface="+mn-lt"/>
+          <a:ea typeface="+mn-ea"/>
+          <a:cs typeface="+mn-cs"/>
+        </a:defRPr>
+      </a:lvl4pPr>
+      <a:lvl5pPr marL="2057400" indent="-228600" algn="l" defTabSz="914400" rtl="0" eaLnBrk="1" latinLnBrk="0" hangingPunct="1">
+        <a:lnSpc>
+          <a:spcPct val="90000"/>
+        </a:lnSpc>
+        <a:spcBef>
+          <a:spcPts val="500"/>
+        </a:spcBef>
+        <a:buFont typeface="Arial" panose="020B0604020202020204" pitchFamily="34" charset="0"/>
+        <a:buChar char="•"/>
+        <a:defRPr sz="1800" kern="1200">
+          <a:solidFill>
+            <a:schemeClr val="tx1"/>
+          </a:solidFill>
+          <a:latin typeface="+mn-lt"/>
+          <a:ea typeface="+mn-ea"/>
+          <a:cs typeface="+mn-cs"/>
+        </a:defRPr>
+      </a:lvl5pPr>
+      <a:lvl6pPr marL="2514600" indent="-228600" algn="l" defTabSz="914400" rtl="0" eaLnBrk="1" latinLnBrk="0" hangingPunct="1">
+        <a:lnSpc>
+          <a:spcPct val="90000"/>
+        </a:lnSpc>
+        <a:spcBef>
+          <a:spcPts val="500"/>
+        </a:spcBef>
+        <a:buFont typeface="Arial" panose="020B0604020202020204" pitchFamily="34" charset="0"/>
+        <a:buChar char="•"/>
+        <a:defRPr sz="1800" kern="1200">
+          <a:solidFill>
+            <a:schemeClr val="tx1"/>
+          </a:solidFill>
+          <a:latin typeface="+mn-lt"/>
+          <a:ea typeface="+mn-ea"/>
+          <a:cs typeface="+mn-cs"/>
+        </a:defRPr>
+      </a:lvl6pPr>
+      <a:lvl7pPr marL="2971800" indent="-228600" algn="l" defTabSz="914400" rtl="0" eaLnBrk="1" latinLnBrk="0" hangingPunct="1">
+        <a:lnSpc>
+          <a:spcPct val="90000"/>
+        </a:lnSpc>
+        <a:spcBef>
+          <a:spcPts val="500"/>
+        </a:spcBef>
+        <a:buFont typeface="Arial" panose="020B0604020202020204" pitchFamily="34" charset="0"/>
+        <a:buChar char="•"/>
+        <a:defRPr sz="1800" kern="1200">
+          <a:solidFill>
+            <a:schemeClr val="tx1"/>
+          </a:solidFill>
+          <a:latin typeface="+mn-lt"/>
+          <a:ea typeface="+mn-ea"/>
+          <a:cs typeface="+mn-cs"/>
+        </a:defRPr>
+      </a:lvl7pPr>
+      <a:lvl8pPr marL="3429000" indent="-228600" algn="l" defTabSz="914400" rtl="0" eaLnBrk="1" latinLnBrk="0" hangingPunct="1">
+        <a:lnSpc>
+          <a:spcPct val="90000"/>
+        </a:lnSpc>
+        <a:spcBef>
+          <a:spcPts val="500"/>
+        </a:spcBef>
+        <a:buFont typeface="Arial" panose="020B0604020202020204" pitchFamily="34" charset="0"/>
+        <a:buChar char="•"/>
+        <a:defRPr sz="1800" kern="1200">
+          <a:solidFill>
+            <a:schemeClr val="tx1"/>
+          </a:solidFill>
+          <a:latin typeface="+mn-lt"/>
+          <a:ea typeface="+mn-ea"/>
+          <a:cs typeface="+mn-cs"/>
+        </a:defRPr>
+      </a:lvl8pPr>
+      <a:lvl9pPr marL="3886200" indent="-228600" algn="l" defTabSz="914400" rtl="0" eaLnBrk="1" latinLnBrk="0" hangingPunct="1">
+        <a:lnSpc>
+          <a:spcPct val="90000"/>
+        </a:lnSpc>
+        <a:spcBef>
+          <a:spcPts val="500"/>
+        </a:spcBef>
+        <a:buFont typeface="Arial" panose="020B0604020202020204" pitchFamily="34" charset="0"/>
+        <a:buChar char="•"/>
+        <a:defRPr sz="1800" kern="1200">
+          <a:solidFill>
+            <a:schemeClr val="tx1"/>
+          </a:solidFill>
+          <a:latin typeface="+mn-lt"/>
+          <a:ea typeface="+mn-ea"/>
+          <a:cs typeface="+mn-cs"/>
+        </a:defRPr>
+      </a:lvl9pPr>
+    </p:bodyStyle>
+    <p:otherStyle>
+      <a:defPPr>
+        <a:defRPr lang="es-ES"/>
+      </a:defPPr>
+      <a:lvl1pPr marL="0" algn="l" defTabSz="914400" rtl="0" eaLnBrk="1" latinLnBrk="0" hangingPunct="1">
+        <a:defRPr sz="1800" kern="1200">
+          <a:solidFill>
+            <a:schemeClr val="tx1"/>
+          </a:solidFill>
+          <a:latin typeface="+mn-lt"/>
+          <a:ea typeface="+mn-ea"/>
+          <a:cs typeface="+mn-cs"/>
+        </a:defRPr>
+      </a:lvl1pPr>
+      <a:lvl2pPr marL="457200" algn="l" defTabSz="914400" rtl="0" eaLnBrk="1" latinLnBrk="0" hangingPunct="1">
+        <a:defRPr sz="1800" kern="1200">
+          <a:solidFill>
+            <a:schemeClr val="tx1"/>
+          </a:solidFill>
+          <a:latin typeface="+mn-lt"/>
+          <a:ea typeface="+mn-ea"/>
+          <a:cs typeface="+mn-cs"/>
+        </a:defRPr>
+      </a:lvl2pPr>
+      <a:lvl3pPr marL="914400" algn="l" defTabSz="914400" rtl="0" eaLnBrk="1" latinLnBrk="0" hangingPunct="1">
+        <a:defRPr sz="1800" kern="1200">
+          <a:solidFill>
+            <a:schemeClr val="tx1"/>
+          </a:solidFill>
+          <a:latin typeface="+mn-lt"/>
+          <a:ea typeface="+mn-ea"/>
+          <a:cs typeface="+mn-cs"/>
+        </a:defRPr>
+      </a:lvl3pPr>
+      <a:lvl4pPr marL="1371600" algn="l" defTabSz="914400" rtl="0" eaLnBrk="1" latinLnBrk="0" hangingPunct="1">
+        <a:defRPr sz="1800" kern="1200">
+          <a:solidFill>
+            <a:schemeClr val="tx1"/>
+          </a:solidFill>
+          <a:latin typeface="+mn-lt"/>
+          <a:ea typeface="+mn-ea"/>
+          <a:cs typeface="+mn-cs"/>
+        </a:defRPr>
+      </a:lvl4pPr>
+      <a:lvl5pPr marL="1828800" algn="l" defTabSz="914400" rtl="0" eaLnBrk="1" latinLnBrk="0" hangingPunct="1">
+        <a:defRPr sz="1800" kern="1200">
+          <a:solidFill>
+            <a:schemeClr val="tx1"/>
+          </a:solidFill>
+          <a:latin typeface="+mn-lt"/>
+          <a:ea typeface="+mn-ea"/>
+          <a:cs typeface="+mn-cs"/>
+        </a:defRPr>
+      </a:lvl5pPr>
+      <a:lvl6pPr marL="2286000" algn="l" defTabSz="914400" rtl="0" eaLnBrk="1" latinLnBrk="0" hangingPunct="1">
+        <a:defRPr sz="1800" kern="1200">
+          <a:solidFill>
+            <a:schemeClr val="tx1"/>
+          </a:solidFill>
+          <a:latin typeface="+mn-lt"/>
+          <a:ea typeface="+mn-ea"/>
+          <a:cs typeface="+mn-cs"/>
+        </a:defRPr>
+      </a:lvl6pPr>
+      <a:lvl7pPr marL="2743200" algn="l" defTabSz="914400" rtl="0" eaLnBrk="1" latinLnBrk="0" hangingPunct="1">
+        <a:defRPr sz="1800" kern="1200">
+          <a:solidFill>
+            <a:schemeClr val="tx1"/>
+          </a:solidFill>
+          <a:latin typeface="+mn-lt"/>
+          <a:ea typeface="+mn-ea"/>
+          <a:cs typeface="+mn-cs"/>
+        </a:defRPr>
+      </a:lvl7pPr>
+      <a:lvl8pPr marL="3200400" algn="l" defTabSz="914400" rtl="0" eaLnBrk="1" latinLnBrk="0" hangingPunct="1">
+        <a:defRPr sz="1800" kern="1200">
+          <a:solidFill>
+            <a:schemeClr val="tx1"/>
+          </a:solidFill>
+          <a:latin typeface="+mn-lt"/>
+          <a:ea typeface="+mn-ea"/>
+          <a:cs typeface="+mn-cs"/>
+        </a:defRPr>
+      </a:lvl8pPr>
+      <a:lvl9pPr marL="3657600" algn="l" defTabSz="914400" rtl="0" eaLnBrk="1" latinLnBrk="0" hangingPunct="1">
+        <a:defRPr sz="1800" kern="1200">
+          <a:solidFill>
+            <a:schemeClr val="tx1"/>
+          </a:solidFill>
+          <a:latin typeface="+mn-lt"/>
+          <a:ea typeface="+mn-ea"/>
+          <a:cs typeface="+mn-cs"/>
+        </a:defRPr>
+      </a:lvl9pPr>
+    </p:otherStyle>
+  </p:txStyles>
+</p:sldMaster>
+</file>
+
+<file path=ppt/slideMasters/slideMaster2.xml><?xml version="1.0" encoding="utf-8"?>
+<p:sldMaster xmlns:a="http://schemas.openxmlformats.org/drawingml/2006/main" xmlns:r="http://schemas.openxmlformats.org/officeDocument/2006/relationships" xmlns:p="http://schemas.openxmlformats.org/presentationml/2006/main">
+  <p:cSld>
+    <p:bg>
+      <p:bgRef idx="1001">
+        <a:schemeClr val="bg1"/>
+      </p:bgRef>
+    </p:bg>
+    <p:spTree>
+      <p:nvGrpSpPr>
+        <p:cNvPr id="1" name=""/>
+        <p:cNvGrpSpPr/>
+        <p:nvPr/>
+      </p:nvGrpSpPr>
+      <p:grpSpPr>
+        <a:xfrm>
+          <a:off x="0" y="0"/>
+          <a:ext cx="0" cy="0"/>
+          <a:chOff x="0" y="0"/>
+          <a:chExt cx="0" cy="0"/>
+        </a:xfrm>
+      </p:grpSpPr>
+      <p:sp>
+        <p:nvSpPr>
+          <p:cNvPr id="36" name="PlaceHolder 1"/>
+          <p:cNvSpPr>
+            <a:spLocks noGrp="1"/>
+          </p:cNvSpPr>
+          <p:nvPr>
+            <p:ph type="title"/>
+          </p:nvPr>
+        </p:nvSpPr>
+        <p:spPr>
+          <a:xfrm>
+            <a:off x="504000" y="301320"/>
+            <a:ext cx="9071280" cy="1261800"/>
+          </a:xfrm>
+          <a:prstGeom prst="rect">
+            <a:avLst/>
+          </a:prstGeom>
+        </p:spPr>
+        <p:txBody>
+          <a:bodyPr lIns="0" tIns="0" rIns="0" bIns="0" anchor="ctr"/>
+          <a:lstStyle/>
+          <a:p>
+            <a:pPr algn="ctr"/>
+            <a:endParaRPr lang="es-ES" sz="4400" b="0" strike="noStrike" spc="-1">
+              <a:solidFill>
+                <a:srgbClr val="000000"/>
+              </a:solidFill>
+              <a:uFill>
+                <a:solidFill>
+                  <a:srgbClr val="FFFFFF"/>
+                </a:solidFill>
+              </a:uFill>
+              <a:latin typeface="Arial"/>
+            </a:endParaRPr>
+          </a:p>
+        </p:txBody>
+      </p:sp>
+      <p:sp>
+        <p:nvSpPr>
+          <p:cNvPr id="37" name="PlaceHolder 2"/>
+          <p:cNvSpPr>
+            <a:spLocks noGrp="1"/>
+          </p:cNvSpPr>
+          <p:nvPr>
+            <p:ph type="body"/>
+          </p:nvPr>
+        </p:nvSpPr>
+        <p:spPr>
+          <a:xfrm>
+            <a:off x="504000" y="1769040"/>
+            <a:ext cx="9071280" cy="4384080"/>
+          </a:xfrm>
+          <a:prstGeom prst="rect">
+            <a:avLst/>
+          </a:prstGeom>
+        </p:spPr>
+        <p:txBody>
+          <a:bodyPr lIns="0" tIns="0" rIns="0" bIns="0"/>
+          <a:lstStyle/>
+          <a:p>
+            <a:pPr marL="432000" indent="-324000">
+              <a:buClr>
+                <a:srgbClr val="000000"/>
+              </a:buClr>
+              <a:buSzPct val="45000"/>
+              <a:buFont typeface="Wingdings" charset="2"/>
+              <a:buChar char=""/>
+            </a:pPr>
+            <a:r>
+              <a:rPr lang="es-ES" sz="1800" b="0" strike="noStrike" spc="-1">
+                <a:solidFill>
+                  <a:srgbClr val="000000"/>
+                </a:solidFill>
+                <a:uFill>
+                  <a:solidFill>
+                    <a:srgbClr val="FFFFFF"/>
+                  </a:solidFill>
+                </a:uFill>
+                <a:latin typeface="Arial"/>
+              </a:rPr>
+              <a:t>Pulse para editar el formato de esquema del texto</a:t>
+            </a:r>
+          </a:p>
+          <a:p>
+            <a:pPr marL="864000" lvl="1" indent="-324000">
+              <a:buClr>
+                <a:srgbClr val="000000"/>
+              </a:buClr>
+              <a:buSzPct val="75000"/>
+              <a:buFont typeface="Symbol" charset="2"/>
+              <a:buChar char=""/>
+            </a:pPr>
+            <a:r>
+              <a:rPr lang="es-ES" sz="1800" b="0" strike="noStrike" spc="-1">
+                <a:solidFill>
+                  <a:srgbClr val="000000"/>
+                </a:solidFill>
+                <a:uFill>
+                  <a:solidFill>
+                    <a:srgbClr val="FFFFFF"/>
+                  </a:solidFill>
+                </a:uFill>
+                <a:latin typeface="Arial"/>
+              </a:rPr>
+              <a:t>Segundo nivel del esquema</a:t>
+            </a:r>
+          </a:p>
+          <a:p>
+            <a:pPr marL="1296000" lvl="2" indent="-288000">
+              <a:buClr>
+                <a:srgbClr val="000000"/>
+              </a:buClr>
+              <a:buSzPct val="45000"/>
+              <a:buFont typeface="Wingdings" charset="2"/>
+              <a:buChar char=""/>
+            </a:pPr>
+            <a:r>
+              <a:rPr lang="es-ES" sz="1800" b="0" strike="noStrike" spc="-1">
+                <a:solidFill>
+                  <a:srgbClr val="000000"/>
+                </a:solidFill>
+                <a:uFill>
+                  <a:solidFill>
+                    <a:srgbClr val="FFFFFF"/>
+                  </a:solidFill>
+                </a:uFill>
+                <a:latin typeface="Arial"/>
+              </a:rPr>
+              <a:t>Tercer nivel del esquema</a:t>
+            </a:r>
+          </a:p>
+          <a:p>
+            <a:pPr marL="1728000" lvl="3" indent="-216000">
+              <a:buClr>
+                <a:srgbClr val="000000"/>
+              </a:buClr>
+              <a:buSzPct val="75000"/>
+              <a:buFont typeface="Symbol" charset="2"/>
+              <a:buChar char=""/>
+            </a:pPr>
+            <a:r>
+              <a:rPr lang="es-ES" sz="1800" b="0" strike="noStrike" spc="-1">
+                <a:solidFill>
+                  <a:srgbClr val="000000"/>
+                </a:solidFill>
+                <a:uFill>
+                  <a:solidFill>
+                    <a:srgbClr val="FFFFFF"/>
+                  </a:solidFill>
+                </a:uFill>
+                <a:latin typeface="Arial"/>
+              </a:rPr>
+              <a:t>Cuarto nivel del esquema</a:t>
+            </a:r>
+          </a:p>
+          <a:p>
+            <a:pPr marL="2160000" lvl="4" indent="-216000">
+              <a:buClr>
+                <a:srgbClr val="000000"/>
+              </a:buClr>
+              <a:buSzPct val="45000"/>
+              <a:buFont typeface="Wingdings" charset="2"/>
+              <a:buChar char=""/>
+            </a:pPr>
+            <a:r>
+              <a:rPr lang="es-ES" sz="1800" b="0" strike="noStrike" spc="-1">
+                <a:solidFill>
+                  <a:srgbClr val="000000"/>
+                </a:solidFill>
+                <a:uFill>
+                  <a:solidFill>
+                    <a:srgbClr val="FFFFFF"/>
+                  </a:solidFill>
+                </a:uFill>
+                <a:latin typeface="Arial"/>
+              </a:rPr>
+              <a:t>Quinto nivel del esquema</a:t>
+            </a:r>
+          </a:p>
+          <a:p>
+            <a:pPr marL="2592000" lvl="5" indent="-216000">
+              <a:buClr>
+                <a:srgbClr val="000000"/>
+              </a:buClr>
+              <a:buSzPct val="45000"/>
+              <a:buFont typeface="Wingdings" charset="2"/>
+              <a:buChar char=""/>
+            </a:pPr>
+            <a:r>
+              <a:rPr lang="es-ES" sz="1800" b="0" strike="noStrike" spc="-1">
+                <a:solidFill>
+                  <a:srgbClr val="000000"/>
+                </a:solidFill>
+                <a:uFill>
+                  <a:solidFill>
+                    <a:srgbClr val="FFFFFF"/>
+                  </a:solidFill>
+                </a:uFill>
+                <a:latin typeface="Arial"/>
+              </a:rPr>
+              <a:t>Sexto nivel del esquema</a:t>
+            </a:r>
+          </a:p>
+          <a:p>
+            <a:pPr marL="3024000" lvl="6" indent="-216000">
+              <a:buClr>
+                <a:srgbClr val="000000"/>
+              </a:buClr>
+              <a:buSzPct val="45000"/>
+              <a:buFont typeface="Wingdings" charset="2"/>
+              <a:buChar char=""/>
+            </a:pPr>
+            <a:r>
+              <a:rPr lang="es-ES" sz="1800" b="0" strike="noStrike" spc="-1">
+                <a:solidFill>
+                  <a:srgbClr val="000000"/>
+                </a:solidFill>
+                <a:uFill>
+                  <a:solidFill>
+                    <a:srgbClr val="FFFFFF"/>
+                  </a:solidFill>
+                </a:uFill>
+                <a:latin typeface="Arial"/>
+              </a:rPr>
+              <a:t>Séptimo nivel del esquema</a:t>
+            </a:r>
+          </a:p>
+        </p:txBody>
+      </p:sp>
+    </p:spTree>
+  </p:cSld>
+  <p:clrMap bg1="lt1" tx1="dk1" bg2="lt2" tx2="dk2" accent1="accent1" accent2="accent2" accent3="accent3" accent4="accent4" accent5="accent5" accent6="accent6" hlink="hlink" folHlink="folHlink"/>
+  <p:sldLayoutIdLst>
+    <p:sldLayoutId id="2147483662" r:id="rId1"/>
+    <p:sldLayoutId id="2147483663" r:id="rId2"/>
+    <p:sldLayoutId id="2147483664" r:id="rId3"/>
+    <p:sldLayoutId id="2147483665" r:id="rId4"/>
+    <p:sldLayoutId id="2147483666" r:id="rId5"/>
+    <p:sldLayoutId id="2147483667" r:id="rId6"/>
+    <p:sldLayoutId id="2147483668" r:id="rId7"/>
+    <p:sldLayoutId id="2147483669" r:id="rId8"/>
+    <p:sldLayoutId id="2147483670" r:id="rId9"/>
+    <p:sldLayoutId id="2147483671" r:id="rId10"/>
+    <p:sldLayoutId id="2147483672" r:id="rId11"/>
+    <p:sldLayoutId id="2147483673" r:id="rId12"/>
+  </p:sldLayoutIdLst>
+  <p:txStyles>
+    <p:titleStyle>
+      <a:lvl1pPr algn="l" defTabSz="914400" rtl="0" eaLnBrk="1" latinLnBrk="0" hangingPunct="1">
+        <a:lnSpc>
+          <a:spcPct val="90000"/>
+        </a:lnSpc>
+        <a:spcBef>
+          <a:spcPct val="0"/>
+        </a:spcBef>
+        <a:buNone/>
+        <a:defRPr sz="4400" kern="1200">
+          <a:solidFill>
+            <a:schemeClr val="tx1"/>
+          </a:solidFill>
+          <a:latin typeface="+mj-lt"/>
+          <a:ea typeface="+mj-ea"/>
+          <a:cs typeface="+mj-cs"/>
+        </a:defRPr>
+      </a:lvl1pPr>
+    </p:titleStyle>
+    <p:bodyStyle>
+      <a:lvl1pPr marL="228600" indent="-228600" algn="l" defTabSz="914400" rtl="0" eaLnBrk="1" latinLnBrk="0" hangingPunct="1">
+        <a:lnSpc>
+          <a:spcPct val="90000"/>
+        </a:lnSpc>
+        <a:spcBef>
+          <a:spcPts val="1000"/>
+        </a:spcBef>
+        <a:buFont typeface="Arial" panose="020B0604020202020204" pitchFamily="34" charset="0"/>
+        <a:buChar char="•"/>
+        <a:defRPr sz="2800" kern="1200">
+          <a:solidFill>
+            <a:schemeClr val="tx1"/>
+          </a:solidFill>
+          <a:latin typeface="+mn-lt"/>
+          <a:ea typeface="+mn-ea"/>
+          <a:cs typeface="+mn-cs"/>
+        </a:defRPr>
+      </a:lvl1pPr>
+      <a:lvl2pPr marL="685800" indent="-228600" algn="l" defTabSz="914400" rtl="0" eaLnBrk="1" latinLnBrk="0" hangingPunct="1">
+        <a:lnSpc>
+          <a:spcPct val="90000"/>
+        </a:lnSpc>
+        <a:spcBef>
+          <a:spcPts val="500"/>
+        </a:spcBef>
+        <a:buFont typeface="Arial" panose="020B0604020202020204" pitchFamily="34" charset="0"/>
+        <a:buChar char="•"/>
+        <a:defRPr sz="2400" kern="1200">
+          <a:solidFill>
+            <a:schemeClr val="tx1"/>
+          </a:solidFill>
+          <a:latin typeface="+mn-lt"/>
+          <a:ea typeface="+mn-ea"/>
+          <a:cs typeface="+mn-cs"/>
+        </a:defRPr>
+      </a:lvl2pPr>
+      <a:lvl3pPr marL="1143000" indent="-228600" algn="l" defTabSz="914400" rtl="0" eaLnBrk="1" latinLnBrk="0" hangingPunct="1">
+        <a:lnSpc>
+          <a:spcPct val="90000"/>
+        </a:lnSpc>
+        <a:spcBef>
+          <a:spcPts val="500"/>
+        </a:spcBef>
+        <a:buFont typeface="Arial" panose="020B0604020202020204" pitchFamily="34" charset="0"/>
+        <a:buChar char="•"/>
+        <a:defRPr sz="2000" kern="1200">
+          <a:solidFill>
+            <a:schemeClr val="tx1"/>
+          </a:solidFill>
+          <a:latin typeface="+mn-lt"/>
+          <a:ea typeface="+mn-ea"/>
+          <a:cs typeface="+mn-cs"/>
+        </a:defRPr>
+      </a:lvl3pPr>
+      <a:lvl4pPr marL="1600200" indent="-228600" algn="l" defTabSz="914400" rtl="0" eaLnBrk="1" latinLnBrk="0" hangingPunct="1">
+        <a:lnSpc>
+          <a:spcPct val="90000"/>
+        </a:lnSpc>
+        <a:spcBef>
+          <a:spcPts val="500"/>
+        </a:spcBef>
+        <a:buFont typeface="Arial" panose="020B0604020202020204" pitchFamily="34" charset="0"/>
+        <a:buChar char="•"/>
+        <a:defRPr sz="1800" kern="1200">
+          <a:solidFill>
+            <a:schemeClr val="tx1"/>
+          </a:solidFill>
+          <a:latin typeface="+mn-lt"/>
+          <a:ea typeface="+mn-ea"/>
+          <a:cs typeface="+mn-cs"/>
+        </a:defRPr>
+      </a:lvl4pPr>
+      <a:lvl5pPr marL="2057400" indent="-228600" algn="l" defTabSz="914400" rtl="0" eaLnBrk="1" latinLnBrk="0" hangingPunct="1">
+        <a:lnSpc>
+          <a:spcPct val="90000"/>
+        </a:lnSpc>
+        <a:spcBef>
+          <a:spcPts val="500"/>
+        </a:spcBef>
+        <a:buFont typeface="Arial" panose="020B0604020202020204" pitchFamily="34" charset="0"/>
+        <a:buChar char="•"/>
+        <a:defRPr sz="1800" kern="1200">
+          <a:solidFill>
+            <a:schemeClr val="tx1"/>
+          </a:solidFill>
+          <a:latin typeface="+mn-lt"/>
+          <a:ea typeface="+mn-ea"/>
+          <a:cs typeface="+mn-cs"/>
+        </a:defRPr>
+      </a:lvl5pPr>
+      <a:lvl6pPr marL="2514600" indent="-228600" algn="l" defTabSz="914400" rtl="0" eaLnBrk="1" latinLnBrk="0" hangingPunct="1">
+        <a:lnSpc>
+          <a:spcPct val="90000"/>
+        </a:lnSpc>
+        <a:spcBef>
+          <a:spcPts val="500"/>
+        </a:spcBef>
+        <a:buFont typeface="Arial" panose="020B0604020202020204" pitchFamily="34" charset="0"/>
+        <a:buChar char="•"/>
+        <a:defRPr sz="1800" kern="1200">
+          <a:solidFill>
+            <a:schemeClr val="tx1"/>
+          </a:solidFill>
+          <a:latin typeface="+mn-lt"/>
+          <a:ea typeface="+mn-ea"/>
+          <a:cs typeface="+mn-cs"/>
+        </a:defRPr>
+      </a:lvl6pPr>
+      <a:lvl7pPr marL="2971800" indent="-228600" algn="l" defTabSz="914400" rtl="0" eaLnBrk="1" latinLnBrk="0" hangingPunct="1">
+        <a:lnSpc>
+          <a:spcPct val="90000"/>
+        </a:lnSpc>
+        <a:spcBef>
+          <a:spcPts val="500"/>
+        </a:spcBef>
+        <a:buFont typeface="Arial" panose="020B0604020202020204" pitchFamily="34" charset="0"/>
+        <a:buChar char="•"/>
+        <a:defRPr sz="1800" kern="1200">
+          <a:solidFill>
+            <a:schemeClr val="tx1"/>
+          </a:solidFill>
+          <a:latin typeface="+mn-lt"/>
+          <a:ea typeface="+mn-ea"/>
+          <a:cs typeface="+mn-cs"/>
+        </a:defRPr>
+      </a:lvl7pPr>
+      <a:lvl8pPr marL="3429000" indent="-228600" algn="l" defTabSz="914400" rtl="0" eaLnBrk="1" latinLnBrk="0" hangingPunct="1">
+        <a:lnSpc>
+          <a:spcPct val="90000"/>
+        </a:lnSpc>
+        <a:spcBef>
+          <a:spcPts val="500"/>
+        </a:spcBef>
+        <a:buFont typeface="Arial" panose="020B0604020202020204" pitchFamily="34" charset="0"/>
+        <a:buChar char="•"/>
+        <a:defRPr sz="1800" kern="1200">
+          <a:solidFill>
+            <a:schemeClr val="tx1"/>
+          </a:solidFill>
+          <a:latin typeface="+mn-lt"/>
+          <a:ea typeface="+mn-ea"/>
+          <a:cs typeface="+mn-cs"/>
+        </a:defRPr>
+      </a:lvl8pPr>
+      <a:lvl9pPr marL="3886200" indent="-228600" algn="l" defTabSz="914400" rtl="0" eaLnBrk="1" latinLnBrk="0" hangingPunct="1">
+        <a:lnSpc>
+          <a:spcPct val="90000"/>
+        </a:lnSpc>
+        <a:spcBef>
+          <a:spcPts val="500"/>
+        </a:spcBef>
+        <a:buFont typeface="Arial" panose="020B0604020202020204" pitchFamily="34" charset="0"/>
+        <a:buChar char="•"/>
+        <a:defRPr sz="1800" kern="1200">
+          <a:solidFill>
+            <a:schemeClr val="tx1"/>
+          </a:solidFill>
+          <a:latin typeface="+mn-lt"/>
+          <a:ea typeface="+mn-ea"/>
+          <a:cs typeface="+mn-cs"/>
+        </a:defRPr>
+      </a:lvl9pPr>
+    </p:bodyStyle>
+    <p:otherStyle>
+      <a:defPPr>
+        <a:defRPr lang="es-ES"/>
+      </a:defPPr>
+      <a:lvl1pPr marL="0" algn="l" defTabSz="914400" rtl="0" eaLnBrk="1" latinLnBrk="0" hangingPunct="1">
+        <a:defRPr sz="1800" kern="1200">
+          <a:solidFill>
+            <a:schemeClr val="tx1"/>
+          </a:solidFill>
+          <a:latin typeface="+mn-lt"/>
+          <a:ea typeface="+mn-ea"/>
+          <a:cs typeface="+mn-cs"/>
+        </a:defRPr>
+      </a:lvl1pPr>
+      <a:lvl2pPr marL="457200" algn="l" defTabSz="914400" rtl="0" eaLnBrk="1" latinLnBrk="0" hangingPunct="1">
+        <a:defRPr sz="1800" kern="1200">
+          <a:solidFill>
+            <a:schemeClr val="tx1"/>
+          </a:solidFill>
+          <a:latin typeface="+mn-lt"/>
+          <a:ea typeface="+mn-ea"/>
+          <a:cs typeface="+mn-cs"/>
+        </a:defRPr>
+      </a:lvl2pPr>
+      <a:lvl3pPr marL="914400" algn="l" defTabSz="914400" rtl="0" eaLnBrk="1" latinLnBrk="0" hangingPunct="1">
+        <a:defRPr sz="1800" kern="1200">
+          <a:solidFill>
+            <a:schemeClr val="tx1"/>
+          </a:solidFill>
+          <a:latin typeface="+mn-lt"/>
+          <a:ea typeface="+mn-ea"/>
+          <a:cs typeface="+mn-cs"/>
+        </a:defRPr>
+      </a:lvl3pPr>
+      <a:lvl4pPr marL="1371600" algn="l" defTabSz="914400" rtl="0" eaLnBrk="1" latinLnBrk="0" hangingPunct="1">
+        <a:defRPr sz="1800" kern="1200">
+          <a:solidFill>
+            <a:schemeClr val="tx1"/>
+          </a:solidFill>
+          <a:latin typeface="+mn-lt"/>
+          <a:ea typeface="+mn-ea"/>
+          <a:cs typeface="+mn-cs"/>
+        </a:defRPr>
+      </a:lvl4pPr>
+      <a:lvl5pPr marL="1828800" algn="l" defTabSz="914400" rtl="0" eaLnBrk="1" latinLnBrk="0" hangingPunct="1">
+        <a:defRPr sz="1800" kern="1200">
+          <a:solidFill>
+            <a:schemeClr val="tx1"/>
+          </a:solidFill>
+          <a:latin typeface="+mn-lt"/>
+          <a:ea typeface="+mn-ea"/>
+          <a:cs typeface="+mn-cs"/>
+        </a:defRPr>
+      </a:lvl5pPr>
+      <a:lvl6pPr marL="2286000" algn="l" defTabSz="914400" rtl="0" eaLnBrk="1" latinLnBrk="0" hangingPunct="1">
+        <a:defRPr sz="1800" kern="1200">
+          <a:solidFill>
+            <a:schemeClr val="tx1"/>
+          </a:solidFill>
+          <a:latin typeface="+mn-lt"/>
+          <a:ea typeface="+mn-ea"/>
+          <a:cs typeface="+mn-cs"/>
+        </a:defRPr>
+      </a:lvl6pPr>
+      <a:lvl7pPr marL="2743200" algn="l" defTabSz="914400" rtl="0" eaLnBrk="1" latinLnBrk="0" hangingPunct="1">
+        <a:defRPr sz="1800" kern="1200">
+          <a:solidFill>
+            <a:schemeClr val="tx1"/>
+          </a:solidFill>
+          <a:latin typeface="+mn-lt"/>
+          <a:ea typeface="+mn-ea"/>
+          <a:cs typeface="+mn-cs"/>
+        </a:defRPr>
+      </a:lvl7pPr>
+      <a:lvl8pPr marL="3200400" algn="l" defTabSz="914400" rtl="0" eaLnBrk="1" latinLnBrk="0" hangingPunct="1">
+        <a:defRPr sz="1800" kern="1200">
+          <a:solidFill>
+            <a:schemeClr val="tx1"/>
+          </a:solidFill>
+          <a:latin typeface="+mn-lt"/>
+          <a:ea typeface="+mn-ea"/>
+          <a:cs typeface="+mn-cs"/>
+        </a:defRPr>
+      </a:lvl8pPr>
+      <a:lvl9pPr marL="3657600" algn="l" defTabSz="914400" rtl="0" eaLnBrk="1" latinLnBrk="0" hangingPunct="1">
+        <a:defRPr sz="1800" kern="1200">
+          <a:solidFill>
+            <a:schemeClr val="tx1"/>
+          </a:solidFill>
+          <a:latin typeface="+mn-lt"/>
+          <a:ea typeface="+mn-ea"/>
+          <a:cs typeface="+mn-cs"/>
+        </a:defRPr>
+      </a:lvl9pPr>
+    </p:otherStyle>
+  </p:txStyles>
+</p:sldMaster>
+</file>
+
+<file path=ppt/slides/slide1.xml><?xml version="1.0" encoding="utf-8"?>
+<p:sld xmlns:a="http://schemas.openxmlformats.org/drawingml/2006/main" xmlns:r="http://schemas.openxmlformats.org/officeDocument/2006/relationships" xmlns:p="http://schemas.openxmlformats.org/presentationml/2006/main">
   <p:cSld>
     <p:spTree>
       <p:nvGrpSpPr>
@@ -2983,13 +4318,9 @@
       </p:grpSpPr>
       <p:sp>
         <p:nvSpPr>
-          <p:cNvPr id="0" name="PlaceHolder 1"/>
-          <p:cNvSpPr>
-            <a:spLocks noGrp="1"/>
-          </p:cNvSpPr>
-          <p:nvPr>
-            <p:ph type="title"/>
-          </p:nvPr>
+          <p:cNvPr id="72" name="CustomShape 1"/>
+          <p:cNvSpPr/>
+          <p:nvPr/>
         </p:nvSpPr>
         <p:spPr>
           <a:xfrm>
@@ -2999,48 +4330,31 @@
           <a:prstGeom prst="rect">
             <a:avLst/>
           </a:prstGeom>
-        </p:spPr>
-        <p:txBody>
-          <a:bodyPr lIns="0" rIns="0" tIns="0" bIns="0" anchor="ctr"/>
-          <a:p>
-            <a:pPr algn="ctr"/>
-            <a:endParaRPr b="0" lang="es-ES" sz="4400" spc="-1" strike="noStrike">
-              <a:solidFill>
-                <a:srgbClr val="000000"/>
-              </a:solidFill>
-              <a:uFill>
-                <a:solidFill>
-                  <a:srgbClr val="ffffff"/>
-                </a:solidFill>
-              </a:uFill>
-              <a:latin typeface="Arial"/>
-            </a:endParaRPr>
-          </a:p>
-        </p:txBody>
-      </p:sp>
-      <p:sp>
-        <p:nvSpPr>
-          <p:cNvPr id="1" name="PlaceHolder 2"/>
-          <p:cNvSpPr>
-            <a:spLocks noGrp="1"/>
-          </p:cNvSpPr>
-          <p:nvPr>
-            <p:ph type="body"/>
-          </p:nvPr>
-        </p:nvSpPr>
-        <p:spPr>
-          <a:xfrm>
-            <a:off x="504000" y="1768680"/>
-            <a:ext cx="9072000" cy="4384080"/>
-          </a:xfrm>
-          <a:prstGeom prst="rect">
-            <a:avLst/>
-          </a:prstGeom>
-        </p:spPr>
-        <p:txBody>
-          <a:bodyPr lIns="0" rIns="0" tIns="0" bIns="0"/>
-          <a:p>
-            <a:pPr marL="432000" indent="-324000">
+          <a:noFill/>
+          <a:ln>
+            <a:noFill/>
+          </a:ln>
+        </p:spPr>
+        <p:style>
+          <a:lnRef idx="0">
+            <a:scrgbClr r="0" g="0" b="0"/>
+          </a:lnRef>
+          <a:fillRef idx="0">
+            <a:scrgbClr r="0" g="0" b="0"/>
+          </a:fillRef>
+          <a:effectRef idx="0">
+            <a:scrgbClr r="0" g="0" b="0"/>
+          </a:effectRef>
+          <a:fontRef idx="minor"/>
+        </p:style>
+        <p:txBody>
+          <a:bodyPr lIns="0" tIns="0" rIns="0" bIns="0" anchor="ctr"/>
+          <a:lstStyle/>
+          <a:p>
+            <a:pPr marL="274320" indent="-273960" algn="ctr">
+              <a:lnSpc>
+                <a:spcPct val="100000"/>
+              </a:lnSpc>
               <a:buClr>
                 <a:srgbClr val="000000"/>
               </a:buClr>
@@ -3049,236 +4363,121 @@
               <a:buChar char=""/>
             </a:pPr>
             <a:r>
-              <a:rPr b="0" lang="es-ES" sz="3200" spc="-1" strike="noStrike">
+              <a:rPr lang="es-ES" sz="2400" b="1" strike="noStrike" spc="-1">
                 <a:solidFill>
                   <a:srgbClr val="000000"/>
                 </a:solidFill>
                 <a:uFill>
                   <a:solidFill>
-                    <a:srgbClr val="ffffff"/>
+                    <a:srgbClr val="FFFFFF"/>
+                  </a:solidFill>
+                </a:uFill>
+                <a:latin typeface="Thorndale;Times New Roman"/>
+                <a:ea typeface="Thorndale;Times New Roman"/>
+              </a:rPr>
+              <a:t>Zenonis est, inquam, hoc Stoici</a:t>
+            </a:r>
+            <a:endParaRPr lang="es-ES" sz="1800" b="0" strike="noStrike" spc="-1">
+              <a:solidFill>
+                <a:srgbClr val="000000"/>
+              </a:solidFill>
+              <a:uFill>
+                <a:solidFill>
+                  <a:srgbClr val="FFFFFF"/>
+                </a:solidFill>
+              </a:uFill>
+              <a:latin typeface="Arial"/>
+            </a:endParaRPr>
+          </a:p>
+        </p:txBody>
+      </p:sp>
+      <p:sp>
+        <p:nvSpPr>
+          <p:cNvPr id="73" name="CustomShape 2"/>
+          <p:cNvSpPr/>
+          <p:nvPr/>
+        </p:nvSpPr>
+        <p:spPr>
+          <a:xfrm>
+            <a:off x="504000" y="1769040"/>
+            <a:ext cx="9071280" cy="4384080"/>
+          </a:xfrm>
+          <a:prstGeom prst="rect">
+            <a:avLst/>
+          </a:prstGeom>
+          <a:noFill/>
+          <a:ln>
+            <a:noFill/>
+          </a:ln>
+        </p:spPr>
+        <p:style>
+          <a:lnRef idx="0">
+            <a:scrgbClr r="0" g="0" b="0"/>
+          </a:lnRef>
+          <a:fillRef idx="0">
+            <a:scrgbClr r="0" g="0" b="0"/>
+          </a:fillRef>
+          <a:effectRef idx="0">
+            <a:scrgbClr r="0" g="0" b="0"/>
+          </a:effectRef>
+          <a:fontRef idx="minor"/>
+        </p:style>
+        <p:txBody>
+          <a:bodyPr lIns="0" tIns="0" rIns="0" bIns="0" anchor="ctr"/>
+          <a:lstStyle/>
+          <a:p>
+            <a:r>
+              <a:rPr lang="es-ES" sz="1600" b="0" strike="noStrike" spc="-1">
+                <a:solidFill>
+                  <a:srgbClr val="000000"/>
+                </a:solidFill>
+                <a:uFill>
+                  <a:solidFill>
+                    <a:srgbClr val="FFFFFF"/>
                   </a:solidFill>
                 </a:uFill>
                 <a:latin typeface="Arial"/>
+                <a:ea typeface="Arial Unicode MS"/>
               </a:rPr>
-              <a:t>Pulse para editar el formato de esquema del texto</a:t>
+              <a:t>Lorem ipsum dolor sit amet, consectetur adipiscing elit. Ex quo intellegitur idem illud, solum bonum esse, quod honestum sit, idque esse beate vivere: honeste, id est cum virtute, vivere. Quam haec sunt contraria! hic si definire, si dividere didicisset, si loquendi vim, si denique consuetudinem verborum teneret, numquam in tantas salebras incidisset. Scripsit enim et multis saepe verbis et breviter arteque in eo libro, quem modo nominavi, mortem nihil ad nos pertinere. Duo Reges: constructio interrete. </a:t>
             </a:r>
-            <a:endParaRPr b="0" lang="es-ES" sz="3200" spc="-1" strike="noStrike">
-              <a:solidFill>
-                <a:srgbClr val="000000"/>
-              </a:solidFill>
-              <a:uFill>
-                <a:solidFill>
-                  <a:srgbClr val="ffffff"/>
-                </a:solidFill>
-              </a:uFill>
-              <a:latin typeface="Arial"/>
-            </a:endParaRPr>
-          </a:p>
-          <a:p>
-            <a:pPr lvl="1" marL="864000" indent="-324000">
-              <a:buClr>
-                <a:srgbClr val="000000"/>
-              </a:buClr>
-              <a:buSzPct val="75000"/>
-              <a:buFont typeface="Symbol" charset="2"/>
-              <a:buChar char=""/>
-            </a:pPr>
             <a:r>
-              <a:rPr b="0" lang="es-ES" sz="2800" spc="-1" strike="noStrike">
+              <a:rPr lang="es-ES" sz="1600" b="0" i="1" strike="noStrike" spc="-1">
                 <a:solidFill>
                   <a:srgbClr val="000000"/>
                 </a:solidFill>
                 <a:uFill>
                   <a:solidFill>
-                    <a:srgbClr val="ffffff"/>
+                    <a:srgbClr val="FFFFFF"/>
                   </a:solidFill>
                 </a:uFill>
                 <a:latin typeface="Arial"/>
+                <a:ea typeface="Arial Unicode MS"/>
               </a:rPr>
-              <a:t>Segundo nivel del esquema</a:t>
+              <a:t>Hoc est non dividere, sed frangere.</a:t>
             </a:r>
-            <a:endParaRPr b="0" lang="es-ES" sz="2800" spc="-1" strike="noStrike">
-              <a:solidFill>
-                <a:srgbClr val="000000"/>
-              </a:solidFill>
-              <a:uFill>
-                <a:solidFill>
-                  <a:srgbClr val="ffffff"/>
-                </a:solidFill>
-              </a:uFill>
-              <a:latin typeface="Arial"/>
-            </a:endParaRPr>
-          </a:p>
-          <a:p>
-            <a:pPr lvl="2" marL="1296000" indent="-288000">
-              <a:buClr>
-                <a:srgbClr val="000000"/>
-              </a:buClr>
-              <a:buSzPct val="45000"/>
-              <a:buFont typeface="Wingdings" charset="2"/>
-              <a:buChar char=""/>
-            </a:pPr>
             <a:r>
-              <a:rPr b="0" lang="es-ES" sz="2400" spc="-1" strike="noStrike">
+              <a:rPr lang="es-ES" sz="1600" b="0" strike="noStrike" spc="-1">
                 <a:solidFill>
                   <a:srgbClr val="000000"/>
                 </a:solidFill>
                 <a:uFill>
                   <a:solidFill>
-                    <a:srgbClr val="ffffff"/>
+                    <a:srgbClr val="FFFFFF"/>
                   </a:solidFill>
                 </a:uFill>
                 <a:latin typeface="Arial"/>
+                <a:ea typeface="Arial Unicode MS"/>
               </a:rPr>
-              <a:t>Tercer nivel del esquema</a:t>
+              <a:t> Perspicuum est enim, nisi aequitas, fides, iustitia proficiscantur a natura, et si omnia haec ad utilitatem referantur, virum bonum non posse reperiri; Qua in vita tantum abest ut voluptates consectentur, etiam curas, sollicitudines, vigilias perferunt optimaque parte hominis, quae in nobis divina ducenda est, ingenii et mentis acie fruuntur nec voluptatem requirentes nec fugientes laborem. Is enim percontando atque interrogando elicere solebat eorum opiniones, quibuscum disserebat, ut ad ea, quae ii respondissent, si quid videretur, diceret. Gerendus est mos, modo recte sentiat. Zeno autem, quod suam, quod propriam speciem habeat, cur appetendum sit, id solum bonum appellat, beatam autem vitam eam solam, quae cum virtute degatur.</a:t>
             </a:r>
-            <a:endParaRPr b="0" lang="es-ES" sz="2400" spc="-1" strike="noStrike">
-              <a:solidFill>
-                <a:srgbClr val="000000"/>
-              </a:solidFill>
-              <a:uFill>
-                <a:solidFill>
-                  <a:srgbClr val="ffffff"/>
-                </a:solidFill>
-              </a:uFill>
-              <a:latin typeface="Arial"/>
-            </a:endParaRPr>
-          </a:p>
-          <a:p>
-            <a:pPr lvl="3" marL="1728000" indent="-216000">
-              <a:buClr>
-                <a:srgbClr val="000000"/>
-              </a:buClr>
-              <a:buSzPct val="75000"/>
-              <a:buFont typeface="Symbol" charset="2"/>
-              <a:buChar char=""/>
-            </a:pPr>
-            <a:r>
-              <a:rPr b="0" lang="es-ES" sz="2000" spc="-1" strike="noStrike">
-                <a:solidFill>
-                  <a:srgbClr val="000000"/>
-                </a:solidFill>
-                <a:uFill>
-                  <a:solidFill>
-                    <a:srgbClr val="ffffff"/>
-                  </a:solidFill>
-                </a:uFill>
-                <a:latin typeface="Arial"/>
-              </a:rPr>
-              <a:t>Cuarto nivel del esquema</a:t>
-            </a:r>
-            <a:endParaRPr b="0" lang="es-ES" sz="2000" spc="-1" strike="noStrike">
-              <a:solidFill>
-                <a:srgbClr val="000000"/>
-              </a:solidFill>
-              <a:uFill>
-                <a:solidFill>
-                  <a:srgbClr val="ffffff"/>
-                </a:solidFill>
-              </a:uFill>
-              <a:latin typeface="Arial"/>
-            </a:endParaRPr>
-          </a:p>
-          <a:p>
-            <a:pPr lvl="4" marL="2160000" indent="-216000">
-              <a:buClr>
-                <a:srgbClr val="000000"/>
-              </a:buClr>
-              <a:buSzPct val="45000"/>
-              <a:buFont typeface="Wingdings" charset="2"/>
-              <a:buChar char=""/>
-            </a:pPr>
-            <a:r>
-              <a:rPr b="0" lang="es-ES" sz="2000" spc="-1" strike="noStrike">
-                <a:solidFill>
-                  <a:srgbClr val="000000"/>
-                </a:solidFill>
-                <a:uFill>
-                  <a:solidFill>
-                    <a:srgbClr val="ffffff"/>
-                  </a:solidFill>
-                </a:uFill>
-                <a:latin typeface="Arial"/>
-              </a:rPr>
-              <a:t>Quinto nivel del esquema</a:t>
-            </a:r>
-            <a:endParaRPr b="0" lang="es-ES" sz="2000" spc="-1" strike="noStrike">
-              <a:solidFill>
-                <a:srgbClr val="000000"/>
-              </a:solidFill>
-              <a:uFill>
-                <a:solidFill>
-                  <a:srgbClr val="ffffff"/>
-                </a:solidFill>
-              </a:uFill>
-              <a:latin typeface="Arial"/>
-            </a:endParaRPr>
-          </a:p>
-          <a:p>
-            <a:pPr lvl="5" marL="2592000" indent="-216000">
-              <a:buClr>
-                <a:srgbClr val="000000"/>
-              </a:buClr>
-              <a:buSzPct val="45000"/>
-              <a:buFont typeface="Wingdings" charset="2"/>
-              <a:buChar char=""/>
-            </a:pPr>
-            <a:r>
-              <a:rPr b="0" lang="es-ES" sz="2000" spc="-1" strike="noStrike">
-                <a:solidFill>
-                  <a:srgbClr val="000000"/>
-                </a:solidFill>
-                <a:uFill>
-                  <a:solidFill>
-                    <a:srgbClr val="ffffff"/>
-                  </a:solidFill>
-                </a:uFill>
-                <a:latin typeface="Arial"/>
-              </a:rPr>
-              <a:t>Sexto nivel del esquema</a:t>
-            </a:r>
-            <a:endParaRPr b="0" lang="es-ES" sz="2000" spc="-1" strike="noStrike">
-              <a:solidFill>
-                <a:srgbClr val="000000"/>
-              </a:solidFill>
-              <a:uFill>
-                <a:solidFill>
-                  <a:srgbClr val="ffffff"/>
-                </a:solidFill>
-              </a:uFill>
-              <a:latin typeface="Arial"/>
-            </a:endParaRPr>
-          </a:p>
-          <a:p>
-            <a:pPr lvl="6" marL="3024000" indent="-216000">
-              <a:buClr>
-                <a:srgbClr val="000000"/>
-              </a:buClr>
-              <a:buSzPct val="45000"/>
-              <a:buFont typeface="Wingdings" charset="2"/>
-              <a:buChar char=""/>
-            </a:pPr>
-            <a:r>
-              <a:rPr b="0" lang="es-ES" sz="2000" spc="-1" strike="noStrike">
-                <a:solidFill>
-                  <a:srgbClr val="000000"/>
-                </a:solidFill>
-                <a:uFill>
-                  <a:solidFill>
-                    <a:srgbClr val="ffffff"/>
-                  </a:solidFill>
-                </a:uFill>
-                <a:latin typeface="Arial"/>
-              </a:rPr>
-              <a:t>Séptimo nivel del esquema</a:t>
-            </a:r>
-            <a:endParaRPr b="0" lang="es-ES" sz="2000" spc="-1" strike="noStrike">
-              <a:solidFill>
-                <a:srgbClr val="000000"/>
-              </a:solidFill>
-              <a:uFill>
-                <a:solidFill>
-                  <a:srgbClr val="ffffff"/>
+            <a:endParaRPr lang="es-ES" sz="1800" b="0" strike="noStrike" spc="-1">
+              <a:solidFill>
+                <a:srgbClr val="000000"/>
+              </a:solidFill>
+              <a:uFill>
+                <a:solidFill>
+                  <a:srgbClr val="FFFFFF"/>
                 </a:solidFill>
               </a:uFill>
               <a:latin typeface="Arial"/>
@@ -3288,26 +4487,41 @@
       </p:sp>
     </p:spTree>
   </p:cSld>
-  <p:clrMap bg1="lt1" bg2="lt2" tx1="dk1" tx2="dk2" accent1="accent1" accent2="accent2" accent3="accent3" accent4="accent4" accent5="accent5" accent6="accent6" hlink="hlink" folHlink="folHlink"/>
-  <p:sldLayoutIdLst>
-    <p:sldLayoutId id="2147483649" r:id="rId2"/>
-    <p:sldLayoutId id="2147483650" r:id="rId3"/>
-    <p:sldLayoutId id="2147483651" r:id="rId4"/>
-    <p:sldLayoutId id="2147483652" r:id="rId5"/>
-    <p:sldLayoutId id="2147483653" r:id="rId6"/>
-    <p:sldLayoutId id="2147483654" r:id="rId7"/>
-    <p:sldLayoutId id="2147483655" r:id="rId8"/>
-    <p:sldLayoutId id="2147483656" r:id="rId9"/>
-    <p:sldLayoutId id="2147483657" r:id="rId10"/>
-    <p:sldLayoutId id="2147483658" r:id="rId11"/>
-    <p:sldLayoutId id="2147483659" r:id="rId12"/>
-    <p:sldLayoutId id="2147483660" r:id="rId13"/>
-  </p:sldLayoutIdLst>
-</p:sldMaster>
+  <p:clrMapOvr>
+    <a:masterClrMapping/>
+  </p:clrMapOvr>
+  <p:timing>
+    <p:tnLst>
+      <p:par>
+        <p:cTn id="1" dur="indefinite" restart="never" nodeType="tmRoot">
+          <p:childTnLst>
+            <p:seq>
+              <p:cTn id="2" nodeType="mainSeq"/>
+              <p:prevCondLst>
+                <p:cond evt="onPrev" delay="0">
+                  <p:tgtEl>
+                    <p:sldTgt/>
+                  </p:tgtEl>
+                </p:cond>
+              </p:prevCondLst>
+              <p:nextCondLst>
+                <p:cond evt="onNext" delay="0">
+                  <p:tgtEl>
+                    <p:sldTgt/>
+                  </p:tgtEl>
+                </p:cond>
+              </p:nextCondLst>
+            </p:seq>
+          </p:childTnLst>
+        </p:cTn>
+      </p:par>
+    </p:tnLst>
+  </p:timing>
+</p:sld>
 </file>
 
-<file path=ppt/slideMasters/slideMaster2.xml><?xml version="1.0" encoding="utf-8"?>
-<p:sldMaster xmlns:a="http://schemas.openxmlformats.org/drawingml/2006/main" xmlns:p="http://schemas.openxmlformats.org/presentationml/2006/main" xmlns:r="http://schemas.openxmlformats.org/officeDocument/2006/relationships">
+<file path=ppt/slides/slide2.xml><?xml version="1.0" encoding="utf-8"?>
+<p:sld xmlns:a="http://schemas.openxmlformats.org/drawingml/2006/main" xmlns:r="http://schemas.openxmlformats.org/officeDocument/2006/relationships" xmlns:p="http://schemas.openxmlformats.org/presentationml/2006/main">
   <p:cSld>
     <p:spTree>
       <p:nvGrpSpPr>
@@ -3325,13 +4539,9 @@
       </p:grpSpPr>
       <p:sp>
         <p:nvSpPr>
-          <p:cNvPr id="36" name="PlaceHolder 1"/>
-          <p:cNvSpPr>
-            <a:spLocks noGrp="1"/>
-          </p:cNvSpPr>
-          <p:nvPr>
-            <p:ph type="title"/>
-          </p:nvPr>
+          <p:cNvPr id="74" name="CustomShape 1"/>
+          <p:cNvSpPr/>
+          <p:nvPr/>
         </p:nvSpPr>
         <p:spPr>
           <a:xfrm>
@@ -3341,48 +4551,31 @@
           <a:prstGeom prst="rect">
             <a:avLst/>
           </a:prstGeom>
-        </p:spPr>
-        <p:txBody>
-          <a:bodyPr lIns="0" rIns="0" tIns="0" bIns="0" anchor="ctr"/>
-          <a:p>
-            <a:pPr algn="ctr"/>
-            <a:endParaRPr b="0" lang="es-ES" sz="4400" spc="-1" strike="noStrike">
-              <a:solidFill>
-                <a:srgbClr val="000000"/>
-              </a:solidFill>
-              <a:uFill>
-                <a:solidFill>
-                  <a:srgbClr val="ffffff"/>
-                </a:solidFill>
-              </a:uFill>
-              <a:latin typeface="Arial"/>
-            </a:endParaRPr>
-          </a:p>
-        </p:txBody>
-      </p:sp>
-      <p:sp>
-        <p:nvSpPr>
-          <p:cNvPr id="37" name="PlaceHolder 2"/>
-          <p:cNvSpPr>
-            <a:spLocks noGrp="1"/>
-          </p:cNvSpPr>
-          <p:nvPr>
-            <p:ph type="body"/>
-          </p:nvPr>
-        </p:nvSpPr>
-        <p:spPr>
-          <a:xfrm>
-            <a:off x="504000" y="1769040"/>
-            <a:ext cx="9071280" cy="4384080"/>
-          </a:xfrm>
-          <a:prstGeom prst="rect">
-            <a:avLst/>
-          </a:prstGeom>
-        </p:spPr>
-        <p:txBody>
-          <a:bodyPr lIns="0" rIns="0" tIns="0" bIns="0"/>
-          <a:p>
-            <a:pPr marL="432000" indent="-324000">
+          <a:noFill/>
+          <a:ln>
+            <a:noFill/>
+          </a:ln>
+        </p:spPr>
+        <p:style>
+          <a:lnRef idx="0">
+            <a:scrgbClr r="0" g="0" b="0"/>
+          </a:lnRef>
+          <a:fillRef idx="0">
+            <a:scrgbClr r="0" g="0" b="0"/>
+          </a:fillRef>
+          <a:effectRef idx="0">
+            <a:scrgbClr r="0" g="0" b="0"/>
+          </a:effectRef>
+          <a:fontRef idx="minor"/>
+        </p:style>
+        <p:txBody>
+          <a:bodyPr lIns="0" tIns="0" rIns="0" bIns="0" anchor="ctr"/>
+          <a:lstStyle/>
+          <a:p>
+            <a:pPr marL="274320" indent="-273960" algn="ctr">
+              <a:lnSpc>
+                <a:spcPct val="100000"/>
+              </a:lnSpc>
               <a:buClr>
                 <a:srgbClr val="000000"/>
               </a:buClr>
@@ -3391,236 +4584,152 @@
               <a:buChar char=""/>
             </a:pPr>
             <a:r>
-              <a:rPr b="0" lang="es-ES" sz="1800" spc="-1" strike="noStrike">
+              <a:rPr lang="es-ES" sz="2400" b="1" strike="noStrike" spc="-1">
                 <a:solidFill>
                   <a:srgbClr val="000000"/>
                 </a:solidFill>
                 <a:uFill>
                   <a:solidFill>
-                    <a:srgbClr val="ffffff"/>
+                    <a:srgbClr val="FFFFFF"/>
+                  </a:solidFill>
+                </a:uFill>
+                <a:latin typeface="Thorndale;Times New Roman"/>
+                <a:ea typeface="Thorndale;Times New Roman"/>
+              </a:rPr>
+              <a:t>Qui-vere falsone, quaerere mittimus-dicitur oculis se privasse</a:t>
+            </a:r>
+            <a:endParaRPr lang="es-ES" sz="1800" b="0" strike="noStrike" spc="-1">
+              <a:solidFill>
+                <a:srgbClr val="000000"/>
+              </a:solidFill>
+              <a:uFill>
+                <a:solidFill>
+                  <a:srgbClr val="FFFFFF"/>
+                </a:solidFill>
+              </a:uFill>
+              <a:latin typeface="Arial"/>
+            </a:endParaRPr>
+          </a:p>
+        </p:txBody>
+      </p:sp>
+      <p:sp>
+        <p:nvSpPr>
+          <p:cNvPr id="75" name="CustomShape 2"/>
+          <p:cNvSpPr/>
+          <p:nvPr/>
+        </p:nvSpPr>
+        <p:spPr>
+          <a:xfrm>
+            <a:off x="504000" y="1769040"/>
+            <a:ext cx="9071280" cy="4384080"/>
+          </a:xfrm>
+          <a:prstGeom prst="rect">
+            <a:avLst/>
+          </a:prstGeom>
+          <a:noFill/>
+          <a:ln>
+            <a:noFill/>
+          </a:ln>
+        </p:spPr>
+        <p:style>
+          <a:lnRef idx="0">
+            <a:scrgbClr r="0" g="0" b="0"/>
+          </a:lnRef>
+          <a:fillRef idx="0">
+            <a:scrgbClr r="0" g="0" b="0"/>
+          </a:fillRef>
+          <a:effectRef idx="0">
+            <a:scrgbClr r="0" g="0" b="0"/>
+          </a:effectRef>
+          <a:fontRef idx="minor"/>
+        </p:style>
+        <p:txBody>
+          <a:bodyPr lIns="0" tIns="0" rIns="0" bIns="0"/>
+          <a:lstStyle/>
+          <a:p>
+            <a:r>
+              <a:rPr lang="es-ES" sz="1600" b="0" strike="noStrike" spc="-1">
+                <a:solidFill>
+                  <a:srgbClr val="000000"/>
+                </a:solidFill>
+                <a:uFill>
+                  <a:solidFill>
+                    <a:srgbClr val="FFFFFF"/>
                   </a:solidFill>
                 </a:uFill>
                 <a:latin typeface="Arial"/>
+                <a:ea typeface="Arial Unicode MS"/>
               </a:rPr>
-              <a:t>Pulse para editar el formato de esquema del texto</a:t>
+              <a:t>Quasi enim emendum eis sit, quod addant ad virtutem, primum vilissimas res addunt, dein singulas potius, quam omnia, quae prima natura approbavisset, ea cum honestate coniungerent. Hi autem ponunt illi quidem prima naturae, sed ea seiungunt a finibus et a summa bonorum; </a:t>
             </a:r>
-            <a:endParaRPr b="0" lang="es-ES" sz="1800" spc="-1" strike="noStrike">
-              <a:solidFill>
-                <a:srgbClr val="000000"/>
-              </a:solidFill>
-              <a:uFill>
-                <a:solidFill>
-                  <a:srgbClr val="ffffff"/>
-                </a:solidFill>
-              </a:uFill>
-              <a:latin typeface="Arial"/>
-            </a:endParaRPr>
-          </a:p>
-          <a:p>
-            <a:pPr lvl="1" marL="864000" indent="-324000">
-              <a:buClr>
-                <a:srgbClr val="000000"/>
-              </a:buClr>
-              <a:buSzPct val="75000"/>
-              <a:buFont typeface="Symbol" charset="2"/>
-              <a:buChar char=""/>
-            </a:pPr>
             <a:r>
-              <a:rPr b="0" lang="es-ES" sz="1800" spc="-1" strike="noStrike">
-                <a:solidFill>
-                  <a:srgbClr val="000000"/>
+              <a:rPr lang="es-ES" sz="1600" b="0" u="sng" strike="noStrike" spc="-1">
+                <a:solidFill>
+                  <a:srgbClr val="0000FF"/>
                 </a:solidFill>
                 <a:uFill>
                   <a:solidFill>
-                    <a:srgbClr val="ffffff"/>
+                    <a:srgbClr val="FFFFFF"/>
                   </a:solidFill>
                 </a:uFill>
                 <a:latin typeface="Arial"/>
+                <a:ea typeface="Arial Unicode MS"/>
+                <a:hlinkClick r:id="rId2"/>
               </a:rPr>
-              <a:t>Segundo nivel del esquema</a:t>
+              <a:t>Quid ergo hoc loco intellegit honestum?</a:t>
             </a:r>
-            <a:endParaRPr b="0" lang="es-ES" sz="1800" spc="-1" strike="noStrike">
-              <a:solidFill>
-                <a:srgbClr val="000000"/>
-              </a:solidFill>
-              <a:uFill>
-                <a:solidFill>
-                  <a:srgbClr val="ffffff"/>
-                </a:solidFill>
-              </a:uFill>
-              <a:latin typeface="Arial"/>
-            </a:endParaRPr>
-          </a:p>
-          <a:p>
-            <a:pPr lvl="2" marL="1296000" indent="-288000">
-              <a:buClr>
-                <a:srgbClr val="000000"/>
-              </a:buClr>
-              <a:buSzPct val="45000"/>
-              <a:buFont typeface="Wingdings" charset="2"/>
-              <a:buChar char=""/>
-            </a:pPr>
             <a:r>
-              <a:rPr b="0" lang="es-ES" sz="1800" spc="-1" strike="noStrike">
+              <a:rPr lang="es-ES" sz="1600" b="0" strike="noStrike" spc="-1">
                 <a:solidFill>
                   <a:srgbClr val="000000"/>
                 </a:solidFill>
                 <a:uFill>
                   <a:solidFill>
-                    <a:srgbClr val="ffffff"/>
+                    <a:srgbClr val="FFFFFF"/>
                   </a:solidFill>
                 </a:uFill>
                 <a:latin typeface="Arial"/>
+                <a:ea typeface="Arial Unicode MS"/>
               </a:rPr>
-              <a:t>Tercer nivel del esquema</a:t>
+              <a:t> </a:t>
             </a:r>
-            <a:endParaRPr b="0" lang="es-ES" sz="1800" spc="-1" strike="noStrike">
-              <a:solidFill>
-                <a:srgbClr val="000000"/>
-              </a:solidFill>
-              <a:uFill>
-                <a:solidFill>
-                  <a:srgbClr val="ffffff"/>
-                </a:solidFill>
-              </a:uFill>
-              <a:latin typeface="Arial"/>
-            </a:endParaRPr>
-          </a:p>
-          <a:p>
-            <a:pPr lvl="3" marL="1728000" indent="-216000">
-              <a:buClr>
-                <a:srgbClr val="000000"/>
-              </a:buClr>
-              <a:buSzPct val="75000"/>
-              <a:buFont typeface="Symbol" charset="2"/>
-              <a:buChar char=""/>
-            </a:pPr>
             <a:r>
-              <a:rPr b="0" lang="es-ES" sz="1800" spc="-1" strike="noStrike">
+              <a:rPr lang="es-ES" sz="1600" b="1" strike="noStrike" spc="-1">
                 <a:solidFill>
                   <a:srgbClr val="000000"/>
                 </a:solidFill>
                 <a:uFill>
                   <a:solidFill>
-                    <a:srgbClr val="ffffff"/>
+                    <a:srgbClr val="FFFFFF"/>
                   </a:solidFill>
                 </a:uFill>
                 <a:latin typeface="Arial"/>
+                <a:ea typeface="Arial Unicode MS"/>
               </a:rPr>
-              <a:t>Cuarto nivel del esquema</a:t>
+              <a:t>Perge porro;</a:t>
             </a:r>
-            <a:endParaRPr b="0" lang="es-ES" sz="1800" spc="-1" strike="noStrike">
-              <a:solidFill>
-                <a:srgbClr val="000000"/>
-              </a:solidFill>
-              <a:uFill>
-                <a:solidFill>
-                  <a:srgbClr val="ffffff"/>
-                </a:solidFill>
-              </a:uFill>
-              <a:latin typeface="Arial"/>
-            </a:endParaRPr>
-          </a:p>
-          <a:p>
-            <a:pPr lvl="4" marL="2160000" indent="-216000">
-              <a:buClr>
-                <a:srgbClr val="000000"/>
-              </a:buClr>
-              <a:buSzPct val="45000"/>
-              <a:buFont typeface="Wingdings" charset="2"/>
-              <a:buChar char=""/>
-            </a:pPr>
             <a:r>
-              <a:rPr b="0" lang="es-ES" sz="1800" spc="-1" strike="noStrike">
+              <a:rPr lang="es-ES" sz="1600" b="0" strike="noStrike" spc="-1">
                 <a:solidFill>
                   <a:srgbClr val="000000"/>
                 </a:solidFill>
                 <a:uFill>
                   <a:solidFill>
-                    <a:srgbClr val="ffffff"/>
+                    <a:srgbClr val="FFFFFF"/>
                   </a:solidFill>
                 </a:uFill>
                 <a:latin typeface="Arial"/>
+                <a:ea typeface="Arial Unicode MS"/>
               </a:rPr>
-              <a:t>Quinto nivel del esquema</a:t>
+              <a:t> Nunc idem, nisi molestum est, quoniam tibi non omnino displicet definire et id facis, cum vis, velim definias quid sit voluptas, de quo omnis haec quaestio est. Teneamus enim illud necesse est, cum consequens aliquod falsum sit, illud, cuius id consequens sit, non posse esse verum. Nec vero potest quisquam de bonis et malis vere iudicare nisi omni cognita ratione naturae et vitae etiam deorum, et utrum conveniat necne natura hominis cum universa.</a:t>
             </a:r>
-            <a:endParaRPr b="0" lang="es-ES" sz="1800" spc="-1" strike="noStrike">
-              <a:solidFill>
-                <a:srgbClr val="000000"/>
-              </a:solidFill>
-              <a:uFill>
-                <a:solidFill>
-                  <a:srgbClr val="ffffff"/>
-                </a:solidFill>
-              </a:uFill>
-              <a:latin typeface="Arial"/>
-            </a:endParaRPr>
-          </a:p>
-          <a:p>
-            <a:pPr lvl="5" marL="2592000" indent="-216000">
-              <a:buClr>
-                <a:srgbClr val="000000"/>
-              </a:buClr>
-              <a:buSzPct val="45000"/>
-              <a:buFont typeface="Wingdings" charset="2"/>
-              <a:buChar char=""/>
-            </a:pPr>
-            <a:r>
-              <a:rPr b="0" lang="es-ES" sz="1800" spc="-1" strike="noStrike">
-                <a:solidFill>
-                  <a:srgbClr val="000000"/>
-                </a:solidFill>
-                <a:uFill>
-                  <a:solidFill>
-                    <a:srgbClr val="ffffff"/>
-                  </a:solidFill>
-                </a:uFill>
-                <a:latin typeface="Arial"/>
-              </a:rPr>
-              <a:t>Sexto nivel del esquema</a:t>
-            </a:r>
-            <a:endParaRPr b="0" lang="es-ES" sz="1800" spc="-1" strike="noStrike">
-              <a:solidFill>
-                <a:srgbClr val="000000"/>
-              </a:solidFill>
-              <a:uFill>
-                <a:solidFill>
-                  <a:srgbClr val="ffffff"/>
-                </a:solidFill>
-              </a:uFill>
-              <a:latin typeface="Arial"/>
-            </a:endParaRPr>
-          </a:p>
-          <a:p>
-            <a:pPr lvl="6" marL="3024000" indent="-216000">
-              <a:buClr>
-                <a:srgbClr val="000000"/>
-              </a:buClr>
-              <a:buSzPct val="45000"/>
-              <a:buFont typeface="Wingdings" charset="2"/>
-              <a:buChar char=""/>
-            </a:pPr>
-            <a:r>
-              <a:rPr b="0" lang="es-ES" sz="1800" spc="-1" strike="noStrike">
-                <a:solidFill>
-                  <a:srgbClr val="000000"/>
-                </a:solidFill>
-                <a:uFill>
-                  <a:solidFill>
-                    <a:srgbClr val="ffffff"/>
-                  </a:solidFill>
-                </a:uFill>
-                <a:latin typeface="Arial"/>
-              </a:rPr>
-              <a:t>Séptimo nivel del esquema</a:t>
-            </a:r>
-            <a:endParaRPr b="0" lang="es-ES" sz="1800" spc="-1" strike="noStrike">
-              <a:solidFill>
-                <a:srgbClr val="000000"/>
-              </a:solidFill>
-              <a:uFill>
-                <a:solidFill>
-                  <a:srgbClr val="ffffff"/>
+            <a:endParaRPr lang="es-ES" sz="1800" b="0" strike="noStrike" spc="-1">
+              <a:solidFill>
+                <a:srgbClr val="000000"/>
+              </a:solidFill>
+              <a:uFill>
+                <a:solidFill>
+                  <a:srgbClr val="FFFFFF"/>
                 </a:solidFill>
               </a:uFill>
               <a:latin typeface="Arial"/>
@@ -3630,26 +4739,41 @@
       </p:sp>
     </p:spTree>
   </p:cSld>
-  <p:clrMap bg1="lt1" bg2="lt2" tx1="dk1" tx2="dk2" accent1="accent1" accent2="accent2" accent3="accent3" accent4="accent4" accent5="accent5" accent6="accent6" hlink="hlink" folHlink="folHlink"/>
-  <p:sldLayoutIdLst>
-    <p:sldLayoutId id="2147483662" r:id="rId2"/>
-    <p:sldLayoutId id="2147483663" r:id="rId3"/>
-    <p:sldLayoutId id="2147483664" r:id="rId4"/>
-    <p:sldLayoutId id="2147483665" r:id="rId5"/>
-    <p:sldLayoutId id="2147483666" r:id="rId6"/>
-    <p:sldLayoutId id="2147483667" r:id="rId7"/>
-    <p:sldLayoutId id="2147483668" r:id="rId8"/>
-    <p:sldLayoutId id="2147483669" r:id="rId9"/>
-    <p:sldLayoutId id="2147483670" r:id="rId10"/>
-    <p:sldLayoutId id="2147483671" r:id="rId11"/>
-    <p:sldLayoutId id="2147483672" r:id="rId12"/>
-    <p:sldLayoutId id="2147483673" r:id="rId13"/>
-  </p:sldLayoutIdLst>
-</p:sldMaster>
+  <p:clrMapOvr>
+    <a:masterClrMapping/>
+  </p:clrMapOvr>
+  <p:timing>
+    <p:tnLst>
+      <p:par>
+        <p:cTn id="1" dur="indefinite" restart="never" nodeType="tmRoot">
+          <p:childTnLst>
+            <p:seq>
+              <p:cTn id="2" nodeType="mainSeq"/>
+              <p:prevCondLst>
+                <p:cond evt="onPrev" delay="0">
+                  <p:tgtEl>
+                    <p:sldTgt/>
+                  </p:tgtEl>
+                </p:cond>
+              </p:prevCondLst>
+              <p:nextCondLst>
+                <p:cond evt="onNext" delay="0">
+                  <p:tgtEl>
+                    <p:sldTgt/>
+                  </p:tgtEl>
+                </p:cond>
+              </p:nextCondLst>
+            </p:seq>
+          </p:childTnLst>
+        </p:cTn>
+      </p:par>
+    </p:tnLst>
+  </p:timing>
+</p:sld>
 </file>
 
-<file path=ppt/slides/slide1.xml><?xml version="1.0" encoding="utf-8"?>
-<p:sld xmlns:a="http://schemas.openxmlformats.org/drawingml/2006/main" xmlns:p="http://schemas.openxmlformats.org/presentationml/2006/main" xmlns:r="http://schemas.openxmlformats.org/officeDocument/2006/relationships">
+<file path=ppt/slides/slide3.xml><?xml version="1.0" encoding="utf-8"?>
+<p:sld xmlns:a="http://schemas.openxmlformats.org/drawingml/2006/main" xmlns:r="http://schemas.openxmlformats.org/officeDocument/2006/relationships" xmlns:p="http://schemas.openxmlformats.org/presentationml/2006/main">
   <p:cSld>
     <p:spTree>
       <p:nvGrpSpPr>
@@ -3667,7 +4791,7 @@
       </p:grpSpPr>
       <p:sp>
         <p:nvSpPr>
-          <p:cNvPr id="72" name="CustomShape 1"/>
+          <p:cNvPr id="76" name="CustomShape 1"/>
           <p:cNvSpPr/>
           <p:nvPr/>
         </p:nvSpPr>
@@ -3685,13 +4809,20 @@
           </a:ln>
         </p:spPr>
         <p:style>
-          <a:lnRef idx="0"/>
-          <a:fillRef idx="0"/>
-          <a:effectRef idx="0"/>
+          <a:lnRef idx="0">
+            <a:scrgbClr r="0" g="0" b="0"/>
+          </a:lnRef>
+          <a:fillRef idx="0">
+            <a:scrgbClr r="0" g="0" b="0"/>
+          </a:fillRef>
+          <a:effectRef idx="0">
+            <a:scrgbClr r="0" g="0" b="0"/>
+          </a:effectRef>
           <a:fontRef idx="minor"/>
         </p:style>
         <p:txBody>
-          <a:bodyPr lIns="0" rIns="0" tIns="0" bIns="0" anchor="ctr"/>
+          <a:bodyPr lIns="0" tIns="0" rIns="0" bIns="0" anchor="ctr"/>
+          <a:lstStyle/>
           <a:p>
             <a:pPr marL="274320" indent="-273960" algn="ctr">
               <a:lnSpc>
@@ -3705,37 +4836,37 @@
               <a:buChar char=""/>
             </a:pPr>
             <a:r>
-              <a:rPr b="1" lang="es-ES" sz="2400" spc="-1" strike="noStrike">
+              <a:rPr lang="es-ES" sz="2400" b="1" strike="noStrike" spc="-1">
                 <a:solidFill>
                   <a:srgbClr val="000000"/>
                 </a:solidFill>
                 <a:uFill>
                   <a:solidFill>
-                    <a:srgbClr val="ffffff"/>
+                    <a:srgbClr val="FFFFFF"/>
                   </a:solidFill>
                 </a:uFill>
                 <a:latin typeface="Thorndale;Times New Roman"/>
                 <a:ea typeface="Thorndale;Times New Roman"/>
               </a:rPr>
-              <a:t>Zenonis est, inquam, hoc Stoici</a:t>
+              <a:t>Ex eorum enim scriptis et institutis cum omnis doctrina liberalis</a:t>
             </a:r>
-            <a:endParaRPr b="0" lang="es-ES" sz="1800" spc="-1" strike="noStrike">
-              <a:solidFill>
-                <a:srgbClr val="000000"/>
-              </a:solidFill>
-              <a:uFill>
-                <a:solidFill>
-                  <a:srgbClr val="ffffff"/>
-                </a:solidFill>
-              </a:uFill>
-              <a:latin typeface="Arial"/>
-            </a:endParaRPr>
-          </a:p>
-        </p:txBody>
-      </p:sp>
-      <p:sp>
-        <p:nvSpPr>
-          <p:cNvPr id="73" name="CustomShape 2"/>
+            <a:endParaRPr lang="es-ES" sz="1800" b="0" strike="noStrike" spc="-1">
+              <a:solidFill>
+                <a:srgbClr val="000000"/>
+              </a:solidFill>
+              <a:uFill>
+                <a:solidFill>
+                  <a:srgbClr val="FFFFFF"/>
+                </a:solidFill>
+              </a:uFill>
+              <a:latin typeface="Arial"/>
+            </a:endParaRPr>
+          </a:p>
+        </p:txBody>
+      </p:sp>
+      <p:sp>
+        <p:nvSpPr>
+          <p:cNvPr id="77" name="CustomShape 2"/>
           <p:cNvSpPr/>
           <p:nvPr/>
         </p:nvSpPr>
@@ -3753,66 +4884,352 @@
           </a:ln>
         </p:spPr>
         <p:style>
-          <a:lnRef idx="0"/>
-          <a:fillRef idx="0"/>
-          <a:effectRef idx="0"/>
+          <a:lnRef idx="0">
+            <a:scrgbClr r="0" g="0" b="0"/>
+          </a:lnRef>
+          <a:fillRef idx="0">
+            <a:scrgbClr r="0" g="0" b="0"/>
+          </a:fillRef>
+          <a:effectRef idx="0">
+            <a:scrgbClr r="0" g="0" b="0"/>
+          </a:effectRef>
           <a:fontRef idx="minor"/>
         </p:style>
         <p:txBody>
-          <a:bodyPr lIns="0" rIns="0" tIns="0" bIns="0" anchor="ctr"/>
+          <a:bodyPr lIns="0" tIns="0" rIns="0" bIns="0"/>
+          <a:lstStyle/>
           <a:p>
             <a:r>
-              <a:rPr b="0" lang="es-ES" sz="1600" spc="-1" strike="noStrike">
+              <a:rPr lang="es-ES" sz="1800" b="0" strike="noStrike" spc="-1">
                 <a:solidFill>
                   <a:srgbClr val="000000"/>
                 </a:solidFill>
                 <a:uFill>
                   <a:solidFill>
-                    <a:srgbClr val="ffffff"/>
+                    <a:srgbClr val="FFFFFF"/>
                   </a:solidFill>
                 </a:uFill>
                 <a:latin typeface="Arial"/>
-                <a:ea typeface="Arial Unicode MS"/>
               </a:rPr>
-              <a:t>Lorem ipsum dolor sit amet, consectetur adipiscing elit. Ex quo intellegitur idem illud, solum bonum esse, quod honestum sit, idque esse beate vivere: honeste, id est cum virtute, vivere. Quam haec sunt contraria! hic si definire, si dividere didicisset, si loquendi vim, si denique consuetudinem verborum teneret, numquam in tantas salebras incidisset. Scripsit enim et multis saepe verbis et breviter arteque in eo libro, quem modo nominavi, mortem nihil ad nos pertinere. Duo Reges: constructio interrete. </a:t>
+              <a:t>Atque his tribus generibus honestorum notatis quartum sequitur et in eadem pulchritudine et aptum ex illis tribus, in quo inest ordo et moderatio. </a:t>
             </a:r>
             <a:r>
-              <a:rPr b="0" i="1" lang="es-ES" sz="1600" spc="-1" strike="noStrike">
+              <a:rPr lang="es-ES" sz="1800" b="0" strike="noStrike" spc="-1">
                 <a:solidFill>
                   <a:srgbClr val="000000"/>
                 </a:solidFill>
                 <a:uFill>
                   <a:solidFill>
-                    <a:srgbClr val="ffffff"/>
+                    <a:srgbClr val="FFFFFF"/>
+                  </a:solidFill>
+                </a:uFill>
+                <a:latin typeface="Liberation Mono;Courier New"/>
+                <a:ea typeface="Liberation Mono;Courier New"/>
+              </a:rPr>
+              <a:t>Proclivi currit oratio.</a:t>
+            </a:r>
+            <a:r>
+              <a:rPr lang="es-ES" sz="1800" b="0" strike="noStrike" spc="-1">
+                <a:solidFill>
+                  <a:srgbClr val="000000"/>
+                </a:solidFill>
+                <a:uFill>
+                  <a:solidFill>
+                    <a:srgbClr val="FFFFFF"/>
                   </a:solidFill>
                 </a:uFill>
                 <a:latin typeface="Arial"/>
-                <a:ea typeface="Arial Unicode MS"/>
+                <a:ea typeface="Liberation Mono;Courier New"/>
               </a:rPr>
-              <a:t>Hoc est non dividere, sed frangere.</a:t>
+              <a:t> His similes sunt omnes, qui virtuti student levantur vitiis, levantur erroribus, nisi forte censes Ti. Si ad corpus pertinentibus, rationes tuas te video compensare cum istis doloribus, non memoriam corpore perceptarum voluptatum; Quod autem satis est, eo quicquid accessit, nimium est; </a:t>
             </a:r>
+            <a:endParaRPr lang="es-ES" sz="1800" b="0" strike="noStrike" spc="-1">
+              <a:solidFill>
+                <a:srgbClr val="000000"/>
+              </a:solidFill>
+              <a:uFill>
+                <a:solidFill>
+                  <a:srgbClr val="FFFFFF"/>
+                </a:solidFill>
+              </a:uFill>
+              <a:latin typeface="Arial"/>
+            </a:endParaRPr>
+          </a:p>
+          <a:p>
             <a:r>
-              <a:rPr b="0" lang="es-ES" sz="1600" spc="-1" strike="noStrike">
+              <a:rPr lang="es-ES" sz="1800" b="0" strike="noStrike" spc="-1">
                 <a:solidFill>
                   <a:srgbClr val="000000"/>
                 </a:solidFill>
                 <a:uFill>
                   <a:solidFill>
-                    <a:srgbClr val="ffffff"/>
+                    <a:srgbClr val="FFFFFF"/>
                   </a:solidFill>
                 </a:uFill>
                 <a:latin typeface="Arial"/>
-                <a:ea typeface="Arial Unicode MS"/>
+                <a:ea typeface="Liberation Mono;Courier New"/>
               </a:rPr>
-              <a:t> Perspicuum est enim, nisi aequitas, fides, iustitia proficiscantur a natura, et si omnia haec ad utilitatem referantur, virum bonum non posse reperiri; Qua in vita tantum abest ut voluptates consectentur, etiam curas, sollicitudines, vigilias perferunt optimaque parte hominis, quae in nobis divina ducenda est, ingenii et mentis acie fruuntur nec voluptatem requirentes nec fugientes laborem. Is enim percontando atque interrogando elicere solebat eorum opiniones, quibuscum disserebat, ut ad ea, quae ii respondissent, si quid videretur, diceret. Gerendus est mos, modo recte sentiat. Zeno autem, quod suam, quod propriam speciem habeat, cur appetendum sit, id solum bonum appellat, beatam autem vitam eam solam, quae cum virtute degatur.</a:t>
+              <a:t>Quis enim redargueret? </a:t>
             </a:r>
-            <a:endParaRPr b="0" lang="es-ES" sz="1800" spc="-1" strike="noStrike">
-              <a:solidFill>
-                <a:srgbClr val="000000"/>
-              </a:solidFill>
-              <a:uFill>
-                <a:solidFill>
-                  <a:srgbClr val="ffffff"/>
+            <a:endParaRPr lang="es-ES" sz="1800" b="0" strike="noStrike" spc="-1">
+              <a:solidFill>
+                <a:srgbClr val="000000"/>
+              </a:solidFill>
+              <a:uFill>
+                <a:solidFill>
+                  <a:srgbClr val="FFFFFF"/>
+                </a:solidFill>
+              </a:uFill>
+              <a:latin typeface="Arial"/>
+            </a:endParaRPr>
+          </a:p>
+          <a:p>
+            <a:r>
+              <a:rPr lang="es-ES" sz="1800" b="0" strike="noStrike" spc="-1">
+                <a:solidFill>
+                  <a:srgbClr val="000000"/>
+                </a:solidFill>
+                <a:uFill>
+                  <a:solidFill>
+                    <a:srgbClr val="FFFFFF"/>
+                  </a:solidFill>
+                </a:uFill>
+                <a:latin typeface="Arial"/>
+                <a:ea typeface="Liberation Mono;Courier New"/>
+              </a:rPr>
+              <a:t>Qui enim existimabit posse se miserum esse beatus non erit. </a:t>
+            </a:r>
+            <a:endParaRPr lang="es-ES" sz="1800" b="0" strike="noStrike" spc="-1">
+              <a:solidFill>
+                <a:srgbClr val="000000"/>
+              </a:solidFill>
+              <a:uFill>
+                <a:solidFill>
+                  <a:srgbClr val="FFFFFF"/>
+                </a:solidFill>
+              </a:uFill>
+              <a:latin typeface="Arial"/>
+            </a:endParaRPr>
+          </a:p>
+          <a:p>
+            <a:r>
+              <a:rPr lang="es-ES" sz="1800" b="0" strike="noStrike" spc="-1">
+                <a:solidFill>
+                  <a:srgbClr val="000000"/>
+                </a:solidFill>
+                <a:uFill>
+                  <a:solidFill>
+                    <a:srgbClr val="FFFFFF"/>
+                  </a:solidFill>
+                </a:uFill>
+                <a:latin typeface="Arial"/>
+                <a:ea typeface="Liberation Mono;Courier New"/>
+              </a:rPr>
+              <a:t>Quis istum dolorem timet? </a:t>
+            </a:r>
+            <a:endParaRPr lang="es-ES" sz="1800" b="0" strike="noStrike" spc="-1">
+              <a:solidFill>
+                <a:srgbClr val="000000"/>
+              </a:solidFill>
+              <a:uFill>
+                <a:solidFill>
+                  <a:srgbClr val="FFFFFF"/>
+                </a:solidFill>
+              </a:uFill>
+              <a:latin typeface="Arial"/>
+            </a:endParaRPr>
+          </a:p>
+          <a:p>
+            <a:r>
+              <a:rPr lang="es-ES" sz="1800" b="0" strike="noStrike" spc="-1">
+                <a:solidFill>
+                  <a:srgbClr val="000000"/>
+                </a:solidFill>
+                <a:uFill>
+                  <a:solidFill>
+                    <a:srgbClr val="FFFFFF"/>
+                  </a:solidFill>
+                </a:uFill>
+                <a:latin typeface="Arial"/>
+                <a:ea typeface="Liberation Mono;Courier New"/>
+              </a:rPr>
+              <a:t>Sed quia studebat laudi et dignitati, multum in virtute processerat. </a:t>
+            </a:r>
+            <a:endParaRPr lang="es-ES" sz="1800" b="0" strike="noStrike" spc="-1">
+              <a:solidFill>
+                <a:srgbClr val="000000"/>
+              </a:solidFill>
+              <a:uFill>
+                <a:solidFill>
+                  <a:srgbClr val="FFFFFF"/>
+                </a:solidFill>
+              </a:uFill>
+              <a:latin typeface="Arial"/>
+            </a:endParaRPr>
+          </a:p>
+          <a:p>
+            <a:r>
+              <a:rPr lang="es-ES" sz="1800" b="0" strike="noStrike" spc="-1">
+                <a:solidFill>
+                  <a:srgbClr val="000000"/>
+                </a:solidFill>
+                <a:uFill>
+                  <a:solidFill>
+                    <a:srgbClr val="FFFFFF"/>
+                  </a:solidFill>
+                </a:uFill>
+                <a:latin typeface="Arial"/>
+                <a:ea typeface="Liberation Mono;Courier New"/>
+              </a:rPr>
+              <a:t>Etiam beatissimum? </a:t>
+            </a:r>
+            <a:endParaRPr lang="es-ES" sz="1800" b="0" strike="noStrike" spc="-1">
+              <a:solidFill>
+                <a:srgbClr val="000000"/>
+              </a:solidFill>
+              <a:uFill>
+                <a:solidFill>
+                  <a:srgbClr val="FFFFFF"/>
+                </a:solidFill>
+              </a:uFill>
+              <a:latin typeface="Arial"/>
+            </a:endParaRPr>
+          </a:p>
+          <a:p>
+            <a:r>
+              <a:rPr lang="es-ES" sz="1800" b="0" strike="noStrike" spc="-1">
+                <a:solidFill>
+                  <a:srgbClr val="000000"/>
+                </a:solidFill>
+                <a:uFill>
+                  <a:solidFill>
+                    <a:srgbClr val="FFFFFF"/>
+                  </a:solidFill>
+                </a:uFill>
+                <a:latin typeface="Arial"/>
+                <a:ea typeface="Liberation Mono;Courier New"/>
+              </a:rPr>
+              <a:t>Poterat autem inpune; </a:t>
+            </a:r>
+            <a:endParaRPr lang="es-ES" sz="1800" b="0" strike="noStrike" spc="-1">
+              <a:solidFill>
+                <a:srgbClr val="000000"/>
+              </a:solidFill>
+              <a:uFill>
+                <a:solidFill>
+                  <a:srgbClr val="FFFFFF"/>
+                </a:solidFill>
+              </a:uFill>
+              <a:latin typeface="Arial"/>
+            </a:endParaRPr>
+          </a:p>
+          <a:p>
+            <a:r>
+              <a:rPr lang="es-ES" sz="1800" b="0" strike="noStrike" spc="-1">
+                <a:solidFill>
+                  <a:srgbClr val="000000"/>
+                </a:solidFill>
+                <a:uFill>
+                  <a:solidFill>
+                    <a:srgbClr val="FFFFFF"/>
+                  </a:solidFill>
+                </a:uFill>
+                <a:latin typeface="Arial"/>
+                <a:ea typeface="Liberation Mono;Courier New"/>
+              </a:rPr>
+              <a:t>Istic sum, inquit. </a:t>
+            </a:r>
+            <a:endParaRPr lang="es-ES" sz="1800" b="0" strike="noStrike" spc="-1">
+              <a:solidFill>
+                <a:srgbClr val="000000"/>
+              </a:solidFill>
+              <a:uFill>
+                <a:solidFill>
+                  <a:srgbClr val="FFFFFF"/>
+                </a:solidFill>
+              </a:uFill>
+              <a:latin typeface="Arial"/>
+            </a:endParaRPr>
+          </a:p>
+          <a:p>
+            <a:r>
+              <a:rPr lang="es-ES" sz="1800" b="0" strike="noStrike" spc="-1">
+                <a:solidFill>
+                  <a:srgbClr val="000000"/>
+                </a:solidFill>
+                <a:uFill>
+                  <a:solidFill>
+                    <a:srgbClr val="FFFFFF"/>
+                  </a:solidFill>
+                </a:uFill>
+                <a:latin typeface="Arial"/>
+                <a:ea typeface="Liberation Mono;Courier New"/>
+              </a:rPr>
+              <a:t>Quo modo autem philosophus loquitur? </a:t>
+            </a:r>
+            <a:endParaRPr lang="es-ES" sz="1800" b="0" strike="noStrike" spc="-1">
+              <a:solidFill>
+                <a:srgbClr val="000000"/>
+              </a:solidFill>
+              <a:uFill>
+                <a:solidFill>
+                  <a:srgbClr val="FFFFFF"/>
+                </a:solidFill>
+              </a:uFill>
+              <a:latin typeface="Arial"/>
+            </a:endParaRPr>
+          </a:p>
+          <a:p>
+            <a:r>
+              <a:rPr lang="es-ES" sz="1800" b="0" strike="noStrike" spc="-1">
+                <a:solidFill>
+                  <a:srgbClr val="000000"/>
+                </a:solidFill>
+                <a:uFill>
+                  <a:solidFill>
+                    <a:srgbClr val="FFFFFF"/>
+                  </a:solidFill>
+                </a:uFill>
+                <a:latin typeface="Arial"/>
+                <a:ea typeface="Liberation Mono;Courier New"/>
+              </a:rPr>
+              <a:t>Quid vero? </a:t>
+            </a:r>
+            <a:endParaRPr lang="es-ES" sz="1800" b="0" strike="noStrike" spc="-1">
+              <a:solidFill>
+                <a:srgbClr val="000000"/>
+              </a:solidFill>
+              <a:uFill>
+                <a:solidFill>
+                  <a:srgbClr val="FFFFFF"/>
+                </a:solidFill>
+              </a:uFill>
+              <a:latin typeface="Arial"/>
+            </a:endParaRPr>
+          </a:p>
+          <a:p>
+            <a:r>
+              <a:rPr lang="es-ES" sz="1800" b="0" strike="noStrike" spc="-1">
+                <a:solidFill>
+                  <a:srgbClr val="000000"/>
+                </a:solidFill>
+                <a:uFill>
+                  <a:solidFill>
+                    <a:srgbClr val="FFFFFF"/>
+                  </a:solidFill>
+                </a:uFill>
+                <a:latin typeface="Arial"/>
+                <a:ea typeface="Liberation Mono;Courier New"/>
+              </a:rPr>
+              <a:t>Cur igitur, inquam, res tam dissimiles eodem nomine appellas? </a:t>
+            </a:r>
+            <a:endParaRPr lang="es-ES" sz="1800" b="0" strike="noStrike" spc="-1">
+              <a:solidFill>
+                <a:srgbClr val="000000"/>
+              </a:solidFill>
+              <a:uFill>
+                <a:solidFill>
+                  <a:srgbClr val="FFFFFF"/>
                 </a:solidFill>
               </a:uFill>
               <a:latin typeface="Arial"/>
@@ -3822,6 +5239,9 @@
       </p:sp>
     </p:spTree>
   </p:cSld>
+  <p:clrMapOvr>
+    <a:masterClrMapping/>
+  </p:clrMapOvr>
   <p:timing>
     <p:tnLst>
       <p:par>
@@ -3830,14 +5250,14 @@
             <p:seq>
               <p:cTn id="2" nodeType="mainSeq"/>
               <p:prevCondLst>
-                <p:cond delay="0" evt="onPrev">
+                <p:cond evt="onPrev" delay="0">
                   <p:tgtEl>
                     <p:sldTgt/>
                   </p:tgtEl>
                 </p:cond>
               </p:prevCondLst>
               <p:nextCondLst>
-                <p:cond delay="0" evt="onNext">
+                <p:cond evt="onNext" delay="0">
                   <p:tgtEl>
                     <p:sldTgt/>
                   </p:tgtEl>
@@ -3852,8 +5272,8 @@
 </p:sld>
 </file>
 
-<file path=ppt/slides/slide2.xml><?xml version="1.0" encoding="utf-8"?>
-<p:sld xmlns:a="http://schemas.openxmlformats.org/drawingml/2006/main" xmlns:p="http://schemas.openxmlformats.org/presentationml/2006/main" xmlns:r="http://schemas.openxmlformats.org/officeDocument/2006/relationships">
+<file path=ppt/slides/slide4.xml><?xml version="1.0" encoding="utf-8"?>
+<p:sld xmlns:a="http://schemas.openxmlformats.org/drawingml/2006/main" xmlns:r="http://schemas.openxmlformats.org/officeDocument/2006/relationships" xmlns:p="http://schemas.openxmlformats.org/presentationml/2006/main">
   <p:cSld>
     <p:spTree>
       <p:nvGrpSpPr>
@@ -3871,7 +5291,7 @@
       </p:grpSpPr>
       <p:sp>
         <p:nvSpPr>
-          <p:cNvPr id="74" name="CustomShape 1"/>
+          <p:cNvPr id="78" name="CustomShape 1"/>
           <p:cNvSpPr/>
           <p:nvPr/>
         </p:nvSpPr>
@@ -3889,15 +5309,22 @@
           </a:ln>
         </p:spPr>
         <p:style>
-          <a:lnRef idx="0"/>
-          <a:fillRef idx="0"/>
-          <a:effectRef idx="0"/>
+          <a:lnRef idx="0">
+            <a:scrgbClr r="0" g="0" b="0"/>
+          </a:lnRef>
+          <a:fillRef idx="0">
+            <a:scrgbClr r="0" g="0" b="0"/>
+          </a:fillRef>
+          <a:effectRef idx="0">
+            <a:scrgbClr r="0" g="0" b="0"/>
+          </a:effectRef>
           <a:fontRef idx="minor"/>
         </p:style>
         <p:txBody>
-          <a:bodyPr lIns="0" rIns="0" tIns="0" bIns="0" anchor="ctr"/>
-          <a:p>
-            <a:pPr marL="274320" indent="-273960" algn="ctr">
+          <a:bodyPr lIns="0" tIns="0" rIns="0" bIns="0" anchor="ctr"/>
+          <a:lstStyle/>
+          <a:p>
+            <a:pPr marL="432000" lvl="1" indent="-215640" algn="ctr">
               <a:lnSpc>
                 <a:spcPct val="100000"/>
               </a:lnSpc>
@@ -3909,731 +5336,13 @@
               <a:buChar char=""/>
             </a:pPr>
             <a:r>
-              <a:rPr b="1" lang="es-ES" sz="2400" spc="-1" strike="noStrike">
+              <a:rPr lang="es-ES" sz="2400" b="1" strike="noStrike" spc="-1">
                 <a:solidFill>
                   <a:srgbClr val="000000"/>
                 </a:solidFill>
                 <a:uFill>
                   <a:solidFill>
-                    <a:srgbClr val="ffffff"/>
-                  </a:solidFill>
-                </a:uFill>
-                <a:latin typeface="Thorndale;Times New Roman"/>
-                <a:ea typeface="Thorndale;Times New Roman"/>
-              </a:rPr>
-              <a:t>Qui-vere falsone, quaerere mittimus-dicitur oculis se privasse</a:t>
-            </a:r>
-            <a:endParaRPr b="0" lang="es-ES" sz="1800" spc="-1" strike="noStrike">
-              <a:solidFill>
-                <a:srgbClr val="000000"/>
-              </a:solidFill>
-              <a:uFill>
-                <a:solidFill>
-                  <a:srgbClr val="ffffff"/>
-                </a:solidFill>
-              </a:uFill>
-              <a:latin typeface="Arial"/>
-            </a:endParaRPr>
-          </a:p>
-        </p:txBody>
-      </p:sp>
-      <p:sp>
-        <p:nvSpPr>
-          <p:cNvPr id="75" name="CustomShape 2"/>
-          <p:cNvSpPr/>
-          <p:nvPr/>
-        </p:nvSpPr>
-        <p:spPr>
-          <a:xfrm>
-            <a:off x="504000" y="1769040"/>
-            <a:ext cx="9071280" cy="4384080"/>
-          </a:xfrm>
-          <a:prstGeom prst="rect">
-            <a:avLst/>
-          </a:prstGeom>
-          <a:noFill/>
-          <a:ln>
-            <a:noFill/>
-          </a:ln>
-        </p:spPr>
-        <p:style>
-          <a:lnRef idx="0"/>
-          <a:fillRef idx="0"/>
-          <a:effectRef idx="0"/>
-          <a:fontRef idx="minor"/>
-        </p:style>
-        <p:txBody>
-          <a:bodyPr lIns="0" rIns="0" tIns="0" bIns="0"/>
-          <a:p>
-            <a:r>
-              <a:rPr b="0" lang="es-ES" sz="1600" spc="-1" strike="noStrike">
-                <a:solidFill>
-                  <a:srgbClr val="000000"/>
-                </a:solidFill>
-                <a:uFill>
-                  <a:solidFill>
-                    <a:srgbClr val="ffffff"/>
-                  </a:solidFill>
-                </a:uFill>
-                <a:latin typeface="Arial"/>
-                <a:ea typeface="Arial Unicode MS"/>
-              </a:rPr>
-              <a:t>Quasi enim emendum eis sit, quod addant ad virtutem, primum vilissimas res addunt, dein singulas potius, quam omnia, quae prima natura approbavisset, ea cum honestate coniungerent. Hi autem ponunt illi quidem prima naturae, sed ea seiungunt a finibus et a summa bonorum; </a:t>
-            </a:r>
-            <a:r>
-              <a:rPr b="0" lang="es-ES" sz="1600" spc="-1" strike="noStrike" u="sng">
-                <a:solidFill>
-                  <a:srgbClr val="0000ff"/>
-                </a:solidFill>
-                <a:uFill>
-                  <a:solidFill>
-                    <a:srgbClr val="ffffff"/>
-                  </a:solidFill>
-                </a:uFill>
-                <a:latin typeface="Arial"/>
-                <a:ea typeface="Arial Unicode MS"/>
-                <a:hlinkClick r:id="rId1"/>
-              </a:rPr>
-              <a:t>Quid ergo hoc loco intellegit honestum?</a:t>
-            </a:r>
-            <a:r>
-              <a:rPr b="0" lang="es-ES" sz="1600" spc="-1" strike="noStrike">
-                <a:solidFill>
-                  <a:srgbClr val="000000"/>
-                </a:solidFill>
-                <a:uFill>
-                  <a:solidFill>
-                    <a:srgbClr val="ffffff"/>
-                  </a:solidFill>
-                </a:uFill>
-                <a:latin typeface="Arial"/>
-                <a:ea typeface="Arial Unicode MS"/>
-              </a:rPr>
-              <a:t> </a:t>
-            </a:r>
-            <a:r>
-              <a:rPr b="1" lang="es-ES" sz="1600" spc="-1" strike="noStrike">
-                <a:solidFill>
-                  <a:srgbClr val="000000"/>
-                </a:solidFill>
-                <a:uFill>
-                  <a:solidFill>
-                    <a:srgbClr val="ffffff"/>
-                  </a:solidFill>
-                </a:uFill>
-                <a:latin typeface="Arial"/>
-                <a:ea typeface="Arial Unicode MS"/>
-              </a:rPr>
-              <a:t>Perge porro;</a:t>
-            </a:r>
-            <a:r>
-              <a:rPr b="0" lang="es-ES" sz="1600" spc="-1" strike="noStrike">
-                <a:solidFill>
-                  <a:srgbClr val="000000"/>
-                </a:solidFill>
-                <a:uFill>
-                  <a:solidFill>
-                    <a:srgbClr val="ffffff"/>
-                  </a:solidFill>
-                </a:uFill>
-                <a:latin typeface="Arial"/>
-                <a:ea typeface="Arial Unicode MS"/>
-              </a:rPr>
-              <a:t> Nunc idem, nisi molestum est, quoniam tibi non omnino displicet definire et id facis, cum vis, velim definias quid sit voluptas, de quo omnis haec quaestio est. Teneamus enim illud necesse est, cum consequens aliquod falsum sit, illud, cuius id consequens sit, non posse esse verum. Nec vero potest quisquam de bonis et malis vere iudicare nisi omni cognita ratione naturae et vitae etiam deorum, et utrum conveniat necne natura hominis cum universa.</a:t>
-            </a:r>
-            <a:endParaRPr b="0" lang="es-ES" sz="1800" spc="-1" strike="noStrike">
-              <a:solidFill>
-                <a:srgbClr val="000000"/>
-              </a:solidFill>
-              <a:uFill>
-                <a:solidFill>
-                  <a:srgbClr val="ffffff"/>
-                </a:solidFill>
-              </a:uFill>
-              <a:latin typeface="Arial"/>
-            </a:endParaRPr>
-          </a:p>
-        </p:txBody>
-      </p:sp>
-    </p:spTree>
-  </p:cSld>
-  <p:timing>
-    <p:tnLst>
-      <p:par>
-        <p:cTn id="3" dur="indefinite" restart="never" nodeType="tmRoot">
-          <p:childTnLst>
-            <p:seq>
-              <p:cTn id="4" nodeType="mainSeq"/>
-              <p:prevCondLst>
-                <p:cond delay="0" evt="onPrev">
-                  <p:tgtEl>
-                    <p:sldTgt/>
-                  </p:tgtEl>
-                </p:cond>
-              </p:prevCondLst>
-              <p:nextCondLst>
-                <p:cond delay="0" evt="onNext">
-                  <p:tgtEl>
-                    <p:sldTgt/>
-                  </p:tgtEl>
-                </p:cond>
-              </p:nextCondLst>
-            </p:seq>
-          </p:childTnLst>
-        </p:cTn>
-      </p:par>
-    </p:tnLst>
-  </p:timing>
-</p:sld>
-</file>
-
-<file path=ppt/slides/slide3.xml><?xml version="1.0" encoding="utf-8"?>
-<p:sld xmlns:a="http://schemas.openxmlformats.org/drawingml/2006/main" xmlns:p="http://schemas.openxmlformats.org/presentationml/2006/main" xmlns:r="http://schemas.openxmlformats.org/officeDocument/2006/relationships">
-  <p:cSld>
-    <p:spTree>
-      <p:nvGrpSpPr>
-        <p:cNvPr id="1" name=""/>
-        <p:cNvGrpSpPr/>
-        <p:nvPr/>
-      </p:nvGrpSpPr>
-      <p:grpSpPr>
-        <a:xfrm>
-          <a:off x="0" y="0"/>
-          <a:ext cx="0" cy="0"/>
-          <a:chOff x="0" y="0"/>
-          <a:chExt cx="0" cy="0"/>
-        </a:xfrm>
-      </p:grpSpPr>
-      <p:sp>
-        <p:nvSpPr>
-          <p:cNvPr id="76" name="CustomShape 1"/>
-          <p:cNvSpPr/>
-          <p:nvPr/>
-        </p:nvSpPr>
-        <p:spPr>
-          <a:xfrm>
-            <a:off x="504000" y="301320"/>
-            <a:ext cx="9071280" cy="1261800"/>
-          </a:xfrm>
-          <a:prstGeom prst="rect">
-            <a:avLst/>
-          </a:prstGeom>
-          <a:noFill/>
-          <a:ln>
-            <a:noFill/>
-          </a:ln>
-        </p:spPr>
-        <p:style>
-          <a:lnRef idx="0"/>
-          <a:fillRef idx="0"/>
-          <a:effectRef idx="0"/>
-          <a:fontRef idx="minor"/>
-        </p:style>
-        <p:txBody>
-          <a:bodyPr lIns="0" rIns="0" tIns="0" bIns="0" anchor="ctr"/>
-          <a:p>
-            <a:pPr marL="274320" indent="-273960" algn="ctr">
-              <a:lnSpc>
-                <a:spcPct val="100000"/>
-              </a:lnSpc>
-              <a:buClr>
-                <a:srgbClr val="000000"/>
-              </a:buClr>
-              <a:buSzPct val="45000"/>
-              <a:buFont typeface="Wingdings" charset="2"/>
-              <a:buChar char=""/>
-            </a:pPr>
-            <a:r>
-              <a:rPr b="1" lang="es-ES" sz="2400" spc="-1" strike="noStrike">
-                <a:solidFill>
-                  <a:srgbClr val="000000"/>
-                </a:solidFill>
-                <a:uFill>
-                  <a:solidFill>
-                    <a:srgbClr val="ffffff"/>
-                  </a:solidFill>
-                </a:uFill>
-                <a:latin typeface="Thorndale;Times New Roman"/>
-                <a:ea typeface="Thorndale;Times New Roman"/>
-              </a:rPr>
-              <a:t>Ex eorum enim scriptis et institutis cum omnis doctrina liberalis</a:t>
-            </a:r>
-            <a:endParaRPr b="0" lang="es-ES" sz="1800" spc="-1" strike="noStrike">
-              <a:solidFill>
-                <a:srgbClr val="000000"/>
-              </a:solidFill>
-              <a:uFill>
-                <a:solidFill>
-                  <a:srgbClr val="ffffff"/>
-                </a:solidFill>
-              </a:uFill>
-              <a:latin typeface="Arial"/>
-            </a:endParaRPr>
-          </a:p>
-        </p:txBody>
-      </p:sp>
-      <p:sp>
-        <p:nvSpPr>
-          <p:cNvPr id="77" name="CustomShape 2"/>
-          <p:cNvSpPr/>
-          <p:nvPr/>
-        </p:nvSpPr>
-        <p:spPr>
-          <a:xfrm>
-            <a:off x="504000" y="1769040"/>
-            <a:ext cx="9071280" cy="4384080"/>
-          </a:xfrm>
-          <a:prstGeom prst="rect">
-            <a:avLst/>
-          </a:prstGeom>
-          <a:noFill/>
-          <a:ln>
-            <a:noFill/>
-          </a:ln>
-        </p:spPr>
-        <p:style>
-          <a:lnRef idx="0"/>
-          <a:fillRef idx="0"/>
-          <a:effectRef idx="0"/>
-          <a:fontRef idx="minor"/>
-        </p:style>
-        <p:txBody>
-          <a:bodyPr lIns="0" rIns="0" tIns="0" bIns="0"/>
-          <a:p>
-            <a:r>
-              <a:rPr b="0" lang="es-ES" sz="1800" spc="-1" strike="noStrike">
-                <a:solidFill>
-                  <a:srgbClr val="000000"/>
-                </a:solidFill>
-                <a:uFill>
-                  <a:solidFill>
-                    <a:srgbClr val="ffffff"/>
-                  </a:solidFill>
-                </a:uFill>
-                <a:latin typeface="Arial"/>
-              </a:rPr>
-              <a:t>Atque his tribus generibus honestorum notatis quartum sequitur et in eadem pulchritudine et aptum ex illis tribus, in quo inest ordo et moderatio. </a:t>
-            </a:r>
-            <a:r>
-              <a:rPr b="0" lang="es-ES" sz="1800" spc="-1" strike="noStrike">
-                <a:solidFill>
-                  <a:srgbClr val="000000"/>
-                </a:solidFill>
-                <a:uFill>
-                  <a:solidFill>
-                    <a:srgbClr val="ffffff"/>
-                  </a:solidFill>
-                </a:uFill>
-                <a:latin typeface="Liberation Mono;Courier New"/>
-                <a:ea typeface="Liberation Mono;Courier New"/>
-              </a:rPr>
-              <a:t>Proclivi currit oratio.</a:t>
-            </a:r>
-            <a:r>
-              <a:rPr b="0" lang="es-ES" sz="1800" spc="-1" strike="noStrike">
-                <a:solidFill>
-                  <a:srgbClr val="000000"/>
-                </a:solidFill>
-                <a:uFill>
-                  <a:solidFill>
-                    <a:srgbClr val="ffffff"/>
-                  </a:solidFill>
-                </a:uFill>
-                <a:latin typeface="Arial"/>
-                <a:ea typeface="Liberation Mono;Courier New"/>
-              </a:rPr>
-              <a:t> His similes sunt omnes, qui virtuti student levantur vitiis, levantur erroribus, nisi forte censes Ti. Si ad corpus pertinentibus, rationes tuas te video compensare cum istis doloribus, non memoriam corpore perceptarum voluptatum; Quod autem satis est, eo quicquid accessit, nimium est; </a:t>
-            </a:r>
-            <a:endParaRPr b="0" lang="es-ES" sz="1800" spc="-1" strike="noStrike">
-              <a:solidFill>
-                <a:srgbClr val="000000"/>
-              </a:solidFill>
-              <a:uFill>
-                <a:solidFill>
-                  <a:srgbClr val="ffffff"/>
-                </a:solidFill>
-              </a:uFill>
-              <a:latin typeface="Arial"/>
-            </a:endParaRPr>
-          </a:p>
-          <a:p>
-            <a:r>
-              <a:rPr b="0" lang="es-ES" sz="1800" spc="-1" strike="noStrike">
-                <a:solidFill>
-                  <a:srgbClr val="000000"/>
-                </a:solidFill>
-                <a:uFill>
-                  <a:solidFill>
-                    <a:srgbClr val="ffffff"/>
-                  </a:solidFill>
-                </a:uFill>
-                <a:latin typeface="Arial"/>
-                <a:ea typeface="Liberation Mono;Courier New"/>
-              </a:rPr>
-              <a:t>Quis enim redargueret? </a:t>
-            </a:r>
-            <a:endParaRPr b="0" lang="es-ES" sz="1800" spc="-1" strike="noStrike">
-              <a:solidFill>
-                <a:srgbClr val="000000"/>
-              </a:solidFill>
-              <a:uFill>
-                <a:solidFill>
-                  <a:srgbClr val="ffffff"/>
-                </a:solidFill>
-              </a:uFill>
-              <a:latin typeface="Arial"/>
-            </a:endParaRPr>
-          </a:p>
-          <a:p>
-            <a:r>
-              <a:rPr b="0" lang="es-ES" sz="1800" spc="-1" strike="noStrike">
-                <a:solidFill>
-                  <a:srgbClr val="000000"/>
-                </a:solidFill>
-                <a:uFill>
-                  <a:solidFill>
-                    <a:srgbClr val="ffffff"/>
-                  </a:solidFill>
-                </a:uFill>
-                <a:latin typeface="Arial"/>
-                <a:ea typeface="Liberation Mono;Courier New"/>
-              </a:rPr>
-              <a:t>Qui enim existimabit posse se miserum esse beatus non erit. </a:t>
-            </a:r>
-            <a:endParaRPr b="0" lang="es-ES" sz="1800" spc="-1" strike="noStrike">
-              <a:solidFill>
-                <a:srgbClr val="000000"/>
-              </a:solidFill>
-              <a:uFill>
-                <a:solidFill>
-                  <a:srgbClr val="ffffff"/>
-                </a:solidFill>
-              </a:uFill>
-              <a:latin typeface="Arial"/>
-            </a:endParaRPr>
-          </a:p>
-          <a:p>
-            <a:r>
-              <a:rPr b="0" lang="es-ES" sz="1800" spc="-1" strike="noStrike">
-                <a:solidFill>
-                  <a:srgbClr val="000000"/>
-                </a:solidFill>
-                <a:uFill>
-                  <a:solidFill>
-                    <a:srgbClr val="ffffff"/>
-                  </a:solidFill>
-                </a:uFill>
-                <a:latin typeface="Arial"/>
-                <a:ea typeface="Liberation Mono;Courier New"/>
-              </a:rPr>
-              <a:t>Quis istum dolorem timet? </a:t>
-            </a:r>
-            <a:endParaRPr b="0" lang="es-ES" sz="1800" spc="-1" strike="noStrike">
-              <a:solidFill>
-                <a:srgbClr val="000000"/>
-              </a:solidFill>
-              <a:uFill>
-                <a:solidFill>
-                  <a:srgbClr val="ffffff"/>
-                </a:solidFill>
-              </a:uFill>
-              <a:latin typeface="Arial"/>
-            </a:endParaRPr>
-          </a:p>
-          <a:p>
-            <a:r>
-              <a:rPr b="0" lang="es-ES" sz="1800" spc="-1" strike="noStrike">
-                <a:solidFill>
-                  <a:srgbClr val="000000"/>
-                </a:solidFill>
-                <a:uFill>
-                  <a:solidFill>
-                    <a:srgbClr val="ffffff"/>
-                  </a:solidFill>
-                </a:uFill>
-                <a:latin typeface="Arial"/>
-                <a:ea typeface="Liberation Mono;Courier New"/>
-              </a:rPr>
-              <a:t>Sed quia studebat laudi et dignitati, multum in virtute processerat. </a:t>
-            </a:r>
-            <a:endParaRPr b="0" lang="es-ES" sz="1800" spc="-1" strike="noStrike">
-              <a:solidFill>
-                <a:srgbClr val="000000"/>
-              </a:solidFill>
-              <a:uFill>
-                <a:solidFill>
-                  <a:srgbClr val="ffffff"/>
-                </a:solidFill>
-              </a:uFill>
-              <a:latin typeface="Arial"/>
-            </a:endParaRPr>
-          </a:p>
-          <a:p>
-            <a:r>
-              <a:rPr b="0" lang="es-ES" sz="1800" spc="-1" strike="noStrike">
-                <a:solidFill>
-                  <a:srgbClr val="000000"/>
-                </a:solidFill>
-                <a:uFill>
-                  <a:solidFill>
-                    <a:srgbClr val="ffffff"/>
-                  </a:solidFill>
-                </a:uFill>
-                <a:latin typeface="Arial"/>
-                <a:ea typeface="Liberation Mono;Courier New"/>
-              </a:rPr>
-              <a:t>Etiam beatissimum? </a:t>
-            </a:r>
-            <a:endParaRPr b="0" lang="es-ES" sz="1800" spc="-1" strike="noStrike">
-              <a:solidFill>
-                <a:srgbClr val="000000"/>
-              </a:solidFill>
-              <a:uFill>
-                <a:solidFill>
-                  <a:srgbClr val="ffffff"/>
-                </a:solidFill>
-              </a:uFill>
-              <a:latin typeface="Arial"/>
-            </a:endParaRPr>
-          </a:p>
-          <a:p>
-            <a:r>
-              <a:rPr b="0" lang="es-ES" sz="1800" spc="-1" strike="noStrike">
-                <a:solidFill>
-                  <a:srgbClr val="000000"/>
-                </a:solidFill>
-                <a:uFill>
-                  <a:solidFill>
-                    <a:srgbClr val="ffffff"/>
-                  </a:solidFill>
-                </a:uFill>
-                <a:latin typeface="Arial"/>
-                <a:ea typeface="Liberation Mono;Courier New"/>
-              </a:rPr>
-              <a:t>Poterat autem inpune; </a:t>
-            </a:r>
-            <a:endParaRPr b="0" lang="es-ES" sz="1800" spc="-1" strike="noStrike">
-              <a:solidFill>
-                <a:srgbClr val="000000"/>
-              </a:solidFill>
-              <a:uFill>
-                <a:solidFill>
-                  <a:srgbClr val="ffffff"/>
-                </a:solidFill>
-              </a:uFill>
-              <a:latin typeface="Arial"/>
-            </a:endParaRPr>
-          </a:p>
-          <a:p>
-            <a:r>
-              <a:rPr b="0" lang="es-ES" sz="1800" spc="-1" strike="noStrike">
-                <a:solidFill>
-                  <a:srgbClr val="000000"/>
-                </a:solidFill>
-                <a:uFill>
-                  <a:solidFill>
-                    <a:srgbClr val="ffffff"/>
-                  </a:solidFill>
-                </a:uFill>
-                <a:latin typeface="Arial"/>
-                <a:ea typeface="Liberation Mono;Courier New"/>
-              </a:rPr>
-              <a:t>Istic sum, inquit. </a:t>
-            </a:r>
-            <a:endParaRPr b="0" lang="es-ES" sz="1800" spc="-1" strike="noStrike">
-              <a:solidFill>
-                <a:srgbClr val="000000"/>
-              </a:solidFill>
-              <a:uFill>
-                <a:solidFill>
-                  <a:srgbClr val="ffffff"/>
-                </a:solidFill>
-              </a:uFill>
-              <a:latin typeface="Arial"/>
-            </a:endParaRPr>
-          </a:p>
-          <a:p>
-            <a:r>
-              <a:rPr b="0" lang="es-ES" sz="1800" spc="-1" strike="noStrike">
-                <a:solidFill>
-                  <a:srgbClr val="000000"/>
-                </a:solidFill>
-                <a:uFill>
-                  <a:solidFill>
-                    <a:srgbClr val="ffffff"/>
-                  </a:solidFill>
-                </a:uFill>
-                <a:latin typeface="Arial"/>
-                <a:ea typeface="Liberation Mono;Courier New"/>
-              </a:rPr>
-              <a:t>Quo modo autem philosophus loquitur? </a:t>
-            </a:r>
-            <a:endParaRPr b="0" lang="es-ES" sz="1800" spc="-1" strike="noStrike">
-              <a:solidFill>
-                <a:srgbClr val="000000"/>
-              </a:solidFill>
-              <a:uFill>
-                <a:solidFill>
-                  <a:srgbClr val="ffffff"/>
-                </a:solidFill>
-              </a:uFill>
-              <a:latin typeface="Arial"/>
-            </a:endParaRPr>
-          </a:p>
-          <a:p>
-            <a:r>
-              <a:rPr b="0" lang="es-ES" sz="1800" spc="-1" strike="noStrike">
-                <a:solidFill>
-                  <a:srgbClr val="000000"/>
-                </a:solidFill>
-                <a:uFill>
-                  <a:solidFill>
-                    <a:srgbClr val="ffffff"/>
-                  </a:solidFill>
-                </a:uFill>
-                <a:latin typeface="Arial"/>
-                <a:ea typeface="Liberation Mono;Courier New"/>
-              </a:rPr>
-              <a:t>Quid vero? </a:t>
-            </a:r>
-            <a:endParaRPr b="0" lang="es-ES" sz="1800" spc="-1" strike="noStrike">
-              <a:solidFill>
-                <a:srgbClr val="000000"/>
-              </a:solidFill>
-              <a:uFill>
-                <a:solidFill>
-                  <a:srgbClr val="ffffff"/>
-                </a:solidFill>
-              </a:uFill>
-              <a:latin typeface="Arial"/>
-            </a:endParaRPr>
-          </a:p>
-          <a:p>
-            <a:r>
-              <a:rPr b="0" lang="es-ES" sz="1800" spc="-1" strike="noStrike">
-                <a:solidFill>
-                  <a:srgbClr val="000000"/>
-                </a:solidFill>
-                <a:uFill>
-                  <a:solidFill>
-                    <a:srgbClr val="ffffff"/>
-                  </a:solidFill>
-                </a:uFill>
-                <a:latin typeface="Arial"/>
-                <a:ea typeface="Liberation Mono;Courier New"/>
-              </a:rPr>
-              <a:t>Cur igitur, inquam, res tam dissimiles eodem nomine appellas? </a:t>
-            </a:r>
-            <a:endParaRPr b="0" lang="es-ES" sz="1800" spc="-1" strike="noStrike">
-              <a:solidFill>
-                <a:srgbClr val="000000"/>
-              </a:solidFill>
-              <a:uFill>
-                <a:solidFill>
-                  <a:srgbClr val="ffffff"/>
-                </a:solidFill>
-              </a:uFill>
-              <a:latin typeface="Arial"/>
-            </a:endParaRPr>
-          </a:p>
-        </p:txBody>
-      </p:sp>
-    </p:spTree>
-  </p:cSld>
-  <p:timing>
-    <p:tnLst>
-      <p:par>
-        <p:cTn id="5" dur="indefinite" restart="never" nodeType="tmRoot">
-          <p:childTnLst>
-            <p:seq>
-              <p:cTn id="6" nodeType="mainSeq"/>
-              <p:prevCondLst>
-                <p:cond delay="0" evt="onPrev">
-                  <p:tgtEl>
-                    <p:sldTgt/>
-                  </p:tgtEl>
-                </p:cond>
-              </p:prevCondLst>
-              <p:nextCondLst>
-                <p:cond delay="0" evt="onNext">
-                  <p:tgtEl>
-                    <p:sldTgt/>
-                  </p:tgtEl>
-                </p:cond>
-              </p:nextCondLst>
-            </p:seq>
-          </p:childTnLst>
-        </p:cTn>
-      </p:par>
-    </p:tnLst>
-  </p:timing>
-</p:sld>
-</file>
-
-<file path=ppt/slides/slide4.xml><?xml version="1.0" encoding="utf-8"?>
-<p:sld xmlns:a="http://schemas.openxmlformats.org/drawingml/2006/main" xmlns:p="http://schemas.openxmlformats.org/presentationml/2006/main" xmlns:r="http://schemas.openxmlformats.org/officeDocument/2006/relationships">
-  <p:cSld>
-    <p:spTree>
-      <p:nvGrpSpPr>
-        <p:cNvPr id="1" name=""/>
-        <p:cNvGrpSpPr/>
-        <p:nvPr/>
-      </p:nvGrpSpPr>
-      <p:grpSpPr>
-        <a:xfrm>
-          <a:off x="0" y="0"/>
-          <a:ext cx="0" cy="0"/>
-          <a:chOff x="0" y="0"/>
-          <a:chExt cx="0" cy="0"/>
-        </a:xfrm>
-      </p:grpSpPr>
-      <p:sp>
-        <p:nvSpPr>
-          <p:cNvPr id="78" name="CustomShape 1"/>
-          <p:cNvSpPr/>
-          <p:nvPr/>
-        </p:nvSpPr>
-        <p:spPr>
-          <a:xfrm>
-            <a:off x="504000" y="301320"/>
-            <a:ext cx="9071280" cy="1261800"/>
-          </a:xfrm>
-          <a:prstGeom prst="rect">
-            <a:avLst/>
-          </a:prstGeom>
-          <a:noFill/>
-          <a:ln>
-            <a:noFill/>
-          </a:ln>
-        </p:spPr>
-        <p:style>
-          <a:lnRef idx="0"/>
-          <a:fillRef idx="0"/>
-          <a:effectRef idx="0"/>
-          <a:fontRef idx="minor"/>
-        </p:style>
-        <p:txBody>
-          <a:bodyPr lIns="0" rIns="0" tIns="0" bIns="0" anchor="ctr"/>
-          <a:p>
-            <a:pPr lvl="1" marL="432000" indent="-215640" algn="ctr">
-              <a:lnSpc>
-                <a:spcPct val="100000"/>
-              </a:lnSpc>
-              <a:buClr>
-                <a:srgbClr val="000000"/>
-              </a:buClr>
-              <a:buSzPct val="45000"/>
-              <a:buFont typeface="Wingdings" charset="2"/>
-              <a:buChar char=""/>
-            </a:pPr>
-            <a:r>
-              <a:rPr b="1" lang="es-ES" sz="2400" spc="-1" strike="noStrike">
-                <a:solidFill>
-                  <a:srgbClr val="000000"/>
-                </a:solidFill>
-                <a:uFill>
-                  <a:solidFill>
-                    <a:srgbClr val="ffffff"/>
+                    <a:srgbClr val="FFFFFF"/>
                   </a:solidFill>
                 </a:uFill>
                 <a:latin typeface="Liberation Serif;Times New Roman"/>
@@ -4641,13 +5350,13 @@
               </a:rPr>
               <a:t>Sed ad rem redeamus</a:t>
             </a:r>
-            <a:endParaRPr b="0" lang="es-ES" sz="1800" spc="-1" strike="noStrike">
-              <a:solidFill>
-                <a:srgbClr val="000000"/>
-              </a:solidFill>
-              <a:uFill>
-                <a:solidFill>
-                  <a:srgbClr val="ffffff"/>
+            <a:endParaRPr lang="es-ES" sz="1800" b="0" strike="noStrike" spc="-1">
+              <a:solidFill>
+                <a:srgbClr val="000000"/>
+              </a:solidFill>
+              <a:uFill>
+                <a:solidFill>
+                  <a:srgbClr val="FFFFFF"/>
                 </a:solidFill>
               </a:uFill>
               <a:latin typeface="Arial"/>
@@ -4675,22 +5384,29 @@
           </a:ln>
         </p:spPr>
         <p:style>
-          <a:lnRef idx="0"/>
-          <a:fillRef idx="0"/>
-          <a:effectRef idx="0"/>
+          <a:lnRef idx="0">
+            <a:scrgbClr r="0" g="0" b="0"/>
+          </a:lnRef>
+          <a:fillRef idx="0">
+            <a:scrgbClr r="0" g="0" b="0"/>
+          </a:fillRef>
+          <a:effectRef idx="0">
+            <a:scrgbClr r="0" g="0" b="0"/>
+          </a:effectRef>
           <a:fontRef idx="minor"/>
         </p:style>
         <p:txBody>
-          <a:bodyPr lIns="0" rIns="0" tIns="0" bIns="0"/>
+          <a:bodyPr lIns="0" tIns="0" rIns="0" bIns="0"/>
+          <a:lstStyle/>
           <a:p>
             <a:r>
-              <a:rPr b="0" lang="es-ES" sz="1600" spc="-1" strike="noStrike">
+              <a:rPr lang="es-ES" sz="1600" b="0" strike="noStrike" spc="-1">
                 <a:solidFill>
                   <a:srgbClr val="000000"/>
                 </a:solidFill>
                 <a:uFill>
                   <a:solidFill>
-                    <a:srgbClr val="ffffff"/>
+                    <a:srgbClr val="FFFFFF"/>
                   </a:solidFill>
                 </a:uFill>
                 <a:latin typeface="Arial"/>
@@ -4699,13 +5415,13 @@
               <a:t>Cum autem usus progrediens familiaritatem effecerit, tum amorem efflorescere tantum, ut, etiamsi nulla sit utilitas ex amicitia, tamen ipsi amici propter se ipsos amentur. </a:t>
             </a:r>
             <a:r>
-              <a:rPr b="0" i="1" lang="es-ES" sz="1600" spc="-1" strike="noStrike">
+              <a:rPr lang="es-ES" sz="1600" b="0" i="1" strike="noStrike" spc="-1">
                 <a:solidFill>
                   <a:srgbClr val="000000"/>
                 </a:solidFill>
                 <a:uFill>
                   <a:solidFill>
-                    <a:srgbClr val="ffffff"/>
+                    <a:srgbClr val="FFFFFF"/>
                   </a:solidFill>
                 </a:uFill>
                 <a:latin typeface="Arial"/>
@@ -4714,13 +5430,13 @@
               <a:t>Sit sane ista voluptas.</a:t>
             </a:r>
             <a:r>
-              <a:rPr b="0" lang="es-ES" sz="1600" spc="-1" strike="noStrike">
+              <a:rPr lang="es-ES" sz="1600" b="0" strike="noStrike" spc="-1">
                 <a:solidFill>
                   <a:srgbClr val="000000"/>
                 </a:solidFill>
                 <a:uFill>
                   <a:solidFill>
-                    <a:srgbClr val="ffffff"/>
+                    <a:srgbClr val="FFFFFF"/>
                   </a:solidFill>
                 </a:uFill>
                 <a:latin typeface="Arial"/>
@@ -4729,13 +5445,13 @@
               <a:t> At vero illa perfecta atque plena eorum, qui cum de hominis summo bono quaererent, nullam in eo neque animi neque corporis partem vacuam tutela reliquerunt. Quis non odit sordidos, vanos, leves, futtiles? </a:t>
             </a:r>
             <a:r>
-              <a:rPr b="1" lang="es-ES" sz="1600" spc="-1" strike="noStrike">
+              <a:rPr lang="es-ES" sz="1600" b="1" strike="noStrike" spc="-1">
                 <a:solidFill>
                   <a:srgbClr val="000000"/>
                 </a:solidFill>
                 <a:uFill>
                   <a:solidFill>
-                    <a:srgbClr val="ffffff"/>
+                    <a:srgbClr val="FFFFFF"/>
                   </a:solidFill>
                 </a:uFill>
                 <a:latin typeface="Arial"/>
@@ -4744,13 +5460,13 @@
               <a:t>Memini me adesse P.</a:t>
             </a:r>
             <a:r>
-              <a:rPr b="0" lang="es-ES" sz="1600" spc="-1" strike="noStrike">
+              <a:rPr lang="es-ES" sz="1600" b="0" strike="noStrike" spc="-1">
                 <a:solidFill>
                   <a:srgbClr val="000000"/>
                 </a:solidFill>
                 <a:uFill>
                   <a:solidFill>
-                    <a:srgbClr val="ffffff"/>
+                    <a:srgbClr val="FFFFFF"/>
                   </a:solidFill>
                 </a:uFill>
                 <a:latin typeface="Arial"/>
@@ -4759,13 +5475,13 @@
               <a:t> Is ita vivebat, ut nulla tam exquisita posset inveniri voluptas, qua non abundaret. Quasi enim emendum eis sit, quod addant ad virtutem, primum vilissimas res addunt, dein singulas potius, quam omnia, quae prima natura approbavisset, ea cum honestate coniungerent. Nihil enim hoc differt. </a:t>
             </a:r>
             <a:r>
-              <a:rPr b="0" i="1" lang="es-ES" sz="1600" spc="-1" strike="noStrike">
+              <a:rPr lang="es-ES" sz="1600" b="0" i="1" strike="noStrike" spc="-1">
                 <a:solidFill>
                   <a:srgbClr val="000000"/>
                 </a:solidFill>
                 <a:uFill>
                   <a:solidFill>
-                    <a:srgbClr val="ffffff"/>
+                    <a:srgbClr val="FFFFFF"/>
                   </a:solidFill>
                 </a:uFill>
                 <a:latin typeface="Arial"/>
@@ -4774,13 +5490,13 @@
               <a:t>Sit sane ista voluptas.</a:t>
             </a:r>
             <a:r>
-              <a:rPr b="0" lang="es-ES" sz="1600" spc="-1" strike="noStrike">
+              <a:rPr lang="es-ES" sz="1600" b="0" strike="noStrike" spc="-1">
                 <a:solidFill>
                   <a:srgbClr val="000000"/>
                 </a:solidFill>
                 <a:uFill>
                   <a:solidFill>
-                    <a:srgbClr val="ffffff"/>
+                    <a:srgbClr val="FFFFFF"/>
                   </a:solidFill>
                 </a:uFill>
                 <a:latin typeface="Arial"/>
@@ -4788,13 +5504,13 @@
               </a:rPr>
               <a:t> Ne id quidem, nisi multa annorum intercesserint milia, ut omnium siderum eodem, unde profecta sint, fiat ad unum tempus reversio. Sapientia enim et animi magnitudinem complectitur et iustitiam, et ut omnia, quae homini accidant, infra se esse iudicet, quod idem ceteris artibus non contingit. Atque haec contra Aristippum, qui eam voluptatem non modo summam, sed solam etiam ducit, quam omnes unam appellamus voluptatem. Hic dolor populi Romani duce et auctore Bruto causa civitati libertatis fuit, ob eiusque mulieris memoriam primo anno et vir et pater eius consul est factus. Illud autem ipsum qui optineri potest, quod dicitis, omnis animi et voluptates et dolores ad corporis voluptates ac dolores pertinere? </a:t>
             </a:r>
-            <a:endParaRPr b="0" lang="es-ES" sz="1800" spc="-1" strike="noStrike">
-              <a:solidFill>
-                <a:srgbClr val="000000"/>
-              </a:solidFill>
-              <a:uFill>
-                <a:solidFill>
-                  <a:srgbClr val="ffffff"/>
+            <a:endParaRPr lang="es-ES" sz="1800" b="0" strike="noStrike" spc="-1">
+              <a:solidFill>
+                <a:srgbClr val="000000"/>
+              </a:solidFill>
+              <a:uFill>
+                <a:solidFill>
+                  <a:srgbClr val="FFFFFF"/>
                 </a:solidFill>
               </a:uFill>
               <a:latin typeface="Arial"/>
@@ -4804,22 +5520,25 @@
       </p:sp>
     </p:spTree>
   </p:cSld>
+  <p:clrMapOvr>
+    <a:masterClrMapping/>
+  </p:clrMapOvr>
   <p:timing>
     <p:tnLst>
       <p:par>
-        <p:cTn id="7" dur="indefinite" restart="never" nodeType="tmRoot">
+        <p:cTn id="1" dur="indefinite" restart="never" nodeType="tmRoot">
           <p:childTnLst>
             <p:seq>
-              <p:cTn id="8" nodeType="mainSeq"/>
+              <p:cTn id="2" nodeType="mainSeq"/>
               <p:prevCondLst>
-                <p:cond delay="0" evt="onPrev">
+                <p:cond evt="onPrev" delay="0">
                   <p:tgtEl>
                     <p:sldTgt/>
                   </p:tgtEl>
                 </p:cond>
               </p:prevCondLst>
               <p:nextCondLst>
-                <p:cond delay="0" evt="onNext">
+                <p:cond evt="onNext" delay="0">
                   <p:tgtEl>
                     <p:sldTgt/>
                   </p:tgtEl>
@@ -5054,6 +5773,8 @@
       </a:bgFillStyleLst>
     </a:fmtScheme>
   </a:themeElements>
+  <a:objectDefaults/>
+  <a:extraClrSchemeLst/>
 </a:theme>
 </file>
 
@@ -5277,5 +5998,7 @@
       </a:bgFillStyleLst>
     </a:fmtScheme>
   </a:themeElements>
+  <a:objectDefaults/>
+  <a:extraClrSchemeLst/>
 </a:theme>
 </file>